--- a/SVG动画 [自动保存] [自动保存].pptx
+++ b/SVG动画 [自动保存] [自动保存].pptx
@@ -16,18 +16,19 @@
     <p:sldId id="274" r:id="rId10"/>
     <p:sldId id="270" r:id="rId11"/>
     <p:sldId id="271" r:id="rId12"/>
-    <p:sldId id="261" r:id="rId13"/>
-    <p:sldId id="259" r:id="rId14"/>
-    <p:sldId id="265" r:id="rId15"/>
-    <p:sldId id="280" r:id="rId16"/>
-    <p:sldId id="281" r:id="rId17"/>
-    <p:sldId id="275" r:id="rId18"/>
-    <p:sldId id="276" r:id="rId19"/>
-    <p:sldId id="277" r:id="rId20"/>
-    <p:sldId id="266" r:id="rId21"/>
-    <p:sldId id="272" r:id="rId22"/>
-    <p:sldId id="278" r:id="rId23"/>
-    <p:sldId id="279" r:id="rId24"/>
+    <p:sldId id="259" r:id="rId13"/>
+    <p:sldId id="266" r:id="rId14"/>
+    <p:sldId id="280" r:id="rId15"/>
+    <p:sldId id="281" r:id="rId16"/>
+    <p:sldId id="275" r:id="rId17"/>
+    <p:sldId id="282" r:id="rId18"/>
+    <p:sldId id="283" r:id="rId19"/>
+    <p:sldId id="284" r:id="rId20"/>
+    <p:sldId id="276" r:id="rId21"/>
+    <p:sldId id="277" r:id="rId22"/>
+    <p:sldId id="272" r:id="rId23"/>
+    <p:sldId id="278" r:id="rId24"/>
+    <p:sldId id="279" r:id="rId25"/>
   </p:sldIdLst>
   <p:sldSz cx="12192000" cy="6858000"/>
   <p:notesSz cx="6858000" cy="9144000"/>
@@ -728,7 +729,7 @@
           <p:cNvPr id="17" name="任意多边形: 形状 16">
             <a:extLst>
               <a:ext uri="{FF2B5EF4-FFF2-40B4-BE49-F238E27FC236}">
-                <a16:creationId xmlns:a16="http://schemas.microsoft.com/office/drawing/2014/main" xmlns="" id="{6752DADE-F8A9-48AE-B0CB-681361D167C1}"/>
+                <a16:creationId xmlns="" xmlns:a16="http://schemas.microsoft.com/office/drawing/2014/main" id="{6752DADE-F8A9-48AE-B0CB-681361D167C1}"/>
               </a:ext>
             </a:extLst>
           </p:cNvPr>
@@ -7835,7 +7836,7 @@
           <p:cNvPr id="62" name="直接连接符 61">
             <a:extLst>
               <a:ext uri="{FF2B5EF4-FFF2-40B4-BE49-F238E27FC236}">
-                <a16:creationId xmlns:a16="http://schemas.microsoft.com/office/drawing/2014/main" xmlns="" id="{F2B89207-842B-4543-8439-B5BA11649F09}"/>
+                <a16:creationId xmlns="" xmlns:a16="http://schemas.microsoft.com/office/drawing/2014/main" id="{F2B89207-842B-4543-8439-B5BA11649F09}"/>
               </a:ext>
             </a:extLst>
           </p:cNvPr>
@@ -7872,7 +7873,7 @@
           <p:cNvPr id="17" name="组合 16">
             <a:extLst>
               <a:ext uri="{FF2B5EF4-FFF2-40B4-BE49-F238E27FC236}">
-                <a16:creationId xmlns:a16="http://schemas.microsoft.com/office/drawing/2014/main" xmlns="" id="{4F9FC58F-9C75-4A99-AE72-3433E3C90246}"/>
+                <a16:creationId xmlns="" xmlns:a16="http://schemas.microsoft.com/office/drawing/2014/main" id="{4F9FC58F-9C75-4A99-AE72-3433E3C90246}"/>
               </a:ext>
             </a:extLst>
           </p:cNvPr>
@@ -7892,7 +7893,7 @@
             <p:cNvPr id="18" name="文本框 17">
               <a:extLst>
                 <a:ext uri="{FF2B5EF4-FFF2-40B4-BE49-F238E27FC236}">
-                  <a16:creationId xmlns:a16="http://schemas.microsoft.com/office/drawing/2014/main" xmlns="" id="{CBB88046-DA0C-4D62-ABE0-DF4F219BC41E}"/>
+                  <a16:creationId xmlns="" xmlns:a16="http://schemas.microsoft.com/office/drawing/2014/main" id="{CBB88046-DA0C-4D62-ABE0-DF4F219BC41E}"/>
                 </a:ext>
               </a:extLst>
             </p:cNvPr>
@@ -7945,7 +7946,7 @@
             <p:cNvPr id="19" name="文本框 18">
               <a:extLst>
                 <a:ext uri="{FF2B5EF4-FFF2-40B4-BE49-F238E27FC236}">
-                  <a16:creationId xmlns:a16="http://schemas.microsoft.com/office/drawing/2014/main" xmlns="" id="{26D4D4DA-FA36-4DDE-8DFE-C3548A560484}"/>
+                  <a16:creationId xmlns="" xmlns:a16="http://schemas.microsoft.com/office/drawing/2014/main" id="{26D4D4DA-FA36-4DDE-8DFE-C3548A560484}"/>
                 </a:ext>
               </a:extLst>
             </p:cNvPr>
@@ -7998,7 +7999,7 @@
             <p:cNvPr id="20" name="文本框 19">
               <a:extLst>
                 <a:ext uri="{FF2B5EF4-FFF2-40B4-BE49-F238E27FC236}">
-                  <a16:creationId xmlns:a16="http://schemas.microsoft.com/office/drawing/2014/main" xmlns="" id="{FF425B85-D13B-4D06-9EBD-A57DA15BAE62}"/>
+                  <a16:creationId xmlns="" xmlns:a16="http://schemas.microsoft.com/office/drawing/2014/main" id="{FF425B85-D13B-4D06-9EBD-A57DA15BAE62}"/>
                 </a:ext>
               </a:extLst>
             </p:cNvPr>
@@ -8051,7 +8052,7 @@
             <p:cNvPr id="21" name="文本框 20">
               <a:extLst>
                 <a:ext uri="{FF2B5EF4-FFF2-40B4-BE49-F238E27FC236}">
-                  <a16:creationId xmlns:a16="http://schemas.microsoft.com/office/drawing/2014/main" xmlns="" id="{98E90643-75C2-4D2E-844E-02C863EB4658}"/>
+                  <a16:creationId xmlns="" xmlns:a16="http://schemas.microsoft.com/office/drawing/2014/main" id="{98E90643-75C2-4D2E-844E-02C863EB4658}"/>
                 </a:ext>
               </a:extLst>
             </p:cNvPr>
@@ -8242,249 +8243,6 @@
             </a:r>
             <a:r>
               <a:rPr kumimoji="1" lang="zh-CN" altLang="en-US" sz="3200" dirty="0" smtClean="0"/>
-              <a:t> </a:t>
-            </a:r>
-            <a:r>
-              <a:rPr kumimoji="1" lang="en-US" altLang="zh-CN" sz="3200" dirty="0" smtClean="0"/>
-              <a:t>SVG</a:t>
-            </a:r>
-            <a:r>
-              <a:rPr kumimoji="1" lang="zh-CN" altLang="en-US" sz="3200" dirty="0" smtClean="0"/>
-              <a:t> 基础</a:t>
-            </a:r>
-            <a:endParaRPr kumimoji="1" lang="zh-CN" altLang="en-US" sz="3200" dirty="0"/>
-          </a:p>
-        </p:txBody>
-      </p:sp>
-      <p:sp>
-        <p:nvSpPr>
-          <p:cNvPr id="3" name="文本框 2"/>
-          <p:cNvSpPr txBox="1"/>
-          <p:nvPr/>
-        </p:nvSpPr>
-        <p:spPr>
-          <a:xfrm>
-            <a:off x="644374" y="1348154"/>
-            <a:ext cx="10926303" cy="1200329"/>
-          </a:xfrm>
-          <a:prstGeom prst="rect">
-            <a:avLst/>
-          </a:prstGeom>
-          <a:noFill/>
-        </p:spPr>
-        <p:txBody>
-          <a:bodyPr wrap="square" rtlCol="0">
-            <a:spAutoFit/>
-          </a:bodyPr>
-          <a:lstStyle/>
-          <a:p>
-            <a:r>
-              <a:rPr lang="en-US" altLang="zh-CN" dirty="0" smtClean="0"/>
-              <a:t>SVG</a:t>
-            </a:r>
-            <a:r>
-              <a:rPr lang="zh-CN" altLang="en-US" dirty="0" smtClean="0"/>
-              <a:t> </a:t>
-            </a:r>
-            <a:r>
-              <a:rPr lang="de-DE" altLang="zh-CN" dirty="0"/>
-              <a:t> (</a:t>
-            </a:r>
-            <a:r>
-              <a:rPr lang="de-DE" altLang="zh-CN" dirty="0" err="1"/>
-              <a:t>Scalable</a:t>
-            </a:r>
-            <a:r>
-              <a:rPr lang="de-DE" altLang="zh-CN" dirty="0"/>
-              <a:t> </a:t>
-            </a:r>
-            <a:r>
-              <a:rPr lang="de-DE" altLang="zh-CN" dirty="0" err="1"/>
-              <a:t>Vector</a:t>
-            </a:r>
-            <a:r>
-              <a:rPr lang="de-DE" altLang="zh-CN" dirty="0"/>
-              <a:t> Graphics</a:t>
-            </a:r>
-            <a:r>
-              <a:rPr lang="de-DE" altLang="zh-CN" dirty="0" smtClean="0"/>
-              <a:t>)</a:t>
-            </a:r>
-            <a:r>
-              <a:rPr lang="zh-CN" altLang="en-US" dirty="0" smtClean="0"/>
-              <a:t>  全称</a:t>
-            </a:r>
-            <a:r>
-              <a:rPr lang="zh-CN" altLang="en-US" dirty="0"/>
-              <a:t>可伸缩矢量</a:t>
-            </a:r>
-            <a:r>
-              <a:rPr lang="zh-CN" altLang="en-US" dirty="0" smtClean="0"/>
-              <a:t>图形，既矢量图。</a:t>
-            </a:r>
-            <a:endParaRPr lang="en-US" altLang="zh-CN" dirty="0" smtClean="0"/>
-          </a:p>
-          <a:p>
-            <a:endParaRPr kumimoji="1" lang="en-US" altLang="zh-CN" dirty="0"/>
-          </a:p>
-          <a:p>
-            <a:r>
-              <a:rPr lang="en-US" altLang="zh-CN" dirty="0" smtClean="0"/>
-              <a:t>SVG</a:t>
-            </a:r>
-            <a:r>
-              <a:rPr lang="zh-CN" altLang="en-US" dirty="0" smtClean="0"/>
-              <a:t>不同于</a:t>
-            </a:r>
-            <a:r>
-              <a:rPr lang="en-US" altLang="zh-CN" dirty="0" smtClean="0"/>
-              <a:t>HTML</a:t>
-            </a:r>
-            <a:r>
-              <a:rPr lang="zh-CN" altLang="en-US" dirty="0" smtClean="0"/>
-              <a:t>、</a:t>
-            </a:r>
-            <a:r>
-              <a:rPr lang="en-US" altLang="zh-CN" dirty="0" smtClean="0"/>
-              <a:t>canvas</a:t>
-            </a:r>
-            <a:r>
-              <a:rPr lang="zh-CN" altLang="en-US" dirty="0" smtClean="0"/>
-              <a:t>，它使用 </a:t>
-            </a:r>
-            <a:r>
-              <a:rPr lang="en-US" altLang="zh-CN" dirty="0"/>
-              <a:t>XML </a:t>
-            </a:r>
-            <a:r>
-              <a:rPr lang="zh-CN" altLang="en-US" dirty="0"/>
-              <a:t>格式定义</a:t>
-            </a:r>
-            <a:r>
-              <a:rPr lang="zh-CN" altLang="en-US" dirty="0" smtClean="0"/>
-              <a:t>图形，</a:t>
-            </a:r>
-            <a:r>
-              <a:rPr lang="zh-CN" altLang="en-US" dirty="0"/>
-              <a:t>在放大或改变尺寸的情况下其图形质量不会有所损失</a:t>
-            </a:r>
-            <a:endParaRPr kumimoji="1" lang="zh-CN" altLang="en-US" dirty="0"/>
-          </a:p>
-        </p:txBody>
-      </p:sp>
-      <p:sp>
-        <p:nvSpPr>
-          <p:cNvPr id="4" name="文本框 3"/>
-          <p:cNvSpPr txBox="1"/>
-          <p:nvPr/>
-        </p:nvSpPr>
-        <p:spPr>
-          <a:xfrm>
-            <a:off x="1125415" y="2883877"/>
-            <a:ext cx="9964616" cy="646331"/>
-          </a:xfrm>
-          <a:prstGeom prst="rect">
-            <a:avLst/>
-          </a:prstGeom>
-          <a:noFill/>
-        </p:spPr>
-        <p:txBody>
-          <a:bodyPr wrap="square" rtlCol="0">
-            <a:spAutoFit/>
-          </a:bodyPr>
-          <a:lstStyle/>
-          <a:p>
-            <a:r>
-              <a:rPr kumimoji="1" lang="zh-CN" altLang="en-US" dirty="0" smtClean="0"/>
-              <a:t>优势：</a:t>
-            </a:r>
-            <a:endParaRPr kumimoji="1" lang="en-US" altLang="zh-CN" dirty="0" smtClean="0"/>
-          </a:p>
-          <a:p>
-            <a:r>
-              <a:rPr kumimoji="1" lang="zh-CN" altLang="en-US" dirty="0" smtClean="0"/>
-              <a:t>   （</a:t>
-            </a:r>
-            <a:r>
-              <a:rPr kumimoji="1" lang="en-US" altLang="zh-CN" dirty="0" smtClean="0"/>
-              <a:t>1</a:t>
-            </a:r>
-            <a:r>
-              <a:rPr kumimoji="1" lang="zh-CN" altLang="en-US" dirty="0" smtClean="0"/>
-              <a:t>）</a:t>
-            </a:r>
-            <a:endParaRPr kumimoji="1" lang="zh-CN" altLang="en-US" dirty="0"/>
-          </a:p>
-        </p:txBody>
-      </p:sp>
-    </p:spTree>
-    <p:extLst>
-      <p:ext uri="{BB962C8B-B14F-4D97-AF65-F5344CB8AC3E}">
-        <p14:creationId xmlns:p14="http://schemas.microsoft.com/office/powerpoint/2010/main" val="826393868"/>
-      </p:ext>
-    </p:extLst>
-  </p:cSld>
-  <p:clrMapOvr>
-    <a:masterClrMapping/>
-  </p:clrMapOvr>
-  <p:transition spd="med">
-    <p:pull/>
-  </p:transition>
-  <p:timing>
-    <p:tnLst>
-      <p:par>
-        <p:cTn id="1" dur="indefinite" restart="never" nodeType="tmRoot"/>
-      </p:par>
-    </p:tnLst>
-  </p:timing>
-</p:sld>
-</file>
-
-<file path=ppt/slides/slide12.xml><?xml version="1.0" encoding="utf-8"?>
-<p:sld xmlns:a="http://schemas.openxmlformats.org/drawingml/2006/main" xmlns:r="http://schemas.openxmlformats.org/officeDocument/2006/relationships" xmlns:p="http://schemas.openxmlformats.org/presentationml/2006/main">
-  <p:cSld>
-    <p:spTree>
-      <p:nvGrpSpPr>
-        <p:cNvPr id="1" name=""/>
-        <p:cNvGrpSpPr/>
-        <p:nvPr/>
-      </p:nvGrpSpPr>
-      <p:grpSpPr>
-        <a:xfrm>
-          <a:off x="0" y="0"/>
-          <a:ext cx="0" cy="0"/>
-          <a:chOff x="0" y="0"/>
-          <a:chExt cx="0" cy="0"/>
-        </a:xfrm>
-      </p:grpSpPr>
-      <p:sp>
-        <p:nvSpPr>
-          <p:cNvPr id="2" name="文本框 1"/>
-          <p:cNvSpPr txBox="1"/>
-          <p:nvPr/>
-        </p:nvSpPr>
-        <p:spPr>
-          <a:xfrm>
-            <a:off x="644374" y="443238"/>
-            <a:ext cx="10926303" cy="584775"/>
-          </a:xfrm>
-          <a:prstGeom prst="rect">
-            <a:avLst/>
-          </a:prstGeom>
-          <a:noFill/>
-        </p:spPr>
-        <p:txBody>
-          <a:bodyPr wrap="square" rtlCol="0">
-            <a:spAutoFit/>
-          </a:bodyPr>
-          <a:lstStyle/>
-          <a:p>
-            <a:r>
-              <a:rPr kumimoji="1" lang="en-US" altLang="zh-CN" sz="3200" dirty="0" smtClean="0"/>
-              <a:t>2.</a:t>
-            </a:r>
-            <a:r>
-              <a:rPr kumimoji="1" lang="zh-CN" altLang="en-US" sz="3200" dirty="0" smtClean="0"/>
               <a:t> 怎样制作一个</a:t>
             </a:r>
             <a:r>
@@ -8518,2212 +8276,7 @@
 </p:sld>
 </file>
 
-<file path=ppt/slides/slide13.xml><?xml version="1.0" encoding="utf-8"?>
-<p:sld xmlns:a="http://schemas.openxmlformats.org/drawingml/2006/main" xmlns:r="http://schemas.openxmlformats.org/officeDocument/2006/relationships" xmlns:p="http://schemas.openxmlformats.org/presentationml/2006/main">
-  <p:cSld>
-    <p:spTree>
-      <p:nvGrpSpPr>
-        <p:cNvPr id="1" name=""/>
-        <p:cNvGrpSpPr/>
-        <p:nvPr/>
-      </p:nvGrpSpPr>
-      <p:grpSpPr>
-        <a:xfrm>
-          <a:off x="0" y="0"/>
-          <a:ext cx="0" cy="0"/>
-          <a:chOff x="0" y="0"/>
-          <a:chExt cx="0" cy="0"/>
-        </a:xfrm>
-      </p:grpSpPr>
-      <p:sp>
-        <p:nvSpPr>
-          <p:cNvPr id="2" name="文本框 1"/>
-          <p:cNvSpPr txBox="1"/>
-          <p:nvPr/>
-        </p:nvSpPr>
-        <p:spPr>
-          <a:xfrm>
-            <a:off x="632651" y="443238"/>
-            <a:ext cx="10926303" cy="584775"/>
-          </a:xfrm>
-          <a:prstGeom prst="rect">
-            <a:avLst/>
-          </a:prstGeom>
-          <a:noFill/>
-        </p:spPr>
-        <p:txBody>
-          <a:bodyPr wrap="square" rtlCol="0">
-            <a:spAutoFit/>
-          </a:bodyPr>
-          <a:lstStyle/>
-          <a:p>
-            <a:r>
-              <a:rPr kumimoji="1" lang="en-US" altLang="zh-CN" sz="3200" dirty="0" smtClean="0"/>
-              <a:t>2.</a:t>
-            </a:r>
-            <a:r>
-              <a:rPr kumimoji="1" lang="zh-CN" altLang="en-US" sz="3200" dirty="0" smtClean="0"/>
-              <a:t> </a:t>
-            </a:r>
-            <a:r>
-              <a:rPr lang="en-US" altLang="zh-CN" sz="3200" b="1" dirty="0"/>
-              <a:t>SVG SMIL animation</a:t>
-            </a:r>
-          </a:p>
-        </p:txBody>
-      </p:sp>
-      <p:sp>
-        <p:nvSpPr>
-          <p:cNvPr id="3" name="文本框 2"/>
-          <p:cNvSpPr txBox="1"/>
-          <p:nvPr/>
-        </p:nvSpPr>
-        <p:spPr>
-          <a:xfrm>
-            <a:off x="820616" y="1148862"/>
-            <a:ext cx="10738338" cy="369332"/>
-          </a:xfrm>
-          <a:prstGeom prst="rect">
-            <a:avLst/>
-          </a:prstGeom>
-          <a:noFill/>
-        </p:spPr>
-        <p:txBody>
-          <a:bodyPr wrap="square" rtlCol="0">
-            <a:spAutoFit/>
-          </a:bodyPr>
-          <a:lstStyle/>
-          <a:p>
-            <a:r>
-              <a:rPr kumimoji="1" lang="zh-CN" altLang="en-US" dirty="0" smtClean="0"/>
-              <a:t>  </a:t>
-            </a:r>
-            <a:r>
-              <a:rPr kumimoji="1" lang="en-US" altLang="zh-CN" dirty="0" smtClean="0"/>
-              <a:t>Synchronized Multimedia Integration Language</a:t>
-            </a:r>
-            <a:r>
-              <a:rPr kumimoji="1" lang="zh-CN" altLang="en-US" dirty="0" smtClean="0"/>
-              <a:t>（同步多媒体集成语言）</a:t>
-            </a:r>
-            <a:endParaRPr kumimoji="1" lang="zh-CN" altLang="en-US" dirty="0"/>
-          </a:p>
-        </p:txBody>
-      </p:sp>
-      <p:sp>
-        <p:nvSpPr>
-          <p:cNvPr id="4" name="文本框 3"/>
-          <p:cNvSpPr txBox="1"/>
-          <p:nvPr/>
-        </p:nvSpPr>
-        <p:spPr>
-          <a:xfrm>
-            <a:off x="1008185" y="1723292"/>
-            <a:ext cx="6764215" cy="369332"/>
-          </a:xfrm>
-          <a:prstGeom prst="rect">
-            <a:avLst/>
-          </a:prstGeom>
-          <a:noFill/>
-        </p:spPr>
-        <p:txBody>
-          <a:bodyPr wrap="square" rtlCol="0">
-            <a:spAutoFit/>
-          </a:bodyPr>
-          <a:lstStyle/>
-          <a:p>
-            <a:r>
-              <a:rPr kumimoji="1" lang="en-US" altLang="zh-CN" dirty="0" smtClean="0"/>
-              <a:t>SMIL</a:t>
-            </a:r>
-            <a:r>
-              <a:rPr kumimoji="1" lang="zh-CN" altLang="en-US" dirty="0" smtClean="0"/>
-              <a:t> 动画</a:t>
-            </a:r>
-            <a:endParaRPr kumimoji="1" lang="zh-CN" altLang="en-US" dirty="0"/>
-          </a:p>
-        </p:txBody>
-      </p:sp>
-    </p:spTree>
-    <p:extLst>
-      <p:ext uri="{BB962C8B-B14F-4D97-AF65-F5344CB8AC3E}">
-        <p14:creationId xmlns:p14="http://schemas.microsoft.com/office/powerpoint/2010/main" val="882206582"/>
-      </p:ext>
-    </p:extLst>
-  </p:cSld>
-  <p:clrMapOvr>
-    <a:masterClrMapping/>
-  </p:clrMapOvr>
-  <p:transition spd="med">
-    <p:pull/>
-  </p:transition>
-  <p:timing>
-    <p:tnLst>
-      <p:par>
-        <p:cTn id="1" dur="indefinite" restart="never" nodeType="tmRoot"/>
-      </p:par>
-    </p:tnLst>
-  </p:timing>
-</p:sld>
-</file>
-
-<file path=ppt/slides/slide14.xml><?xml version="1.0" encoding="utf-8"?>
-<p:sld xmlns:a="http://schemas.openxmlformats.org/drawingml/2006/main" xmlns:r="http://schemas.openxmlformats.org/officeDocument/2006/relationships" xmlns:p="http://schemas.openxmlformats.org/presentationml/2006/main">
-  <p:cSld>
-    <p:spTree>
-      <p:nvGrpSpPr>
-        <p:cNvPr id="1" name=""/>
-        <p:cNvGrpSpPr/>
-        <p:nvPr/>
-      </p:nvGrpSpPr>
-      <p:grpSpPr>
-        <a:xfrm>
-          <a:off x="0" y="0"/>
-          <a:ext cx="0" cy="0"/>
-          <a:chOff x="0" y="0"/>
-          <a:chExt cx="0" cy="0"/>
-        </a:xfrm>
-      </p:grpSpPr>
-      <p:sp>
-        <p:nvSpPr>
-          <p:cNvPr id="2" name="文本框 1"/>
-          <p:cNvSpPr txBox="1"/>
-          <p:nvPr/>
-        </p:nvSpPr>
-        <p:spPr>
-          <a:xfrm>
-            <a:off x="644374" y="443238"/>
-            <a:ext cx="10926303" cy="584775"/>
-          </a:xfrm>
-          <a:prstGeom prst="rect">
-            <a:avLst/>
-          </a:prstGeom>
-          <a:noFill/>
-        </p:spPr>
-        <p:txBody>
-          <a:bodyPr wrap="square" rtlCol="0">
-            <a:spAutoFit/>
-          </a:bodyPr>
-          <a:lstStyle/>
-          <a:p>
-            <a:r>
-              <a:rPr kumimoji="1" lang="en-US" altLang="zh-CN" sz="3200" dirty="0" smtClean="0"/>
-              <a:t>2.</a:t>
-            </a:r>
-            <a:r>
-              <a:rPr kumimoji="1" lang="zh-CN" altLang="en-US" sz="3200" dirty="0" smtClean="0"/>
-              <a:t> </a:t>
-            </a:r>
-            <a:r>
-              <a:rPr kumimoji="1" lang="zh-CN" altLang="en-US" sz="3200" dirty="0" smtClean="0"/>
-              <a:t>制作</a:t>
-            </a:r>
-            <a:r>
-              <a:rPr kumimoji="1" lang="zh-CN" altLang="en-US" sz="3200" dirty="0" smtClean="0"/>
-              <a:t>一个</a:t>
-            </a:r>
-            <a:r>
-              <a:rPr kumimoji="1" lang="en-US" altLang="zh-CN" sz="3200" dirty="0" smtClean="0"/>
-              <a:t>SVG</a:t>
-            </a:r>
-            <a:r>
-              <a:rPr kumimoji="1" lang="zh-CN" altLang="en-US" sz="3200" dirty="0" smtClean="0"/>
-              <a:t>动画</a:t>
-            </a:r>
-            <a:endParaRPr kumimoji="1" lang="zh-CN" altLang="en-US" sz="3200" dirty="0"/>
-          </a:p>
-        </p:txBody>
-      </p:sp>
-      <p:sp>
-        <p:nvSpPr>
-          <p:cNvPr id="3" name="文本框 2"/>
-          <p:cNvSpPr txBox="1"/>
-          <p:nvPr/>
-        </p:nvSpPr>
-        <p:spPr>
-          <a:xfrm>
-            <a:off x="1057971" y="1016573"/>
-            <a:ext cx="10366625" cy="400110"/>
-          </a:xfrm>
-          <a:prstGeom prst="rect">
-            <a:avLst/>
-          </a:prstGeom>
-          <a:noFill/>
-        </p:spPr>
-        <p:txBody>
-          <a:bodyPr wrap="square" rtlCol="0">
-            <a:spAutoFit/>
-          </a:bodyPr>
-          <a:lstStyle/>
-          <a:p>
-            <a:r>
-              <a:rPr kumimoji="1" lang="en-US" altLang="zh-CN" dirty="0" smtClean="0"/>
-              <a:t>1.</a:t>
-            </a:r>
-            <a:r>
-              <a:rPr kumimoji="1" lang="zh-CN" altLang="en-US" dirty="0" smtClean="0"/>
-              <a:t>普通动画       </a:t>
-            </a:r>
-            <a:r>
-              <a:rPr lang="en-US" altLang="zh-CN" sz="2000" dirty="0" err="1"/>
-              <a:t>animateTransform</a:t>
-            </a:r>
-            <a:endParaRPr kumimoji="1" lang="zh-CN" altLang="en-US" sz="2000" b="1" dirty="0"/>
-          </a:p>
-        </p:txBody>
-      </p:sp>
-      <p:sp>
-        <p:nvSpPr>
-          <p:cNvPr id="5" name="文本框 4"/>
-          <p:cNvSpPr txBox="1"/>
-          <p:nvPr/>
-        </p:nvSpPr>
-        <p:spPr>
-          <a:xfrm>
-            <a:off x="1411377" y="1805354"/>
-            <a:ext cx="9659815" cy="3970318"/>
-          </a:xfrm>
-          <a:prstGeom prst="rect">
-            <a:avLst/>
-          </a:prstGeom>
-          <a:noFill/>
-        </p:spPr>
-        <p:txBody>
-          <a:bodyPr wrap="square" rtlCol="0">
-            <a:spAutoFit/>
-          </a:bodyPr>
-          <a:lstStyle/>
-          <a:p>
-            <a:pPr marL="342900" indent="-342900">
-              <a:buAutoNum type="arabicPeriod"/>
-            </a:pPr>
-            <a:r>
-              <a:rPr lang="en-US" altLang="zh-CN" dirty="0" smtClean="0">
-                <a:solidFill>
-                  <a:srgbClr val="0070C0"/>
-                </a:solidFill>
-              </a:rPr>
-              <a:t>&lt;</a:t>
-            </a:r>
-            <a:r>
-              <a:rPr lang="zh-CN" altLang="en-US" dirty="0" smtClean="0">
-                <a:solidFill>
-                  <a:srgbClr val="0070C0"/>
-                </a:solidFill>
-              </a:rPr>
-              <a:t>属性</a:t>
-            </a:r>
-            <a:r>
-              <a:rPr lang="en-US" altLang="zh-CN" dirty="0" smtClean="0">
-                <a:solidFill>
-                  <a:srgbClr val="0070C0"/>
-                </a:solidFill>
-              </a:rPr>
-              <a:t>&gt;</a:t>
-            </a:r>
-            <a:r>
-              <a:rPr lang="zh-CN" altLang="en-US" dirty="0" smtClean="0">
-                <a:solidFill>
-                  <a:srgbClr val="0070C0"/>
-                </a:solidFill>
-              </a:rPr>
-              <a:t>  </a:t>
-            </a:r>
-            <a:r>
-              <a:rPr lang="en-US" altLang="zh-CN" dirty="0" err="1" smtClean="0"/>
-              <a:t>attributeName</a:t>
-            </a:r>
-            <a:r>
-              <a:rPr lang="zh-CN" altLang="en-US" dirty="0" smtClean="0"/>
-              <a:t> ： 代表需要变化的属性名称，可以是元素的属性，也可以是</a:t>
-            </a:r>
-            <a:r>
-              <a:rPr lang="en-US" altLang="zh-CN" dirty="0" smtClean="0"/>
-              <a:t>CSS</a:t>
-            </a:r>
-            <a:r>
-              <a:rPr lang="zh-CN" altLang="en-US" dirty="0" smtClean="0"/>
-              <a:t>属性</a:t>
-            </a:r>
-            <a:r>
-              <a:rPr kumimoji="1" lang="zh-CN" altLang="en-US" dirty="0" smtClean="0"/>
-              <a:t> （比如，</a:t>
-            </a:r>
-            <a:r>
-              <a:rPr kumimoji="1" lang="en-US" altLang="zh-CN" dirty="0" err="1" smtClean="0"/>
-              <a:t>x,y</a:t>
-            </a:r>
-            <a:r>
-              <a:rPr kumimoji="1" lang="zh-CN" altLang="en-US" dirty="0" smtClean="0"/>
-              <a:t> 元素的位移值，</a:t>
-            </a:r>
-            <a:r>
-              <a:rPr kumimoji="1" lang="en-US" altLang="zh-CN" dirty="0" smtClean="0"/>
-              <a:t>opacity,</a:t>
-            </a:r>
-            <a:r>
-              <a:rPr kumimoji="1" lang="zh-CN" altLang="en-US" dirty="0" smtClean="0"/>
-              <a:t> </a:t>
-            </a:r>
-            <a:r>
-              <a:rPr kumimoji="1" lang="en-US" altLang="zh-CN" dirty="0"/>
-              <a:t>transform </a:t>
-            </a:r>
-            <a:r>
-              <a:rPr kumimoji="1" lang="zh-CN" altLang="en-US" dirty="0" smtClean="0"/>
-              <a:t>等）</a:t>
-            </a:r>
-            <a:endParaRPr kumimoji="1" lang="en-US" altLang="zh-CN" dirty="0" smtClean="0"/>
-          </a:p>
-          <a:p>
-            <a:pPr marL="342900" indent="-342900">
-              <a:buAutoNum type="arabicPeriod"/>
-            </a:pPr>
-            <a:endParaRPr kumimoji="1" lang="en-US" altLang="zh-CN" dirty="0" smtClean="0"/>
-          </a:p>
-          <a:p>
-            <a:pPr marL="342900" indent="-342900">
-              <a:buAutoNum type="arabicPeriod"/>
-            </a:pPr>
-            <a:r>
-              <a:rPr kumimoji="1" lang="en-US" altLang="zh-CN" dirty="0" smtClean="0">
-                <a:solidFill>
-                  <a:srgbClr val="0070C0"/>
-                </a:solidFill>
-              </a:rPr>
-              <a:t>&lt;</a:t>
-            </a:r>
-            <a:r>
-              <a:rPr kumimoji="1" lang="zh-CN" altLang="en-US" dirty="0" smtClean="0">
-                <a:solidFill>
-                  <a:srgbClr val="0070C0"/>
-                </a:solidFill>
-              </a:rPr>
-              <a:t>位移</a:t>
-            </a:r>
-            <a:r>
-              <a:rPr kumimoji="1" lang="en-US" altLang="zh-CN" dirty="0" smtClean="0">
-                <a:solidFill>
-                  <a:srgbClr val="0070C0"/>
-                </a:solidFill>
-              </a:rPr>
-              <a:t>&gt;</a:t>
-            </a:r>
-            <a:r>
-              <a:rPr kumimoji="1" lang="zh-CN" altLang="en-US" dirty="0" smtClean="0">
-                <a:solidFill>
-                  <a:srgbClr val="0070C0"/>
-                </a:solidFill>
-              </a:rPr>
-              <a:t>  </a:t>
-            </a:r>
-            <a:r>
-              <a:rPr kumimoji="1" lang="en-US" altLang="zh-CN" dirty="0" smtClean="0">
-                <a:solidFill>
-                  <a:srgbClr val="0070C0"/>
-                </a:solidFill>
-              </a:rPr>
-              <a:t/>
-            </a:r>
-            <a:br>
-              <a:rPr kumimoji="1" lang="en-US" altLang="zh-CN" dirty="0" smtClean="0">
-                <a:solidFill>
-                  <a:srgbClr val="0070C0"/>
-                </a:solidFill>
-              </a:rPr>
-            </a:br>
-            <a:r>
-              <a:rPr kumimoji="1" lang="en-US" altLang="zh-CN" dirty="0" smtClean="0"/>
-              <a:t>From:</a:t>
-            </a:r>
-            <a:r>
-              <a:rPr kumimoji="1" lang="zh-CN" altLang="en-US" dirty="0" smtClean="0"/>
-              <a:t> 动画的起始值</a:t>
-            </a:r>
-            <a:r>
-              <a:rPr lang="en-US" altLang="zh-CN" dirty="0"/>
-              <a:t/>
-            </a:r>
-            <a:br>
-              <a:rPr lang="en-US" altLang="zh-CN" dirty="0"/>
-            </a:br>
-            <a:r>
-              <a:rPr lang="en-US" altLang="zh-CN" dirty="0" smtClean="0"/>
-              <a:t>to</a:t>
-            </a:r>
-            <a:r>
-              <a:rPr lang="zh-CN" altLang="en-US" dirty="0" smtClean="0"/>
-              <a:t>：动画的结束值</a:t>
-            </a:r>
-            <a:r>
-              <a:rPr lang="en-US" altLang="zh-CN" dirty="0" smtClean="0"/>
-              <a:t/>
-            </a:r>
-            <a:br>
-              <a:rPr lang="en-US" altLang="zh-CN" dirty="0" smtClean="0"/>
-            </a:br>
-            <a:r>
-              <a:rPr lang="en-US" altLang="zh-CN" dirty="0" smtClean="0"/>
-              <a:t>by</a:t>
-            </a:r>
-            <a:r>
-              <a:rPr lang="zh-CN" altLang="en-US" dirty="0" smtClean="0"/>
-              <a:t>：属性规定了一个相对于</a:t>
-            </a:r>
-            <a:r>
-              <a:rPr lang="en-US" altLang="zh-CN" dirty="0" smtClean="0"/>
-              <a:t>from</a:t>
-            </a:r>
-            <a:r>
-              <a:rPr lang="zh-CN" altLang="en-US" dirty="0" smtClean="0"/>
-              <a:t>的值（</a:t>
-            </a:r>
-            <a:r>
-              <a:rPr lang="en-US" altLang="zh-CN" dirty="0" smtClean="0"/>
-              <a:t>to</a:t>
-            </a:r>
-            <a:r>
-              <a:rPr lang="zh-CN" altLang="en-US" dirty="0" smtClean="0"/>
-              <a:t>是绝对值）。假如</a:t>
-            </a:r>
-            <a:r>
-              <a:rPr lang="en-US" altLang="zh-CN" dirty="0" smtClean="0"/>
-              <a:t>from</a:t>
-            </a:r>
-            <a:r>
-              <a:rPr lang="zh-CN" altLang="en-US" dirty="0" smtClean="0"/>
-              <a:t>值是</a:t>
-            </a:r>
-            <a:r>
-              <a:rPr lang="en-US" altLang="zh-CN" dirty="0" smtClean="0"/>
-              <a:t>10</a:t>
-            </a:r>
-            <a:r>
-              <a:rPr lang="zh-CN" altLang="en-US" dirty="0" smtClean="0"/>
-              <a:t>，</a:t>
-            </a:r>
-            <a:r>
-              <a:rPr lang="en-US" altLang="zh-CN" dirty="0" smtClean="0"/>
-              <a:t>by</a:t>
-            </a:r>
-            <a:r>
-              <a:rPr lang="zh-CN" altLang="en-US" dirty="0" smtClean="0"/>
-              <a:t>的值是</a:t>
-            </a:r>
-            <a:r>
-              <a:rPr lang="en-US" altLang="zh-CN" dirty="0" smtClean="0"/>
-              <a:t>50</a:t>
-            </a:r>
-            <a:r>
-              <a:rPr lang="zh-CN" altLang="en-US" dirty="0" smtClean="0"/>
-              <a:t>，那么最终值是</a:t>
-            </a:r>
-            <a:r>
-              <a:rPr lang="en-US" altLang="zh-CN" dirty="0" smtClean="0"/>
-              <a:t>60 </a:t>
-            </a:r>
-            <a:r>
-              <a:rPr lang="zh-CN" altLang="en-US" dirty="0" smtClean="0"/>
-              <a:t>。</a:t>
-            </a:r>
-            <a:r>
-              <a:rPr lang="en-US" altLang="zh-CN" dirty="0" smtClean="0"/>
-              <a:t/>
-            </a:r>
-            <a:br>
-              <a:rPr lang="en-US" altLang="zh-CN" dirty="0" smtClean="0"/>
-            </a:br>
-            <a:r>
-              <a:rPr lang="zh-CN" altLang="en-US" dirty="0" smtClean="0"/>
-              <a:t>               </a:t>
-            </a:r>
-            <a:r>
-              <a:rPr lang="zh-CN" altLang="en-US" dirty="0" smtClean="0">
-                <a:solidFill>
-                  <a:srgbClr val="FF0000"/>
-                </a:solidFill>
-              </a:rPr>
-              <a:t>（ 如果同时规定了</a:t>
-            </a:r>
-            <a:r>
-              <a:rPr lang="en-US" altLang="zh-CN" dirty="0" smtClean="0">
-                <a:solidFill>
-                  <a:srgbClr val="FF0000"/>
-                </a:solidFill>
-              </a:rPr>
-              <a:t>to</a:t>
-            </a:r>
-            <a:r>
-              <a:rPr lang="zh-CN" altLang="en-US" dirty="0" smtClean="0">
-                <a:solidFill>
-                  <a:srgbClr val="FF0000"/>
-                </a:solidFill>
-              </a:rPr>
-              <a:t>和</a:t>
-            </a:r>
-            <a:r>
-              <a:rPr lang="en-US" altLang="zh-CN" dirty="0" smtClean="0">
-                <a:solidFill>
-                  <a:srgbClr val="FF0000"/>
-                </a:solidFill>
-              </a:rPr>
-              <a:t>by</a:t>
-            </a:r>
-            <a:r>
-              <a:rPr lang="zh-CN" altLang="en-US" dirty="0" smtClean="0">
-                <a:solidFill>
-                  <a:srgbClr val="FF0000"/>
-                </a:solidFill>
-              </a:rPr>
-              <a:t>，那么</a:t>
-            </a:r>
-            <a:r>
-              <a:rPr lang="en-US" altLang="zh-CN" dirty="0" smtClean="0">
-                <a:solidFill>
-                  <a:srgbClr val="FF0000"/>
-                </a:solidFill>
-              </a:rPr>
-              <a:t>to</a:t>
-            </a:r>
-            <a:r>
-              <a:rPr lang="zh-CN" altLang="en-US" dirty="0" smtClean="0">
-                <a:solidFill>
-                  <a:srgbClr val="FF0000"/>
-                </a:solidFill>
-              </a:rPr>
-              <a:t>的优先级会更高。 ）</a:t>
-            </a:r>
-            <a:r>
-              <a:rPr lang="en-US" altLang="zh-CN" dirty="0" smtClean="0">
-                <a:solidFill>
-                  <a:srgbClr val="FF0000"/>
-                </a:solidFill>
-              </a:rPr>
-              <a:t/>
-            </a:r>
-            <a:br>
-              <a:rPr lang="en-US" altLang="zh-CN" dirty="0" smtClean="0">
-                <a:solidFill>
-                  <a:srgbClr val="FF0000"/>
-                </a:solidFill>
-              </a:rPr>
-            </a:br>
-            <a:r>
-              <a:rPr lang="en-US" altLang="zh-CN" dirty="0" smtClean="0"/>
-              <a:t>values</a:t>
-            </a:r>
-            <a:r>
-              <a:rPr lang="zh-CN" altLang="en-US" dirty="0" smtClean="0"/>
-              <a:t>：规定</a:t>
-            </a:r>
-            <a:r>
-              <a:rPr lang="en-US" altLang="zh-CN" dirty="0" err="1" smtClean="0"/>
-              <a:t>attributeName</a:t>
-            </a:r>
-            <a:r>
-              <a:rPr lang="zh-CN" altLang="en-US" dirty="0" smtClean="0"/>
-              <a:t>的起点和终点，属性值是一个用分号分隔的一个或多个值（如：</a:t>
-            </a:r>
-            <a:r>
-              <a:rPr lang="mr-IN" altLang="zh-CN" dirty="0" smtClean="0"/>
-              <a:t> </a:t>
-            </a:r>
-            <a:r>
-              <a:rPr lang="mr-IN" altLang="zh-CN" dirty="0" err="1" smtClean="0"/>
-              <a:t>values</a:t>
-            </a:r>
-            <a:r>
-              <a:rPr lang="mr-IN" altLang="zh-CN" dirty="0" smtClean="0"/>
-              <a:t>=“10;200;10;200” </a:t>
-            </a:r>
-            <a:r>
-              <a:rPr lang="zh-CN" altLang="en-US" dirty="0" smtClean="0"/>
-              <a:t>） </a:t>
-            </a:r>
-            <a:r>
-              <a:rPr lang="en-US" altLang="zh-CN" dirty="0" smtClean="0"/>
-              <a:t/>
-            </a:r>
-            <a:br>
-              <a:rPr lang="en-US" altLang="zh-CN" dirty="0" smtClean="0"/>
-            </a:br>
-            <a:r>
-              <a:rPr lang="zh-CN" altLang="en-US" dirty="0" smtClean="0">
-                <a:solidFill>
-                  <a:srgbClr val="FF0000"/>
-                </a:solidFill>
-              </a:rPr>
-              <a:t>    </a:t>
-            </a:r>
-            <a:r>
-              <a:rPr lang="zh-CN" altLang="en-US" dirty="0">
-                <a:solidFill>
-                  <a:srgbClr val="FF0000"/>
-                </a:solidFill>
-              </a:rPr>
-              <a:t> </a:t>
-            </a:r>
-            <a:r>
-              <a:rPr lang="zh-CN" altLang="en-US" dirty="0" smtClean="0">
-                <a:solidFill>
-                  <a:srgbClr val="FF0000"/>
-                </a:solidFill>
-              </a:rPr>
-              <a:t>            </a:t>
-            </a:r>
-            <a:r>
-              <a:rPr lang="en-US" altLang="zh-CN" dirty="0" smtClean="0">
-                <a:solidFill>
-                  <a:srgbClr val="FF0000"/>
-                </a:solidFill>
-              </a:rPr>
-              <a:t>&lt;</a:t>
-            </a:r>
-            <a:r>
-              <a:rPr lang="zh-CN" altLang="en-US" dirty="0" smtClean="0">
-                <a:solidFill>
-                  <a:srgbClr val="FF0000"/>
-                </a:solidFill>
-              </a:rPr>
-              <a:t>注意： 如果规定了</a:t>
-            </a:r>
-            <a:r>
-              <a:rPr lang="en-US" altLang="zh-CN" dirty="0" smtClean="0">
-                <a:solidFill>
-                  <a:srgbClr val="FF0000"/>
-                </a:solidFill>
-              </a:rPr>
-              <a:t>values</a:t>
-            </a:r>
-            <a:r>
-              <a:rPr lang="zh-CN" altLang="en-US" dirty="0" smtClean="0">
-                <a:solidFill>
-                  <a:srgbClr val="FF0000"/>
-                </a:solidFill>
-              </a:rPr>
-              <a:t>属性，那么</a:t>
-            </a:r>
-            <a:r>
-              <a:rPr lang="en-US" altLang="zh-CN" dirty="0" smtClean="0">
-                <a:solidFill>
-                  <a:srgbClr val="FF0000"/>
-                </a:solidFill>
-              </a:rPr>
-              <a:t>from, to</a:t>
-            </a:r>
-            <a:r>
-              <a:rPr lang="zh-CN" altLang="en-US" dirty="0" smtClean="0">
-                <a:solidFill>
-                  <a:srgbClr val="FF0000"/>
-                </a:solidFill>
-              </a:rPr>
-              <a:t>和</a:t>
-            </a:r>
-            <a:r>
-              <a:rPr lang="en-US" altLang="zh-CN" dirty="0" smtClean="0">
-                <a:solidFill>
-                  <a:srgbClr val="FF0000"/>
-                </a:solidFill>
-              </a:rPr>
-              <a:t>by</a:t>
-            </a:r>
-            <a:r>
-              <a:rPr lang="zh-CN" altLang="en-US" dirty="0" smtClean="0">
-                <a:solidFill>
-                  <a:srgbClr val="FF0000"/>
-                </a:solidFill>
-              </a:rPr>
-              <a:t>都会被忽略。</a:t>
-            </a:r>
-            <a:r>
-              <a:rPr lang="en-US" altLang="zh-CN" dirty="0" smtClean="0">
-                <a:solidFill>
-                  <a:srgbClr val="FF0000"/>
-                </a:solidFill>
-              </a:rPr>
-              <a:t>&gt;</a:t>
-            </a:r>
-          </a:p>
-          <a:p>
-            <a:pPr marL="342900" indent="-342900">
-              <a:buAutoNum type="arabicPeriod"/>
-            </a:pPr>
-            <a:r>
-              <a:rPr kumimoji="1" lang="en-US" altLang="zh-CN" dirty="0" smtClean="0">
-                <a:solidFill>
-                  <a:srgbClr val="0070C0"/>
-                </a:solidFill>
-              </a:rPr>
-              <a:t>&lt;</a:t>
-            </a:r>
-            <a:r>
-              <a:rPr kumimoji="1" lang="zh-CN" altLang="en-US" dirty="0" smtClean="0">
-                <a:solidFill>
-                  <a:srgbClr val="0070C0"/>
-                </a:solidFill>
-              </a:rPr>
-              <a:t>时间</a:t>
-            </a:r>
-            <a:r>
-              <a:rPr kumimoji="1" lang="en-US" altLang="zh-CN" dirty="0" smtClean="0">
-                <a:solidFill>
-                  <a:srgbClr val="0070C0"/>
-                </a:solidFill>
-              </a:rPr>
-              <a:t>&gt;</a:t>
-            </a:r>
-            <a:r>
-              <a:rPr kumimoji="1" lang="zh-CN" altLang="en-US" dirty="0" smtClean="0">
-                <a:solidFill>
-                  <a:srgbClr val="0070C0"/>
-                </a:solidFill>
-              </a:rPr>
-              <a:t>  </a:t>
-            </a:r>
-            <a:r>
-              <a:rPr kumimoji="1" lang="en-US" altLang="zh-CN" dirty="0">
-                <a:solidFill>
-                  <a:srgbClr val="0070C0"/>
-                </a:solidFill>
-              </a:rPr>
-              <a:t/>
-            </a:r>
-            <a:br>
-              <a:rPr kumimoji="1" lang="en-US" altLang="zh-CN" dirty="0">
-                <a:solidFill>
-                  <a:srgbClr val="0070C0"/>
-                </a:solidFill>
-              </a:rPr>
-            </a:br>
-            <a:r>
-              <a:rPr lang="en-US" altLang="zh-CN" dirty="0" err="1" smtClean="0"/>
-              <a:t>dur</a:t>
-            </a:r>
-            <a:r>
-              <a:rPr kumimoji="1" lang="en-US" altLang="zh-CN" dirty="0" smtClean="0"/>
-              <a:t>:</a:t>
-            </a:r>
-            <a:r>
-              <a:rPr kumimoji="1" lang="zh-CN" altLang="en-US" dirty="0" smtClean="0"/>
-              <a:t> 动画持续时间</a:t>
-            </a:r>
-            <a:endParaRPr kumimoji="1" lang="en-US" altLang="zh-CN" dirty="0" smtClean="0">
-              <a:solidFill>
-                <a:srgbClr val="FF0000"/>
-              </a:solidFill>
-            </a:endParaRPr>
-          </a:p>
-        </p:txBody>
-      </p:sp>
-    </p:spTree>
-    <p:extLst>
-      <p:ext uri="{BB962C8B-B14F-4D97-AF65-F5344CB8AC3E}">
-        <p14:creationId xmlns:p14="http://schemas.microsoft.com/office/powerpoint/2010/main" val="1304296122"/>
-      </p:ext>
-    </p:extLst>
-  </p:cSld>
-  <p:clrMapOvr>
-    <a:masterClrMapping/>
-  </p:clrMapOvr>
-  <p:transition spd="med">
-    <p:pull/>
-  </p:transition>
-  <p:timing>
-    <p:tnLst>
-      <p:par>
-        <p:cTn id="1" dur="indefinite" restart="never" nodeType="tmRoot"/>
-      </p:par>
-    </p:tnLst>
-  </p:timing>
-</p:sld>
-</file>
-
-<file path=ppt/slides/slide15.xml><?xml version="1.0" encoding="utf-8"?>
-<p:sld xmlns:a="http://schemas.openxmlformats.org/drawingml/2006/main" xmlns:r="http://schemas.openxmlformats.org/officeDocument/2006/relationships" xmlns:p="http://schemas.openxmlformats.org/presentationml/2006/main">
-  <p:cSld>
-    <p:spTree>
-      <p:nvGrpSpPr>
-        <p:cNvPr id="1" name=""/>
-        <p:cNvGrpSpPr/>
-        <p:nvPr/>
-      </p:nvGrpSpPr>
-      <p:grpSpPr>
-        <a:xfrm>
-          <a:off x="0" y="0"/>
-          <a:ext cx="0" cy="0"/>
-          <a:chOff x="0" y="0"/>
-          <a:chExt cx="0" cy="0"/>
-        </a:xfrm>
-      </p:grpSpPr>
-      <p:sp>
-        <p:nvSpPr>
-          <p:cNvPr id="3" name="文本框 2"/>
-          <p:cNvSpPr txBox="1"/>
-          <p:nvPr/>
-        </p:nvSpPr>
-        <p:spPr>
-          <a:xfrm>
-            <a:off x="579041" y="583783"/>
-            <a:ext cx="10366625" cy="646331"/>
-          </a:xfrm>
-          <a:prstGeom prst="rect">
-            <a:avLst/>
-          </a:prstGeom>
-          <a:noFill/>
-        </p:spPr>
-        <p:txBody>
-          <a:bodyPr wrap="square" rtlCol="0">
-            <a:spAutoFit/>
-          </a:bodyPr>
-          <a:lstStyle/>
-          <a:p>
-            <a:pPr marL="342900" indent="-342900"/>
-            <a:r>
-              <a:rPr lang="en-US" altLang="zh-CN" dirty="0">
-                <a:solidFill>
-                  <a:srgbClr val="C00000"/>
-                </a:solidFill>
-              </a:rPr>
-              <a:t>begin</a:t>
-            </a:r>
-            <a:r>
-              <a:rPr lang="zh-CN" altLang="en-US" dirty="0">
-                <a:solidFill>
-                  <a:srgbClr val="C00000"/>
-                </a:solidFill>
-              </a:rPr>
-              <a:t> </a:t>
-            </a:r>
-            <a:r>
-              <a:rPr lang="en-US" altLang="zh-CN" dirty="0">
-                <a:solidFill>
-                  <a:srgbClr val="C00000"/>
-                </a:solidFill>
-              </a:rPr>
-              <a:t>:</a:t>
-            </a:r>
-            <a:r>
-              <a:rPr lang="zh-CN" altLang="en-US" dirty="0">
-                <a:solidFill>
-                  <a:srgbClr val="C00000"/>
-                </a:solidFill>
-              </a:rPr>
-              <a:t>  </a:t>
-            </a:r>
-            <a:r>
-              <a:rPr lang="en-US" altLang="zh-CN" dirty="0"/>
-              <a:t>&lt;offset-value | </a:t>
-            </a:r>
-            <a:r>
-              <a:rPr lang="en-US" altLang="zh-CN" dirty="0" err="1"/>
-              <a:t>syncbase</a:t>
-            </a:r>
-            <a:r>
-              <a:rPr lang="en-US" altLang="zh-CN" dirty="0"/>
-              <a:t>-value | event-value | repeat-value | </a:t>
-            </a:r>
-            <a:r>
-              <a:rPr lang="en-US" altLang="zh-CN" dirty="0" err="1"/>
-              <a:t>accessKey</a:t>
-            </a:r>
-            <a:r>
-              <a:rPr lang="en-US" altLang="zh-CN" dirty="0"/>
-              <a:t>-value | media-marker-value | </a:t>
-            </a:r>
-            <a:r>
-              <a:rPr lang="en-US" altLang="zh-CN" dirty="0" err="1"/>
-              <a:t>wallclock</a:t>
-            </a:r>
-            <a:r>
-              <a:rPr lang="en-US" altLang="zh-CN" dirty="0"/>
-              <a:t>-sync-value | "indefinite</a:t>
-            </a:r>
-            <a:r>
-              <a:rPr lang="en-US" altLang="zh-CN" dirty="0" smtClean="0"/>
-              <a:t>”&gt;</a:t>
-            </a:r>
-            <a:endParaRPr kumimoji="1" lang="en-US" altLang="zh-CN" dirty="0">
-              <a:solidFill>
-                <a:srgbClr val="C00000"/>
-              </a:solidFill>
-            </a:endParaRPr>
-          </a:p>
-        </p:txBody>
-      </p:sp>
-      <p:sp>
-        <p:nvSpPr>
-          <p:cNvPr id="5" name="文本框 4"/>
-          <p:cNvSpPr txBox="1"/>
-          <p:nvPr/>
-        </p:nvSpPr>
-        <p:spPr>
-          <a:xfrm>
-            <a:off x="797169" y="1770182"/>
-            <a:ext cx="10691446" cy="2585323"/>
-          </a:xfrm>
-          <a:prstGeom prst="rect">
-            <a:avLst/>
-          </a:prstGeom>
-          <a:noFill/>
-        </p:spPr>
-        <p:txBody>
-          <a:bodyPr wrap="square" rtlCol="0">
-            <a:spAutoFit/>
-          </a:bodyPr>
-          <a:lstStyle/>
-          <a:p>
-            <a:pPr marL="342900" indent="-342900">
-              <a:buAutoNum type="arabicPeriod"/>
-            </a:pPr>
-            <a:r>
-              <a:rPr lang="en-US" altLang="zh-CN" dirty="0" smtClean="0"/>
-              <a:t>offset-value</a:t>
-            </a:r>
-            <a:r>
-              <a:rPr lang="zh-CN" altLang="en-US" dirty="0" smtClean="0"/>
-              <a:t> ： </a:t>
-            </a:r>
-            <a:r>
-              <a:rPr lang="en-US" altLang="zh-CN" dirty="0" smtClean="0"/>
-              <a:t>&lt;</a:t>
-            </a:r>
-            <a:r>
-              <a:rPr lang="en-US" altLang="zh-CN" dirty="0"/>
-              <a:t> begin=“5s”</a:t>
-            </a:r>
-            <a:r>
-              <a:rPr lang="zh-CN" altLang="en-US" dirty="0"/>
-              <a:t> </a:t>
-            </a:r>
-            <a:r>
-              <a:rPr lang="en-US" altLang="zh-CN" dirty="0" smtClean="0"/>
-              <a:t>&gt;</a:t>
-            </a:r>
-            <a:r>
-              <a:rPr lang="zh-CN" altLang="en-US" dirty="0" smtClean="0">
-                <a:solidFill>
-                  <a:srgbClr val="C00000"/>
-                </a:solidFill>
-              </a:rPr>
-              <a:t>（</a:t>
-            </a:r>
-            <a:r>
-              <a:rPr lang="en-US" altLang="zh-CN" dirty="0">
-                <a:solidFill>
-                  <a:srgbClr val="C00000"/>
-                </a:solidFill>
-              </a:rPr>
-              <a:t>5s</a:t>
-            </a:r>
-            <a:r>
-              <a:rPr lang="zh-CN" altLang="en-US" dirty="0">
-                <a:solidFill>
-                  <a:srgbClr val="C00000"/>
-                </a:solidFill>
-              </a:rPr>
-              <a:t>秒后</a:t>
-            </a:r>
-            <a:r>
-              <a:rPr lang="zh-CN" altLang="en-US" dirty="0" smtClean="0">
-                <a:solidFill>
-                  <a:srgbClr val="C00000"/>
-                </a:solidFill>
-              </a:rPr>
-              <a:t>开始执行动画）</a:t>
-            </a:r>
-            <a:r>
-              <a:rPr lang="en-US" altLang="zh-CN" dirty="0" smtClean="0"/>
-              <a:t/>
-            </a:r>
-            <a:br>
-              <a:rPr lang="en-US" altLang="zh-CN" dirty="0" smtClean="0"/>
-            </a:br>
-            <a:endParaRPr lang="en-US" altLang="zh-CN" dirty="0" smtClean="0"/>
-          </a:p>
-          <a:p>
-            <a:pPr marL="342900" indent="-342900">
-              <a:buFontTx/>
-              <a:buAutoNum type="arabicPeriod"/>
-            </a:pPr>
-            <a:r>
-              <a:rPr lang="en-US" altLang="zh-CN" dirty="0" err="1"/>
-              <a:t>syncbase</a:t>
-            </a:r>
-            <a:r>
-              <a:rPr lang="en-US" altLang="zh-CN" dirty="0"/>
-              <a:t>-value </a:t>
-            </a:r>
-            <a:r>
-              <a:rPr lang="en-US" altLang="zh-CN" dirty="0" smtClean="0"/>
-              <a:t>:</a:t>
-            </a:r>
-            <a:r>
-              <a:rPr lang="zh-CN" altLang="en-US" dirty="0" smtClean="0"/>
-              <a:t> </a:t>
-            </a:r>
-            <a:r>
-              <a:rPr lang="en-US" altLang="zh-CN" dirty="0" smtClean="0"/>
-              <a:t>&lt;</a:t>
-            </a:r>
-            <a:r>
-              <a:rPr lang="zh-CN" altLang="en-US" dirty="0" smtClean="0"/>
-              <a:t> </a:t>
-            </a:r>
-            <a:r>
-              <a:rPr lang="en-US" altLang="zh-CN" dirty="0" smtClean="0"/>
-              <a:t>begin=“</a:t>
-            </a:r>
-            <a:r>
-              <a:rPr lang="en-US" altLang="zh-CN" dirty="0" err="1" smtClean="0"/>
-              <a:t>animte.begin</a:t>
-            </a:r>
-            <a:r>
-              <a:rPr lang="en-US" altLang="zh-CN" dirty="0" smtClean="0"/>
-              <a:t> </a:t>
-            </a:r>
-            <a:r>
-              <a:rPr lang="en-US" altLang="zh-CN" dirty="0"/>
-              <a:t>+ </a:t>
-            </a:r>
-            <a:r>
-              <a:rPr lang="en-US" altLang="zh-CN" dirty="0" smtClean="0"/>
-              <a:t>1s”</a:t>
-            </a:r>
-            <a:r>
-              <a:rPr lang="zh-CN" altLang="en-US" dirty="0" smtClean="0"/>
-              <a:t> </a:t>
-            </a:r>
-            <a:r>
-              <a:rPr lang="en-US" altLang="zh-CN" dirty="0" smtClean="0"/>
-              <a:t>&gt;</a:t>
-            </a:r>
-            <a:r>
-              <a:rPr lang="zh-CN" altLang="en-US" dirty="0" smtClean="0"/>
-              <a:t>   </a:t>
-            </a:r>
-            <a:r>
-              <a:rPr lang="zh-CN" altLang="en-US" dirty="0" smtClean="0">
-                <a:solidFill>
-                  <a:srgbClr val="C00000"/>
-                </a:solidFill>
-              </a:rPr>
-              <a:t>（在</a:t>
-            </a:r>
-            <a:r>
-              <a:rPr lang="en-US" altLang="zh-CN" dirty="0" smtClean="0">
-                <a:solidFill>
-                  <a:srgbClr val="C00000"/>
-                </a:solidFill>
-              </a:rPr>
-              <a:t>id</a:t>
-            </a:r>
-            <a:r>
-              <a:rPr lang="zh-CN" altLang="en-US" dirty="0" smtClean="0">
-                <a:solidFill>
-                  <a:srgbClr val="C00000"/>
-                </a:solidFill>
-              </a:rPr>
-              <a:t>为</a:t>
-            </a:r>
-            <a:r>
-              <a:rPr lang="en-US" altLang="zh-CN" dirty="0" err="1" smtClean="0">
-                <a:solidFill>
-                  <a:srgbClr val="C00000"/>
-                </a:solidFill>
-              </a:rPr>
-              <a:t>animte</a:t>
-            </a:r>
-            <a:r>
-              <a:rPr lang="zh-CN" altLang="en-US" dirty="0" smtClean="0">
-                <a:solidFill>
-                  <a:srgbClr val="C00000"/>
-                </a:solidFill>
-              </a:rPr>
-              <a:t>的动画开始</a:t>
-            </a:r>
-            <a:r>
-              <a:rPr lang="en-US" altLang="zh-CN" dirty="0" smtClean="0">
-                <a:solidFill>
-                  <a:srgbClr val="C00000"/>
-                </a:solidFill>
-              </a:rPr>
-              <a:t>2s</a:t>
-            </a:r>
-            <a:r>
-              <a:rPr lang="zh-CN" altLang="en-US" dirty="0" smtClean="0">
-                <a:solidFill>
-                  <a:srgbClr val="C00000"/>
-                </a:solidFill>
-              </a:rPr>
-              <a:t>后开始执行）</a:t>
-            </a:r>
-            <a:r>
-              <a:rPr lang="en-US" altLang="zh-CN" dirty="0" smtClean="0">
-                <a:solidFill>
-                  <a:srgbClr val="C00000"/>
-                </a:solidFill>
-              </a:rPr>
-              <a:t/>
-            </a:r>
-            <a:br>
-              <a:rPr lang="en-US" altLang="zh-CN" dirty="0" smtClean="0">
-                <a:solidFill>
-                  <a:srgbClr val="C00000"/>
-                </a:solidFill>
-              </a:rPr>
-            </a:br>
-            <a:endParaRPr lang="en-US" altLang="zh-CN" dirty="0" smtClean="0">
-              <a:solidFill>
-                <a:srgbClr val="C00000"/>
-              </a:solidFill>
-            </a:endParaRPr>
-          </a:p>
-          <a:p>
-            <a:pPr marL="342900" indent="-342900">
-              <a:buFontTx/>
-              <a:buAutoNum type="arabicPeriod"/>
-            </a:pPr>
-            <a:r>
-              <a:rPr lang="en-US" altLang="zh-CN" dirty="0" smtClean="0"/>
-              <a:t>event-value</a:t>
-            </a:r>
-            <a:r>
-              <a:rPr lang="zh-CN" altLang="en-US" dirty="0" smtClean="0"/>
-              <a:t>：</a:t>
-            </a:r>
-            <a:r>
-              <a:rPr lang="en-US" altLang="zh-CN" dirty="0"/>
-              <a:t>&lt; begin</a:t>
-            </a:r>
-            <a:r>
-              <a:rPr lang="en-US" altLang="zh-CN" dirty="0" smtClean="0"/>
-              <a:t>=“click </a:t>
-            </a:r>
-            <a:r>
-              <a:rPr lang="en-US" altLang="zh-CN" dirty="0"/>
-              <a:t>+ </a:t>
-            </a:r>
-            <a:r>
-              <a:rPr lang="en-US" altLang="zh-CN" dirty="0" smtClean="0"/>
-              <a:t>1s”&gt;</a:t>
-            </a:r>
-            <a:r>
-              <a:rPr lang="zh-CN" altLang="en-US" dirty="0" smtClean="0"/>
-              <a:t>  </a:t>
-            </a:r>
-            <a:r>
-              <a:rPr lang="zh-CN" altLang="en-US" dirty="0" smtClean="0">
-                <a:solidFill>
-                  <a:srgbClr val="C00000"/>
-                </a:solidFill>
-              </a:rPr>
-              <a:t>（点击</a:t>
-            </a:r>
-            <a:r>
-              <a:rPr lang="en-US" altLang="zh-CN" dirty="0" smtClean="0">
-                <a:solidFill>
-                  <a:srgbClr val="C00000"/>
-                </a:solidFill>
-              </a:rPr>
-              <a:t>1s</a:t>
-            </a:r>
-            <a:r>
-              <a:rPr lang="zh-CN" altLang="en-US" dirty="0" smtClean="0">
-                <a:solidFill>
-                  <a:srgbClr val="C00000"/>
-                </a:solidFill>
-              </a:rPr>
-              <a:t>后开始动画）  </a:t>
-            </a:r>
-            <a:r>
-              <a:rPr lang="en-US" altLang="zh-CN" dirty="0" smtClean="0"/>
-              <a:t>&lt;</a:t>
-            </a:r>
-            <a:r>
-              <a:rPr lang="zh-CN" altLang="en-US" dirty="0" smtClean="0"/>
-              <a:t> </a:t>
-            </a:r>
-            <a:r>
-              <a:rPr lang="en-US" altLang="zh-CN" dirty="0"/>
-              <a:t>begin</a:t>
-            </a:r>
-            <a:r>
-              <a:rPr lang="en-US" altLang="zh-CN" dirty="0" smtClean="0"/>
-              <a:t>=“</a:t>
-            </a:r>
-            <a:r>
-              <a:rPr lang="en-US" altLang="zh-CN" dirty="0" err="1" smtClean="0"/>
-              <a:t>one.click</a:t>
-            </a:r>
-            <a:r>
-              <a:rPr lang="en-US" altLang="zh-CN" dirty="0" smtClean="0"/>
-              <a:t> </a:t>
-            </a:r>
-            <a:r>
-              <a:rPr lang="en-US" altLang="zh-CN" dirty="0"/>
-              <a:t>+ </a:t>
-            </a:r>
-            <a:r>
-              <a:rPr lang="en-US" altLang="zh-CN" dirty="0" smtClean="0"/>
-              <a:t>1s” </a:t>
-            </a:r>
-            <a:r>
-              <a:rPr lang="zh-CN" altLang="en-US" dirty="0" smtClean="0"/>
-              <a:t> </a:t>
-            </a:r>
-            <a:r>
-              <a:rPr lang="en-US" altLang="zh-CN" dirty="0" smtClean="0"/>
-              <a:t>&gt;</a:t>
-            </a:r>
-            <a:br>
-              <a:rPr lang="en-US" altLang="zh-CN" dirty="0" smtClean="0"/>
-            </a:br>
-            <a:endParaRPr lang="en-US" altLang="zh-CN" dirty="0" smtClean="0"/>
-          </a:p>
-          <a:p>
-            <a:pPr marL="342900" indent="-342900">
-              <a:buFontTx/>
-              <a:buAutoNum type="arabicPeriod"/>
-            </a:pPr>
-            <a:r>
-              <a:rPr lang="en-US" altLang="zh-CN" dirty="0" smtClean="0"/>
-              <a:t>repeat-value</a:t>
-            </a:r>
-            <a:r>
-              <a:rPr lang="zh-CN" altLang="en-US" dirty="0" smtClean="0"/>
-              <a:t>：</a:t>
-            </a:r>
-            <a:r>
-              <a:rPr lang="en-US" altLang="zh-CN" dirty="0" smtClean="0"/>
-              <a:t>&lt;</a:t>
-            </a:r>
-            <a:r>
-              <a:rPr lang="zh-CN" altLang="en-US" dirty="0" smtClean="0"/>
-              <a:t> </a:t>
-            </a:r>
-            <a:r>
-              <a:rPr lang="en-US" altLang="zh-CN" dirty="0"/>
-              <a:t>begin</a:t>
-            </a:r>
-            <a:r>
-              <a:rPr lang="en-US" altLang="zh-CN" dirty="0" smtClean="0"/>
-              <a:t>=“</a:t>
-            </a:r>
-            <a:r>
-              <a:rPr lang="en-US" altLang="zh-CN" dirty="0" err="1" smtClean="0"/>
-              <a:t>animte.repeat</a:t>
-            </a:r>
-            <a:r>
-              <a:rPr lang="en-US" altLang="zh-CN" dirty="0" smtClean="0"/>
-              <a:t>(3</a:t>
-            </a:r>
-            <a:r>
-              <a:rPr lang="en-US" altLang="zh-CN" dirty="0"/>
-              <a:t>)</a:t>
-            </a:r>
-            <a:r>
-              <a:rPr lang="en-US" altLang="zh-CN" dirty="0" smtClean="0"/>
-              <a:t>”</a:t>
-            </a:r>
-            <a:r>
-              <a:rPr lang="zh-CN" altLang="en-US" dirty="0" smtClean="0"/>
-              <a:t> </a:t>
-            </a:r>
-            <a:r>
-              <a:rPr lang="en-US" altLang="zh-CN" dirty="0" smtClean="0"/>
-              <a:t>&gt;</a:t>
-            </a:r>
-            <a:r>
-              <a:rPr lang="zh-CN" altLang="en-US" dirty="0" smtClean="0"/>
-              <a:t>  </a:t>
-            </a:r>
-            <a:r>
-              <a:rPr lang="zh-CN" altLang="en-US" dirty="0">
-                <a:solidFill>
-                  <a:srgbClr val="C00000"/>
-                </a:solidFill>
-              </a:rPr>
-              <a:t>（在</a:t>
-            </a:r>
-            <a:r>
-              <a:rPr lang="en-US" altLang="zh-CN" dirty="0">
-                <a:solidFill>
-                  <a:srgbClr val="C00000"/>
-                </a:solidFill>
-              </a:rPr>
-              <a:t>id</a:t>
-            </a:r>
-            <a:r>
-              <a:rPr lang="zh-CN" altLang="en-US" dirty="0">
-                <a:solidFill>
-                  <a:srgbClr val="C00000"/>
-                </a:solidFill>
-              </a:rPr>
-              <a:t>为</a:t>
-            </a:r>
-            <a:r>
-              <a:rPr lang="en-US" altLang="zh-CN" dirty="0" err="1">
-                <a:solidFill>
-                  <a:srgbClr val="C00000"/>
-                </a:solidFill>
-              </a:rPr>
-              <a:t>animte</a:t>
-            </a:r>
-            <a:r>
-              <a:rPr lang="zh-CN" altLang="en-US" dirty="0">
-                <a:solidFill>
-                  <a:srgbClr val="C00000"/>
-                </a:solidFill>
-              </a:rPr>
-              <a:t>的</a:t>
-            </a:r>
-            <a:r>
-              <a:rPr lang="zh-CN" altLang="en-US" dirty="0" smtClean="0">
-                <a:solidFill>
-                  <a:srgbClr val="C00000"/>
-                </a:solidFill>
-              </a:rPr>
-              <a:t>动画执行</a:t>
-            </a:r>
-            <a:r>
-              <a:rPr lang="en-US" altLang="zh-CN" dirty="0" smtClean="0">
-                <a:solidFill>
-                  <a:srgbClr val="C00000"/>
-                </a:solidFill>
-              </a:rPr>
-              <a:t>3</a:t>
-            </a:r>
-            <a:r>
-              <a:rPr lang="zh-CN" altLang="en-US" dirty="0" smtClean="0">
-                <a:solidFill>
-                  <a:srgbClr val="C00000"/>
-                </a:solidFill>
-              </a:rPr>
-              <a:t>次后开始</a:t>
-            </a:r>
-            <a:r>
-              <a:rPr lang="zh-CN" altLang="en-US" dirty="0">
-                <a:solidFill>
-                  <a:srgbClr val="C00000"/>
-                </a:solidFill>
-              </a:rPr>
-              <a:t>执行</a:t>
-            </a:r>
-            <a:r>
-              <a:rPr lang="zh-CN" altLang="en-US" dirty="0" smtClean="0">
-                <a:solidFill>
-                  <a:srgbClr val="C00000"/>
-                </a:solidFill>
-              </a:rPr>
-              <a:t>）</a:t>
-            </a:r>
-            <a:r>
-              <a:rPr lang="en-US" altLang="zh-CN" dirty="0" smtClean="0">
-                <a:solidFill>
-                  <a:srgbClr val="C00000"/>
-                </a:solidFill>
-              </a:rPr>
-              <a:t/>
-            </a:r>
-            <a:br>
-              <a:rPr lang="en-US" altLang="zh-CN" dirty="0" smtClean="0">
-                <a:solidFill>
-                  <a:srgbClr val="C00000"/>
-                </a:solidFill>
-              </a:rPr>
-            </a:br>
-            <a:endParaRPr lang="en-US" altLang="zh-CN" dirty="0" smtClean="0">
-              <a:solidFill>
-                <a:srgbClr val="C00000"/>
-              </a:solidFill>
-            </a:endParaRPr>
-          </a:p>
-          <a:p>
-            <a:pPr marL="342900" indent="-342900">
-              <a:buFontTx/>
-              <a:buAutoNum type="arabicPeriod"/>
-            </a:pPr>
-            <a:r>
-              <a:rPr lang="en-US" altLang="zh-CN" dirty="0" err="1"/>
-              <a:t>accessKey</a:t>
-            </a:r>
-            <a:r>
-              <a:rPr lang="en-US" altLang="zh-CN" dirty="0"/>
-              <a:t>-value </a:t>
-            </a:r>
-            <a:r>
-              <a:rPr lang="en-US" altLang="zh-CN" dirty="0" smtClean="0"/>
-              <a:t>:</a:t>
-            </a:r>
-            <a:r>
-              <a:rPr lang="zh-CN" altLang="en-US" dirty="0" smtClean="0"/>
-              <a:t>  </a:t>
-            </a:r>
-            <a:r>
-              <a:rPr lang="en-US" altLang="zh-CN" dirty="0" smtClean="0"/>
-              <a:t>&lt;</a:t>
-            </a:r>
-            <a:r>
-              <a:rPr lang="zh-CN" altLang="en-US" dirty="0" smtClean="0"/>
-              <a:t> </a:t>
-            </a:r>
-            <a:r>
-              <a:rPr lang="en-US" altLang="zh-CN" dirty="0"/>
-              <a:t>begin</a:t>
-            </a:r>
-            <a:r>
-              <a:rPr lang="en-US" altLang="zh-CN" dirty="0" smtClean="0"/>
-              <a:t>=“</a:t>
-            </a:r>
-            <a:r>
-              <a:rPr lang="en-US" altLang="zh-CN" dirty="0" err="1" smtClean="0"/>
-              <a:t>accessKey</a:t>
-            </a:r>
-            <a:r>
-              <a:rPr lang="en-US" altLang="zh-CN" dirty="0" smtClean="0"/>
-              <a:t>(d)” </a:t>
-            </a:r>
-            <a:r>
-              <a:rPr lang="zh-CN" altLang="en-US" dirty="0" smtClean="0"/>
-              <a:t> </a:t>
-            </a:r>
-            <a:r>
-              <a:rPr lang="en-US" altLang="zh-CN" dirty="0" smtClean="0"/>
-              <a:t>&gt;</a:t>
-            </a:r>
-            <a:r>
-              <a:rPr lang="zh-CN" altLang="en-US" dirty="0" smtClean="0"/>
-              <a:t>  </a:t>
-            </a:r>
-            <a:r>
-              <a:rPr lang="zh-CN" altLang="en-US" dirty="0" smtClean="0">
-                <a:solidFill>
-                  <a:srgbClr val="C00000"/>
-                </a:solidFill>
-              </a:rPr>
-              <a:t>（按键盘</a:t>
-            </a:r>
-            <a:r>
-              <a:rPr lang="en-US" altLang="zh-CN" dirty="0" smtClean="0">
-                <a:solidFill>
-                  <a:srgbClr val="C00000"/>
-                </a:solidFill>
-              </a:rPr>
-              <a:t>d</a:t>
-            </a:r>
-            <a:r>
-              <a:rPr lang="zh-CN" altLang="en-US" dirty="0" smtClean="0">
-                <a:solidFill>
-                  <a:srgbClr val="C00000"/>
-                </a:solidFill>
-              </a:rPr>
-              <a:t>开始</a:t>
-            </a:r>
-            <a:r>
-              <a:rPr lang="zh-CN" altLang="en-US" dirty="0">
-                <a:solidFill>
-                  <a:srgbClr val="C00000"/>
-                </a:solidFill>
-              </a:rPr>
-              <a:t>执行</a:t>
-            </a:r>
-            <a:r>
-              <a:rPr lang="zh-CN" altLang="en-US" dirty="0" smtClean="0">
-                <a:solidFill>
-                  <a:srgbClr val="C00000"/>
-                </a:solidFill>
-              </a:rPr>
-              <a:t>）（只有火狐支持）</a:t>
-            </a:r>
-            <a:endParaRPr lang="en-US" altLang="zh-CN" dirty="0" smtClean="0">
-              <a:solidFill>
-                <a:srgbClr val="C00000"/>
-              </a:solidFill>
-            </a:endParaRPr>
-          </a:p>
-        </p:txBody>
-      </p:sp>
-      <p:sp>
-        <p:nvSpPr>
-          <p:cNvPr id="6" name="文本框 5"/>
-          <p:cNvSpPr txBox="1"/>
-          <p:nvPr/>
-        </p:nvSpPr>
-        <p:spPr>
-          <a:xfrm>
-            <a:off x="797169" y="4829908"/>
-            <a:ext cx="10914185" cy="1754326"/>
-          </a:xfrm>
-          <a:prstGeom prst="rect">
-            <a:avLst/>
-          </a:prstGeom>
-          <a:noFill/>
-        </p:spPr>
-        <p:txBody>
-          <a:bodyPr wrap="square" rtlCol="0">
-            <a:spAutoFit/>
-          </a:bodyPr>
-          <a:lstStyle/>
-          <a:p>
-            <a:r>
-              <a:rPr lang="en-US" altLang="zh-CN" dirty="0">
-                <a:solidFill>
-                  <a:srgbClr val="0070C0"/>
-                </a:solidFill>
-              </a:rPr>
-              <a:t>4</a:t>
-            </a:r>
-            <a:r>
-              <a:rPr lang="en-US" altLang="zh-CN" dirty="0" smtClean="0">
-                <a:solidFill>
-                  <a:srgbClr val="0070C0"/>
-                </a:solidFill>
-              </a:rPr>
-              <a:t>.</a:t>
-            </a:r>
-            <a:r>
-              <a:rPr kumimoji="1" lang="en-US" altLang="zh-CN" dirty="0" smtClean="0">
-                <a:solidFill>
-                  <a:srgbClr val="0070C0"/>
-                </a:solidFill>
-              </a:rPr>
-              <a:t>&lt;</a:t>
-            </a:r>
-            <a:r>
-              <a:rPr kumimoji="1" lang="zh-CN" altLang="en-US" dirty="0" smtClean="0">
-                <a:solidFill>
-                  <a:srgbClr val="0070C0"/>
-                </a:solidFill>
-              </a:rPr>
-              <a:t>动画快慢控制</a:t>
-            </a:r>
-            <a:r>
-              <a:rPr kumimoji="1" lang="en-US" altLang="zh-CN" dirty="0" smtClean="0">
-                <a:solidFill>
-                  <a:srgbClr val="0070C0"/>
-                </a:solidFill>
-              </a:rPr>
-              <a:t>&gt;</a:t>
-            </a:r>
-            <a:r>
-              <a:rPr kumimoji="1" lang="zh-CN" altLang="en-US" dirty="0" smtClean="0">
-                <a:solidFill>
-                  <a:srgbClr val="0070C0"/>
-                </a:solidFill>
-              </a:rPr>
-              <a:t>  </a:t>
-            </a:r>
-            <a:r>
-              <a:rPr kumimoji="1" lang="en-US" altLang="zh-CN" dirty="0">
-                <a:solidFill>
-                  <a:srgbClr val="0070C0"/>
-                </a:solidFill>
-              </a:rPr>
-              <a:t/>
-            </a:r>
-            <a:br>
-              <a:rPr kumimoji="1" lang="en-US" altLang="zh-CN" dirty="0">
-                <a:solidFill>
-                  <a:srgbClr val="0070C0"/>
-                </a:solidFill>
-              </a:rPr>
-            </a:br>
-            <a:r>
-              <a:rPr kumimoji="1" lang="zh-CN" altLang="en-US" dirty="0" smtClean="0">
-                <a:solidFill>
-                  <a:srgbClr val="0070C0"/>
-                </a:solidFill>
-              </a:rPr>
-              <a:t>  </a:t>
-            </a:r>
-            <a:r>
-              <a:rPr lang="en-US" altLang="zh-CN" dirty="0" err="1" smtClean="0"/>
-              <a:t>calcMode</a:t>
-            </a:r>
-            <a:r>
-              <a:rPr lang="zh-CN" altLang="en-US" dirty="0"/>
-              <a:t> </a:t>
-            </a:r>
-            <a:r>
-              <a:rPr lang="zh-CN" altLang="en-US" dirty="0" smtClean="0"/>
-              <a:t>： </a:t>
-            </a:r>
-            <a:r>
-              <a:rPr lang="de-DE" altLang="zh-CN" dirty="0" err="1"/>
-              <a:t>discrete</a:t>
-            </a:r>
-            <a:r>
-              <a:rPr lang="de-DE" altLang="zh-CN" dirty="0"/>
-              <a:t> | </a:t>
-            </a:r>
-            <a:r>
-              <a:rPr lang="de-DE" altLang="zh-CN" dirty="0"/>
-              <a:t>linear</a:t>
-            </a:r>
-            <a:r>
-              <a:rPr lang="de-DE" altLang="zh-CN" dirty="0"/>
-              <a:t> | </a:t>
-            </a:r>
-            <a:r>
-              <a:rPr lang="de-DE" altLang="zh-CN" dirty="0" err="1"/>
-              <a:t>paced</a:t>
-            </a:r>
-            <a:r>
-              <a:rPr lang="de-DE" altLang="zh-CN" dirty="0"/>
-              <a:t> | </a:t>
-            </a:r>
-            <a:r>
-              <a:rPr lang="de-DE" altLang="zh-CN" dirty="0" err="1" smtClean="0"/>
-              <a:t>spline</a:t>
-            </a:r>
-            <a:r>
-              <a:rPr lang="zh-CN" altLang="en-US" dirty="0" smtClean="0"/>
-              <a:t>  （贝塞尔曲线）</a:t>
-            </a:r>
-            <a:endParaRPr lang="en-US" altLang="zh-CN" dirty="0" smtClean="0"/>
-          </a:p>
-          <a:p>
-            <a:r>
-              <a:rPr lang="en-US" altLang="zh-CN" dirty="0" smtClean="0"/>
-              <a:t> </a:t>
-            </a:r>
-            <a:r>
-              <a:rPr lang="zh-CN" altLang="en-US" dirty="0" smtClean="0"/>
-              <a:t> </a:t>
-            </a:r>
-            <a:r>
-              <a:rPr lang="en-US" altLang="zh-CN" dirty="0" err="1" smtClean="0"/>
-              <a:t>keyTimes</a:t>
-            </a:r>
-            <a:r>
-              <a:rPr lang="en-US" altLang="zh-CN" dirty="0" smtClean="0"/>
-              <a:t>,</a:t>
-            </a:r>
-            <a:r>
-              <a:rPr lang="zh-CN" altLang="en-US" dirty="0" smtClean="0"/>
-              <a:t>：和</a:t>
-            </a:r>
-            <a:r>
-              <a:rPr lang="en-US" altLang="zh-CN" dirty="0"/>
-              <a:t>&lt;list&gt;</a:t>
-            </a:r>
-            <a:r>
-              <a:rPr lang="zh-CN" altLang="en-US" dirty="0"/>
-              <a:t>类似，都是分号分隔一组</a:t>
-            </a:r>
-            <a:r>
-              <a:rPr lang="zh-CN" altLang="en-US" dirty="0" smtClean="0"/>
-              <a:t>值  </a:t>
-            </a:r>
-            <a:r>
-              <a:rPr lang="en-US" altLang="zh-CN" dirty="0" smtClean="0"/>
-              <a:t>&lt;</a:t>
-            </a:r>
-            <a:r>
-              <a:rPr lang="zh-CN" altLang="en-US" dirty="0" smtClean="0"/>
-              <a:t> </a:t>
-            </a:r>
-            <a:r>
-              <a:rPr lang="mr-IN" altLang="zh-CN" dirty="0" err="1"/>
-              <a:t>keyTimes</a:t>
-            </a:r>
-            <a:r>
-              <a:rPr lang="mr-IN" altLang="zh-CN" dirty="0" smtClean="0"/>
-              <a:t>=“0</a:t>
-            </a:r>
-            <a:r>
-              <a:rPr lang="mr-IN" altLang="zh-CN" dirty="0"/>
-              <a:t>; .8; </a:t>
-            </a:r>
-            <a:r>
-              <a:rPr lang="mr-IN" altLang="zh-CN" dirty="0" smtClean="0"/>
-              <a:t>1”</a:t>
-            </a:r>
-            <a:r>
-              <a:rPr lang="zh-CN" altLang="en-US" dirty="0" smtClean="0"/>
-              <a:t> </a:t>
-            </a:r>
-            <a:r>
-              <a:rPr lang="en-US" altLang="zh-CN" dirty="0" smtClean="0"/>
-              <a:t>&gt;</a:t>
-            </a:r>
-          </a:p>
-          <a:p>
-            <a:r>
-              <a:rPr lang="zh-CN" altLang="en-US" dirty="0"/>
-              <a:t> </a:t>
-            </a:r>
-            <a:r>
-              <a:rPr lang="zh-CN" altLang="en-US" dirty="0" smtClean="0"/>
-              <a:t> </a:t>
-            </a:r>
-            <a:r>
-              <a:rPr lang="en-US" altLang="zh-CN" dirty="0" err="1" smtClean="0"/>
-              <a:t>keySplines</a:t>
-            </a:r>
-            <a:r>
-              <a:rPr lang="en-US" altLang="zh-CN" dirty="0" smtClean="0"/>
-              <a:t>:</a:t>
-            </a:r>
-            <a:r>
-              <a:rPr lang="zh-CN" altLang="en-US" dirty="0" smtClean="0"/>
-              <a:t>  </a:t>
-            </a:r>
-            <a:r>
-              <a:rPr lang="en-US" altLang="zh-CN" dirty="0" smtClean="0"/>
-              <a:t>&lt;</a:t>
-            </a:r>
-            <a:r>
-              <a:rPr lang="zh-CN" altLang="en-US" dirty="0" smtClean="0"/>
-              <a:t> </a:t>
-            </a:r>
-            <a:r>
-              <a:rPr lang="mr-IN" altLang="zh-CN" dirty="0" err="1"/>
-              <a:t>calcMode</a:t>
-            </a:r>
-            <a:r>
-              <a:rPr lang="mr-IN" altLang="zh-CN" dirty="0" smtClean="0"/>
-              <a:t>=“</a:t>
-            </a:r>
-            <a:r>
-              <a:rPr lang="mr-IN" altLang="zh-CN" dirty="0" err="1" smtClean="0"/>
-              <a:t>spline</a:t>
-            </a:r>
-            <a:r>
-              <a:rPr lang="mr-IN" altLang="zh-CN" dirty="0" smtClean="0"/>
-              <a:t>” </a:t>
-            </a:r>
-            <a:r>
-              <a:rPr lang="mr-IN" altLang="zh-CN" dirty="0" err="1"/>
-              <a:t>keySplines</a:t>
-            </a:r>
-            <a:r>
-              <a:rPr lang="mr-IN" altLang="zh-CN" dirty="0" smtClean="0"/>
-              <a:t>=“.</a:t>
-            </a:r>
-            <a:r>
-              <a:rPr lang="mr-IN" altLang="zh-CN" dirty="0"/>
-              <a:t>5 0 .5 1; 0 0 1 </a:t>
-            </a:r>
-            <a:r>
-              <a:rPr lang="mr-IN" altLang="zh-CN" dirty="0" smtClean="0"/>
-              <a:t>1”</a:t>
-            </a:r>
-            <a:r>
-              <a:rPr lang="zh-CN" altLang="en-US" dirty="0" smtClean="0"/>
-              <a:t> </a:t>
-            </a:r>
-            <a:r>
-              <a:rPr lang="en-US" altLang="zh-CN" dirty="0" smtClean="0"/>
-              <a:t>&gt;</a:t>
-            </a:r>
-            <a:r>
-              <a:rPr lang="zh-CN" altLang="en-US" dirty="0" smtClean="0"/>
-              <a:t> 贝塞尔曲线</a:t>
-            </a:r>
-            <a:endParaRPr lang="en-US" altLang="zh-CN" dirty="0" smtClean="0"/>
-          </a:p>
-          <a:p>
-            <a:endParaRPr kumimoji="1" lang="en-US" altLang="zh-CN" dirty="0"/>
-          </a:p>
-          <a:p>
-            <a:endParaRPr kumimoji="1" lang="zh-CN" altLang="en-US" dirty="0"/>
-          </a:p>
-        </p:txBody>
-      </p:sp>
-    </p:spTree>
-    <p:extLst>
-      <p:ext uri="{BB962C8B-B14F-4D97-AF65-F5344CB8AC3E}">
-        <p14:creationId xmlns:p14="http://schemas.microsoft.com/office/powerpoint/2010/main" val="293302590"/>
-      </p:ext>
-    </p:extLst>
-  </p:cSld>
-  <p:clrMapOvr>
-    <a:masterClrMapping/>
-  </p:clrMapOvr>
-  <p:transition spd="med">
-    <p:pull/>
-  </p:transition>
-  <p:timing>
-    <p:tnLst>
-      <p:par>
-        <p:cTn id="1" dur="indefinite" restart="never" nodeType="tmRoot"/>
-      </p:par>
-    </p:tnLst>
-  </p:timing>
-</p:sld>
-</file>
-
-<file path=ppt/slides/slide16.xml><?xml version="1.0" encoding="utf-8"?>
-<p:sld xmlns:a="http://schemas.openxmlformats.org/drawingml/2006/main" xmlns:r="http://schemas.openxmlformats.org/officeDocument/2006/relationships" xmlns:p="http://schemas.openxmlformats.org/presentationml/2006/main">
-  <p:cSld>
-    <p:spTree>
-      <p:nvGrpSpPr>
-        <p:cNvPr id="1" name=""/>
-        <p:cNvGrpSpPr/>
-        <p:nvPr/>
-      </p:nvGrpSpPr>
-      <p:grpSpPr>
-        <a:xfrm>
-          <a:off x="0" y="0"/>
-          <a:ext cx="0" cy="0"/>
-          <a:chOff x="0" y="0"/>
-          <a:chExt cx="0" cy="0"/>
-        </a:xfrm>
-      </p:grpSpPr>
-      <p:sp>
-        <p:nvSpPr>
-          <p:cNvPr id="2" name="文本框 1"/>
-          <p:cNvSpPr txBox="1"/>
-          <p:nvPr/>
-        </p:nvSpPr>
-        <p:spPr>
-          <a:xfrm>
-            <a:off x="644374" y="443238"/>
-            <a:ext cx="10926303" cy="584775"/>
-          </a:xfrm>
-          <a:prstGeom prst="rect">
-            <a:avLst/>
-          </a:prstGeom>
-          <a:noFill/>
-        </p:spPr>
-        <p:txBody>
-          <a:bodyPr wrap="square" rtlCol="0">
-            <a:spAutoFit/>
-          </a:bodyPr>
-          <a:lstStyle/>
-          <a:p>
-            <a:r>
-              <a:rPr kumimoji="1" lang="en-US" altLang="zh-CN" sz="3200" dirty="0" smtClean="0"/>
-              <a:t>2.</a:t>
-            </a:r>
-            <a:r>
-              <a:rPr kumimoji="1" lang="zh-CN" altLang="en-US" sz="3200" dirty="0" smtClean="0"/>
-              <a:t> </a:t>
-            </a:r>
-            <a:r>
-              <a:rPr kumimoji="1" lang="zh-CN" altLang="en-US" sz="3200" dirty="0" smtClean="0"/>
-              <a:t>制作</a:t>
-            </a:r>
-            <a:r>
-              <a:rPr kumimoji="1" lang="zh-CN" altLang="en-US" sz="3200" dirty="0" smtClean="0"/>
-              <a:t>一个</a:t>
-            </a:r>
-            <a:r>
-              <a:rPr kumimoji="1" lang="en-US" altLang="zh-CN" sz="3200" dirty="0" smtClean="0"/>
-              <a:t>SVG</a:t>
-            </a:r>
-            <a:r>
-              <a:rPr kumimoji="1" lang="zh-CN" altLang="en-US" sz="3200" dirty="0" smtClean="0"/>
-              <a:t>动画</a:t>
-            </a:r>
-            <a:endParaRPr kumimoji="1" lang="zh-CN" altLang="en-US" sz="3200" dirty="0"/>
-          </a:p>
-        </p:txBody>
-      </p:sp>
-      <p:sp>
-        <p:nvSpPr>
-          <p:cNvPr id="3" name="文本框 2"/>
-          <p:cNvSpPr txBox="1"/>
-          <p:nvPr/>
-        </p:nvSpPr>
-        <p:spPr>
-          <a:xfrm>
-            <a:off x="1047964" y="1263721"/>
-            <a:ext cx="10366625" cy="400110"/>
-          </a:xfrm>
-          <a:prstGeom prst="rect">
-            <a:avLst/>
-          </a:prstGeom>
-          <a:noFill/>
-        </p:spPr>
-        <p:txBody>
-          <a:bodyPr wrap="square" rtlCol="0">
-            <a:spAutoFit/>
-          </a:bodyPr>
-          <a:lstStyle/>
-          <a:p>
-            <a:r>
-              <a:rPr kumimoji="1" lang="en-US" altLang="zh-CN" dirty="0" smtClean="0"/>
-              <a:t>2.</a:t>
-            </a:r>
-            <a:r>
-              <a:rPr kumimoji="1" lang="zh-CN" altLang="en-US" dirty="0" smtClean="0"/>
-              <a:t>路径动画    </a:t>
-            </a:r>
-            <a:r>
-              <a:rPr kumimoji="1" lang="en-US" altLang="zh-CN" sz="2000" b="1" dirty="0"/>
-              <a:t>&lt; </a:t>
-            </a:r>
-            <a:r>
-              <a:rPr kumimoji="1" lang="en-US" altLang="zh-CN" sz="2000" b="1" dirty="0" err="1" smtClean="0"/>
-              <a:t>animateTransform</a:t>
-            </a:r>
-            <a:r>
-              <a:rPr kumimoji="1" lang="zh-CN" altLang="en-US" sz="2000" b="1" dirty="0" smtClean="0"/>
-              <a:t> </a:t>
-            </a:r>
-            <a:r>
-              <a:rPr kumimoji="1" lang="en-US" altLang="zh-CN" sz="2000" b="1" dirty="0" smtClean="0"/>
-              <a:t>&gt;</a:t>
-            </a:r>
-            <a:endParaRPr kumimoji="1" lang="zh-CN" altLang="en-US" sz="2000" b="1" dirty="0"/>
-          </a:p>
-        </p:txBody>
-      </p:sp>
-      <p:sp>
-        <p:nvSpPr>
-          <p:cNvPr id="4" name="文本框 3"/>
-          <p:cNvSpPr txBox="1"/>
-          <p:nvPr/>
-        </p:nvSpPr>
-        <p:spPr>
-          <a:xfrm>
-            <a:off x="1171254" y="4592548"/>
-            <a:ext cx="10171416" cy="923330"/>
-          </a:xfrm>
-          <a:prstGeom prst="rect">
-            <a:avLst/>
-          </a:prstGeom>
-          <a:noFill/>
-        </p:spPr>
-        <p:txBody>
-          <a:bodyPr wrap="square" rtlCol="0">
-            <a:spAutoFit/>
-          </a:bodyPr>
-          <a:lstStyle/>
-          <a:p>
-            <a:r>
-              <a:rPr kumimoji="1" lang="en-US" altLang="zh-CN" dirty="0" err="1" smtClean="0"/>
-              <a:t>xlink:href</a:t>
-            </a:r>
-            <a:endParaRPr kumimoji="1" lang="en-US" altLang="zh-CN" dirty="0" smtClean="0"/>
-          </a:p>
-          <a:p>
-            <a:endParaRPr kumimoji="1" lang="en-US" altLang="zh-CN" dirty="0"/>
-          </a:p>
-          <a:p>
-            <a:endParaRPr kumimoji="1" lang="en-US" altLang="zh-CN" dirty="0"/>
-          </a:p>
-        </p:txBody>
-      </p:sp>
-    </p:spTree>
-    <p:extLst>
-      <p:ext uri="{BB962C8B-B14F-4D97-AF65-F5344CB8AC3E}">
-        <p14:creationId xmlns:p14="http://schemas.microsoft.com/office/powerpoint/2010/main" val="249460808"/>
-      </p:ext>
-    </p:extLst>
-  </p:cSld>
-  <p:clrMapOvr>
-    <a:masterClrMapping/>
-  </p:clrMapOvr>
-  <p:transition spd="med">
-    <p:pull/>
-  </p:transition>
-  <p:timing>
-    <p:tnLst>
-      <p:par>
-        <p:cTn id="1" dur="indefinite" restart="never" nodeType="tmRoot"/>
-      </p:par>
-    </p:tnLst>
-  </p:timing>
-</p:sld>
-</file>
-
-<file path=ppt/slides/slide17.xml><?xml version="1.0" encoding="utf-8"?>
-<p:sld xmlns:a="http://schemas.openxmlformats.org/drawingml/2006/main" xmlns:r="http://schemas.openxmlformats.org/officeDocument/2006/relationships" xmlns:p="http://schemas.openxmlformats.org/presentationml/2006/main">
-  <p:cSld>
-    <p:spTree>
-      <p:nvGrpSpPr>
-        <p:cNvPr id="1" name=""/>
-        <p:cNvGrpSpPr/>
-        <p:nvPr/>
-      </p:nvGrpSpPr>
-      <p:grpSpPr>
-        <a:xfrm>
-          <a:off x="0" y="0"/>
-          <a:ext cx="0" cy="0"/>
-          <a:chOff x="0" y="0"/>
-          <a:chExt cx="0" cy="0"/>
-        </a:xfrm>
-      </p:grpSpPr>
-      <p:sp>
-        <p:nvSpPr>
-          <p:cNvPr id="2" name="文本框 1"/>
-          <p:cNvSpPr txBox="1"/>
-          <p:nvPr/>
-        </p:nvSpPr>
-        <p:spPr>
-          <a:xfrm>
-            <a:off x="644374" y="443238"/>
-            <a:ext cx="10926303" cy="584775"/>
-          </a:xfrm>
-          <a:prstGeom prst="rect">
-            <a:avLst/>
-          </a:prstGeom>
-          <a:noFill/>
-        </p:spPr>
-        <p:txBody>
-          <a:bodyPr wrap="square" rtlCol="0">
-            <a:spAutoFit/>
-          </a:bodyPr>
-          <a:lstStyle/>
-          <a:p>
-            <a:r>
-              <a:rPr kumimoji="1" lang="en-US" altLang="zh-CN" sz="3200" dirty="0" smtClean="0"/>
-              <a:t>2.</a:t>
-            </a:r>
-            <a:r>
-              <a:rPr kumimoji="1" lang="zh-CN" altLang="en-US" sz="3200" dirty="0" smtClean="0"/>
-              <a:t> 怎样制作一个</a:t>
-            </a:r>
-            <a:r>
-              <a:rPr kumimoji="1" lang="en-US" altLang="zh-CN" sz="3200" dirty="0" smtClean="0"/>
-              <a:t>SVG</a:t>
-            </a:r>
-            <a:endParaRPr kumimoji="1" lang="zh-CN" altLang="en-US" sz="3200" dirty="0"/>
-          </a:p>
-        </p:txBody>
-      </p:sp>
-      <p:sp>
-        <p:nvSpPr>
-          <p:cNvPr id="3" name="文本框 2"/>
-          <p:cNvSpPr txBox="1"/>
-          <p:nvPr/>
-        </p:nvSpPr>
-        <p:spPr>
-          <a:xfrm>
-            <a:off x="1113494" y="1301261"/>
-            <a:ext cx="9988062" cy="646331"/>
-          </a:xfrm>
-          <a:prstGeom prst="rect">
-            <a:avLst/>
-          </a:prstGeom>
-          <a:noFill/>
-        </p:spPr>
-        <p:txBody>
-          <a:bodyPr wrap="square" rtlCol="0">
-            <a:spAutoFit/>
-          </a:bodyPr>
-          <a:lstStyle/>
-          <a:p>
-            <a:r>
-              <a:rPr kumimoji="1" lang="en-US" altLang="zh-CN" dirty="0" smtClean="0"/>
-              <a:t>3.</a:t>
-            </a:r>
-            <a:r>
-              <a:rPr kumimoji="1" lang="zh-CN" altLang="en-US" dirty="0" smtClean="0"/>
-              <a:t> 描边动画</a:t>
-            </a:r>
-            <a:endParaRPr kumimoji="1" lang="en-US" altLang="zh-CN" dirty="0" smtClean="0"/>
-          </a:p>
-          <a:p>
-            <a:endParaRPr kumimoji="1" lang="zh-CN" altLang="en-US" dirty="0"/>
-          </a:p>
-        </p:txBody>
-      </p:sp>
-    </p:spTree>
-    <p:extLst>
-      <p:ext uri="{BB962C8B-B14F-4D97-AF65-F5344CB8AC3E}">
-        <p14:creationId xmlns:p14="http://schemas.microsoft.com/office/powerpoint/2010/main" val="1960066458"/>
-      </p:ext>
-    </p:extLst>
-  </p:cSld>
-  <p:clrMapOvr>
-    <a:masterClrMapping/>
-  </p:clrMapOvr>
-  <p:transition spd="med">
-    <p:pull/>
-  </p:transition>
-  <p:timing>
-    <p:tnLst>
-      <p:par>
-        <p:cTn id="1" dur="indefinite" restart="never" nodeType="tmRoot"/>
-      </p:par>
-    </p:tnLst>
-  </p:timing>
-</p:sld>
-</file>
-
-<file path=ppt/slides/slide18.xml><?xml version="1.0" encoding="utf-8"?>
-<p:sld xmlns:a="http://schemas.openxmlformats.org/drawingml/2006/main" xmlns:r="http://schemas.openxmlformats.org/officeDocument/2006/relationships" xmlns:p="http://schemas.openxmlformats.org/presentationml/2006/main">
-  <p:cSld>
-    <p:spTree>
-      <p:nvGrpSpPr>
-        <p:cNvPr id="1" name=""/>
-        <p:cNvGrpSpPr/>
-        <p:nvPr/>
-      </p:nvGrpSpPr>
-      <p:grpSpPr>
-        <a:xfrm>
-          <a:off x="0" y="0"/>
-          <a:ext cx="0" cy="0"/>
-          <a:chOff x="0" y="0"/>
-          <a:chExt cx="0" cy="0"/>
-        </a:xfrm>
-      </p:grpSpPr>
-      <p:sp>
-        <p:nvSpPr>
-          <p:cNvPr id="2" name="文本框 1"/>
-          <p:cNvSpPr txBox="1"/>
-          <p:nvPr/>
-        </p:nvSpPr>
-        <p:spPr>
-          <a:xfrm>
-            <a:off x="644374" y="443238"/>
-            <a:ext cx="10926303" cy="584775"/>
-          </a:xfrm>
-          <a:prstGeom prst="rect">
-            <a:avLst/>
-          </a:prstGeom>
-          <a:noFill/>
-        </p:spPr>
-        <p:txBody>
-          <a:bodyPr wrap="square" rtlCol="0">
-            <a:spAutoFit/>
-          </a:bodyPr>
-          <a:lstStyle/>
-          <a:p>
-            <a:r>
-              <a:rPr kumimoji="1" lang="en-US" altLang="zh-CN" sz="3200" dirty="0" smtClean="0"/>
-              <a:t>2.</a:t>
-            </a:r>
-            <a:r>
-              <a:rPr kumimoji="1" lang="zh-CN" altLang="en-US" sz="3200" dirty="0" smtClean="0"/>
-              <a:t> 怎样制作一个</a:t>
-            </a:r>
-            <a:r>
-              <a:rPr kumimoji="1" lang="en-US" altLang="zh-CN" sz="3200" dirty="0" smtClean="0"/>
-              <a:t>SVG</a:t>
-            </a:r>
-            <a:endParaRPr kumimoji="1" lang="zh-CN" altLang="en-US" sz="3200" dirty="0"/>
-          </a:p>
-        </p:txBody>
-      </p:sp>
-    </p:spTree>
-    <p:extLst>
-      <p:ext uri="{BB962C8B-B14F-4D97-AF65-F5344CB8AC3E}">
-        <p14:creationId xmlns:p14="http://schemas.microsoft.com/office/powerpoint/2010/main" val="1071444560"/>
-      </p:ext>
-    </p:extLst>
-  </p:cSld>
-  <p:clrMapOvr>
-    <a:masterClrMapping/>
-  </p:clrMapOvr>
-  <p:transition spd="med">
-    <p:pull/>
-  </p:transition>
-  <p:timing>
-    <p:tnLst>
-      <p:par>
-        <p:cTn id="1" dur="indefinite" restart="never" nodeType="tmRoot"/>
-      </p:par>
-    </p:tnLst>
-  </p:timing>
-</p:sld>
-</file>
-
-<file path=ppt/slides/slide19.xml><?xml version="1.0" encoding="utf-8"?>
+<file path=ppt/slides/slide12.xml><?xml version="1.0" encoding="utf-8"?>
 <p:sld xmlns:a="http://schemas.openxmlformats.org/drawingml/2006/main" xmlns:r="http://schemas.openxmlformats.org/officeDocument/2006/relationships" xmlns:p="http://schemas.openxmlformats.org/presentationml/2006/main">
   <p:cSld>
     <p:spTree>
@@ -10854,6 +8407,3137 @@
 </p:sld>
 </file>
 
+<file path=ppt/slides/slide13.xml><?xml version="1.0" encoding="utf-8"?>
+<p:sld xmlns:a="http://schemas.openxmlformats.org/drawingml/2006/main" xmlns:r="http://schemas.openxmlformats.org/officeDocument/2006/relationships" xmlns:p="http://schemas.openxmlformats.org/presentationml/2006/main">
+  <p:cSld>
+    <p:spTree>
+      <p:nvGrpSpPr>
+        <p:cNvPr id="1" name=""/>
+        <p:cNvGrpSpPr/>
+        <p:nvPr/>
+      </p:nvGrpSpPr>
+      <p:grpSpPr>
+        <a:xfrm>
+          <a:off x="0" y="0"/>
+          <a:ext cx="0" cy="0"/>
+          <a:chOff x="0" y="0"/>
+          <a:chExt cx="0" cy="0"/>
+        </a:xfrm>
+      </p:grpSpPr>
+      <p:sp>
+        <p:nvSpPr>
+          <p:cNvPr id="2" name="文本框 1"/>
+          <p:cNvSpPr txBox="1"/>
+          <p:nvPr/>
+        </p:nvSpPr>
+        <p:spPr>
+          <a:xfrm>
+            <a:off x="644374" y="443238"/>
+            <a:ext cx="10926303" cy="584775"/>
+          </a:xfrm>
+          <a:prstGeom prst="rect">
+            <a:avLst/>
+          </a:prstGeom>
+          <a:noFill/>
+        </p:spPr>
+        <p:txBody>
+          <a:bodyPr wrap="square" rtlCol="0">
+            <a:spAutoFit/>
+          </a:bodyPr>
+          <a:lstStyle/>
+          <a:p>
+            <a:r>
+              <a:rPr kumimoji="1" lang="en-US" altLang="zh-CN" sz="3200" dirty="0" smtClean="0"/>
+              <a:t>2.</a:t>
+            </a:r>
+            <a:r>
+              <a:rPr kumimoji="1" lang="zh-CN" altLang="en-US" sz="3200" dirty="0" smtClean="0"/>
+              <a:t> 制作一个</a:t>
+            </a:r>
+            <a:r>
+              <a:rPr kumimoji="1" lang="en-US" altLang="zh-CN" sz="3200" dirty="0" smtClean="0"/>
+              <a:t>SVG</a:t>
+            </a:r>
+            <a:r>
+              <a:rPr kumimoji="1" lang="zh-CN" altLang="en-US" sz="3200" dirty="0" smtClean="0"/>
+              <a:t>动画</a:t>
+            </a:r>
+            <a:endParaRPr kumimoji="1" lang="zh-CN" altLang="en-US" sz="3200" dirty="0"/>
+          </a:p>
+        </p:txBody>
+      </p:sp>
+      <p:sp>
+        <p:nvSpPr>
+          <p:cNvPr id="3" name="文本框 2"/>
+          <p:cNvSpPr txBox="1"/>
+          <p:nvPr/>
+        </p:nvSpPr>
+        <p:spPr>
+          <a:xfrm>
+            <a:off x="1057971" y="1016573"/>
+            <a:ext cx="10366625" cy="400110"/>
+          </a:xfrm>
+          <a:prstGeom prst="rect">
+            <a:avLst/>
+          </a:prstGeom>
+          <a:noFill/>
+        </p:spPr>
+        <p:txBody>
+          <a:bodyPr wrap="square" rtlCol="0">
+            <a:spAutoFit/>
+          </a:bodyPr>
+          <a:lstStyle/>
+          <a:p>
+            <a:r>
+              <a:rPr kumimoji="1" lang="en-US" altLang="zh-CN" dirty="0" smtClean="0"/>
+              <a:t>1.</a:t>
+            </a:r>
+            <a:r>
+              <a:rPr kumimoji="1" lang="zh-CN" altLang="en-US" dirty="0" smtClean="0"/>
+              <a:t>普通动画       </a:t>
+            </a:r>
+            <a:r>
+              <a:rPr lang="en-US" altLang="zh-CN" sz="2000" dirty="0" err="1"/>
+              <a:t>animateTransform</a:t>
+            </a:r>
+            <a:endParaRPr kumimoji="1" lang="zh-CN" altLang="en-US" sz="2000" b="1" dirty="0"/>
+          </a:p>
+        </p:txBody>
+      </p:sp>
+      <p:sp>
+        <p:nvSpPr>
+          <p:cNvPr id="5" name="文本框 4"/>
+          <p:cNvSpPr txBox="1"/>
+          <p:nvPr/>
+        </p:nvSpPr>
+        <p:spPr>
+          <a:xfrm>
+            <a:off x="1411377" y="1805354"/>
+            <a:ext cx="9659815" cy="3970318"/>
+          </a:xfrm>
+          <a:prstGeom prst="rect">
+            <a:avLst/>
+          </a:prstGeom>
+          <a:noFill/>
+        </p:spPr>
+        <p:txBody>
+          <a:bodyPr wrap="square" rtlCol="0">
+            <a:spAutoFit/>
+          </a:bodyPr>
+          <a:lstStyle/>
+          <a:p>
+            <a:pPr marL="342900" indent="-342900">
+              <a:buAutoNum type="arabicPeriod"/>
+            </a:pPr>
+            <a:r>
+              <a:rPr lang="en-US" altLang="zh-CN" dirty="0" smtClean="0">
+                <a:solidFill>
+                  <a:srgbClr val="0070C0"/>
+                </a:solidFill>
+              </a:rPr>
+              <a:t>&lt;</a:t>
+            </a:r>
+            <a:r>
+              <a:rPr lang="zh-CN" altLang="en-US" dirty="0" smtClean="0">
+                <a:solidFill>
+                  <a:srgbClr val="0070C0"/>
+                </a:solidFill>
+              </a:rPr>
+              <a:t>属性</a:t>
+            </a:r>
+            <a:r>
+              <a:rPr lang="en-US" altLang="zh-CN" dirty="0" smtClean="0">
+                <a:solidFill>
+                  <a:srgbClr val="0070C0"/>
+                </a:solidFill>
+              </a:rPr>
+              <a:t>&gt;</a:t>
+            </a:r>
+            <a:r>
+              <a:rPr lang="zh-CN" altLang="en-US" dirty="0" smtClean="0">
+                <a:solidFill>
+                  <a:srgbClr val="0070C0"/>
+                </a:solidFill>
+              </a:rPr>
+              <a:t>  </a:t>
+            </a:r>
+            <a:r>
+              <a:rPr lang="en-US" altLang="zh-CN" dirty="0" err="1" smtClean="0"/>
+              <a:t>attributeName</a:t>
+            </a:r>
+            <a:r>
+              <a:rPr lang="zh-CN" altLang="en-US" dirty="0" smtClean="0"/>
+              <a:t> ： 代表需要变化的属性名称，可以是元素的属性，也可以是</a:t>
+            </a:r>
+            <a:r>
+              <a:rPr lang="en-US" altLang="zh-CN" dirty="0" smtClean="0"/>
+              <a:t>CSS</a:t>
+            </a:r>
+            <a:r>
+              <a:rPr lang="zh-CN" altLang="en-US" dirty="0" smtClean="0"/>
+              <a:t>属性</a:t>
+            </a:r>
+            <a:r>
+              <a:rPr kumimoji="1" lang="zh-CN" altLang="en-US" dirty="0" smtClean="0"/>
+              <a:t> （比如，</a:t>
+            </a:r>
+            <a:r>
+              <a:rPr kumimoji="1" lang="en-US" altLang="zh-CN" dirty="0" err="1" smtClean="0"/>
+              <a:t>x,y</a:t>
+            </a:r>
+            <a:r>
+              <a:rPr kumimoji="1" lang="zh-CN" altLang="en-US" dirty="0" smtClean="0"/>
+              <a:t> 元素的位移值，</a:t>
+            </a:r>
+            <a:r>
+              <a:rPr kumimoji="1" lang="en-US" altLang="zh-CN" dirty="0" smtClean="0"/>
+              <a:t>opacity,</a:t>
+            </a:r>
+            <a:r>
+              <a:rPr kumimoji="1" lang="zh-CN" altLang="en-US" dirty="0" smtClean="0"/>
+              <a:t> </a:t>
+            </a:r>
+            <a:r>
+              <a:rPr kumimoji="1" lang="en-US" altLang="zh-CN" dirty="0"/>
+              <a:t>transform </a:t>
+            </a:r>
+            <a:r>
+              <a:rPr kumimoji="1" lang="zh-CN" altLang="en-US" dirty="0" smtClean="0"/>
+              <a:t>等）</a:t>
+            </a:r>
+            <a:endParaRPr kumimoji="1" lang="en-US" altLang="zh-CN" dirty="0" smtClean="0"/>
+          </a:p>
+          <a:p>
+            <a:pPr marL="342900" indent="-342900">
+              <a:buAutoNum type="arabicPeriod"/>
+            </a:pPr>
+            <a:endParaRPr kumimoji="1" lang="en-US" altLang="zh-CN" dirty="0" smtClean="0"/>
+          </a:p>
+          <a:p>
+            <a:pPr marL="342900" indent="-342900">
+              <a:buAutoNum type="arabicPeriod"/>
+            </a:pPr>
+            <a:r>
+              <a:rPr kumimoji="1" lang="en-US" altLang="zh-CN" dirty="0" smtClean="0">
+                <a:solidFill>
+                  <a:srgbClr val="0070C0"/>
+                </a:solidFill>
+              </a:rPr>
+              <a:t>&lt;</a:t>
+            </a:r>
+            <a:r>
+              <a:rPr kumimoji="1" lang="zh-CN" altLang="en-US" dirty="0" smtClean="0">
+                <a:solidFill>
+                  <a:srgbClr val="0070C0"/>
+                </a:solidFill>
+              </a:rPr>
+              <a:t>位移</a:t>
+            </a:r>
+            <a:r>
+              <a:rPr kumimoji="1" lang="en-US" altLang="zh-CN" dirty="0" smtClean="0">
+                <a:solidFill>
+                  <a:srgbClr val="0070C0"/>
+                </a:solidFill>
+              </a:rPr>
+              <a:t>&gt;</a:t>
+            </a:r>
+            <a:r>
+              <a:rPr kumimoji="1" lang="zh-CN" altLang="en-US" dirty="0" smtClean="0">
+                <a:solidFill>
+                  <a:srgbClr val="0070C0"/>
+                </a:solidFill>
+              </a:rPr>
+              <a:t>  </a:t>
+            </a:r>
+            <a:r>
+              <a:rPr kumimoji="1" lang="en-US" altLang="zh-CN" dirty="0" smtClean="0">
+                <a:solidFill>
+                  <a:srgbClr val="0070C0"/>
+                </a:solidFill>
+              </a:rPr>
+              <a:t/>
+            </a:r>
+            <a:br>
+              <a:rPr kumimoji="1" lang="en-US" altLang="zh-CN" dirty="0" smtClean="0">
+                <a:solidFill>
+                  <a:srgbClr val="0070C0"/>
+                </a:solidFill>
+              </a:rPr>
+            </a:br>
+            <a:r>
+              <a:rPr kumimoji="1" lang="en-US" altLang="zh-CN" dirty="0" smtClean="0"/>
+              <a:t>From:</a:t>
+            </a:r>
+            <a:r>
+              <a:rPr kumimoji="1" lang="zh-CN" altLang="en-US" dirty="0" smtClean="0"/>
+              <a:t> 动画的起始值</a:t>
+            </a:r>
+            <a:r>
+              <a:rPr lang="en-US" altLang="zh-CN" dirty="0"/>
+              <a:t/>
+            </a:r>
+            <a:br>
+              <a:rPr lang="en-US" altLang="zh-CN" dirty="0"/>
+            </a:br>
+            <a:r>
+              <a:rPr lang="en-US" altLang="zh-CN" dirty="0" smtClean="0"/>
+              <a:t>to</a:t>
+            </a:r>
+            <a:r>
+              <a:rPr lang="zh-CN" altLang="en-US" dirty="0" smtClean="0"/>
+              <a:t>：动画的结束值</a:t>
+            </a:r>
+            <a:r>
+              <a:rPr lang="en-US" altLang="zh-CN" dirty="0" smtClean="0"/>
+              <a:t/>
+            </a:r>
+            <a:br>
+              <a:rPr lang="en-US" altLang="zh-CN" dirty="0" smtClean="0"/>
+            </a:br>
+            <a:r>
+              <a:rPr lang="en-US" altLang="zh-CN" dirty="0" smtClean="0"/>
+              <a:t>by</a:t>
+            </a:r>
+            <a:r>
+              <a:rPr lang="zh-CN" altLang="en-US" dirty="0" smtClean="0"/>
+              <a:t>：属性规定了一个相对于</a:t>
+            </a:r>
+            <a:r>
+              <a:rPr lang="en-US" altLang="zh-CN" dirty="0" smtClean="0"/>
+              <a:t>from</a:t>
+            </a:r>
+            <a:r>
+              <a:rPr lang="zh-CN" altLang="en-US" dirty="0" smtClean="0"/>
+              <a:t>的值（</a:t>
+            </a:r>
+            <a:r>
+              <a:rPr lang="en-US" altLang="zh-CN" dirty="0" smtClean="0"/>
+              <a:t>to</a:t>
+            </a:r>
+            <a:r>
+              <a:rPr lang="zh-CN" altLang="en-US" dirty="0" smtClean="0"/>
+              <a:t>是绝对值）。假如</a:t>
+            </a:r>
+            <a:r>
+              <a:rPr lang="en-US" altLang="zh-CN" dirty="0" smtClean="0"/>
+              <a:t>from</a:t>
+            </a:r>
+            <a:r>
+              <a:rPr lang="zh-CN" altLang="en-US" dirty="0" smtClean="0"/>
+              <a:t>值是</a:t>
+            </a:r>
+            <a:r>
+              <a:rPr lang="en-US" altLang="zh-CN" dirty="0" smtClean="0"/>
+              <a:t>10</a:t>
+            </a:r>
+            <a:r>
+              <a:rPr lang="zh-CN" altLang="en-US" dirty="0" smtClean="0"/>
+              <a:t>，</a:t>
+            </a:r>
+            <a:r>
+              <a:rPr lang="en-US" altLang="zh-CN" dirty="0" smtClean="0"/>
+              <a:t>by</a:t>
+            </a:r>
+            <a:r>
+              <a:rPr lang="zh-CN" altLang="en-US" dirty="0" smtClean="0"/>
+              <a:t>的值是</a:t>
+            </a:r>
+            <a:r>
+              <a:rPr lang="en-US" altLang="zh-CN" dirty="0" smtClean="0"/>
+              <a:t>50</a:t>
+            </a:r>
+            <a:r>
+              <a:rPr lang="zh-CN" altLang="en-US" dirty="0" smtClean="0"/>
+              <a:t>，那么最终值是</a:t>
+            </a:r>
+            <a:r>
+              <a:rPr lang="en-US" altLang="zh-CN" dirty="0" smtClean="0"/>
+              <a:t>60 </a:t>
+            </a:r>
+            <a:r>
+              <a:rPr lang="zh-CN" altLang="en-US" dirty="0" smtClean="0"/>
+              <a:t>。</a:t>
+            </a:r>
+            <a:r>
+              <a:rPr lang="en-US" altLang="zh-CN" dirty="0" smtClean="0"/>
+              <a:t/>
+            </a:r>
+            <a:br>
+              <a:rPr lang="en-US" altLang="zh-CN" dirty="0" smtClean="0"/>
+            </a:br>
+            <a:r>
+              <a:rPr lang="zh-CN" altLang="en-US" dirty="0" smtClean="0"/>
+              <a:t>               </a:t>
+            </a:r>
+            <a:r>
+              <a:rPr lang="zh-CN" altLang="en-US" dirty="0" smtClean="0">
+                <a:solidFill>
+                  <a:srgbClr val="FF0000"/>
+                </a:solidFill>
+              </a:rPr>
+              <a:t>（ 如果同时规定了</a:t>
+            </a:r>
+            <a:r>
+              <a:rPr lang="en-US" altLang="zh-CN" dirty="0" smtClean="0">
+                <a:solidFill>
+                  <a:srgbClr val="FF0000"/>
+                </a:solidFill>
+              </a:rPr>
+              <a:t>to</a:t>
+            </a:r>
+            <a:r>
+              <a:rPr lang="zh-CN" altLang="en-US" dirty="0" smtClean="0">
+                <a:solidFill>
+                  <a:srgbClr val="FF0000"/>
+                </a:solidFill>
+              </a:rPr>
+              <a:t>和</a:t>
+            </a:r>
+            <a:r>
+              <a:rPr lang="en-US" altLang="zh-CN" dirty="0" smtClean="0">
+                <a:solidFill>
+                  <a:srgbClr val="FF0000"/>
+                </a:solidFill>
+              </a:rPr>
+              <a:t>by</a:t>
+            </a:r>
+            <a:r>
+              <a:rPr lang="zh-CN" altLang="en-US" dirty="0" smtClean="0">
+                <a:solidFill>
+                  <a:srgbClr val="FF0000"/>
+                </a:solidFill>
+              </a:rPr>
+              <a:t>，那么</a:t>
+            </a:r>
+            <a:r>
+              <a:rPr lang="en-US" altLang="zh-CN" dirty="0" smtClean="0">
+                <a:solidFill>
+                  <a:srgbClr val="FF0000"/>
+                </a:solidFill>
+              </a:rPr>
+              <a:t>to</a:t>
+            </a:r>
+            <a:r>
+              <a:rPr lang="zh-CN" altLang="en-US" dirty="0" smtClean="0">
+                <a:solidFill>
+                  <a:srgbClr val="FF0000"/>
+                </a:solidFill>
+              </a:rPr>
+              <a:t>的优先级会更高。 ）</a:t>
+            </a:r>
+            <a:r>
+              <a:rPr lang="en-US" altLang="zh-CN" dirty="0" smtClean="0">
+                <a:solidFill>
+                  <a:srgbClr val="FF0000"/>
+                </a:solidFill>
+              </a:rPr>
+              <a:t/>
+            </a:r>
+            <a:br>
+              <a:rPr lang="en-US" altLang="zh-CN" dirty="0" smtClean="0">
+                <a:solidFill>
+                  <a:srgbClr val="FF0000"/>
+                </a:solidFill>
+              </a:rPr>
+            </a:br>
+            <a:r>
+              <a:rPr lang="en-US" altLang="zh-CN" dirty="0" smtClean="0"/>
+              <a:t>values</a:t>
+            </a:r>
+            <a:r>
+              <a:rPr lang="zh-CN" altLang="en-US" dirty="0" smtClean="0"/>
+              <a:t>：规定</a:t>
+            </a:r>
+            <a:r>
+              <a:rPr lang="en-US" altLang="zh-CN" dirty="0" err="1" smtClean="0"/>
+              <a:t>attributeName</a:t>
+            </a:r>
+            <a:r>
+              <a:rPr lang="zh-CN" altLang="en-US" dirty="0" smtClean="0"/>
+              <a:t>的起点和终点，属性值是一个用分号分隔的一个或多个值（如：</a:t>
+            </a:r>
+            <a:r>
+              <a:rPr lang="mr-IN" altLang="zh-CN" dirty="0" smtClean="0"/>
+              <a:t> </a:t>
+            </a:r>
+            <a:r>
+              <a:rPr lang="mr-IN" altLang="zh-CN" dirty="0" err="1" smtClean="0"/>
+              <a:t>values</a:t>
+            </a:r>
+            <a:r>
+              <a:rPr lang="mr-IN" altLang="zh-CN" dirty="0" smtClean="0"/>
+              <a:t>=“10;200;10;200” </a:t>
+            </a:r>
+            <a:r>
+              <a:rPr lang="zh-CN" altLang="en-US" dirty="0" smtClean="0"/>
+              <a:t>） </a:t>
+            </a:r>
+            <a:r>
+              <a:rPr lang="en-US" altLang="zh-CN" dirty="0" smtClean="0"/>
+              <a:t/>
+            </a:r>
+            <a:br>
+              <a:rPr lang="en-US" altLang="zh-CN" dirty="0" smtClean="0"/>
+            </a:br>
+            <a:r>
+              <a:rPr lang="zh-CN" altLang="en-US" dirty="0" smtClean="0">
+                <a:solidFill>
+                  <a:srgbClr val="FF0000"/>
+                </a:solidFill>
+              </a:rPr>
+              <a:t>    </a:t>
+            </a:r>
+            <a:r>
+              <a:rPr lang="zh-CN" altLang="en-US" dirty="0">
+                <a:solidFill>
+                  <a:srgbClr val="FF0000"/>
+                </a:solidFill>
+              </a:rPr>
+              <a:t> </a:t>
+            </a:r>
+            <a:r>
+              <a:rPr lang="zh-CN" altLang="en-US" dirty="0" smtClean="0">
+                <a:solidFill>
+                  <a:srgbClr val="FF0000"/>
+                </a:solidFill>
+              </a:rPr>
+              <a:t>            </a:t>
+            </a:r>
+            <a:r>
+              <a:rPr lang="en-US" altLang="zh-CN" dirty="0" smtClean="0">
+                <a:solidFill>
+                  <a:srgbClr val="FF0000"/>
+                </a:solidFill>
+              </a:rPr>
+              <a:t>&lt;</a:t>
+            </a:r>
+            <a:r>
+              <a:rPr lang="zh-CN" altLang="en-US" dirty="0" smtClean="0">
+                <a:solidFill>
+                  <a:srgbClr val="FF0000"/>
+                </a:solidFill>
+              </a:rPr>
+              <a:t>注意： 如果规定了</a:t>
+            </a:r>
+            <a:r>
+              <a:rPr lang="en-US" altLang="zh-CN" dirty="0" smtClean="0">
+                <a:solidFill>
+                  <a:srgbClr val="FF0000"/>
+                </a:solidFill>
+              </a:rPr>
+              <a:t>values</a:t>
+            </a:r>
+            <a:r>
+              <a:rPr lang="zh-CN" altLang="en-US" dirty="0" smtClean="0">
+                <a:solidFill>
+                  <a:srgbClr val="FF0000"/>
+                </a:solidFill>
+              </a:rPr>
+              <a:t>属性，那么</a:t>
+            </a:r>
+            <a:r>
+              <a:rPr lang="en-US" altLang="zh-CN" dirty="0" smtClean="0">
+                <a:solidFill>
+                  <a:srgbClr val="FF0000"/>
+                </a:solidFill>
+              </a:rPr>
+              <a:t>from, to</a:t>
+            </a:r>
+            <a:r>
+              <a:rPr lang="zh-CN" altLang="en-US" dirty="0" smtClean="0">
+                <a:solidFill>
+                  <a:srgbClr val="FF0000"/>
+                </a:solidFill>
+              </a:rPr>
+              <a:t>和</a:t>
+            </a:r>
+            <a:r>
+              <a:rPr lang="en-US" altLang="zh-CN" dirty="0" smtClean="0">
+                <a:solidFill>
+                  <a:srgbClr val="FF0000"/>
+                </a:solidFill>
+              </a:rPr>
+              <a:t>by</a:t>
+            </a:r>
+            <a:r>
+              <a:rPr lang="zh-CN" altLang="en-US" dirty="0" smtClean="0">
+                <a:solidFill>
+                  <a:srgbClr val="FF0000"/>
+                </a:solidFill>
+              </a:rPr>
+              <a:t>都会被忽略。</a:t>
+            </a:r>
+            <a:r>
+              <a:rPr lang="en-US" altLang="zh-CN" dirty="0" smtClean="0">
+                <a:solidFill>
+                  <a:srgbClr val="FF0000"/>
+                </a:solidFill>
+              </a:rPr>
+              <a:t>&gt;</a:t>
+            </a:r>
+          </a:p>
+          <a:p>
+            <a:pPr marL="342900" indent="-342900">
+              <a:buAutoNum type="arabicPeriod"/>
+            </a:pPr>
+            <a:r>
+              <a:rPr kumimoji="1" lang="en-US" altLang="zh-CN" dirty="0" smtClean="0">
+                <a:solidFill>
+                  <a:srgbClr val="0070C0"/>
+                </a:solidFill>
+              </a:rPr>
+              <a:t>&lt;</a:t>
+            </a:r>
+            <a:r>
+              <a:rPr kumimoji="1" lang="zh-CN" altLang="en-US" dirty="0" smtClean="0">
+                <a:solidFill>
+                  <a:srgbClr val="0070C0"/>
+                </a:solidFill>
+              </a:rPr>
+              <a:t>时间</a:t>
+            </a:r>
+            <a:r>
+              <a:rPr kumimoji="1" lang="en-US" altLang="zh-CN" dirty="0" smtClean="0">
+                <a:solidFill>
+                  <a:srgbClr val="0070C0"/>
+                </a:solidFill>
+              </a:rPr>
+              <a:t>&gt;</a:t>
+            </a:r>
+            <a:r>
+              <a:rPr kumimoji="1" lang="zh-CN" altLang="en-US" dirty="0" smtClean="0">
+                <a:solidFill>
+                  <a:srgbClr val="0070C0"/>
+                </a:solidFill>
+              </a:rPr>
+              <a:t>  </a:t>
+            </a:r>
+            <a:r>
+              <a:rPr kumimoji="1" lang="en-US" altLang="zh-CN" dirty="0">
+                <a:solidFill>
+                  <a:srgbClr val="0070C0"/>
+                </a:solidFill>
+              </a:rPr>
+              <a:t/>
+            </a:r>
+            <a:br>
+              <a:rPr kumimoji="1" lang="en-US" altLang="zh-CN" dirty="0">
+                <a:solidFill>
+                  <a:srgbClr val="0070C0"/>
+                </a:solidFill>
+              </a:rPr>
+            </a:br>
+            <a:r>
+              <a:rPr lang="en-US" altLang="zh-CN" dirty="0" err="1" smtClean="0"/>
+              <a:t>dur</a:t>
+            </a:r>
+            <a:r>
+              <a:rPr kumimoji="1" lang="en-US" altLang="zh-CN" dirty="0" smtClean="0"/>
+              <a:t>:</a:t>
+            </a:r>
+            <a:r>
+              <a:rPr kumimoji="1" lang="zh-CN" altLang="en-US" dirty="0" smtClean="0"/>
+              <a:t> 动画持续时间</a:t>
+            </a:r>
+            <a:endParaRPr kumimoji="1" lang="en-US" altLang="zh-CN" dirty="0" smtClean="0">
+              <a:solidFill>
+                <a:srgbClr val="FF0000"/>
+              </a:solidFill>
+            </a:endParaRPr>
+          </a:p>
+        </p:txBody>
+      </p:sp>
+    </p:spTree>
+    <p:extLst>
+      <p:ext uri="{BB962C8B-B14F-4D97-AF65-F5344CB8AC3E}">
+        <p14:creationId xmlns:p14="http://schemas.microsoft.com/office/powerpoint/2010/main" val="1304296122"/>
+      </p:ext>
+    </p:extLst>
+  </p:cSld>
+  <p:clrMapOvr>
+    <a:masterClrMapping/>
+  </p:clrMapOvr>
+  <p:transition spd="med">
+    <p:pull/>
+  </p:transition>
+  <p:timing>
+    <p:tnLst>
+      <p:par>
+        <p:cTn id="1" dur="indefinite" restart="never" nodeType="tmRoot"/>
+      </p:par>
+    </p:tnLst>
+  </p:timing>
+</p:sld>
+</file>
+
+<file path=ppt/slides/slide14.xml><?xml version="1.0" encoding="utf-8"?>
+<p:sld xmlns:a="http://schemas.openxmlformats.org/drawingml/2006/main" xmlns:r="http://schemas.openxmlformats.org/officeDocument/2006/relationships" xmlns:p="http://schemas.openxmlformats.org/presentationml/2006/main">
+  <p:cSld>
+    <p:spTree>
+      <p:nvGrpSpPr>
+        <p:cNvPr id="1" name=""/>
+        <p:cNvGrpSpPr/>
+        <p:nvPr/>
+      </p:nvGrpSpPr>
+      <p:grpSpPr>
+        <a:xfrm>
+          <a:off x="0" y="0"/>
+          <a:ext cx="0" cy="0"/>
+          <a:chOff x="0" y="0"/>
+          <a:chExt cx="0" cy="0"/>
+        </a:xfrm>
+      </p:grpSpPr>
+      <p:sp>
+        <p:nvSpPr>
+          <p:cNvPr id="3" name="文本框 2"/>
+          <p:cNvSpPr txBox="1"/>
+          <p:nvPr/>
+        </p:nvSpPr>
+        <p:spPr>
+          <a:xfrm>
+            <a:off x="579041" y="583783"/>
+            <a:ext cx="10366625" cy="646331"/>
+          </a:xfrm>
+          <a:prstGeom prst="rect">
+            <a:avLst/>
+          </a:prstGeom>
+          <a:noFill/>
+        </p:spPr>
+        <p:txBody>
+          <a:bodyPr wrap="square" rtlCol="0">
+            <a:spAutoFit/>
+          </a:bodyPr>
+          <a:lstStyle/>
+          <a:p>
+            <a:pPr marL="342900" indent="-342900"/>
+            <a:r>
+              <a:rPr lang="en-US" altLang="zh-CN" dirty="0">
+                <a:solidFill>
+                  <a:srgbClr val="C00000"/>
+                </a:solidFill>
+              </a:rPr>
+              <a:t>begin</a:t>
+            </a:r>
+            <a:r>
+              <a:rPr lang="zh-CN" altLang="en-US" dirty="0">
+                <a:solidFill>
+                  <a:srgbClr val="C00000"/>
+                </a:solidFill>
+              </a:rPr>
+              <a:t> </a:t>
+            </a:r>
+            <a:r>
+              <a:rPr lang="en-US" altLang="zh-CN" dirty="0">
+                <a:solidFill>
+                  <a:srgbClr val="C00000"/>
+                </a:solidFill>
+              </a:rPr>
+              <a:t>:</a:t>
+            </a:r>
+            <a:r>
+              <a:rPr lang="zh-CN" altLang="en-US" dirty="0">
+                <a:solidFill>
+                  <a:srgbClr val="C00000"/>
+                </a:solidFill>
+              </a:rPr>
+              <a:t>  </a:t>
+            </a:r>
+            <a:r>
+              <a:rPr lang="en-US" altLang="zh-CN" dirty="0"/>
+              <a:t>&lt;offset-value | </a:t>
+            </a:r>
+            <a:r>
+              <a:rPr lang="en-US" altLang="zh-CN" dirty="0" err="1"/>
+              <a:t>syncbase</a:t>
+            </a:r>
+            <a:r>
+              <a:rPr lang="en-US" altLang="zh-CN" dirty="0"/>
+              <a:t>-value | event-value | repeat-value | </a:t>
+            </a:r>
+            <a:r>
+              <a:rPr lang="en-US" altLang="zh-CN" dirty="0" err="1"/>
+              <a:t>accessKey</a:t>
+            </a:r>
+            <a:r>
+              <a:rPr lang="en-US" altLang="zh-CN" dirty="0"/>
+              <a:t>-value | media-marker-value | </a:t>
+            </a:r>
+            <a:r>
+              <a:rPr lang="en-US" altLang="zh-CN" dirty="0" err="1"/>
+              <a:t>wallclock</a:t>
+            </a:r>
+            <a:r>
+              <a:rPr lang="en-US" altLang="zh-CN" dirty="0"/>
+              <a:t>-sync-value | "indefinite</a:t>
+            </a:r>
+            <a:r>
+              <a:rPr lang="en-US" altLang="zh-CN" dirty="0" smtClean="0"/>
+              <a:t>”&gt;</a:t>
+            </a:r>
+            <a:endParaRPr kumimoji="1" lang="en-US" altLang="zh-CN" dirty="0">
+              <a:solidFill>
+                <a:srgbClr val="C00000"/>
+              </a:solidFill>
+            </a:endParaRPr>
+          </a:p>
+        </p:txBody>
+      </p:sp>
+      <p:sp>
+        <p:nvSpPr>
+          <p:cNvPr id="5" name="文本框 4"/>
+          <p:cNvSpPr txBox="1"/>
+          <p:nvPr/>
+        </p:nvSpPr>
+        <p:spPr>
+          <a:xfrm>
+            <a:off x="797169" y="1770182"/>
+            <a:ext cx="10691446" cy="2585323"/>
+          </a:xfrm>
+          <a:prstGeom prst="rect">
+            <a:avLst/>
+          </a:prstGeom>
+          <a:noFill/>
+        </p:spPr>
+        <p:txBody>
+          <a:bodyPr wrap="square" rtlCol="0">
+            <a:spAutoFit/>
+          </a:bodyPr>
+          <a:lstStyle/>
+          <a:p>
+            <a:pPr marL="342900" indent="-342900">
+              <a:buAutoNum type="arabicPeriod"/>
+            </a:pPr>
+            <a:r>
+              <a:rPr lang="en-US" altLang="zh-CN" dirty="0" smtClean="0"/>
+              <a:t>offset-value</a:t>
+            </a:r>
+            <a:r>
+              <a:rPr lang="zh-CN" altLang="en-US" dirty="0" smtClean="0"/>
+              <a:t> ： </a:t>
+            </a:r>
+            <a:r>
+              <a:rPr lang="en-US" altLang="zh-CN" dirty="0" smtClean="0"/>
+              <a:t>&lt;</a:t>
+            </a:r>
+            <a:r>
+              <a:rPr lang="en-US" altLang="zh-CN" dirty="0"/>
+              <a:t> begin=“5s”</a:t>
+            </a:r>
+            <a:r>
+              <a:rPr lang="zh-CN" altLang="en-US" dirty="0"/>
+              <a:t> </a:t>
+            </a:r>
+            <a:r>
+              <a:rPr lang="en-US" altLang="zh-CN" dirty="0" smtClean="0"/>
+              <a:t>&gt;</a:t>
+            </a:r>
+            <a:r>
+              <a:rPr lang="zh-CN" altLang="en-US" dirty="0" smtClean="0">
+                <a:solidFill>
+                  <a:srgbClr val="C00000"/>
+                </a:solidFill>
+              </a:rPr>
+              <a:t>（</a:t>
+            </a:r>
+            <a:r>
+              <a:rPr lang="en-US" altLang="zh-CN" dirty="0">
+                <a:solidFill>
+                  <a:srgbClr val="C00000"/>
+                </a:solidFill>
+              </a:rPr>
+              <a:t>5s</a:t>
+            </a:r>
+            <a:r>
+              <a:rPr lang="zh-CN" altLang="en-US" dirty="0">
+                <a:solidFill>
+                  <a:srgbClr val="C00000"/>
+                </a:solidFill>
+              </a:rPr>
+              <a:t>秒后</a:t>
+            </a:r>
+            <a:r>
+              <a:rPr lang="zh-CN" altLang="en-US" dirty="0" smtClean="0">
+                <a:solidFill>
+                  <a:srgbClr val="C00000"/>
+                </a:solidFill>
+              </a:rPr>
+              <a:t>开始执行动画）</a:t>
+            </a:r>
+            <a:r>
+              <a:rPr lang="en-US" altLang="zh-CN" dirty="0" smtClean="0"/>
+              <a:t/>
+            </a:r>
+            <a:br>
+              <a:rPr lang="en-US" altLang="zh-CN" dirty="0" smtClean="0"/>
+            </a:br>
+            <a:endParaRPr lang="en-US" altLang="zh-CN" dirty="0" smtClean="0"/>
+          </a:p>
+          <a:p>
+            <a:pPr marL="342900" indent="-342900">
+              <a:buFontTx/>
+              <a:buAutoNum type="arabicPeriod"/>
+            </a:pPr>
+            <a:r>
+              <a:rPr lang="en-US" altLang="zh-CN" dirty="0" err="1"/>
+              <a:t>syncbase</a:t>
+            </a:r>
+            <a:r>
+              <a:rPr lang="en-US" altLang="zh-CN" dirty="0"/>
+              <a:t>-value </a:t>
+            </a:r>
+            <a:r>
+              <a:rPr lang="en-US" altLang="zh-CN" dirty="0" smtClean="0"/>
+              <a:t>:</a:t>
+            </a:r>
+            <a:r>
+              <a:rPr lang="zh-CN" altLang="en-US" dirty="0" smtClean="0"/>
+              <a:t> </a:t>
+            </a:r>
+            <a:r>
+              <a:rPr lang="en-US" altLang="zh-CN" dirty="0" smtClean="0"/>
+              <a:t>&lt;</a:t>
+            </a:r>
+            <a:r>
+              <a:rPr lang="zh-CN" altLang="en-US" dirty="0" smtClean="0"/>
+              <a:t> </a:t>
+            </a:r>
+            <a:r>
+              <a:rPr lang="en-US" altLang="zh-CN" dirty="0" smtClean="0"/>
+              <a:t>begin=“</a:t>
+            </a:r>
+            <a:r>
+              <a:rPr lang="en-US" altLang="zh-CN" dirty="0" err="1" smtClean="0"/>
+              <a:t>animte.begin</a:t>
+            </a:r>
+            <a:r>
+              <a:rPr lang="en-US" altLang="zh-CN" dirty="0" smtClean="0"/>
+              <a:t> </a:t>
+            </a:r>
+            <a:r>
+              <a:rPr lang="en-US" altLang="zh-CN" dirty="0"/>
+              <a:t>+ </a:t>
+            </a:r>
+            <a:r>
+              <a:rPr lang="en-US" altLang="zh-CN" dirty="0" smtClean="0"/>
+              <a:t>1s”</a:t>
+            </a:r>
+            <a:r>
+              <a:rPr lang="zh-CN" altLang="en-US" dirty="0" smtClean="0"/>
+              <a:t> </a:t>
+            </a:r>
+            <a:r>
+              <a:rPr lang="en-US" altLang="zh-CN" dirty="0" smtClean="0"/>
+              <a:t>&gt;</a:t>
+            </a:r>
+            <a:r>
+              <a:rPr lang="zh-CN" altLang="en-US" dirty="0" smtClean="0"/>
+              <a:t>   </a:t>
+            </a:r>
+            <a:r>
+              <a:rPr lang="zh-CN" altLang="en-US" dirty="0" smtClean="0">
+                <a:solidFill>
+                  <a:srgbClr val="C00000"/>
+                </a:solidFill>
+              </a:rPr>
+              <a:t>（在</a:t>
+            </a:r>
+            <a:r>
+              <a:rPr lang="en-US" altLang="zh-CN" dirty="0" smtClean="0">
+                <a:solidFill>
+                  <a:srgbClr val="C00000"/>
+                </a:solidFill>
+              </a:rPr>
+              <a:t>id</a:t>
+            </a:r>
+            <a:r>
+              <a:rPr lang="zh-CN" altLang="en-US" dirty="0" smtClean="0">
+                <a:solidFill>
+                  <a:srgbClr val="C00000"/>
+                </a:solidFill>
+              </a:rPr>
+              <a:t>为</a:t>
+            </a:r>
+            <a:r>
+              <a:rPr lang="en-US" altLang="zh-CN" dirty="0" err="1" smtClean="0">
+                <a:solidFill>
+                  <a:srgbClr val="C00000"/>
+                </a:solidFill>
+              </a:rPr>
+              <a:t>animte</a:t>
+            </a:r>
+            <a:r>
+              <a:rPr lang="zh-CN" altLang="en-US" dirty="0" smtClean="0">
+                <a:solidFill>
+                  <a:srgbClr val="C00000"/>
+                </a:solidFill>
+              </a:rPr>
+              <a:t>的动画开始</a:t>
+            </a:r>
+            <a:r>
+              <a:rPr lang="en-US" altLang="zh-CN" dirty="0" smtClean="0">
+                <a:solidFill>
+                  <a:srgbClr val="C00000"/>
+                </a:solidFill>
+              </a:rPr>
+              <a:t>2s</a:t>
+            </a:r>
+            <a:r>
+              <a:rPr lang="zh-CN" altLang="en-US" dirty="0" smtClean="0">
+                <a:solidFill>
+                  <a:srgbClr val="C00000"/>
+                </a:solidFill>
+              </a:rPr>
+              <a:t>后开始执行）</a:t>
+            </a:r>
+            <a:r>
+              <a:rPr lang="en-US" altLang="zh-CN" dirty="0" smtClean="0">
+                <a:solidFill>
+                  <a:srgbClr val="C00000"/>
+                </a:solidFill>
+              </a:rPr>
+              <a:t/>
+            </a:r>
+            <a:br>
+              <a:rPr lang="en-US" altLang="zh-CN" dirty="0" smtClean="0">
+                <a:solidFill>
+                  <a:srgbClr val="C00000"/>
+                </a:solidFill>
+              </a:rPr>
+            </a:br>
+            <a:endParaRPr lang="en-US" altLang="zh-CN" dirty="0" smtClean="0">
+              <a:solidFill>
+                <a:srgbClr val="C00000"/>
+              </a:solidFill>
+            </a:endParaRPr>
+          </a:p>
+          <a:p>
+            <a:pPr marL="342900" indent="-342900">
+              <a:buFontTx/>
+              <a:buAutoNum type="arabicPeriod"/>
+            </a:pPr>
+            <a:r>
+              <a:rPr lang="en-US" altLang="zh-CN" dirty="0" smtClean="0"/>
+              <a:t>event-value</a:t>
+            </a:r>
+            <a:r>
+              <a:rPr lang="zh-CN" altLang="en-US" dirty="0" smtClean="0"/>
+              <a:t>：</a:t>
+            </a:r>
+            <a:r>
+              <a:rPr lang="en-US" altLang="zh-CN" dirty="0"/>
+              <a:t>&lt; begin</a:t>
+            </a:r>
+            <a:r>
+              <a:rPr lang="en-US" altLang="zh-CN" dirty="0" smtClean="0"/>
+              <a:t>=“click </a:t>
+            </a:r>
+            <a:r>
+              <a:rPr lang="en-US" altLang="zh-CN" dirty="0"/>
+              <a:t>+ </a:t>
+            </a:r>
+            <a:r>
+              <a:rPr lang="en-US" altLang="zh-CN" dirty="0" smtClean="0"/>
+              <a:t>1s”&gt;</a:t>
+            </a:r>
+            <a:r>
+              <a:rPr lang="zh-CN" altLang="en-US" dirty="0" smtClean="0"/>
+              <a:t>  </a:t>
+            </a:r>
+            <a:r>
+              <a:rPr lang="zh-CN" altLang="en-US" dirty="0" smtClean="0">
+                <a:solidFill>
+                  <a:srgbClr val="C00000"/>
+                </a:solidFill>
+              </a:rPr>
+              <a:t>（点击</a:t>
+            </a:r>
+            <a:r>
+              <a:rPr lang="en-US" altLang="zh-CN" dirty="0" smtClean="0">
+                <a:solidFill>
+                  <a:srgbClr val="C00000"/>
+                </a:solidFill>
+              </a:rPr>
+              <a:t>1s</a:t>
+            </a:r>
+            <a:r>
+              <a:rPr lang="zh-CN" altLang="en-US" dirty="0" smtClean="0">
+                <a:solidFill>
+                  <a:srgbClr val="C00000"/>
+                </a:solidFill>
+              </a:rPr>
+              <a:t>后开始动画）  </a:t>
+            </a:r>
+            <a:r>
+              <a:rPr lang="en-US" altLang="zh-CN" dirty="0" smtClean="0"/>
+              <a:t>&lt;</a:t>
+            </a:r>
+            <a:r>
+              <a:rPr lang="zh-CN" altLang="en-US" dirty="0" smtClean="0"/>
+              <a:t> </a:t>
+            </a:r>
+            <a:r>
+              <a:rPr lang="en-US" altLang="zh-CN" dirty="0"/>
+              <a:t>begin</a:t>
+            </a:r>
+            <a:r>
+              <a:rPr lang="en-US" altLang="zh-CN" dirty="0" smtClean="0"/>
+              <a:t>=“</a:t>
+            </a:r>
+            <a:r>
+              <a:rPr lang="en-US" altLang="zh-CN" dirty="0" err="1" smtClean="0"/>
+              <a:t>one.click</a:t>
+            </a:r>
+            <a:r>
+              <a:rPr lang="en-US" altLang="zh-CN" dirty="0" smtClean="0"/>
+              <a:t> </a:t>
+            </a:r>
+            <a:r>
+              <a:rPr lang="en-US" altLang="zh-CN" dirty="0"/>
+              <a:t>+ </a:t>
+            </a:r>
+            <a:r>
+              <a:rPr lang="en-US" altLang="zh-CN" dirty="0" smtClean="0"/>
+              <a:t>1s” </a:t>
+            </a:r>
+            <a:r>
+              <a:rPr lang="zh-CN" altLang="en-US" dirty="0" smtClean="0"/>
+              <a:t> </a:t>
+            </a:r>
+            <a:r>
+              <a:rPr lang="en-US" altLang="zh-CN" dirty="0" smtClean="0"/>
+              <a:t>&gt;</a:t>
+            </a:r>
+            <a:br>
+              <a:rPr lang="en-US" altLang="zh-CN" dirty="0" smtClean="0"/>
+            </a:br>
+            <a:endParaRPr lang="en-US" altLang="zh-CN" dirty="0" smtClean="0"/>
+          </a:p>
+          <a:p>
+            <a:pPr marL="342900" indent="-342900">
+              <a:buFontTx/>
+              <a:buAutoNum type="arabicPeriod"/>
+            </a:pPr>
+            <a:r>
+              <a:rPr lang="en-US" altLang="zh-CN" dirty="0" smtClean="0"/>
+              <a:t>repeat-value</a:t>
+            </a:r>
+            <a:r>
+              <a:rPr lang="zh-CN" altLang="en-US" dirty="0" smtClean="0"/>
+              <a:t>：</a:t>
+            </a:r>
+            <a:r>
+              <a:rPr lang="en-US" altLang="zh-CN" dirty="0" smtClean="0"/>
+              <a:t>&lt;</a:t>
+            </a:r>
+            <a:r>
+              <a:rPr lang="zh-CN" altLang="en-US" dirty="0" smtClean="0"/>
+              <a:t> </a:t>
+            </a:r>
+            <a:r>
+              <a:rPr lang="en-US" altLang="zh-CN" dirty="0"/>
+              <a:t>begin</a:t>
+            </a:r>
+            <a:r>
+              <a:rPr lang="en-US" altLang="zh-CN" dirty="0" smtClean="0"/>
+              <a:t>=“</a:t>
+            </a:r>
+            <a:r>
+              <a:rPr lang="en-US" altLang="zh-CN" dirty="0" err="1" smtClean="0"/>
+              <a:t>animte.repeat</a:t>
+            </a:r>
+            <a:r>
+              <a:rPr lang="en-US" altLang="zh-CN" dirty="0" smtClean="0"/>
+              <a:t>(3</a:t>
+            </a:r>
+            <a:r>
+              <a:rPr lang="en-US" altLang="zh-CN" dirty="0"/>
+              <a:t>)</a:t>
+            </a:r>
+            <a:r>
+              <a:rPr lang="en-US" altLang="zh-CN" dirty="0" smtClean="0"/>
+              <a:t>”</a:t>
+            </a:r>
+            <a:r>
+              <a:rPr lang="zh-CN" altLang="en-US" dirty="0" smtClean="0"/>
+              <a:t> </a:t>
+            </a:r>
+            <a:r>
+              <a:rPr lang="en-US" altLang="zh-CN" dirty="0" smtClean="0"/>
+              <a:t>&gt;</a:t>
+            </a:r>
+            <a:r>
+              <a:rPr lang="zh-CN" altLang="en-US" dirty="0" smtClean="0"/>
+              <a:t>  </a:t>
+            </a:r>
+            <a:r>
+              <a:rPr lang="zh-CN" altLang="en-US" dirty="0">
+                <a:solidFill>
+                  <a:srgbClr val="C00000"/>
+                </a:solidFill>
+              </a:rPr>
+              <a:t>（在</a:t>
+            </a:r>
+            <a:r>
+              <a:rPr lang="en-US" altLang="zh-CN" dirty="0">
+                <a:solidFill>
+                  <a:srgbClr val="C00000"/>
+                </a:solidFill>
+              </a:rPr>
+              <a:t>id</a:t>
+            </a:r>
+            <a:r>
+              <a:rPr lang="zh-CN" altLang="en-US" dirty="0">
+                <a:solidFill>
+                  <a:srgbClr val="C00000"/>
+                </a:solidFill>
+              </a:rPr>
+              <a:t>为</a:t>
+            </a:r>
+            <a:r>
+              <a:rPr lang="en-US" altLang="zh-CN" dirty="0" err="1">
+                <a:solidFill>
+                  <a:srgbClr val="C00000"/>
+                </a:solidFill>
+              </a:rPr>
+              <a:t>animte</a:t>
+            </a:r>
+            <a:r>
+              <a:rPr lang="zh-CN" altLang="en-US" dirty="0">
+                <a:solidFill>
+                  <a:srgbClr val="C00000"/>
+                </a:solidFill>
+              </a:rPr>
+              <a:t>的</a:t>
+            </a:r>
+            <a:r>
+              <a:rPr lang="zh-CN" altLang="en-US" dirty="0" smtClean="0">
+                <a:solidFill>
+                  <a:srgbClr val="C00000"/>
+                </a:solidFill>
+              </a:rPr>
+              <a:t>动画执行</a:t>
+            </a:r>
+            <a:r>
+              <a:rPr lang="en-US" altLang="zh-CN" dirty="0" smtClean="0">
+                <a:solidFill>
+                  <a:srgbClr val="C00000"/>
+                </a:solidFill>
+              </a:rPr>
+              <a:t>3</a:t>
+            </a:r>
+            <a:r>
+              <a:rPr lang="zh-CN" altLang="en-US" dirty="0" smtClean="0">
+                <a:solidFill>
+                  <a:srgbClr val="C00000"/>
+                </a:solidFill>
+              </a:rPr>
+              <a:t>次后开始</a:t>
+            </a:r>
+            <a:r>
+              <a:rPr lang="zh-CN" altLang="en-US" dirty="0">
+                <a:solidFill>
+                  <a:srgbClr val="C00000"/>
+                </a:solidFill>
+              </a:rPr>
+              <a:t>执行</a:t>
+            </a:r>
+            <a:r>
+              <a:rPr lang="zh-CN" altLang="en-US" dirty="0" smtClean="0">
+                <a:solidFill>
+                  <a:srgbClr val="C00000"/>
+                </a:solidFill>
+              </a:rPr>
+              <a:t>）</a:t>
+            </a:r>
+            <a:r>
+              <a:rPr lang="en-US" altLang="zh-CN" dirty="0" smtClean="0">
+                <a:solidFill>
+                  <a:srgbClr val="C00000"/>
+                </a:solidFill>
+              </a:rPr>
+              <a:t/>
+            </a:r>
+            <a:br>
+              <a:rPr lang="en-US" altLang="zh-CN" dirty="0" smtClean="0">
+                <a:solidFill>
+                  <a:srgbClr val="C00000"/>
+                </a:solidFill>
+              </a:rPr>
+            </a:br>
+            <a:endParaRPr lang="en-US" altLang="zh-CN" dirty="0" smtClean="0">
+              <a:solidFill>
+                <a:srgbClr val="C00000"/>
+              </a:solidFill>
+            </a:endParaRPr>
+          </a:p>
+          <a:p>
+            <a:pPr marL="342900" indent="-342900">
+              <a:buFontTx/>
+              <a:buAutoNum type="arabicPeriod"/>
+            </a:pPr>
+            <a:r>
+              <a:rPr lang="en-US" altLang="zh-CN" dirty="0" err="1"/>
+              <a:t>accessKey</a:t>
+            </a:r>
+            <a:r>
+              <a:rPr lang="en-US" altLang="zh-CN" dirty="0"/>
+              <a:t>-value </a:t>
+            </a:r>
+            <a:r>
+              <a:rPr lang="en-US" altLang="zh-CN" dirty="0" smtClean="0"/>
+              <a:t>:</a:t>
+            </a:r>
+            <a:r>
+              <a:rPr lang="zh-CN" altLang="en-US" dirty="0" smtClean="0"/>
+              <a:t>  </a:t>
+            </a:r>
+            <a:r>
+              <a:rPr lang="en-US" altLang="zh-CN" dirty="0" smtClean="0"/>
+              <a:t>&lt;</a:t>
+            </a:r>
+            <a:r>
+              <a:rPr lang="zh-CN" altLang="en-US" dirty="0" smtClean="0"/>
+              <a:t> </a:t>
+            </a:r>
+            <a:r>
+              <a:rPr lang="en-US" altLang="zh-CN" dirty="0"/>
+              <a:t>begin</a:t>
+            </a:r>
+            <a:r>
+              <a:rPr lang="en-US" altLang="zh-CN" dirty="0" smtClean="0"/>
+              <a:t>=“</a:t>
+            </a:r>
+            <a:r>
+              <a:rPr lang="en-US" altLang="zh-CN" dirty="0" err="1" smtClean="0"/>
+              <a:t>accessKey</a:t>
+            </a:r>
+            <a:r>
+              <a:rPr lang="en-US" altLang="zh-CN" dirty="0" smtClean="0"/>
+              <a:t>(d)” </a:t>
+            </a:r>
+            <a:r>
+              <a:rPr lang="zh-CN" altLang="en-US" dirty="0" smtClean="0"/>
+              <a:t> </a:t>
+            </a:r>
+            <a:r>
+              <a:rPr lang="en-US" altLang="zh-CN" dirty="0" smtClean="0"/>
+              <a:t>&gt;</a:t>
+            </a:r>
+            <a:r>
+              <a:rPr lang="zh-CN" altLang="en-US" dirty="0" smtClean="0"/>
+              <a:t>  </a:t>
+            </a:r>
+            <a:r>
+              <a:rPr lang="zh-CN" altLang="en-US" dirty="0" smtClean="0">
+                <a:solidFill>
+                  <a:srgbClr val="C00000"/>
+                </a:solidFill>
+              </a:rPr>
+              <a:t>（按键盘</a:t>
+            </a:r>
+            <a:r>
+              <a:rPr lang="en-US" altLang="zh-CN" dirty="0" smtClean="0">
+                <a:solidFill>
+                  <a:srgbClr val="C00000"/>
+                </a:solidFill>
+              </a:rPr>
+              <a:t>d</a:t>
+            </a:r>
+            <a:r>
+              <a:rPr lang="zh-CN" altLang="en-US" dirty="0" smtClean="0">
+                <a:solidFill>
+                  <a:srgbClr val="C00000"/>
+                </a:solidFill>
+              </a:rPr>
+              <a:t>开始</a:t>
+            </a:r>
+            <a:r>
+              <a:rPr lang="zh-CN" altLang="en-US" dirty="0">
+                <a:solidFill>
+                  <a:srgbClr val="C00000"/>
+                </a:solidFill>
+              </a:rPr>
+              <a:t>执行</a:t>
+            </a:r>
+            <a:r>
+              <a:rPr lang="zh-CN" altLang="en-US" dirty="0" smtClean="0">
+                <a:solidFill>
+                  <a:srgbClr val="C00000"/>
+                </a:solidFill>
+              </a:rPr>
+              <a:t>）（只有火狐支持）</a:t>
+            </a:r>
+            <a:endParaRPr lang="en-US" altLang="zh-CN" dirty="0" smtClean="0">
+              <a:solidFill>
+                <a:srgbClr val="C00000"/>
+              </a:solidFill>
+            </a:endParaRPr>
+          </a:p>
+        </p:txBody>
+      </p:sp>
+      <p:sp>
+        <p:nvSpPr>
+          <p:cNvPr id="6" name="文本框 5"/>
+          <p:cNvSpPr txBox="1"/>
+          <p:nvPr/>
+        </p:nvSpPr>
+        <p:spPr>
+          <a:xfrm>
+            <a:off x="797169" y="4829908"/>
+            <a:ext cx="10914185" cy="1477328"/>
+          </a:xfrm>
+          <a:prstGeom prst="rect">
+            <a:avLst/>
+          </a:prstGeom>
+          <a:noFill/>
+        </p:spPr>
+        <p:txBody>
+          <a:bodyPr wrap="square" rtlCol="0">
+            <a:spAutoFit/>
+          </a:bodyPr>
+          <a:lstStyle/>
+          <a:p>
+            <a:r>
+              <a:rPr lang="en-US" altLang="zh-CN" dirty="0">
+                <a:solidFill>
+                  <a:srgbClr val="0070C0"/>
+                </a:solidFill>
+              </a:rPr>
+              <a:t>4</a:t>
+            </a:r>
+            <a:r>
+              <a:rPr lang="en-US" altLang="zh-CN" dirty="0" smtClean="0">
+                <a:solidFill>
+                  <a:srgbClr val="0070C0"/>
+                </a:solidFill>
+              </a:rPr>
+              <a:t>.</a:t>
+            </a:r>
+            <a:r>
+              <a:rPr kumimoji="1" lang="en-US" altLang="zh-CN" dirty="0" smtClean="0">
+                <a:solidFill>
+                  <a:srgbClr val="0070C0"/>
+                </a:solidFill>
+              </a:rPr>
+              <a:t>&lt;</a:t>
+            </a:r>
+            <a:r>
+              <a:rPr kumimoji="1" lang="zh-CN" altLang="en-US" dirty="0" smtClean="0">
+                <a:solidFill>
+                  <a:srgbClr val="0070C0"/>
+                </a:solidFill>
+              </a:rPr>
+              <a:t>动画快慢控制</a:t>
+            </a:r>
+            <a:r>
+              <a:rPr kumimoji="1" lang="en-US" altLang="zh-CN" dirty="0" smtClean="0">
+                <a:solidFill>
+                  <a:srgbClr val="0070C0"/>
+                </a:solidFill>
+              </a:rPr>
+              <a:t>&gt;</a:t>
+            </a:r>
+            <a:r>
+              <a:rPr kumimoji="1" lang="zh-CN" altLang="en-US" dirty="0" smtClean="0">
+                <a:solidFill>
+                  <a:srgbClr val="0070C0"/>
+                </a:solidFill>
+              </a:rPr>
+              <a:t>  </a:t>
+            </a:r>
+            <a:r>
+              <a:rPr kumimoji="1" lang="en-US" altLang="zh-CN" dirty="0">
+                <a:solidFill>
+                  <a:srgbClr val="0070C0"/>
+                </a:solidFill>
+              </a:rPr>
+              <a:t/>
+            </a:r>
+            <a:br>
+              <a:rPr kumimoji="1" lang="en-US" altLang="zh-CN" dirty="0">
+                <a:solidFill>
+                  <a:srgbClr val="0070C0"/>
+                </a:solidFill>
+              </a:rPr>
+            </a:br>
+            <a:r>
+              <a:rPr kumimoji="1" lang="zh-CN" altLang="en-US" dirty="0" smtClean="0">
+                <a:solidFill>
+                  <a:srgbClr val="0070C0"/>
+                </a:solidFill>
+              </a:rPr>
+              <a:t>  </a:t>
+            </a:r>
+            <a:r>
+              <a:rPr lang="en-US" altLang="zh-CN" dirty="0" err="1" smtClean="0"/>
+              <a:t>calcMode</a:t>
+            </a:r>
+            <a:r>
+              <a:rPr lang="zh-CN" altLang="en-US" dirty="0"/>
+              <a:t> </a:t>
+            </a:r>
+            <a:r>
+              <a:rPr lang="zh-CN" altLang="en-US" dirty="0" smtClean="0"/>
+              <a:t>：</a:t>
+            </a:r>
+            <a:r>
+              <a:rPr lang="zh-CN" altLang="en-US" dirty="0"/>
+              <a:t>每一个动画片段的动画</a:t>
+            </a:r>
+            <a:r>
+              <a:rPr lang="zh-CN" altLang="en-US" dirty="0" smtClean="0"/>
+              <a:t>表现 </a:t>
+            </a:r>
+            <a:r>
+              <a:rPr lang="en-US" altLang="zh-CN" dirty="0" smtClean="0"/>
+              <a:t>,</a:t>
+            </a:r>
+            <a:r>
+              <a:rPr lang="zh-CN" altLang="en-US" dirty="0" smtClean="0"/>
+              <a:t> </a:t>
+            </a:r>
+            <a:r>
+              <a:rPr lang="de-DE" altLang="zh-CN" dirty="0" err="1" smtClean="0"/>
+              <a:t>discrete</a:t>
+            </a:r>
+            <a:r>
+              <a:rPr lang="de-DE" altLang="zh-CN" dirty="0"/>
+              <a:t> | linear | </a:t>
+            </a:r>
+            <a:r>
+              <a:rPr lang="de-DE" altLang="zh-CN" dirty="0" err="1"/>
+              <a:t>paced</a:t>
+            </a:r>
+            <a:r>
+              <a:rPr lang="de-DE" altLang="zh-CN" dirty="0"/>
+              <a:t> | </a:t>
+            </a:r>
+            <a:r>
+              <a:rPr lang="de-DE" altLang="zh-CN" dirty="0" err="1" smtClean="0"/>
+              <a:t>spline</a:t>
+            </a:r>
+            <a:r>
+              <a:rPr lang="zh-CN" altLang="en-US" dirty="0" smtClean="0"/>
+              <a:t>  （贝塞尔曲线）</a:t>
+            </a:r>
+            <a:endParaRPr lang="en-US" altLang="zh-CN" dirty="0" smtClean="0"/>
+          </a:p>
+          <a:p>
+            <a:r>
+              <a:rPr lang="en-US" altLang="zh-CN" dirty="0" smtClean="0"/>
+              <a:t> </a:t>
+            </a:r>
+            <a:r>
+              <a:rPr lang="zh-CN" altLang="en-US" dirty="0" smtClean="0"/>
+              <a:t> </a:t>
+            </a:r>
+            <a:r>
+              <a:rPr lang="en-US" altLang="zh-CN" dirty="0" err="1" smtClean="0"/>
+              <a:t>keyTimes</a:t>
+            </a:r>
+            <a:r>
+              <a:rPr lang="en-US" altLang="zh-CN" dirty="0" smtClean="0"/>
+              <a:t>,</a:t>
+            </a:r>
+            <a:r>
+              <a:rPr lang="zh-CN" altLang="en-US" dirty="0" smtClean="0"/>
+              <a:t>：</a:t>
+            </a:r>
+            <a:r>
+              <a:rPr lang="zh-CN" altLang="en-US" dirty="0"/>
+              <a:t>动画各个阶段指定动画持续</a:t>
+            </a:r>
+            <a:r>
+              <a:rPr lang="zh-CN" altLang="en-US" dirty="0" smtClean="0"/>
+              <a:t>时间</a:t>
+            </a:r>
+            <a:r>
+              <a:rPr lang="en-US" altLang="zh-CN" dirty="0" smtClean="0"/>
+              <a:t>,</a:t>
+            </a:r>
+            <a:r>
+              <a:rPr lang="zh-CN" altLang="en-US" dirty="0" smtClean="0"/>
+              <a:t> </a:t>
+            </a:r>
+            <a:r>
+              <a:rPr lang="zh-CN" altLang="en-US" dirty="0" smtClean="0"/>
+              <a:t>和</a:t>
+            </a:r>
+            <a:r>
+              <a:rPr lang="en-US" altLang="zh-CN" dirty="0"/>
+              <a:t>&lt;list&gt;</a:t>
+            </a:r>
+            <a:r>
+              <a:rPr lang="zh-CN" altLang="en-US" dirty="0"/>
+              <a:t>类似，都是分号分隔一组</a:t>
+            </a:r>
+            <a:r>
+              <a:rPr lang="zh-CN" altLang="en-US" dirty="0" smtClean="0"/>
+              <a:t>值  </a:t>
+            </a:r>
+            <a:r>
+              <a:rPr lang="en-US" altLang="zh-CN" dirty="0" smtClean="0"/>
+              <a:t>&lt;</a:t>
+            </a:r>
+            <a:r>
+              <a:rPr lang="zh-CN" altLang="en-US" dirty="0" smtClean="0"/>
+              <a:t> </a:t>
+            </a:r>
+            <a:r>
+              <a:rPr lang="mr-IN" altLang="zh-CN" dirty="0" err="1"/>
+              <a:t>keyTimes</a:t>
+            </a:r>
+            <a:r>
+              <a:rPr lang="mr-IN" altLang="zh-CN" dirty="0" smtClean="0"/>
+              <a:t>=“0</a:t>
+            </a:r>
+            <a:r>
+              <a:rPr lang="mr-IN" altLang="zh-CN" dirty="0"/>
+              <a:t>; .8; </a:t>
+            </a:r>
+            <a:r>
+              <a:rPr lang="mr-IN" altLang="zh-CN" dirty="0" smtClean="0"/>
+              <a:t>1”</a:t>
+            </a:r>
+            <a:r>
+              <a:rPr lang="zh-CN" altLang="en-US" dirty="0" smtClean="0"/>
+              <a:t> </a:t>
+            </a:r>
+            <a:r>
+              <a:rPr lang="en-US" altLang="zh-CN" dirty="0" smtClean="0"/>
+              <a:t>&gt;</a:t>
+            </a:r>
+            <a:r>
+              <a:rPr lang="zh-CN" altLang="en-US" dirty="0" smtClean="0"/>
+              <a:t> </a:t>
+            </a:r>
+            <a:endParaRPr lang="en-US" altLang="zh-CN" dirty="0" smtClean="0"/>
+          </a:p>
+          <a:p>
+            <a:r>
+              <a:rPr lang="zh-CN" altLang="en-US" dirty="0"/>
+              <a:t> </a:t>
+            </a:r>
+            <a:r>
+              <a:rPr lang="zh-CN" altLang="en-US" dirty="0" smtClean="0"/>
+              <a:t> </a:t>
+            </a:r>
+            <a:r>
+              <a:rPr lang="en-US" altLang="zh-CN" dirty="0" err="1" smtClean="0"/>
+              <a:t>keySplines</a:t>
+            </a:r>
+            <a:r>
+              <a:rPr lang="en-US" altLang="zh-CN" dirty="0" smtClean="0"/>
+              <a:t>:</a:t>
+            </a:r>
+            <a:r>
+              <a:rPr lang="zh-CN" altLang="en-US" dirty="0" smtClean="0"/>
+              <a:t> </a:t>
+            </a:r>
+            <a:r>
+              <a:rPr lang="zh-CN" altLang="en-US" dirty="0" smtClean="0"/>
+              <a:t>贝</a:t>
+            </a:r>
+            <a:r>
+              <a:rPr lang="zh-CN" altLang="en-US" dirty="0"/>
+              <a:t>塞尔</a:t>
+            </a:r>
+            <a:r>
+              <a:rPr lang="zh-CN" altLang="en-US" dirty="0" smtClean="0"/>
+              <a:t>曲线控制点</a:t>
+            </a:r>
+            <a:r>
+              <a:rPr lang="zh-CN" altLang="en-US" dirty="0" smtClean="0"/>
+              <a:t> </a:t>
+            </a:r>
+            <a:r>
+              <a:rPr lang="en-US" altLang="zh-CN" dirty="0" smtClean="0"/>
+              <a:t>&lt;</a:t>
+            </a:r>
+            <a:r>
+              <a:rPr lang="zh-CN" altLang="en-US" dirty="0" smtClean="0"/>
+              <a:t> </a:t>
+            </a:r>
+            <a:r>
+              <a:rPr lang="mr-IN" altLang="zh-CN" dirty="0" err="1"/>
+              <a:t>calcMode</a:t>
+            </a:r>
+            <a:r>
+              <a:rPr lang="mr-IN" altLang="zh-CN" dirty="0" smtClean="0"/>
+              <a:t>=“</a:t>
+            </a:r>
+            <a:r>
+              <a:rPr lang="mr-IN" altLang="zh-CN" dirty="0" err="1" smtClean="0"/>
+              <a:t>spline</a:t>
+            </a:r>
+            <a:r>
+              <a:rPr lang="mr-IN" altLang="zh-CN" dirty="0" smtClean="0"/>
+              <a:t>” </a:t>
+            </a:r>
+            <a:r>
+              <a:rPr lang="mr-IN" altLang="zh-CN" dirty="0" err="1"/>
+              <a:t>keySplines</a:t>
+            </a:r>
+            <a:r>
+              <a:rPr lang="mr-IN" altLang="zh-CN" dirty="0" smtClean="0"/>
+              <a:t>=“.</a:t>
+            </a:r>
+            <a:r>
+              <a:rPr lang="mr-IN" altLang="zh-CN" dirty="0"/>
+              <a:t>5 0 .5 1; 0 0 1 </a:t>
+            </a:r>
+            <a:r>
+              <a:rPr lang="mr-IN" altLang="zh-CN" dirty="0" smtClean="0"/>
+              <a:t>1”</a:t>
+            </a:r>
+            <a:r>
+              <a:rPr lang="zh-CN" altLang="en-US" dirty="0" smtClean="0"/>
+              <a:t> </a:t>
+            </a:r>
+            <a:r>
+              <a:rPr lang="en-US" altLang="zh-CN" dirty="0" smtClean="0"/>
+              <a:t>&gt;</a:t>
+            </a:r>
+            <a:endParaRPr kumimoji="1" lang="en-US" altLang="zh-CN" dirty="0"/>
+          </a:p>
+          <a:p>
+            <a:endParaRPr kumimoji="1" lang="zh-CN" altLang="en-US" dirty="0"/>
+          </a:p>
+        </p:txBody>
+      </p:sp>
+    </p:spTree>
+    <p:extLst>
+      <p:ext uri="{BB962C8B-B14F-4D97-AF65-F5344CB8AC3E}">
+        <p14:creationId xmlns:p14="http://schemas.microsoft.com/office/powerpoint/2010/main" val="293302590"/>
+      </p:ext>
+    </p:extLst>
+  </p:cSld>
+  <p:clrMapOvr>
+    <a:masterClrMapping/>
+  </p:clrMapOvr>
+  <p:transition spd="med">
+    <p:pull/>
+  </p:transition>
+  <p:timing>
+    <p:tnLst>
+      <p:par>
+        <p:cTn id="1" dur="indefinite" restart="never" nodeType="tmRoot"/>
+      </p:par>
+    </p:tnLst>
+  </p:timing>
+</p:sld>
+</file>
+
+<file path=ppt/slides/slide15.xml><?xml version="1.0" encoding="utf-8"?>
+<p:sld xmlns:a="http://schemas.openxmlformats.org/drawingml/2006/main" xmlns:r="http://schemas.openxmlformats.org/officeDocument/2006/relationships" xmlns:p="http://schemas.openxmlformats.org/presentationml/2006/main">
+  <p:cSld>
+    <p:spTree>
+      <p:nvGrpSpPr>
+        <p:cNvPr id="1" name=""/>
+        <p:cNvGrpSpPr/>
+        <p:nvPr/>
+      </p:nvGrpSpPr>
+      <p:grpSpPr>
+        <a:xfrm>
+          <a:off x="0" y="0"/>
+          <a:ext cx="0" cy="0"/>
+          <a:chOff x="0" y="0"/>
+          <a:chExt cx="0" cy="0"/>
+        </a:xfrm>
+      </p:grpSpPr>
+      <p:sp>
+        <p:nvSpPr>
+          <p:cNvPr id="2" name="文本框 1"/>
+          <p:cNvSpPr txBox="1"/>
+          <p:nvPr/>
+        </p:nvSpPr>
+        <p:spPr>
+          <a:xfrm>
+            <a:off x="644374" y="443238"/>
+            <a:ext cx="10926303" cy="584775"/>
+          </a:xfrm>
+          <a:prstGeom prst="rect">
+            <a:avLst/>
+          </a:prstGeom>
+          <a:noFill/>
+        </p:spPr>
+        <p:txBody>
+          <a:bodyPr wrap="square" rtlCol="0">
+            <a:spAutoFit/>
+          </a:bodyPr>
+          <a:lstStyle/>
+          <a:p>
+            <a:r>
+              <a:rPr kumimoji="1" lang="en-US" altLang="zh-CN" sz="3200" dirty="0" smtClean="0"/>
+              <a:t>2.</a:t>
+            </a:r>
+            <a:r>
+              <a:rPr kumimoji="1" lang="zh-CN" altLang="en-US" sz="3200" dirty="0" smtClean="0"/>
+              <a:t> 制作一个</a:t>
+            </a:r>
+            <a:r>
+              <a:rPr kumimoji="1" lang="en-US" altLang="zh-CN" sz="3200" dirty="0" smtClean="0"/>
+              <a:t>SVG</a:t>
+            </a:r>
+            <a:r>
+              <a:rPr kumimoji="1" lang="zh-CN" altLang="en-US" sz="3200" dirty="0" smtClean="0"/>
+              <a:t>动画</a:t>
+            </a:r>
+            <a:endParaRPr kumimoji="1" lang="zh-CN" altLang="en-US" sz="3200" dirty="0"/>
+          </a:p>
+        </p:txBody>
+      </p:sp>
+      <p:sp>
+        <p:nvSpPr>
+          <p:cNvPr id="3" name="文本框 2"/>
+          <p:cNvSpPr txBox="1"/>
+          <p:nvPr/>
+        </p:nvSpPr>
+        <p:spPr>
+          <a:xfrm>
+            <a:off x="1047964" y="1263721"/>
+            <a:ext cx="10366625" cy="400110"/>
+          </a:xfrm>
+          <a:prstGeom prst="rect">
+            <a:avLst/>
+          </a:prstGeom>
+          <a:noFill/>
+        </p:spPr>
+        <p:txBody>
+          <a:bodyPr wrap="square" rtlCol="0">
+            <a:spAutoFit/>
+          </a:bodyPr>
+          <a:lstStyle/>
+          <a:p>
+            <a:r>
+              <a:rPr kumimoji="1" lang="en-US" altLang="zh-CN" dirty="0" smtClean="0"/>
+              <a:t>2.</a:t>
+            </a:r>
+            <a:r>
+              <a:rPr kumimoji="1" lang="zh-CN" altLang="en-US" dirty="0" smtClean="0"/>
+              <a:t>路径动画    </a:t>
+            </a:r>
+            <a:r>
+              <a:rPr kumimoji="1" lang="en-US" altLang="zh-CN" sz="2000" b="1" dirty="0"/>
+              <a:t>&lt; </a:t>
+            </a:r>
+            <a:r>
+              <a:rPr kumimoji="1" lang="en-US" altLang="zh-CN" sz="2000" b="1" dirty="0" err="1" smtClean="0"/>
+              <a:t>animateTransform</a:t>
+            </a:r>
+            <a:r>
+              <a:rPr kumimoji="1" lang="zh-CN" altLang="en-US" sz="2000" b="1" dirty="0" smtClean="0"/>
+              <a:t> </a:t>
+            </a:r>
+            <a:r>
+              <a:rPr kumimoji="1" lang="en-US" altLang="zh-CN" sz="2000" b="1" dirty="0" smtClean="0"/>
+              <a:t>&gt;</a:t>
+            </a:r>
+            <a:endParaRPr kumimoji="1" lang="zh-CN" altLang="en-US" sz="2000" b="1" dirty="0"/>
+          </a:p>
+        </p:txBody>
+      </p:sp>
+      <p:pic>
+        <p:nvPicPr>
+          <p:cNvPr id="1026" name="Picture 2" descr="if"/>
+          <p:cNvPicPr>
+            <a:picLocks noChangeAspect="1" noChangeArrowheads="1"/>
+          </p:cNvPicPr>
+          <p:nvPr/>
+        </p:nvPicPr>
+        <p:blipFill>
+          <a:blip r:embed="rId2">
+            <a:extLst>
+              <a:ext uri="{28A0092B-C50C-407E-A947-70E740481C1C}">
+                <a14:useLocalDpi xmlns:a14="http://schemas.microsoft.com/office/drawing/2010/main" val="0"/>
+              </a:ext>
+            </a:extLst>
+          </a:blip>
+          <a:srcRect/>
+          <a:stretch>
+            <a:fillRect/>
+          </a:stretch>
+        </p:blipFill>
+        <p:spPr bwMode="auto">
+          <a:xfrm>
+            <a:off x="3698697" y="1924953"/>
+            <a:ext cx="5715000" cy="3590925"/>
+          </a:xfrm>
+          <a:prstGeom prst="rect">
+            <a:avLst/>
+          </a:prstGeom>
+          <a:noFill/>
+          <a:extLst>
+            <a:ext uri="{909E8E84-426E-40DD-AFC4-6F175D3DCCD1}">
+              <a14:hiddenFill xmlns:a14="http://schemas.microsoft.com/office/drawing/2010/main">
+                <a:solidFill>
+                  <a:srgbClr val="FFFFFF"/>
+                </a:solidFill>
+              </a14:hiddenFill>
+            </a:ext>
+          </a:extLst>
+        </p:spPr>
+      </p:pic>
+    </p:spTree>
+    <p:extLst>
+      <p:ext uri="{BB962C8B-B14F-4D97-AF65-F5344CB8AC3E}">
+        <p14:creationId xmlns:p14="http://schemas.microsoft.com/office/powerpoint/2010/main" val="249460808"/>
+      </p:ext>
+    </p:extLst>
+  </p:cSld>
+  <p:clrMapOvr>
+    <a:masterClrMapping/>
+  </p:clrMapOvr>
+  <p:transition spd="med">
+    <p:pull/>
+  </p:transition>
+  <p:timing>
+    <p:tnLst>
+      <p:par>
+        <p:cTn id="1" dur="indefinite" restart="never" nodeType="tmRoot"/>
+      </p:par>
+    </p:tnLst>
+  </p:timing>
+</p:sld>
+</file>
+
+<file path=ppt/slides/slide16.xml><?xml version="1.0" encoding="utf-8"?>
+<p:sld xmlns:a="http://schemas.openxmlformats.org/drawingml/2006/main" xmlns:r="http://schemas.openxmlformats.org/officeDocument/2006/relationships" xmlns:p="http://schemas.openxmlformats.org/presentationml/2006/main">
+  <p:cSld>
+    <p:spTree>
+      <p:nvGrpSpPr>
+        <p:cNvPr id="1" name=""/>
+        <p:cNvGrpSpPr/>
+        <p:nvPr/>
+      </p:nvGrpSpPr>
+      <p:grpSpPr>
+        <a:xfrm>
+          <a:off x="0" y="0"/>
+          <a:ext cx="0" cy="0"/>
+          <a:chOff x="0" y="0"/>
+          <a:chExt cx="0" cy="0"/>
+        </a:xfrm>
+      </p:grpSpPr>
+      <p:sp>
+        <p:nvSpPr>
+          <p:cNvPr id="3" name="文本框 2"/>
+          <p:cNvSpPr txBox="1"/>
+          <p:nvPr/>
+        </p:nvSpPr>
+        <p:spPr>
+          <a:xfrm>
+            <a:off x="486769" y="376588"/>
+            <a:ext cx="9988062" cy="646331"/>
+          </a:xfrm>
+          <a:prstGeom prst="rect">
+            <a:avLst/>
+          </a:prstGeom>
+          <a:noFill/>
+        </p:spPr>
+        <p:txBody>
+          <a:bodyPr wrap="square" rtlCol="0">
+            <a:spAutoFit/>
+          </a:bodyPr>
+          <a:lstStyle/>
+          <a:p>
+            <a:r>
+              <a:rPr kumimoji="1" lang="en-US" altLang="zh-CN" dirty="0"/>
+              <a:t>2</a:t>
+            </a:r>
+            <a:r>
+              <a:rPr kumimoji="1" lang="en-US" altLang="zh-CN" dirty="0" smtClean="0"/>
+              <a:t>.</a:t>
+            </a:r>
+            <a:r>
+              <a:rPr kumimoji="1" lang="zh-CN" altLang="en-US" dirty="0" smtClean="0"/>
+              <a:t> 路径动画</a:t>
+            </a:r>
+            <a:endParaRPr kumimoji="1" lang="en-US" altLang="zh-CN" dirty="0" smtClean="0"/>
+          </a:p>
+          <a:p>
+            <a:endParaRPr kumimoji="1" lang="zh-CN" altLang="en-US" dirty="0"/>
+          </a:p>
+        </p:txBody>
+      </p:sp>
+      <p:sp>
+        <p:nvSpPr>
+          <p:cNvPr id="6" name="文本框 5"/>
+          <p:cNvSpPr txBox="1"/>
+          <p:nvPr/>
+        </p:nvSpPr>
+        <p:spPr>
+          <a:xfrm>
+            <a:off x="893852" y="934948"/>
+            <a:ext cx="10664575" cy="2585323"/>
+          </a:xfrm>
+          <a:prstGeom prst="rect">
+            <a:avLst/>
+          </a:prstGeom>
+          <a:noFill/>
+        </p:spPr>
+        <p:txBody>
+          <a:bodyPr wrap="square" rtlCol="0">
+            <a:spAutoFit/>
+          </a:bodyPr>
+          <a:lstStyle/>
+          <a:p>
+            <a:r>
+              <a:rPr lang="en-US" altLang="zh-CN" b="1" dirty="0"/>
+              <a:t>&lt;</a:t>
+            </a:r>
+            <a:r>
+              <a:rPr lang="en-US" altLang="zh-CN" b="1" dirty="0" err="1" smtClean="0"/>
+              <a:t>animateMotion</a:t>
+            </a:r>
+            <a:r>
+              <a:rPr lang="en-US" altLang="zh-CN" b="1" dirty="0" smtClean="0"/>
+              <a:t>&gt;</a:t>
+            </a:r>
+          </a:p>
+          <a:p>
+            <a:r>
+              <a:rPr lang="zh-CN" altLang="en-US" b="1" dirty="0" smtClean="0"/>
+              <a:t> </a:t>
+            </a:r>
+            <a:endParaRPr lang="en-US" altLang="zh-CN" b="1" dirty="0" smtClean="0"/>
+          </a:p>
+          <a:p>
+            <a:r>
+              <a:rPr lang="en-US" altLang="zh-CN" b="1" dirty="0" smtClean="0"/>
+              <a:t>1.</a:t>
+            </a:r>
+            <a:r>
+              <a:rPr lang="zh-CN" altLang="en-US" b="1" dirty="0" smtClean="0"/>
+              <a:t> </a:t>
+            </a:r>
+            <a:r>
+              <a:rPr lang="zh-CN" altLang="en-US" dirty="0" smtClean="0"/>
+              <a:t>运动</a:t>
+            </a:r>
+            <a:r>
+              <a:rPr lang="zh-CN" altLang="en-US" dirty="0"/>
+              <a:t>路径的</a:t>
+            </a:r>
+            <a:r>
+              <a:rPr lang="zh-CN" altLang="en-US" dirty="0" smtClean="0"/>
+              <a:t>定义：   </a:t>
+            </a:r>
+            <a:r>
+              <a:rPr lang="en-US" altLang="zh-CN" dirty="0" smtClean="0"/>
+              <a:t>path</a:t>
+            </a:r>
+            <a:r>
+              <a:rPr lang="zh-CN" altLang="en-US" dirty="0" smtClean="0"/>
+              <a:t>属性直接定义</a:t>
+            </a:r>
+            <a:endParaRPr lang="en-US" altLang="zh-CN" dirty="0" smtClean="0"/>
+          </a:p>
+          <a:p>
+            <a:r>
+              <a:rPr lang="zh-CN" altLang="en-US" dirty="0" smtClean="0"/>
+              <a:t>                                   </a:t>
+            </a:r>
+            <a:r>
+              <a:rPr lang="en-US" altLang="zh-CN" dirty="0" smtClean="0"/>
+              <a:t>&lt;</a:t>
+            </a:r>
+            <a:r>
+              <a:rPr lang="en-US" altLang="zh-CN" dirty="0" err="1"/>
+              <a:t>mpath</a:t>
+            </a:r>
+            <a:r>
+              <a:rPr lang="en-US" altLang="zh-CN" dirty="0"/>
+              <a:t> </a:t>
+            </a:r>
+            <a:r>
+              <a:rPr lang="en-US" altLang="zh-CN" dirty="0" err="1"/>
+              <a:t>xlink:href</a:t>
+            </a:r>
+            <a:r>
+              <a:rPr lang="en-US" altLang="zh-CN" dirty="0" smtClean="0"/>
+              <a:t>=“#</a:t>
+            </a:r>
+            <a:r>
+              <a:rPr lang="en-US" altLang="zh-CN" dirty="0" err="1" smtClean="0"/>
+              <a:t>motionPath</a:t>
+            </a:r>
+            <a:r>
+              <a:rPr lang="en-US" altLang="zh-CN" dirty="0" smtClean="0"/>
+              <a:t>” /&gt;</a:t>
+            </a:r>
+            <a:r>
+              <a:rPr lang="zh-CN" altLang="en-US" dirty="0" smtClean="0"/>
+              <a:t> 元素内部使用</a:t>
+            </a:r>
+            <a:r>
+              <a:rPr lang="en-US" altLang="zh-CN" dirty="0" err="1" smtClean="0"/>
+              <a:t>mpath</a:t>
+            </a:r>
+            <a:r>
+              <a:rPr lang="zh-CN" altLang="en-US" dirty="0" smtClean="0"/>
+              <a:t>标签，链接目标</a:t>
+            </a:r>
+            <a:r>
+              <a:rPr lang="en-US" altLang="zh-CN" dirty="0" smtClean="0"/>
+              <a:t>Id</a:t>
+            </a:r>
+          </a:p>
+          <a:p>
+            <a:endParaRPr lang="en-US" altLang="zh-CN" dirty="0" smtClean="0"/>
+          </a:p>
+          <a:p>
+            <a:r>
+              <a:rPr lang="en-US" altLang="zh-CN" dirty="0" smtClean="0"/>
+              <a:t>2.</a:t>
+            </a:r>
+            <a:r>
+              <a:rPr lang="zh-CN" altLang="en-US" dirty="0" smtClean="0"/>
+              <a:t> 运动目标的切线方向：</a:t>
+            </a:r>
+            <a:r>
+              <a:rPr lang="en-US" altLang="zh-CN" dirty="0"/>
+              <a:t> rotate</a:t>
+            </a:r>
+            <a:r>
+              <a:rPr lang="zh-CN" altLang="en-US" dirty="0" smtClean="0"/>
+              <a:t> </a:t>
+            </a:r>
+            <a:r>
+              <a:rPr lang="zh-CN" altLang="en-US" b="1" dirty="0" smtClean="0"/>
+              <a:t> </a:t>
+            </a:r>
+            <a:endParaRPr lang="en-US" altLang="zh-CN" b="1" dirty="0" smtClean="0"/>
+          </a:p>
+          <a:p>
+            <a:endParaRPr lang="en-US" altLang="zh-CN" b="1" dirty="0"/>
+          </a:p>
+          <a:p>
+            <a:endParaRPr lang="en-US" altLang="zh-CN" b="1" dirty="0" smtClean="0"/>
+          </a:p>
+          <a:p>
+            <a:endParaRPr lang="en-US" altLang="zh-CN" b="1" dirty="0"/>
+          </a:p>
+        </p:txBody>
+      </p:sp>
+      <p:pic>
+        <p:nvPicPr>
+          <p:cNvPr id="2050" name="Picture 2" descr="est.gif-23.7kB"/>
+          <p:cNvPicPr>
+            <a:picLocks noChangeAspect="1" noChangeArrowheads="1"/>
+          </p:cNvPicPr>
+          <p:nvPr/>
+        </p:nvPicPr>
+        <p:blipFill>
+          <a:blip r:embed="rId2">
+            <a:extLst>
+              <a:ext uri="{28A0092B-C50C-407E-A947-70E740481C1C}">
+                <a14:useLocalDpi xmlns:a14="http://schemas.microsoft.com/office/drawing/2010/main" val="0"/>
+              </a:ext>
+            </a:extLst>
+          </a:blip>
+          <a:srcRect/>
+          <a:stretch>
+            <a:fillRect/>
+          </a:stretch>
+        </p:blipFill>
+        <p:spPr bwMode="auto">
+          <a:xfrm>
+            <a:off x="1674688" y="2938409"/>
+            <a:ext cx="1847850" cy="762000"/>
+          </a:xfrm>
+          <a:prstGeom prst="rect">
+            <a:avLst/>
+          </a:prstGeom>
+          <a:noFill/>
+          <a:extLst>
+            <a:ext uri="{909E8E84-426E-40DD-AFC4-6F175D3DCCD1}">
+              <a14:hiddenFill xmlns:a14="http://schemas.microsoft.com/office/drawing/2010/main">
+                <a:solidFill>
+                  <a:srgbClr val="FFFFFF"/>
+                </a:solidFill>
+              </a14:hiddenFill>
+            </a:ext>
+          </a:extLst>
+        </p:spPr>
+      </p:pic>
+      <p:pic>
+        <p:nvPicPr>
+          <p:cNvPr id="2052" name="Picture 4" descr="est.gif-22.4kB"/>
+          <p:cNvPicPr>
+            <a:picLocks noChangeAspect="1" noChangeArrowheads="1"/>
+          </p:cNvPicPr>
+          <p:nvPr/>
+        </p:nvPicPr>
+        <p:blipFill>
+          <a:blip r:embed="rId3">
+            <a:extLst>
+              <a:ext uri="{28A0092B-C50C-407E-A947-70E740481C1C}">
+                <a14:useLocalDpi xmlns:a14="http://schemas.microsoft.com/office/drawing/2010/main" val="0"/>
+              </a:ext>
+            </a:extLst>
+          </a:blip>
+          <a:srcRect/>
+          <a:stretch>
+            <a:fillRect/>
+          </a:stretch>
+        </p:blipFill>
+        <p:spPr bwMode="auto">
+          <a:xfrm>
+            <a:off x="5024063" y="2833634"/>
+            <a:ext cx="1847850" cy="866775"/>
+          </a:xfrm>
+          <a:prstGeom prst="rect">
+            <a:avLst/>
+          </a:prstGeom>
+          <a:noFill/>
+          <a:extLst>
+            <a:ext uri="{909E8E84-426E-40DD-AFC4-6F175D3DCCD1}">
+              <a14:hiddenFill xmlns:a14="http://schemas.microsoft.com/office/drawing/2010/main">
+                <a:solidFill>
+                  <a:srgbClr val="FFFFFF"/>
+                </a:solidFill>
+              </a14:hiddenFill>
+            </a:ext>
+          </a:extLst>
+        </p:spPr>
+      </p:pic>
+      <p:pic>
+        <p:nvPicPr>
+          <p:cNvPr id="2054" name="Picture 6" descr="est.gif-27.8kB"/>
+          <p:cNvPicPr>
+            <a:picLocks noChangeAspect="1" noChangeArrowheads="1"/>
+          </p:cNvPicPr>
+          <p:nvPr/>
+        </p:nvPicPr>
+        <p:blipFill>
+          <a:blip r:embed="rId4">
+            <a:extLst>
+              <a:ext uri="{28A0092B-C50C-407E-A947-70E740481C1C}">
+                <a14:useLocalDpi xmlns:a14="http://schemas.microsoft.com/office/drawing/2010/main" val="0"/>
+              </a:ext>
+            </a:extLst>
+          </a:blip>
+          <a:srcRect/>
+          <a:stretch>
+            <a:fillRect/>
+          </a:stretch>
+        </p:blipFill>
+        <p:spPr bwMode="auto">
+          <a:xfrm>
+            <a:off x="9154274" y="2595509"/>
+            <a:ext cx="1847850" cy="1104900"/>
+          </a:xfrm>
+          <a:prstGeom prst="rect">
+            <a:avLst/>
+          </a:prstGeom>
+          <a:noFill/>
+          <a:extLst>
+            <a:ext uri="{909E8E84-426E-40DD-AFC4-6F175D3DCCD1}">
+              <a14:hiddenFill xmlns:a14="http://schemas.microsoft.com/office/drawing/2010/main">
+                <a:solidFill>
+                  <a:srgbClr val="FFFFFF"/>
+                </a:solidFill>
+              </a14:hiddenFill>
+            </a:ext>
+          </a:extLst>
+        </p:spPr>
+      </p:pic>
+      <p:sp>
+        <p:nvSpPr>
+          <p:cNvPr id="7" name="文本框 6"/>
+          <p:cNvSpPr txBox="1"/>
+          <p:nvPr/>
+        </p:nvSpPr>
+        <p:spPr>
+          <a:xfrm>
+            <a:off x="4438436" y="3863084"/>
+            <a:ext cx="3575406" cy="646331"/>
+          </a:xfrm>
+          <a:prstGeom prst="rect">
+            <a:avLst/>
+          </a:prstGeom>
+          <a:noFill/>
+        </p:spPr>
+        <p:txBody>
+          <a:bodyPr wrap="square" rtlCol="0">
+            <a:spAutoFit/>
+          </a:bodyPr>
+          <a:lstStyle/>
+          <a:p>
+            <a:r>
+              <a:rPr lang="en-US" altLang="zh-CN" dirty="0" smtClean="0"/>
+              <a:t>auto:</a:t>
+            </a:r>
+            <a:r>
+              <a:rPr lang="zh-CN" altLang="en-US" dirty="0" smtClean="0"/>
+              <a:t>表示</a:t>
+            </a:r>
+            <a:r>
+              <a:rPr lang="zh-CN" altLang="en-US" dirty="0"/>
+              <a:t>对象随时间旋转运动路径的方向角（即方向切向量）</a:t>
+            </a:r>
+            <a:endParaRPr kumimoji="1" lang="zh-CN" altLang="en-US" dirty="0"/>
+          </a:p>
+        </p:txBody>
+      </p:sp>
+      <p:sp>
+        <p:nvSpPr>
+          <p:cNvPr id="8" name="文本框 7"/>
+          <p:cNvSpPr txBox="1"/>
+          <p:nvPr/>
+        </p:nvSpPr>
+        <p:spPr>
+          <a:xfrm>
+            <a:off x="1243173" y="3935002"/>
+            <a:ext cx="2712378" cy="369332"/>
+          </a:xfrm>
+          <a:prstGeom prst="rect">
+            <a:avLst/>
+          </a:prstGeom>
+          <a:noFill/>
+        </p:spPr>
+        <p:txBody>
+          <a:bodyPr wrap="square" rtlCol="0">
+            <a:spAutoFit/>
+          </a:bodyPr>
+          <a:lstStyle/>
+          <a:p>
+            <a:pPr algn="ctr"/>
+            <a:r>
+              <a:rPr kumimoji="1" lang="en-US" altLang="zh-CN" dirty="0"/>
+              <a:t>none</a:t>
+            </a:r>
+            <a:endParaRPr kumimoji="1" lang="zh-CN" altLang="en-US" dirty="0"/>
+          </a:p>
+        </p:txBody>
+      </p:sp>
+      <p:sp>
+        <p:nvSpPr>
+          <p:cNvPr id="9" name="文本框 8"/>
+          <p:cNvSpPr txBox="1"/>
+          <p:nvPr/>
+        </p:nvSpPr>
+        <p:spPr>
+          <a:xfrm>
+            <a:off x="8733034" y="3801440"/>
+            <a:ext cx="2958957" cy="923330"/>
+          </a:xfrm>
+          <a:prstGeom prst="rect">
+            <a:avLst/>
+          </a:prstGeom>
+          <a:noFill/>
+        </p:spPr>
+        <p:txBody>
+          <a:bodyPr wrap="square" rtlCol="0">
+            <a:spAutoFit/>
+          </a:bodyPr>
+          <a:lstStyle/>
+          <a:p>
+            <a:r>
+              <a:rPr lang="en-US" altLang="zh-CN" dirty="0" smtClean="0"/>
+              <a:t>auto-reverse:</a:t>
+            </a:r>
+            <a:r>
+              <a:rPr lang="zh-CN" altLang="en-US" dirty="0" smtClean="0"/>
+              <a:t>表示</a:t>
+            </a:r>
+            <a:r>
+              <a:rPr lang="zh-CN" altLang="en-US" dirty="0"/>
+              <a:t>对象随时间旋转运动路径的方向角（即方向切向量）加</a:t>
+            </a:r>
+            <a:r>
+              <a:rPr lang="en-US" altLang="zh-CN" dirty="0"/>
+              <a:t>180</a:t>
+            </a:r>
+            <a:r>
+              <a:rPr lang="zh-CN" altLang="en-US" dirty="0"/>
+              <a:t>度</a:t>
+            </a:r>
+            <a:endParaRPr kumimoji="1" lang="zh-CN" altLang="en-US" dirty="0"/>
+          </a:p>
+        </p:txBody>
+      </p:sp>
+      <p:sp>
+        <p:nvSpPr>
+          <p:cNvPr id="10" name="文本框 9"/>
+          <p:cNvSpPr txBox="1"/>
+          <p:nvPr/>
+        </p:nvSpPr>
+        <p:spPr>
+          <a:xfrm>
+            <a:off x="996593" y="4839128"/>
+            <a:ext cx="10695398" cy="369332"/>
+          </a:xfrm>
+          <a:prstGeom prst="rect">
+            <a:avLst/>
+          </a:prstGeom>
+          <a:noFill/>
+        </p:spPr>
+        <p:txBody>
+          <a:bodyPr wrap="square" rtlCol="0">
+            <a:spAutoFit/>
+          </a:bodyPr>
+          <a:lstStyle/>
+          <a:p>
+            <a:r>
+              <a:rPr lang="en-US" altLang="zh-CN" dirty="0" smtClean="0"/>
+              <a:t>Number:</a:t>
+            </a:r>
+            <a:r>
+              <a:rPr lang="zh-CN" altLang="en-US" dirty="0" smtClean="0"/>
+              <a:t> 固定旋转，</a:t>
+            </a:r>
+            <a:r>
+              <a:rPr lang="zh-CN" altLang="en-US" dirty="0"/>
+              <a:t>其中旋转角度是指定的度数</a:t>
+            </a:r>
+            <a:endParaRPr kumimoji="1" lang="zh-CN" altLang="en-US" dirty="0"/>
+          </a:p>
+        </p:txBody>
+      </p:sp>
+    </p:spTree>
+    <p:extLst>
+      <p:ext uri="{BB962C8B-B14F-4D97-AF65-F5344CB8AC3E}">
+        <p14:creationId xmlns:p14="http://schemas.microsoft.com/office/powerpoint/2010/main" val="2032105258"/>
+      </p:ext>
+    </p:extLst>
+  </p:cSld>
+  <p:clrMapOvr>
+    <a:masterClrMapping/>
+  </p:clrMapOvr>
+  <p:transition spd="med">
+    <p:pull/>
+  </p:transition>
+  <p:timing>
+    <p:tnLst>
+      <p:par>
+        <p:cTn id="1" dur="indefinite" restart="never" nodeType="tmRoot"/>
+      </p:par>
+    </p:tnLst>
+  </p:timing>
+</p:sld>
+</file>
+
+<file path=ppt/slides/slide17.xml><?xml version="1.0" encoding="utf-8"?>
+<p:sld xmlns:a="http://schemas.openxmlformats.org/drawingml/2006/main" xmlns:r="http://schemas.openxmlformats.org/officeDocument/2006/relationships" xmlns:p="http://schemas.openxmlformats.org/presentationml/2006/main">
+  <p:cSld>
+    <p:spTree>
+      <p:nvGrpSpPr>
+        <p:cNvPr id="1" name=""/>
+        <p:cNvGrpSpPr/>
+        <p:nvPr/>
+      </p:nvGrpSpPr>
+      <p:grpSpPr>
+        <a:xfrm>
+          <a:off x="0" y="0"/>
+          <a:ext cx="0" cy="0"/>
+          <a:chOff x="0" y="0"/>
+          <a:chExt cx="0" cy="0"/>
+        </a:xfrm>
+      </p:grpSpPr>
+      <p:sp>
+        <p:nvSpPr>
+          <p:cNvPr id="3" name="文本框 2"/>
+          <p:cNvSpPr txBox="1"/>
+          <p:nvPr/>
+        </p:nvSpPr>
+        <p:spPr>
+          <a:xfrm>
+            <a:off x="435399" y="427957"/>
+            <a:ext cx="9988062" cy="923330"/>
+          </a:xfrm>
+          <a:prstGeom prst="rect">
+            <a:avLst/>
+          </a:prstGeom>
+          <a:noFill/>
+        </p:spPr>
+        <p:txBody>
+          <a:bodyPr wrap="square" rtlCol="0">
+            <a:spAutoFit/>
+          </a:bodyPr>
+          <a:lstStyle/>
+          <a:p>
+            <a:r>
+              <a:rPr kumimoji="1" lang="en-US" altLang="zh-CN" dirty="0" smtClean="0"/>
+              <a:t>3.</a:t>
+            </a:r>
+            <a:r>
+              <a:rPr kumimoji="1" lang="zh-CN" altLang="en-US" dirty="0" smtClean="0"/>
+              <a:t> 描边动画  </a:t>
+            </a:r>
+            <a:r>
+              <a:rPr kumimoji="1" lang="en-US" altLang="zh-CN" dirty="0" smtClean="0"/>
+              <a:t>&lt;</a:t>
+            </a:r>
+            <a:r>
+              <a:rPr lang="en-US" altLang="zh-CN" b="1" dirty="0"/>
+              <a:t> </a:t>
+            </a:r>
+            <a:r>
+              <a:rPr lang="en-US" altLang="zh-CN" b="1" dirty="0" smtClean="0"/>
+              <a:t>stroke</a:t>
+            </a:r>
+            <a:r>
+              <a:rPr lang="zh-CN" altLang="en-US" b="1" dirty="0" smtClean="0"/>
+              <a:t> </a:t>
+            </a:r>
+            <a:r>
+              <a:rPr kumimoji="1" lang="en-US" altLang="zh-CN" dirty="0" smtClean="0"/>
+              <a:t>&gt;</a:t>
+            </a:r>
+          </a:p>
+          <a:p>
+            <a:endParaRPr kumimoji="1" lang="en-US" altLang="zh-CN" dirty="0" smtClean="0"/>
+          </a:p>
+          <a:p>
+            <a:endParaRPr kumimoji="1" lang="zh-CN" altLang="en-US" dirty="0"/>
+          </a:p>
+        </p:txBody>
+      </p:sp>
+      <p:sp>
+        <p:nvSpPr>
+          <p:cNvPr id="4" name="文本框 3"/>
+          <p:cNvSpPr txBox="1"/>
+          <p:nvPr/>
+        </p:nvSpPr>
+        <p:spPr>
+          <a:xfrm>
+            <a:off x="1027416" y="1119883"/>
+            <a:ext cx="10037851" cy="3970318"/>
+          </a:xfrm>
+          <a:prstGeom prst="rect">
+            <a:avLst/>
+          </a:prstGeom>
+          <a:noFill/>
+        </p:spPr>
+        <p:txBody>
+          <a:bodyPr wrap="square" rtlCol="0">
+            <a:spAutoFit/>
+          </a:bodyPr>
+          <a:lstStyle/>
+          <a:p>
+            <a:r>
+              <a:rPr kumimoji="1" lang="en-US" altLang="zh-CN" dirty="0" smtClean="0"/>
+              <a:t>1.</a:t>
+            </a:r>
+            <a:r>
+              <a:rPr kumimoji="1" lang="zh-CN" altLang="en-US" dirty="0" smtClean="0"/>
+              <a:t> </a:t>
+            </a:r>
+            <a:r>
+              <a:rPr lang="en-US" altLang="zh-CN" dirty="0" smtClean="0"/>
+              <a:t>stroke</a:t>
+            </a:r>
+            <a:r>
+              <a:rPr lang="zh-CN" altLang="en-US" dirty="0" smtClean="0"/>
+              <a:t> ：颜色</a:t>
+            </a:r>
+            <a:endParaRPr kumimoji="1" lang="en-US" altLang="zh-CN" dirty="0" smtClean="0"/>
+          </a:p>
+          <a:p>
+            <a:r>
+              <a:rPr kumimoji="1" lang="en-US" altLang="zh-CN" dirty="0" smtClean="0"/>
+              <a:t>2.</a:t>
+            </a:r>
+            <a:r>
+              <a:rPr kumimoji="1" lang="zh-CN" altLang="en-US" dirty="0" smtClean="0"/>
+              <a:t> </a:t>
+            </a:r>
+            <a:r>
+              <a:rPr lang="en-US" altLang="zh-CN" dirty="0" smtClean="0"/>
+              <a:t>stroke-width</a:t>
+            </a:r>
+            <a:r>
+              <a:rPr lang="zh-CN" altLang="en-US" dirty="0" smtClean="0"/>
+              <a:t> </a:t>
+            </a:r>
+            <a:r>
+              <a:rPr lang="en-US" altLang="zh-CN" dirty="0" smtClean="0"/>
+              <a:t>:</a:t>
+            </a:r>
+            <a:r>
+              <a:rPr lang="zh-CN" altLang="en-US" dirty="0" smtClean="0"/>
+              <a:t> 线条宽度</a:t>
+            </a:r>
+            <a:endParaRPr kumimoji="1" lang="en-US" altLang="zh-CN" dirty="0"/>
+          </a:p>
+          <a:p>
+            <a:r>
+              <a:rPr kumimoji="1" lang="en-US" altLang="zh-CN" dirty="0" smtClean="0"/>
+              <a:t>3.</a:t>
+            </a:r>
+            <a:r>
+              <a:rPr lang="en-US" altLang="zh-CN" dirty="0" smtClean="0"/>
+              <a:t> stroke-</a:t>
+            </a:r>
+            <a:r>
+              <a:rPr lang="en-US" altLang="zh-CN" dirty="0" err="1" smtClean="0"/>
+              <a:t>linecap</a:t>
+            </a:r>
+            <a:r>
+              <a:rPr lang="zh-CN" altLang="en-US" dirty="0" smtClean="0"/>
+              <a:t>：线端点样式  （</a:t>
+            </a:r>
+            <a:r>
+              <a:rPr lang="en-US" altLang="zh-CN" dirty="0"/>
+              <a:t>butt</a:t>
+            </a:r>
+            <a:r>
+              <a:rPr lang="zh-CN" altLang="en-US" dirty="0"/>
+              <a:t>、</a:t>
+            </a:r>
+            <a:r>
+              <a:rPr lang="en-US" altLang="zh-CN" dirty="0"/>
+              <a:t>round</a:t>
+            </a:r>
+            <a:r>
+              <a:rPr lang="zh-CN" altLang="en-US" dirty="0"/>
+              <a:t>、</a:t>
+            </a:r>
+            <a:r>
+              <a:rPr lang="en-US" altLang="zh-CN" dirty="0" smtClean="0"/>
+              <a:t>square</a:t>
+            </a:r>
+            <a:r>
+              <a:rPr lang="zh-CN" altLang="en-US" dirty="0" smtClean="0"/>
+              <a:t>）</a:t>
+            </a:r>
+            <a:endParaRPr lang="en-US" altLang="zh-CN" dirty="0" smtClean="0"/>
+          </a:p>
+          <a:p>
+            <a:r>
+              <a:rPr lang="en-US" altLang="zh-CN" dirty="0" smtClean="0"/>
+              <a:t>4.</a:t>
+            </a:r>
+            <a:r>
+              <a:rPr lang="zh-CN" altLang="en-US" dirty="0" smtClean="0"/>
+              <a:t> </a:t>
+            </a:r>
+            <a:r>
+              <a:rPr lang="en-US" altLang="zh-CN" dirty="0" smtClean="0"/>
+              <a:t>stroke-</a:t>
+            </a:r>
+            <a:r>
+              <a:rPr lang="en-US" altLang="zh-CN" dirty="0" err="1" smtClean="0"/>
+              <a:t>linejoin</a:t>
+            </a:r>
+            <a:r>
+              <a:rPr lang="zh-CN" altLang="en-US" dirty="0" smtClean="0"/>
+              <a:t>：线顶点样式  （</a:t>
+            </a:r>
+            <a:r>
+              <a:rPr lang="nl-NL" altLang="zh-CN" dirty="0" err="1"/>
+              <a:t>arcs</a:t>
+            </a:r>
+            <a:r>
+              <a:rPr lang="zh-CN" altLang="nl-NL" dirty="0"/>
+              <a:t>、</a:t>
+            </a:r>
+            <a:r>
+              <a:rPr lang="nl-NL" altLang="zh-CN" dirty="0"/>
+              <a:t>bevel</a:t>
+            </a:r>
+            <a:r>
+              <a:rPr lang="zh-CN" altLang="nl-NL" dirty="0"/>
+              <a:t>、</a:t>
+            </a:r>
+            <a:r>
+              <a:rPr lang="nl-NL" altLang="zh-CN" dirty="0" err="1"/>
+              <a:t>miter</a:t>
+            </a:r>
+            <a:r>
+              <a:rPr lang="zh-CN" altLang="nl-NL" dirty="0"/>
+              <a:t>、</a:t>
+            </a:r>
+            <a:r>
+              <a:rPr lang="nl-NL" altLang="zh-CN" dirty="0" err="1" smtClean="0"/>
+              <a:t>round</a:t>
+            </a:r>
+            <a:r>
+              <a:rPr lang="en-US" altLang="zh-CN" dirty="0" smtClean="0"/>
+              <a:t>)</a:t>
+            </a:r>
+          </a:p>
+          <a:p>
+            <a:endParaRPr lang="en-US" altLang="zh-CN" dirty="0" smtClean="0"/>
+          </a:p>
+          <a:p>
+            <a:r>
+              <a:rPr lang="en-US" altLang="zh-CN" dirty="0" smtClean="0"/>
+              <a:t>5.</a:t>
+            </a:r>
+            <a:r>
+              <a:rPr lang="zh-CN" altLang="en-US" dirty="0" smtClean="0"/>
+              <a:t> </a:t>
+            </a:r>
+            <a:r>
+              <a:rPr lang="en-US" altLang="zh-CN" dirty="0"/>
+              <a:t>stroke-</a:t>
+            </a:r>
+            <a:r>
+              <a:rPr lang="en-US" altLang="zh-CN" dirty="0" err="1"/>
+              <a:t>dasharray</a:t>
+            </a:r>
+            <a:r>
+              <a:rPr lang="zh-CN" altLang="en-US" dirty="0" smtClean="0"/>
+              <a:t>： </a:t>
+            </a:r>
+            <a:r>
+              <a:rPr lang="en-US" altLang="zh-CN" dirty="0" smtClean="0"/>
+              <a:t>[number,</a:t>
+            </a:r>
+            <a:r>
+              <a:rPr lang="zh-CN" altLang="en-US" dirty="0" smtClean="0"/>
+              <a:t> </a:t>
+            </a:r>
+            <a:r>
+              <a:rPr lang="en-US" altLang="zh-CN" dirty="0" smtClean="0"/>
+              <a:t>number,</a:t>
+            </a:r>
+            <a:r>
+              <a:rPr lang="zh-CN" altLang="en-US" dirty="0" smtClean="0"/>
+              <a:t> </a:t>
+            </a:r>
+            <a:r>
+              <a:rPr lang="mr-IN" altLang="zh-CN" dirty="0" smtClean="0"/>
+              <a:t>…</a:t>
+            </a:r>
+            <a:r>
+              <a:rPr lang="en-US" altLang="zh-CN" dirty="0" smtClean="0"/>
+              <a:t>]</a:t>
+            </a:r>
+            <a:r>
+              <a:rPr lang="zh-CN" altLang="en-US" dirty="0" smtClean="0"/>
+              <a:t> </a:t>
+            </a:r>
+            <a:r>
+              <a:rPr lang="en-US" altLang="zh-CN" dirty="0" smtClean="0"/>
+              <a:t>,</a:t>
+            </a:r>
+            <a:r>
+              <a:rPr lang="zh-CN" altLang="en-US" dirty="0" smtClean="0"/>
+              <a:t> 值为逗号或空格分隔的数，</a:t>
+            </a:r>
+            <a:endParaRPr lang="en-US" altLang="zh-CN" dirty="0"/>
+          </a:p>
+          <a:p>
+            <a:r>
+              <a:rPr kumimoji="1" lang="en-US" altLang="zh-CN" dirty="0" smtClean="0"/>
+              <a:t>		</a:t>
+            </a:r>
+            <a:r>
+              <a:rPr kumimoji="1" lang="zh-CN" altLang="en-US" dirty="0" smtClean="0"/>
+              <a:t>          第一个值代表</a:t>
+            </a:r>
+            <a:r>
+              <a:rPr lang="en-US" altLang="zh-CN" dirty="0"/>
+              <a:t>dash</a:t>
+            </a:r>
+            <a:r>
+              <a:rPr kumimoji="1" lang="zh-CN" altLang="en-US" dirty="0" smtClean="0"/>
+              <a:t>宽度</a:t>
+            </a:r>
+            <a:r>
+              <a:rPr kumimoji="1" lang="en-US" altLang="zh-CN" dirty="0" smtClean="0"/>
+              <a:t>,</a:t>
+            </a:r>
+            <a:r>
+              <a:rPr kumimoji="1" lang="zh-CN" altLang="en-US" dirty="0" smtClean="0"/>
+              <a:t> 第二个值代表</a:t>
+            </a:r>
+            <a:r>
+              <a:rPr lang="en-US" altLang="zh-CN" dirty="0"/>
+              <a:t>dash</a:t>
+            </a:r>
+            <a:r>
+              <a:rPr kumimoji="1" lang="zh-CN" altLang="en-US" dirty="0" smtClean="0"/>
+              <a:t>间隔宽度</a:t>
+            </a:r>
+            <a:endParaRPr kumimoji="1" lang="en-US" altLang="zh-CN" dirty="0" smtClean="0"/>
+          </a:p>
+          <a:p>
+            <a:endParaRPr kumimoji="1" lang="en-US" altLang="zh-CN" dirty="0"/>
+          </a:p>
+          <a:p>
+            <a:endParaRPr kumimoji="1" lang="en-US" altLang="zh-CN" dirty="0" smtClean="0"/>
+          </a:p>
+          <a:p>
+            <a:endParaRPr kumimoji="1" lang="en-US" altLang="zh-CN" dirty="0"/>
+          </a:p>
+          <a:p>
+            <a:endParaRPr kumimoji="1" lang="en-US" altLang="zh-CN" dirty="0" smtClean="0"/>
+          </a:p>
+          <a:p>
+            <a:r>
+              <a:rPr lang="en-US" altLang="zh-CN" dirty="0" smtClean="0"/>
+              <a:t>6.</a:t>
+            </a:r>
+            <a:r>
+              <a:rPr lang="zh-CN" altLang="en-US" dirty="0" smtClean="0"/>
+              <a:t> </a:t>
+            </a:r>
+            <a:r>
+              <a:rPr lang="en-US" altLang="zh-CN" dirty="0"/>
+              <a:t>stroke-</a:t>
+            </a:r>
+            <a:r>
+              <a:rPr lang="en-US" altLang="zh-CN" dirty="0" err="1"/>
+              <a:t>dashoffset</a:t>
+            </a:r>
+            <a:r>
+              <a:rPr lang="zh-CN" altLang="en-US" dirty="0"/>
+              <a:t>： </a:t>
+            </a:r>
+            <a:r>
+              <a:rPr lang="en-US" altLang="zh-CN" dirty="0" smtClean="0"/>
+              <a:t>number||</a:t>
+            </a:r>
+            <a:r>
+              <a:rPr lang="zh-CN" altLang="en-US" dirty="0" smtClean="0"/>
+              <a:t> </a:t>
+            </a:r>
+            <a:r>
+              <a:rPr lang="en-US" altLang="zh-CN" dirty="0" smtClean="0"/>
+              <a:t>percentage</a:t>
+            </a:r>
+          </a:p>
+          <a:p>
+            <a:r>
+              <a:rPr lang="en-US" altLang="zh-CN" dirty="0"/>
+              <a:t>		</a:t>
+            </a:r>
+            <a:r>
+              <a:rPr lang="zh-CN" altLang="en-US" dirty="0"/>
+              <a:t> </a:t>
+            </a:r>
+            <a:r>
+              <a:rPr lang="zh-CN" altLang="en-US" dirty="0" smtClean="0"/>
+              <a:t>        用</a:t>
+            </a:r>
+            <a:r>
+              <a:rPr lang="zh-CN" altLang="en-US" dirty="0"/>
+              <a:t>来设置 </a:t>
+            </a:r>
+            <a:r>
+              <a:rPr lang="en-US" altLang="zh-CN" dirty="0" err="1"/>
+              <a:t>dasharray</a:t>
+            </a:r>
+            <a:r>
+              <a:rPr lang="en-US" altLang="zh-CN" dirty="0"/>
+              <a:t> </a:t>
+            </a:r>
+            <a:r>
+              <a:rPr lang="zh-CN" altLang="en-US" dirty="0"/>
+              <a:t>定义其实 </a:t>
+            </a:r>
+            <a:r>
+              <a:rPr lang="en-US" altLang="zh-CN" dirty="0"/>
+              <a:t>dash </a:t>
+            </a:r>
+            <a:r>
+              <a:rPr lang="zh-CN" altLang="en-US" dirty="0"/>
+              <a:t>线条开始的</a:t>
+            </a:r>
+            <a:r>
+              <a:rPr lang="zh-CN" altLang="en-US" dirty="0" smtClean="0"/>
+              <a:t>位置</a:t>
+            </a:r>
+            <a:endParaRPr lang="en-US" altLang="zh-CN" dirty="0" smtClean="0"/>
+          </a:p>
+          <a:p>
+            <a:r>
+              <a:rPr kumimoji="1" lang="en-US" altLang="zh-CN" dirty="0"/>
+              <a:t>	</a:t>
+            </a:r>
+            <a:r>
+              <a:rPr kumimoji="1" lang="en-US" altLang="zh-CN" dirty="0" smtClean="0"/>
+              <a:t>	</a:t>
+            </a:r>
+            <a:r>
+              <a:rPr kumimoji="1" lang="zh-CN" altLang="en-US" dirty="0" smtClean="0"/>
+              <a:t>         </a:t>
+            </a:r>
+            <a:r>
+              <a:rPr lang="zh-CN" altLang="en-US" dirty="0" smtClean="0"/>
+              <a:t>结合 </a:t>
+            </a:r>
+            <a:r>
+              <a:rPr lang="en-US" altLang="zh-CN" dirty="0" err="1"/>
+              <a:t>dasharray</a:t>
+            </a:r>
+            <a:r>
+              <a:rPr lang="en-US" altLang="zh-CN" dirty="0"/>
+              <a:t> </a:t>
+            </a:r>
+            <a:r>
+              <a:rPr lang="zh-CN" altLang="en-US" dirty="0"/>
+              <a:t>可以实现线条的运动</a:t>
+            </a:r>
+            <a:endParaRPr kumimoji="1" lang="zh-CN" altLang="en-US" dirty="0"/>
+          </a:p>
+        </p:txBody>
+      </p:sp>
+      <p:pic>
+        <p:nvPicPr>
+          <p:cNvPr id="5" name="图片 4"/>
+          <p:cNvPicPr>
+            <a:picLocks noChangeAspect="1"/>
+          </p:cNvPicPr>
+          <p:nvPr/>
+        </p:nvPicPr>
+        <p:blipFill>
+          <a:blip r:embed="rId2"/>
+          <a:stretch>
+            <a:fillRect/>
+          </a:stretch>
+        </p:blipFill>
+        <p:spPr>
+          <a:xfrm>
+            <a:off x="3256907" y="3197509"/>
+            <a:ext cx="4458985" cy="750175"/>
+          </a:xfrm>
+          <a:prstGeom prst="rect">
+            <a:avLst/>
+          </a:prstGeom>
+        </p:spPr>
+      </p:pic>
+    </p:spTree>
+    <p:extLst>
+      <p:ext uri="{BB962C8B-B14F-4D97-AF65-F5344CB8AC3E}">
+        <p14:creationId xmlns:p14="http://schemas.microsoft.com/office/powerpoint/2010/main" val="1957255632"/>
+      </p:ext>
+    </p:extLst>
+  </p:cSld>
+  <p:clrMapOvr>
+    <a:masterClrMapping/>
+  </p:clrMapOvr>
+  <p:transition spd="med">
+    <p:pull/>
+  </p:transition>
+  <p:timing>
+    <p:tnLst>
+      <p:par>
+        <p:cTn id="1" dur="indefinite" restart="never" nodeType="tmRoot"/>
+      </p:par>
+    </p:tnLst>
+  </p:timing>
+</p:sld>
+</file>
+
+<file path=ppt/slides/slide18.xml><?xml version="1.0" encoding="utf-8"?>
+<p:sld xmlns:a="http://schemas.openxmlformats.org/drawingml/2006/main" xmlns:r="http://schemas.openxmlformats.org/officeDocument/2006/relationships" xmlns:p="http://schemas.openxmlformats.org/presentationml/2006/main">
+  <p:cSld>
+    <p:spTree>
+      <p:nvGrpSpPr>
+        <p:cNvPr id="1" name=""/>
+        <p:cNvGrpSpPr/>
+        <p:nvPr/>
+      </p:nvGrpSpPr>
+      <p:grpSpPr>
+        <a:xfrm>
+          <a:off x="0" y="0"/>
+          <a:ext cx="0" cy="0"/>
+          <a:chOff x="0" y="0"/>
+          <a:chExt cx="0" cy="0"/>
+        </a:xfrm>
+      </p:grpSpPr>
+      <p:sp>
+        <p:nvSpPr>
+          <p:cNvPr id="3" name="文本框 2"/>
+          <p:cNvSpPr txBox="1"/>
+          <p:nvPr/>
+        </p:nvSpPr>
+        <p:spPr>
+          <a:xfrm>
+            <a:off x="435399" y="427957"/>
+            <a:ext cx="9988062" cy="923330"/>
+          </a:xfrm>
+          <a:prstGeom prst="rect">
+            <a:avLst/>
+          </a:prstGeom>
+          <a:noFill/>
+        </p:spPr>
+        <p:txBody>
+          <a:bodyPr wrap="square" rtlCol="0">
+            <a:spAutoFit/>
+          </a:bodyPr>
+          <a:lstStyle/>
+          <a:p>
+            <a:r>
+              <a:rPr kumimoji="1" lang="en-US" altLang="zh-CN" dirty="0" smtClean="0"/>
+              <a:t>3.</a:t>
+            </a:r>
+            <a:r>
+              <a:rPr kumimoji="1" lang="zh-CN" altLang="en-US" dirty="0" smtClean="0"/>
+              <a:t> 描边动画  </a:t>
+            </a:r>
+            <a:r>
+              <a:rPr kumimoji="1" lang="en-US" altLang="zh-CN" dirty="0" smtClean="0"/>
+              <a:t>&lt;</a:t>
+            </a:r>
+            <a:r>
+              <a:rPr lang="en-US" altLang="zh-CN" b="1" dirty="0"/>
+              <a:t> </a:t>
+            </a:r>
+            <a:r>
+              <a:rPr lang="en-US" altLang="zh-CN" b="1" dirty="0" smtClean="0"/>
+              <a:t>stroke</a:t>
+            </a:r>
+            <a:r>
+              <a:rPr lang="zh-CN" altLang="en-US" b="1" dirty="0" smtClean="0"/>
+              <a:t> </a:t>
+            </a:r>
+            <a:r>
+              <a:rPr kumimoji="1" lang="en-US" altLang="zh-CN" dirty="0" smtClean="0"/>
+              <a:t>&gt;</a:t>
+            </a:r>
+          </a:p>
+          <a:p>
+            <a:endParaRPr kumimoji="1" lang="en-US" altLang="zh-CN" dirty="0" smtClean="0"/>
+          </a:p>
+          <a:p>
+            <a:endParaRPr kumimoji="1" lang="zh-CN" altLang="en-US" dirty="0"/>
+          </a:p>
+        </p:txBody>
+      </p:sp>
+    </p:spTree>
+    <p:extLst>
+      <p:ext uri="{BB962C8B-B14F-4D97-AF65-F5344CB8AC3E}">
+        <p14:creationId xmlns:p14="http://schemas.microsoft.com/office/powerpoint/2010/main" val="531417789"/>
+      </p:ext>
+    </p:extLst>
+  </p:cSld>
+  <p:clrMapOvr>
+    <a:masterClrMapping/>
+  </p:clrMapOvr>
+  <p:transition spd="med">
+    <p:pull/>
+  </p:transition>
+  <p:timing>
+    <p:tnLst>
+      <p:par>
+        <p:cTn id="1" dur="indefinite" restart="never" nodeType="tmRoot"/>
+      </p:par>
+    </p:tnLst>
+  </p:timing>
+</p:sld>
+</file>
+
+<file path=ppt/slides/slide19.xml><?xml version="1.0" encoding="utf-8"?>
+<p:sld xmlns:a="http://schemas.openxmlformats.org/drawingml/2006/main" xmlns:r="http://schemas.openxmlformats.org/officeDocument/2006/relationships" xmlns:p="http://schemas.openxmlformats.org/presentationml/2006/main">
+  <p:cSld>
+    <p:spTree>
+      <p:nvGrpSpPr>
+        <p:cNvPr id="1" name=""/>
+        <p:cNvGrpSpPr/>
+        <p:nvPr/>
+      </p:nvGrpSpPr>
+      <p:grpSpPr>
+        <a:xfrm>
+          <a:off x="0" y="0"/>
+          <a:ext cx="0" cy="0"/>
+          <a:chOff x="0" y="0"/>
+          <a:chExt cx="0" cy="0"/>
+        </a:xfrm>
+      </p:grpSpPr>
+      <p:sp>
+        <p:nvSpPr>
+          <p:cNvPr id="2" name="文本框 1"/>
+          <p:cNvSpPr txBox="1"/>
+          <p:nvPr/>
+        </p:nvSpPr>
+        <p:spPr>
+          <a:xfrm>
+            <a:off x="644374" y="443238"/>
+            <a:ext cx="10926303" cy="584775"/>
+          </a:xfrm>
+          <a:prstGeom prst="rect">
+            <a:avLst/>
+          </a:prstGeom>
+          <a:noFill/>
+        </p:spPr>
+        <p:txBody>
+          <a:bodyPr wrap="square" rtlCol="0">
+            <a:spAutoFit/>
+          </a:bodyPr>
+          <a:lstStyle/>
+          <a:p>
+            <a:r>
+              <a:rPr kumimoji="1" lang="en-US" altLang="zh-CN" sz="3200" dirty="0" smtClean="0"/>
+              <a:t>2.</a:t>
+            </a:r>
+            <a:r>
+              <a:rPr kumimoji="1" lang="zh-CN" altLang="en-US" sz="3200" dirty="0" smtClean="0"/>
+              <a:t> 怎样制作一个</a:t>
+            </a:r>
+            <a:r>
+              <a:rPr kumimoji="1" lang="en-US" altLang="zh-CN" sz="3200" dirty="0" smtClean="0"/>
+              <a:t>SVG</a:t>
+            </a:r>
+            <a:endParaRPr kumimoji="1" lang="zh-CN" altLang="en-US" sz="3200" dirty="0"/>
+          </a:p>
+        </p:txBody>
+      </p:sp>
+      <p:sp>
+        <p:nvSpPr>
+          <p:cNvPr id="3" name="文本框 2"/>
+          <p:cNvSpPr txBox="1"/>
+          <p:nvPr/>
+        </p:nvSpPr>
+        <p:spPr>
+          <a:xfrm>
+            <a:off x="1113494" y="1301261"/>
+            <a:ext cx="9988062" cy="646331"/>
+          </a:xfrm>
+          <a:prstGeom prst="rect">
+            <a:avLst/>
+          </a:prstGeom>
+          <a:noFill/>
+        </p:spPr>
+        <p:txBody>
+          <a:bodyPr wrap="square" rtlCol="0">
+            <a:spAutoFit/>
+          </a:bodyPr>
+          <a:lstStyle/>
+          <a:p>
+            <a:r>
+              <a:rPr kumimoji="1" lang="en-US" altLang="zh-CN" dirty="0" smtClean="0"/>
+              <a:t>3.</a:t>
+            </a:r>
+            <a:r>
+              <a:rPr kumimoji="1" lang="zh-CN" altLang="en-US" dirty="0" smtClean="0"/>
+              <a:t> 描边动画</a:t>
+            </a:r>
+            <a:endParaRPr kumimoji="1" lang="en-US" altLang="zh-CN" dirty="0" smtClean="0"/>
+          </a:p>
+          <a:p>
+            <a:endParaRPr kumimoji="1" lang="zh-CN" altLang="en-US" dirty="0"/>
+          </a:p>
+        </p:txBody>
+      </p:sp>
+    </p:spTree>
+    <p:extLst>
+      <p:ext uri="{BB962C8B-B14F-4D97-AF65-F5344CB8AC3E}">
+        <p14:creationId xmlns:p14="http://schemas.microsoft.com/office/powerpoint/2010/main" val="1960066458"/>
+      </p:ext>
+    </p:extLst>
+  </p:cSld>
+  <p:clrMapOvr>
+    <a:masterClrMapping/>
+  </p:clrMapOvr>
+  <p:transition spd="med">
+    <p:pull/>
+  </p:transition>
+  <p:timing>
+    <p:tnLst>
+      <p:par>
+        <p:cTn id="1" dur="indefinite" restart="never" nodeType="tmRoot"/>
+      </p:par>
+    </p:tnLst>
+  </p:timing>
+</p:sld>
+</file>
+
 <file path=ppt/slides/slide2.xml><?xml version="1.0" encoding="utf-8"?>
 <p:sld xmlns:a="http://schemas.openxmlformats.org/drawingml/2006/main" xmlns:r="http://schemas.openxmlformats.org/officeDocument/2006/relationships" xmlns:p="http://schemas.openxmlformats.org/presentationml/2006/main">
   <p:cSld>
@@ -11247,6 +11931,216 @@
         </p:nvSpPr>
         <p:spPr>
           <a:xfrm>
+            <a:off x="644374" y="443238"/>
+            <a:ext cx="10926303" cy="584775"/>
+          </a:xfrm>
+          <a:prstGeom prst="rect">
+            <a:avLst/>
+          </a:prstGeom>
+          <a:noFill/>
+        </p:spPr>
+        <p:txBody>
+          <a:bodyPr wrap="square" rtlCol="0">
+            <a:spAutoFit/>
+          </a:bodyPr>
+          <a:lstStyle/>
+          <a:p>
+            <a:r>
+              <a:rPr kumimoji="1" lang="en-US" altLang="zh-CN" sz="3200" dirty="0" smtClean="0"/>
+              <a:t>2.</a:t>
+            </a:r>
+            <a:r>
+              <a:rPr kumimoji="1" lang="zh-CN" altLang="en-US" sz="3200" dirty="0" smtClean="0"/>
+              <a:t> 怎样制作一个</a:t>
+            </a:r>
+            <a:r>
+              <a:rPr kumimoji="1" lang="en-US" altLang="zh-CN" sz="3200" dirty="0" smtClean="0"/>
+              <a:t>SVG</a:t>
+            </a:r>
+            <a:endParaRPr kumimoji="1" lang="zh-CN" altLang="en-US" sz="3200" dirty="0"/>
+          </a:p>
+        </p:txBody>
+      </p:sp>
+      <p:sp>
+        <p:nvSpPr>
+          <p:cNvPr id="3" name="文本框 2"/>
+          <p:cNvSpPr txBox="1"/>
+          <p:nvPr/>
+        </p:nvSpPr>
+        <p:spPr>
+          <a:xfrm>
+            <a:off x="965308" y="4602822"/>
+            <a:ext cx="10336265" cy="923330"/>
+          </a:xfrm>
+          <a:prstGeom prst="rect">
+            <a:avLst/>
+          </a:prstGeom>
+          <a:noFill/>
+        </p:spPr>
+        <p:txBody>
+          <a:bodyPr wrap="square" rtlCol="0">
+            <a:spAutoFit/>
+          </a:bodyPr>
+          <a:lstStyle/>
+          <a:p>
+            <a:r>
+              <a:rPr kumimoji="1" lang="zh-CN" altLang="en-US" dirty="0" smtClean="0"/>
+              <a:t>在线编辑器 ： </a:t>
+            </a:r>
+            <a:r>
+              <a:rPr lang="en-US" altLang="zh-CN" dirty="0">
+                <a:hlinkClick r:id="rId2"/>
+              </a:rPr>
+              <a:t>https://</a:t>
+            </a:r>
+            <a:r>
+              <a:rPr lang="en-US" altLang="zh-CN" dirty="0" smtClean="0">
+                <a:hlinkClick r:id="rId2"/>
+              </a:rPr>
+              <a:t>vectr.com/lessons/getting_started?modal=lesson_intro</a:t>
+            </a:r>
+            <a:r>
+              <a:rPr lang="zh-CN" altLang="en-US" dirty="0" smtClean="0"/>
+              <a:t> 支持图层，描边</a:t>
+            </a:r>
+            <a:r>
+              <a:rPr kumimoji="1" lang="en-US" altLang="zh-CN" dirty="0" smtClean="0"/>
+              <a:t/>
+            </a:r>
+            <a:br>
+              <a:rPr kumimoji="1" lang="en-US" altLang="zh-CN" dirty="0" smtClean="0"/>
+            </a:br>
+            <a:r>
+              <a:rPr kumimoji="1" lang="zh-CN" altLang="en-US" dirty="0" smtClean="0"/>
+              <a:t>                        </a:t>
+            </a:r>
+            <a:r>
+              <a:rPr lang="en-US" altLang="zh-CN" dirty="0" smtClean="0">
+                <a:hlinkClick r:id="rId3"/>
+              </a:rPr>
+              <a:t>https</a:t>
+            </a:r>
+            <a:r>
+              <a:rPr lang="en-US" altLang="zh-CN" dirty="0">
+                <a:hlinkClick r:id="rId3"/>
+              </a:rPr>
+              <a:t>://www.zhangxinxu.com/sp/svg/#</a:t>
+            </a:r>
+            <a:r>
+              <a:rPr lang="en-US" altLang="zh-CN" dirty="0" smtClean="0">
+                <a:hlinkClick r:id="rId3"/>
+              </a:rPr>
+              <a:t>copy</a:t>
+            </a:r>
+            <a:r>
+              <a:rPr lang="en-US" altLang="zh-CN" dirty="0" smtClean="0"/>
+              <a:t/>
+            </a:r>
+            <a:br>
+              <a:rPr lang="en-US" altLang="zh-CN" dirty="0" smtClean="0"/>
+            </a:br>
+            <a:r>
+              <a:rPr lang="en-US" altLang="zh-CN" dirty="0" smtClean="0"/>
+              <a:t>	</a:t>
+            </a:r>
+            <a:r>
+              <a:rPr lang="zh-CN" altLang="en-US" dirty="0" smtClean="0"/>
+              <a:t>         </a:t>
+            </a:r>
+            <a:r>
+              <a:rPr lang="en-US" altLang="zh-CN" dirty="0">
+                <a:hlinkClick r:id="rId4"/>
+              </a:rPr>
+              <a:t>https://c.runoob.com/more/svgeditor</a:t>
+            </a:r>
+            <a:r>
+              <a:rPr lang="en-US" altLang="zh-CN" dirty="0" smtClean="0">
+                <a:hlinkClick r:id="rId4"/>
+              </a:rPr>
+              <a:t>/</a:t>
+            </a:r>
+            <a:r>
+              <a:rPr lang="zh-CN" altLang="en-US" dirty="0" smtClean="0"/>
+              <a:t>  </a:t>
+            </a:r>
+            <a:endParaRPr kumimoji="1" lang="zh-CN" altLang="en-US" dirty="0"/>
+          </a:p>
+        </p:txBody>
+      </p:sp>
+      <p:sp>
+        <p:nvSpPr>
+          <p:cNvPr id="4" name="文本框 3"/>
+          <p:cNvSpPr txBox="1"/>
+          <p:nvPr/>
+        </p:nvSpPr>
+        <p:spPr>
+          <a:xfrm>
+            <a:off x="1273996" y="3277456"/>
+            <a:ext cx="10027577" cy="863029"/>
+          </a:xfrm>
+          <a:prstGeom prst="rect">
+            <a:avLst/>
+          </a:prstGeom>
+          <a:noFill/>
+        </p:spPr>
+        <p:txBody>
+          <a:bodyPr wrap="square" rtlCol="0">
+            <a:spAutoFit/>
+          </a:bodyPr>
+          <a:lstStyle/>
+          <a:p>
+            <a:endParaRPr kumimoji="1" lang="zh-CN" altLang="en-US"/>
+          </a:p>
+        </p:txBody>
+      </p:sp>
+    </p:spTree>
+    <p:extLst>
+      <p:ext uri="{BB962C8B-B14F-4D97-AF65-F5344CB8AC3E}">
+        <p14:creationId xmlns:p14="http://schemas.microsoft.com/office/powerpoint/2010/main" val="1071444560"/>
+      </p:ext>
+    </p:extLst>
+  </p:cSld>
+  <p:clrMapOvr>
+    <a:masterClrMapping/>
+  </p:clrMapOvr>
+  <p:transition spd="med">
+    <p:pull/>
+  </p:transition>
+  <p:timing>
+    <p:tnLst>
+      <p:par>
+        <p:cTn id="1" dur="indefinite" restart="never" nodeType="tmRoot"/>
+      </p:par>
+    </p:tnLst>
+  </p:timing>
+</p:sld>
+</file>
+
+<file path=ppt/slides/slide21.xml><?xml version="1.0" encoding="utf-8"?>
+<p:sld xmlns:a="http://schemas.openxmlformats.org/drawingml/2006/main" xmlns:r="http://schemas.openxmlformats.org/officeDocument/2006/relationships" xmlns:p="http://schemas.openxmlformats.org/presentationml/2006/main">
+  <p:cSld>
+    <p:spTree>
+      <p:nvGrpSpPr>
+        <p:cNvPr id="1" name=""/>
+        <p:cNvGrpSpPr/>
+        <p:nvPr/>
+      </p:nvGrpSpPr>
+      <p:grpSpPr>
+        <a:xfrm>
+          <a:off x="0" y="0"/>
+          <a:ext cx="0" cy="0"/>
+          <a:chOff x="0" y="0"/>
+          <a:chExt cx="0" cy="0"/>
+        </a:xfrm>
+      </p:grpSpPr>
+      <p:sp>
+        <p:nvSpPr>
+          <p:cNvPr id="2" name="文本框 1"/>
+          <p:cNvSpPr txBox="1"/>
+          <p:nvPr/>
+        </p:nvSpPr>
+        <p:spPr>
+          <a:xfrm>
             <a:off x="527538" y="445478"/>
             <a:ext cx="5263661" cy="461665"/>
           </a:xfrm>
@@ -11402,7 +12296,7 @@
 </p:sld>
 </file>
 
-<file path=ppt/slides/slide21.xml><?xml version="1.0" encoding="utf-8"?>
+<file path=ppt/slides/slide22.xml><?xml version="1.0" encoding="utf-8"?>
 <p:sld xmlns:a="http://schemas.openxmlformats.org/drawingml/2006/main" xmlns:r="http://schemas.openxmlformats.org/officeDocument/2006/relationships" xmlns:p="http://schemas.openxmlformats.org/presentationml/2006/main">
   <p:cSld>
     <p:spTree>
@@ -11646,7 +12540,7 @@
 </p:sld>
 </file>
 
-<file path=ppt/slides/slide22.xml><?xml version="1.0" encoding="utf-8"?>
+<file path=ppt/slides/slide23.xml><?xml version="1.0" encoding="utf-8"?>
 <p:sld xmlns:a="http://schemas.openxmlformats.org/drawingml/2006/main" xmlns:r="http://schemas.openxmlformats.org/officeDocument/2006/relationships" xmlns:p="http://schemas.openxmlformats.org/presentationml/2006/main">
   <p:cSld>
     <p:spTree>

--- a/SVG动画 [自动保存] [自动保存].pptx
+++ b/SVG动画 [自动保存] [自动保存].pptx
@@ -14,9 +14,9 @@
     <p:sldId id="273" r:id="rId8"/>
     <p:sldId id="267" r:id="rId9"/>
     <p:sldId id="274" r:id="rId10"/>
-    <p:sldId id="270" r:id="rId11"/>
-    <p:sldId id="271" r:id="rId12"/>
-    <p:sldId id="259" r:id="rId13"/>
+    <p:sldId id="277" r:id="rId11"/>
+    <p:sldId id="270" r:id="rId12"/>
+    <p:sldId id="271" r:id="rId13"/>
     <p:sldId id="266" r:id="rId14"/>
     <p:sldId id="280" r:id="rId15"/>
     <p:sldId id="281" r:id="rId16"/>
@@ -24,11 +24,10 @@
     <p:sldId id="282" r:id="rId18"/>
     <p:sldId id="283" r:id="rId19"/>
     <p:sldId id="284" r:id="rId20"/>
-    <p:sldId id="276" r:id="rId21"/>
-    <p:sldId id="277" r:id="rId22"/>
-    <p:sldId id="272" r:id="rId23"/>
-    <p:sldId id="278" r:id="rId24"/>
-    <p:sldId id="279" r:id="rId25"/>
+    <p:sldId id="285" r:id="rId21"/>
+    <p:sldId id="272" r:id="rId22"/>
+    <p:sldId id="278" r:id="rId23"/>
+    <p:sldId id="279" r:id="rId24"/>
   </p:sldIdLst>
   <p:sldSz cx="12192000" cy="6858000"/>
   <p:notesSz cx="6858000" cy="9144000"/>
@@ -266,7 +265,7 @@
           <a:p>
             <a:fld id="{40618212-1520-5B48-A83C-9263F0F2F87E}" type="datetimeFigureOut">
               <a:rPr kumimoji="1" lang="zh-CN" altLang="en-US" smtClean="0"/>
-              <a:t>2019/8/19</a:t>
+              <a:t>2019/8/20</a:t>
             </a:fld>
             <a:endParaRPr kumimoji="1" lang="zh-CN" altLang="en-US"/>
           </a:p>
@@ -446,7 +445,7 @@
           <a:p>
             <a:fld id="{40618212-1520-5B48-A83C-9263F0F2F87E}" type="datetimeFigureOut">
               <a:rPr kumimoji="1" lang="zh-CN" altLang="en-US" smtClean="0"/>
-              <a:t>2019/8/19</a:t>
+              <a:t>2019/8/20</a:t>
             </a:fld>
             <a:endParaRPr kumimoji="1" lang="zh-CN" altLang="en-US"/>
           </a:p>
@@ -636,7 +635,7 @@
           <a:p>
             <a:fld id="{40618212-1520-5B48-A83C-9263F0F2F87E}" type="datetimeFigureOut">
               <a:rPr kumimoji="1" lang="zh-CN" altLang="en-US" smtClean="0"/>
-              <a:t>2019/8/19</a:t>
+              <a:t>2019/8/20</a:t>
             </a:fld>
             <a:endParaRPr kumimoji="1" lang="zh-CN" altLang="en-US"/>
           </a:p>
@@ -729,7 +728,7 @@
           <p:cNvPr id="17" name="任意多边形: 形状 16">
             <a:extLst>
               <a:ext uri="{FF2B5EF4-FFF2-40B4-BE49-F238E27FC236}">
-                <a16:creationId xmlns="" xmlns:a16="http://schemas.microsoft.com/office/drawing/2014/main" id="{6752DADE-F8A9-48AE-B0CB-681361D167C1}"/>
+                <a16:creationId xmlns:a16="http://schemas.microsoft.com/office/drawing/2014/main" xmlns="" id="{6752DADE-F8A9-48AE-B0CB-681361D167C1}"/>
               </a:ext>
             </a:extLst>
           </p:cNvPr>
@@ -1550,7 +1549,7 @@
           <a:p>
             <a:fld id="{40618212-1520-5B48-A83C-9263F0F2F87E}" type="datetimeFigureOut">
               <a:rPr kumimoji="1" lang="zh-CN" altLang="en-US" smtClean="0"/>
-              <a:t>2019/8/19</a:t>
+              <a:t>2019/8/20</a:t>
             </a:fld>
             <a:endParaRPr kumimoji="1" lang="zh-CN" altLang="en-US"/>
           </a:p>
@@ -1762,7 +1761,7 @@
           <a:p>
             <a:fld id="{40618212-1520-5B48-A83C-9263F0F2F87E}" type="datetimeFigureOut">
               <a:rPr kumimoji="1" lang="zh-CN" altLang="en-US" smtClean="0"/>
-              <a:t>2019/8/19</a:t>
+              <a:t>2019/8/20</a:t>
             </a:fld>
             <a:endParaRPr kumimoji="1" lang="zh-CN" altLang="en-US"/>
           </a:p>
@@ -2343,7 +2342,7 @@
           <a:p>
             <a:fld id="{40618212-1520-5B48-A83C-9263F0F2F87E}" type="datetimeFigureOut">
               <a:rPr kumimoji="1" lang="zh-CN" altLang="en-US" smtClean="0"/>
-              <a:t>2019/8/19</a:t>
+              <a:t>2019/8/20</a:t>
             </a:fld>
             <a:endParaRPr kumimoji="1" lang="zh-CN" altLang="en-US"/>
           </a:p>
@@ -2655,7 +2654,7 @@
           <a:p>
             <a:fld id="{40618212-1520-5B48-A83C-9263F0F2F87E}" type="datetimeFigureOut">
               <a:rPr kumimoji="1" lang="zh-CN" altLang="en-US" smtClean="0"/>
-              <a:t>2019/8/19</a:t>
+              <a:t>2019/8/20</a:t>
             </a:fld>
             <a:endParaRPr kumimoji="1" lang="zh-CN" altLang="en-US"/>
           </a:p>
@@ -3102,7 +3101,7 @@
           <a:p>
             <a:fld id="{40618212-1520-5B48-A83C-9263F0F2F87E}" type="datetimeFigureOut">
               <a:rPr kumimoji="1" lang="zh-CN" altLang="en-US" smtClean="0"/>
-              <a:t>2019/8/19</a:t>
+              <a:t>2019/8/20</a:t>
             </a:fld>
             <a:endParaRPr kumimoji="1" lang="zh-CN" altLang="en-US"/>
           </a:p>
@@ -3230,7 +3229,7 @@
           <a:p>
             <a:fld id="{40618212-1520-5B48-A83C-9263F0F2F87E}" type="datetimeFigureOut">
               <a:rPr kumimoji="1" lang="zh-CN" altLang="en-US" smtClean="0"/>
-              <a:t>2019/8/19</a:t>
+              <a:t>2019/8/20</a:t>
             </a:fld>
             <a:endParaRPr kumimoji="1" lang="zh-CN" altLang="en-US"/>
           </a:p>
@@ -3335,7 +3334,7 @@
           <a:p>
             <a:fld id="{40618212-1520-5B48-A83C-9263F0F2F87E}" type="datetimeFigureOut">
               <a:rPr kumimoji="1" lang="zh-CN" altLang="en-US" smtClean="0"/>
-              <a:t>2019/8/19</a:t>
+              <a:t>2019/8/20</a:t>
             </a:fld>
             <a:endParaRPr kumimoji="1" lang="zh-CN" altLang="en-US"/>
           </a:p>
@@ -3515,7 +3514,7 @@
           <a:p>
             <a:fld id="{40618212-1520-5B48-A83C-9263F0F2F87E}" type="datetimeFigureOut">
               <a:rPr kumimoji="1" lang="zh-CN" altLang="en-US" smtClean="0"/>
-              <a:t>2019/8/19</a:t>
+              <a:t>2019/8/20</a:t>
             </a:fld>
             <a:endParaRPr kumimoji="1" lang="zh-CN" altLang="en-US"/>
           </a:p>
@@ -3907,7 +3906,7 @@
           <a:p>
             <a:fld id="{40618212-1520-5B48-A83C-9263F0F2F87E}" type="datetimeFigureOut">
               <a:rPr kumimoji="1" lang="zh-CN" altLang="en-US" smtClean="0"/>
-              <a:t>2019/8/19</a:t>
+              <a:t>2019/8/20</a:t>
             </a:fld>
             <a:endParaRPr kumimoji="1" lang="zh-CN" altLang="en-US"/>
           </a:p>
@@ -4311,7 +4310,7 @@
           <a:p>
             <a:fld id="{40618212-1520-5B48-A83C-9263F0F2F87E}" type="datetimeFigureOut">
               <a:rPr kumimoji="1" lang="zh-CN" altLang="en-US" smtClean="0"/>
-              <a:t>2019/8/19</a:t>
+              <a:t>2019/8/20</a:t>
             </a:fld>
             <a:endParaRPr kumimoji="1" lang="zh-CN" altLang="en-US"/>
           </a:p>
@@ -4566,7 +4565,7 @@
           <a:p>
             <a:fld id="{40618212-1520-5B48-A83C-9263F0F2F87E}" type="datetimeFigureOut">
               <a:rPr kumimoji="1" lang="zh-CN" altLang="en-US" smtClean="0"/>
-              <a:t>2019/8/19</a:t>
+              <a:t>2019/8/20</a:t>
             </a:fld>
             <a:endParaRPr kumimoji="1" lang="zh-CN" altLang="en-US"/>
           </a:p>
@@ -4756,7 +4755,7 @@
           <a:p>
             <a:fld id="{40618212-1520-5B48-A83C-9263F0F2F87E}" type="datetimeFigureOut">
               <a:rPr kumimoji="1" lang="zh-CN" altLang="en-US" smtClean="0"/>
-              <a:t>2019/8/19</a:t>
+              <a:t>2019/8/20</a:t>
             </a:fld>
             <a:endParaRPr kumimoji="1" lang="zh-CN" altLang="en-US"/>
           </a:p>
@@ -5012,7 +5011,7 @@
           <a:p>
             <a:fld id="{40618212-1520-5B48-A83C-9263F0F2F87E}" type="datetimeFigureOut">
               <a:rPr kumimoji="1" lang="zh-CN" altLang="en-US" smtClean="0"/>
-              <a:t>2019/8/19</a:t>
+              <a:t>2019/8/20</a:t>
             </a:fld>
             <a:endParaRPr kumimoji="1" lang="zh-CN" altLang="en-US"/>
           </a:p>
@@ -5254,7 +5253,7 @@
           <a:p>
             <a:fld id="{40618212-1520-5B48-A83C-9263F0F2F87E}" type="datetimeFigureOut">
               <a:rPr kumimoji="1" lang="zh-CN" altLang="en-US" smtClean="0"/>
-              <a:t>2019/8/19</a:t>
+              <a:t>2019/8/20</a:t>
             </a:fld>
             <a:endParaRPr kumimoji="1" lang="zh-CN" altLang="en-US"/>
           </a:p>
@@ -5631,7 +5630,7 @@
           <a:p>
             <a:fld id="{40618212-1520-5B48-A83C-9263F0F2F87E}" type="datetimeFigureOut">
               <a:rPr kumimoji="1" lang="zh-CN" altLang="en-US" smtClean="0"/>
-              <a:t>2019/8/19</a:t>
+              <a:t>2019/8/20</a:t>
             </a:fld>
             <a:endParaRPr kumimoji="1" lang="zh-CN" altLang="en-US"/>
           </a:p>
@@ -5759,7 +5758,7 @@
           <a:p>
             <a:fld id="{40618212-1520-5B48-A83C-9263F0F2F87E}" type="datetimeFigureOut">
               <a:rPr kumimoji="1" lang="zh-CN" altLang="en-US" smtClean="0"/>
-              <a:t>2019/8/19</a:t>
+              <a:t>2019/8/20</a:t>
             </a:fld>
             <a:endParaRPr kumimoji="1" lang="zh-CN" altLang="en-US"/>
           </a:p>
@@ -5864,7 +5863,7 @@
           <a:p>
             <a:fld id="{40618212-1520-5B48-A83C-9263F0F2F87E}" type="datetimeFigureOut">
               <a:rPr kumimoji="1" lang="zh-CN" altLang="en-US" smtClean="0"/>
-              <a:t>2019/8/19</a:t>
+              <a:t>2019/8/20</a:t>
             </a:fld>
             <a:endParaRPr kumimoji="1" lang="zh-CN" altLang="en-US"/>
           </a:p>
@@ -6151,7 +6150,7 @@
           <a:p>
             <a:fld id="{40618212-1520-5B48-A83C-9263F0F2F87E}" type="datetimeFigureOut">
               <a:rPr kumimoji="1" lang="zh-CN" altLang="en-US" smtClean="0"/>
-              <a:t>2019/8/19</a:t>
+              <a:t>2019/8/20</a:t>
             </a:fld>
             <a:endParaRPr kumimoji="1" lang="zh-CN" altLang="en-US"/>
           </a:p>
@@ -6414,7 +6413,7 @@
           <a:p>
             <a:fld id="{40618212-1520-5B48-A83C-9263F0F2F87E}" type="datetimeFigureOut">
               <a:rPr kumimoji="1" lang="zh-CN" altLang="en-US" smtClean="0"/>
-              <a:t>2019/8/19</a:t>
+              <a:t>2019/8/20</a:t>
             </a:fld>
             <a:endParaRPr kumimoji="1" lang="zh-CN" altLang="en-US"/>
           </a:p>
@@ -6642,7 +6641,7 @@
           <a:p>
             <a:fld id="{40618212-1520-5B48-A83C-9263F0F2F87E}" type="datetimeFigureOut">
               <a:rPr kumimoji="1" lang="zh-CN" altLang="en-US" smtClean="0"/>
-              <a:t>2019/8/19</a:t>
+              <a:t>2019/8/20</a:t>
             </a:fld>
             <a:endParaRPr kumimoji="1" lang="zh-CN" altLang="en-US"/>
           </a:p>
@@ -7228,7 +7227,7 @@
           <a:p>
             <a:fld id="{40618212-1520-5B48-A83C-9263F0F2F87E}" type="datetimeFigureOut">
               <a:rPr kumimoji="1" lang="zh-CN" altLang="en-US" smtClean="0"/>
-              <a:t>2019/8/19</a:t>
+              <a:t>2019/8/20</a:t>
             </a:fld>
             <a:endParaRPr kumimoji="1" lang="zh-CN" altLang="en-US"/>
           </a:p>
@@ -7836,7 +7835,7 @@
           <p:cNvPr id="62" name="直接连接符 61">
             <a:extLst>
               <a:ext uri="{FF2B5EF4-FFF2-40B4-BE49-F238E27FC236}">
-                <a16:creationId xmlns="" xmlns:a16="http://schemas.microsoft.com/office/drawing/2014/main" id="{F2B89207-842B-4543-8439-B5BA11649F09}"/>
+                <a16:creationId xmlns:a16="http://schemas.microsoft.com/office/drawing/2014/main" xmlns="" id="{F2B89207-842B-4543-8439-B5BA11649F09}"/>
               </a:ext>
             </a:extLst>
           </p:cNvPr>
@@ -7873,7 +7872,7 @@
           <p:cNvPr id="17" name="组合 16">
             <a:extLst>
               <a:ext uri="{FF2B5EF4-FFF2-40B4-BE49-F238E27FC236}">
-                <a16:creationId xmlns="" xmlns:a16="http://schemas.microsoft.com/office/drawing/2014/main" id="{4F9FC58F-9C75-4A99-AE72-3433E3C90246}"/>
+                <a16:creationId xmlns:a16="http://schemas.microsoft.com/office/drawing/2014/main" xmlns="" id="{4F9FC58F-9C75-4A99-AE72-3433E3C90246}"/>
               </a:ext>
             </a:extLst>
           </p:cNvPr>
@@ -7893,7 +7892,7 @@
             <p:cNvPr id="18" name="文本框 17">
               <a:extLst>
                 <a:ext uri="{FF2B5EF4-FFF2-40B4-BE49-F238E27FC236}">
-                  <a16:creationId xmlns="" xmlns:a16="http://schemas.microsoft.com/office/drawing/2014/main" id="{CBB88046-DA0C-4D62-ABE0-DF4F219BC41E}"/>
+                  <a16:creationId xmlns:a16="http://schemas.microsoft.com/office/drawing/2014/main" xmlns="" id="{CBB88046-DA0C-4D62-ABE0-DF4F219BC41E}"/>
                 </a:ext>
               </a:extLst>
             </p:cNvPr>
@@ -7946,7 +7945,7 @@
             <p:cNvPr id="19" name="文本框 18">
               <a:extLst>
                 <a:ext uri="{FF2B5EF4-FFF2-40B4-BE49-F238E27FC236}">
-                  <a16:creationId xmlns="" xmlns:a16="http://schemas.microsoft.com/office/drawing/2014/main" id="{26D4D4DA-FA36-4DDE-8DFE-C3548A560484}"/>
+                  <a16:creationId xmlns:a16="http://schemas.microsoft.com/office/drawing/2014/main" xmlns="" id="{26D4D4DA-FA36-4DDE-8DFE-C3548A560484}"/>
                 </a:ext>
               </a:extLst>
             </p:cNvPr>
@@ -7999,7 +7998,7 @@
             <p:cNvPr id="20" name="文本框 19">
               <a:extLst>
                 <a:ext uri="{FF2B5EF4-FFF2-40B4-BE49-F238E27FC236}">
-                  <a16:creationId xmlns="" xmlns:a16="http://schemas.microsoft.com/office/drawing/2014/main" id="{FF425B85-D13B-4D06-9EBD-A57DA15BAE62}"/>
+                  <a16:creationId xmlns:a16="http://schemas.microsoft.com/office/drawing/2014/main" xmlns="" id="{FF425B85-D13B-4D06-9EBD-A57DA15BAE62}"/>
                 </a:ext>
               </a:extLst>
             </p:cNvPr>
@@ -8052,7 +8051,7 @@
             <p:cNvPr id="21" name="文本框 20">
               <a:extLst>
                 <a:ext uri="{FF2B5EF4-FFF2-40B4-BE49-F238E27FC236}">
-                  <a16:creationId xmlns="" xmlns:a16="http://schemas.microsoft.com/office/drawing/2014/main" id="{98E90643-75C2-4D2E-844E-02C863EB4658}"/>
+                  <a16:creationId xmlns:a16="http://schemas.microsoft.com/office/drawing/2014/main" xmlns="" id="{98E90643-75C2-4D2E-844E-02C863EB4658}"/>
                 </a:ext>
               </a:extLst>
             </p:cNvPr>
@@ -8164,21 +8163,152 @@
           <a:lstStyle/>
           <a:p>
             <a:r>
-              <a:rPr lang="en-US" altLang="ja-JP" sz="3200" dirty="0" smtClean="0"/>
-              <a:t>SVG </a:t>
-            </a:r>
-            <a:r>
-              <a:rPr lang="ja-JP" altLang="en-US" sz="3200" dirty="0" smtClean="0"/>
+              <a:rPr lang="en-US" altLang="ja-JP" sz="3200" b="1" dirty="0" smtClean="0"/>
+              <a:t>4</a:t>
+            </a:r>
+            <a:r>
+              <a:rPr lang="en-US" altLang="ja-JP" sz="3200" b="1" dirty="0" smtClean="0"/>
+              <a:t>.SVG </a:t>
+            </a:r>
+            <a:r>
+              <a:rPr lang="ja-JP" altLang="en-US" sz="3200" b="1" dirty="0" smtClean="0"/>
               <a:t>形状</a:t>
             </a:r>
-            <a:endParaRPr lang="ja-JP" altLang="en-US" sz="3200" dirty="0"/>
-          </a:p>
-        </p:txBody>
-      </p:sp>
+            <a:endParaRPr lang="ja-JP" altLang="en-US" sz="3200" b="1" dirty="0"/>
+          </a:p>
+        </p:txBody>
+      </p:sp>
+      <p:sp>
+        <p:nvSpPr>
+          <p:cNvPr id="3" name="文本框 2"/>
+          <p:cNvSpPr txBox="1"/>
+          <p:nvPr/>
+        </p:nvSpPr>
+        <p:spPr>
+          <a:xfrm>
+            <a:off x="852755" y="1212352"/>
+            <a:ext cx="10654301" cy="646331"/>
+          </a:xfrm>
+          <a:prstGeom prst="rect">
+            <a:avLst/>
+          </a:prstGeom>
+          <a:noFill/>
+        </p:spPr>
+        <p:txBody>
+          <a:bodyPr wrap="square" rtlCol="0">
+            <a:spAutoFit/>
+          </a:bodyPr>
+          <a:lstStyle/>
+          <a:p>
+            <a:r>
+              <a:rPr kumimoji="1" lang="en-US" altLang="zh-CN" dirty="0" smtClean="0"/>
+              <a:t>1.</a:t>
+            </a:r>
+            <a:r>
+              <a:rPr kumimoji="1" lang="zh-CN" altLang="en-US" dirty="0" smtClean="0"/>
+              <a:t>矩形 </a:t>
+            </a:r>
+            <a:r>
+              <a:rPr lang="mr-IN" altLang="zh-CN" dirty="0"/>
+              <a:t> &lt;</a:t>
+            </a:r>
+            <a:r>
+              <a:rPr lang="mr-IN" altLang="zh-CN" dirty="0" err="1"/>
+              <a:t>rect</a:t>
+            </a:r>
+            <a:r>
+              <a:rPr lang="mr-IN" altLang="zh-CN" dirty="0"/>
+              <a:t>&gt;</a:t>
+            </a:r>
+            <a:endParaRPr kumimoji="1" lang="en-US" altLang="zh-CN" dirty="0" smtClean="0"/>
+          </a:p>
+          <a:p>
+            <a:endParaRPr kumimoji="1" lang="zh-CN" altLang="en-US" dirty="0"/>
+          </a:p>
+        </p:txBody>
+      </p:sp>
+      <p:pic>
+        <p:nvPicPr>
+          <p:cNvPr id="4" name="图片 3"/>
+          <p:cNvPicPr>
+            <a:picLocks noChangeAspect="1"/>
+          </p:cNvPicPr>
+          <p:nvPr/>
+        </p:nvPicPr>
+        <p:blipFill>
+          <a:blip r:embed="rId2"/>
+          <a:stretch>
+            <a:fillRect/>
+          </a:stretch>
+        </p:blipFill>
+        <p:spPr>
+          <a:xfrm>
+            <a:off x="1390935" y="1655672"/>
+            <a:ext cx="6718300" cy="774700"/>
+          </a:xfrm>
+          <a:prstGeom prst="rect">
+            <a:avLst/>
+          </a:prstGeom>
+        </p:spPr>
+      </p:pic>
+      <p:sp>
+        <p:nvSpPr>
+          <p:cNvPr id="5" name="文本框 4"/>
+          <p:cNvSpPr txBox="1"/>
+          <p:nvPr/>
+        </p:nvSpPr>
+        <p:spPr>
+          <a:xfrm>
+            <a:off x="852755" y="3205537"/>
+            <a:ext cx="9030984" cy="369332"/>
+          </a:xfrm>
+          <a:prstGeom prst="rect">
+            <a:avLst/>
+          </a:prstGeom>
+          <a:noFill/>
+        </p:spPr>
+        <p:txBody>
+          <a:bodyPr wrap="square" rtlCol="0">
+            <a:spAutoFit/>
+          </a:bodyPr>
+          <a:lstStyle/>
+          <a:p>
+            <a:r>
+              <a:rPr kumimoji="1" lang="en-US" altLang="zh-CN" dirty="0" smtClean="0"/>
+              <a:t>2.</a:t>
+            </a:r>
+            <a:endParaRPr kumimoji="1" lang="zh-CN" altLang="en-US" dirty="0"/>
+          </a:p>
+        </p:txBody>
+      </p:sp>
+      <p:pic>
+        <p:nvPicPr>
+          <p:cNvPr id="6" name="图片 5"/>
+          <p:cNvPicPr>
+            <a:picLocks noChangeAspect="1"/>
+          </p:cNvPicPr>
+          <p:nvPr/>
+        </p:nvPicPr>
+        <p:blipFill>
+          <a:blip r:embed="rId3"/>
+          <a:stretch>
+            <a:fillRect/>
+          </a:stretch>
+        </p:blipFill>
+        <p:spPr>
+          <a:xfrm>
+            <a:off x="8461647" y="1655672"/>
+            <a:ext cx="3045410" cy="1747687"/>
+          </a:xfrm>
+          <a:prstGeom prst="rect">
+            <a:avLst/>
+          </a:prstGeom>
+        </p:spPr>
+      </p:pic>
     </p:spTree>
     <p:extLst>
       <p:ext uri="{BB962C8B-B14F-4D97-AF65-F5344CB8AC3E}">
-        <p14:creationId xmlns:p14="http://schemas.microsoft.com/office/powerpoint/2010/main" val="1677843528"/>
+        <p14:creationId xmlns:p14="http://schemas.microsoft.com/office/powerpoint/2010/main" val="487471450"/>
       </p:ext>
     </p:extLst>
   </p:cSld>
@@ -8238,25 +8368,21 @@
           <a:lstStyle/>
           <a:p>
             <a:r>
-              <a:rPr kumimoji="1" lang="en-US" altLang="zh-CN" sz="3200" dirty="0" smtClean="0"/>
-              <a:t>2.</a:t>
-            </a:r>
-            <a:r>
-              <a:rPr kumimoji="1" lang="zh-CN" altLang="en-US" sz="3200" dirty="0" smtClean="0"/>
-              <a:t> 怎样制作一个</a:t>
-            </a:r>
-            <a:r>
-              <a:rPr kumimoji="1" lang="en-US" altLang="zh-CN" sz="3200" dirty="0" smtClean="0"/>
-              <a:t>SVG</a:t>
-            </a:r>
-            <a:endParaRPr kumimoji="1" lang="zh-CN" altLang="en-US" sz="3200" dirty="0"/>
+              <a:rPr lang="en-US" altLang="ja-JP" sz="3200" dirty="0" smtClean="0"/>
+              <a:t>SVG </a:t>
+            </a:r>
+            <a:r>
+              <a:rPr lang="ja-JP" altLang="en-US" sz="3200" dirty="0" smtClean="0"/>
+              <a:t>形状</a:t>
+            </a:r>
+            <a:endParaRPr lang="ja-JP" altLang="en-US" sz="3200" dirty="0"/>
           </a:p>
         </p:txBody>
       </p:sp>
     </p:spTree>
     <p:extLst>
       <p:ext uri="{BB962C8B-B14F-4D97-AF65-F5344CB8AC3E}">
-        <p14:creationId xmlns:p14="http://schemas.microsoft.com/office/powerpoint/2010/main" val="720478033"/>
+        <p14:creationId xmlns:p14="http://schemas.microsoft.com/office/powerpoint/2010/main" val="1677843528"/>
       </p:ext>
     </p:extLst>
   </p:cSld>
@@ -8316,17 +8442,34 @@
           <a:lstStyle/>
           <a:p>
             <a:r>
-              <a:rPr kumimoji="1" lang="en-US" altLang="zh-CN" sz="3200" dirty="0" smtClean="0"/>
-              <a:t>2.</a:t>
-            </a:r>
-            <a:r>
-              <a:rPr kumimoji="1" lang="zh-CN" altLang="en-US" sz="3200" dirty="0" smtClean="0"/>
+              <a:rPr kumimoji="1" lang="en-US" altLang="zh-CN" sz="3200" b="1" dirty="0" smtClean="0"/>
+              <a:t>5.</a:t>
+            </a:r>
+            <a:r>
+              <a:rPr kumimoji="1" lang="zh-CN" altLang="en-US" sz="3200" b="1" dirty="0" smtClean="0"/>
               <a:t> </a:t>
             </a:r>
             <a:r>
               <a:rPr lang="en-US" altLang="zh-CN" sz="3200" b="1" dirty="0"/>
-              <a:t>SVG SMIL animation</a:t>
-            </a:r>
+              <a:t>SVG SMIL </a:t>
+            </a:r>
+            <a:r>
+              <a:rPr lang="en-US" altLang="zh-CN" sz="3200" b="1" dirty="0" smtClean="0"/>
+              <a:t>animation </a:t>
+            </a:r>
+            <a:r>
+              <a:rPr lang="zh-CN" altLang="en-US" sz="3200" b="1" dirty="0" smtClean="0"/>
+              <a:t>（</a:t>
+            </a:r>
+            <a:r>
+              <a:rPr lang="en-US" altLang="zh-CN" sz="3200" b="1" dirty="0" smtClean="0"/>
+              <a:t>SVG</a:t>
+            </a:r>
+            <a:r>
+              <a:rPr lang="zh-CN" altLang="en-US" sz="3200" b="1" dirty="0"/>
+              <a:t>动画）</a:t>
+            </a:r>
+            <a:endParaRPr lang="en-US" altLang="zh-CN" sz="3200" b="1" dirty="0"/>
           </a:p>
         </p:txBody>
       </p:sp>
@@ -8338,8 +8481,8 @@
         </p:nvSpPr>
         <p:spPr>
           <a:xfrm>
-            <a:off x="820616" y="1148862"/>
-            <a:ext cx="10738338" cy="369332"/>
+            <a:off x="820616" y="1010486"/>
+            <a:ext cx="10738338" cy="461665"/>
           </a:xfrm>
           <a:prstGeom prst="rect">
             <a:avLst/>
@@ -8353,10 +8496,10 @@
           <a:lstStyle/>
           <a:p>
             <a:r>
-              <a:rPr kumimoji="1" lang="zh-CN" altLang="en-US" dirty="0" smtClean="0"/>
+              <a:rPr kumimoji="1" lang="zh-CN" altLang="en-US" sz="2400" dirty="0" smtClean="0"/>
               <a:t>兼容性</a:t>
             </a:r>
-            <a:endParaRPr kumimoji="1" lang="zh-CN" altLang="en-US" dirty="0"/>
+            <a:endParaRPr kumimoji="1" lang="zh-CN" altLang="en-US" sz="2400" dirty="0"/>
           </a:p>
         </p:txBody>
       </p:sp>
@@ -8426,14 +8569,14 @@
       </p:grpSpPr>
       <p:sp>
         <p:nvSpPr>
-          <p:cNvPr id="2" name="文本框 1"/>
+          <p:cNvPr id="3" name="文本框 2"/>
           <p:cNvSpPr txBox="1"/>
           <p:nvPr/>
         </p:nvSpPr>
         <p:spPr>
           <a:xfrm>
-            <a:off x="644374" y="443238"/>
-            <a:ext cx="10926303" cy="584775"/>
+            <a:off x="525708" y="616463"/>
+            <a:ext cx="10366625" cy="523220"/>
           </a:xfrm>
           <a:prstGeom prst="rect">
             <a:avLst/>
@@ -8447,60 +8590,26 @@
           <a:lstStyle/>
           <a:p>
             <a:r>
-              <a:rPr kumimoji="1" lang="en-US" altLang="zh-CN" sz="3200" dirty="0" smtClean="0"/>
-              <a:t>2.</a:t>
-            </a:r>
-            <a:r>
-              <a:rPr kumimoji="1" lang="zh-CN" altLang="en-US" sz="3200" dirty="0" smtClean="0"/>
-              <a:t> 制作一个</a:t>
-            </a:r>
-            <a:r>
-              <a:rPr kumimoji="1" lang="en-US" altLang="zh-CN" sz="3200" dirty="0" smtClean="0"/>
-              <a:t>SVG</a:t>
-            </a:r>
-            <a:r>
-              <a:rPr kumimoji="1" lang="zh-CN" altLang="en-US" sz="3200" dirty="0" smtClean="0"/>
-              <a:t>动画</a:t>
-            </a:r>
-            <a:endParaRPr kumimoji="1" lang="zh-CN" altLang="en-US" sz="3200" dirty="0"/>
-          </a:p>
-        </p:txBody>
-      </p:sp>
-      <p:sp>
-        <p:nvSpPr>
-          <p:cNvPr id="3" name="文本框 2"/>
-          <p:cNvSpPr txBox="1"/>
-          <p:nvPr/>
-        </p:nvSpPr>
-        <p:spPr>
-          <a:xfrm>
-            <a:off x="1057971" y="1016573"/>
-            <a:ext cx="10366625" cy="400110"/>
-          </a:xfrm>
-          <a:prstGeom prst="rect">
-            <a:avLst/>
-          </a:prstGeom>
-          <a:noFill/>
-        </p:spPr>
-        <p:txBody>
-          <a:bodyPr wrap="square" rtlCol="0">
-            <a:spAutoFit/>
-          </a:bodyPr>
-          <a:lstStyle/>
-          <a:p>
-            <a:r>
-              <a:rPr kumimoji="1" lang="en-US" altLang="zh-CN" dirty="0" smtClean="0"/>
-              <a:t>1.</a:t>
-            </a:r>
-            <a:r>
-              <a:rPr kumimoji="1" lang="zh-CN" altLang="en-US" dirty="0" smtClean="0"/>
-              <a:t>普通动画       </a:t>
-            </a:r>
-            <a:r>
-              <a:rPr lang="en-US" altLang="zh-CN" sz="2000" dirty="0" err="1"/>
+              <a:rPr kumimoji="1" lang="zh-CN" altLang="en-US" sz="2800" dirty="0" smtClean="0"/>
+              <a:t>（</a:t>
+            </a:r>
+            <a:r>
+              <a:rPr kumimoji="1" lang="en-US" altLang="zh-CN" sz="2800" dirty="0"/>
+              <a:t> 1 </a:t>
+            </a:r>
+            <a:r>
+              <a:rPr kumimoji="1" lang="zh-CN" altLang="en-US" sz="2800" dirty="0" smtClean="0"/>
+              <a:t>）普通</a:t>
+            </a:r>
+            <a:r>
+              <a:rPr kumimoji="1" lang="zh-CN" altLang="en-US" sz="2800" dirty="0" smtClean="0"/>
+              <a:t>动画       </a:t>
+            </a:r>
+            <a:r>
+              <a:rPr lang="en-US" altLang="zh-CN" sz="2800" dirty="0" err="1"/>
               <a:t>animateTransform</a:t>
             </a:r>
-            <a:endParaRPr kumimoji="1" lang="zh-CN" altLang="en-US" sz="2000" b="1" dirty="0"/>
+            <a:endParaRPr kumimoji="1" lang="zh-CN" altLang="en-US" sz="2800" b="1" dirty="0"/>
           </a:p>
         </p:txBody>
       </p:sp>
@@ -8512,7 +8621,7 @@
         </p:nvSpPr>
         <p:spPr>
           <a:xfrm>
-            <a:off x="1411377" y="1805354"/>
+            <a:off x="1179347" y="1436865"/>
             <a:ext cx="9659815" cy="3970318"/>
           </a:xfrm>
           <a:prstGeom prst="rect">
@@ -9957,11 +10066,7 @@
             </a:r>
             <a:r>
               <a:rPr lang="zh-CN" altLang="en-US" dirty="0" smtClean="0"/>
-              <a:t> </a:t>
-            </a:r>
-            <a:r>
-              <a:rPr lang="zh-CN" altLang="en-US" dirty="0" smtClean="0"/>
-              <a:t>和</a:t>
+              <a:t> 和</a:t>
             </a:r>
             <a:r>
               <a:rPr lang="en-US" altLang="zh-CN" dirty="0"/>
@@ -10032,11 +10137,7 @@
             </a:r>
             <a:r>
               <a:rPr lang="zh-CN" altLang="en-US" dirty="0" smtClean="0"/>
-              <a:t> </a:t>
-            </a:r>
-            <a:r>
-              <a:rPr lang="zh-CN" altLang="en-US" dirty="0" smtClean="0"/>
-              <a:t>贝</a:t>
+              <a:t> 贝</a:t>
             </a:r>
             <a:r>
               <a:rPr lang="zh-CN" altLang="en-US" dirty="0"/>
@@ -10044,11 +10145,7 @@
             </a:r>
             <a:r>
               <a:rPr lang="zh-CN" altLang="en-US" dirty="0" smtClean="0"/>
-              <a:t>曲线控制点</a:t>
-            </a:r>
-            <a:r>
-              <a:rPr lang="zh-CN" altLang="en-US" dirty="0" smtClean="0"/>
-              <a:t> </a:t>
+              <a:t>曲线控制点 </a:t>
             </a:r>
             <a:r>
               <a:rPr lang="en-US" altLang="zh-CN" dirty="0" smtClean="0"/>
@@ -10154,7 +10251,7 @@
         <p:spPr>
           <a:xfrm>
             <a:off x="644374" y="443238"/>
-            <a:ext cx="10926303" cy="584775"/>
+            <a:ext cx="10926303" cy="523220"/>
           </a:xfrm>
           <a:prstGeom prst="rect">
             <a:avLst/>
@@ -10168,72 +10265,38 @@
           <a:lstStyle/>
           <a:p>
             <a:r>
-              <a:rPr kumimoji="1" lang="en-US" altLang="zh-CN" sz="3200" dirty="0" smtClean="0"/>
-              <a:t>2.</a:t>
-            </a:r>
-            <a:r>
-              <a:rPr kumimoji="1" lang="zh-CN" altLang="en-US" sz="3200" dirty="0" smtClean="0"/>
-              <a:t> 制作一个</a:t>
-            </a:r>
-            <a:r>
-              <a:rPr kumimoji="1" lang="en-US" altLang="zh-CN" sz="3200" dirty="0" smtClean="0"/>
-              <a:t>SVG</a:t>
-            </a:r>
-            <a:r>
-              <a:rPr kumimoji="1" lang="zh-CN" altLang="en-US" sz="3200" dirty="0" smtClean="0"/>
-              <a:t>动画</a:t>
-            </a:r>
-            <a:endParaRPr kumimoji="1" lang="zh-CN" altLang="en-US" sz="3200" dirty="0"/>
-          </a:p>
-        </p:txBody>
-      </p:sp>
-      <p:sp>
-        <p:nvSpPr>
-          <p:cNvPr id="3" name="文本框 2"/>
-          <p:cNvSpPr txBox="1"/>
-          <p:nvPr/>
-        </p:nvSpPr>
-        <p:spPr>
-          <a:xfrm>
-            <a:off x="1047964" y="1263721"/>
-            <a:ext cx="10366625" cy="400110"/>
-          </a:xfrm>
-          <a:prstGeom prst="rect">
-            <a:avLst/>
-          </a:prstGeom>
-          <a:noFill/>
-        </p:spPr>
-        <p:txBody>
-          <a:bodyPr wrap="square" rtlCol="0">
-            <a:spAutoFit/>
-          </a:bodyPr>
-          <a:lstStyle/>
-          <a:p>
-            <a:r>
-              <a:rPr kumimoji="1" lang="en-US" altLang="zh-CN" dirty="0" smtClean="0"/>
-              <a:t>2.</a:t>
-            </a:r>
-            <a:r>
-              <a:rPr kumimoji="1" lang="zh-CN" altLang="en-US" dirty="0" smtClean="0"/>
-              <a:t>路径动画    </a:t>
-            </a:r>
-            <a:r>
-              <a:rPr kumimoji="1" lang="en-US" altLang="zh-CN" sz="2000" b="1" dirty="0"/>
+              <a:rPr kumimoji="1" lang="zh-CN" altLang="en-US" sz="2800" dirty="0" smtClean="0"/>
+              <a:t>（</a:t>
+            </a:r>
+            <a:r>
+              <a:rPr kumimoji="1" lang="en-US" altLang="zh-CN" sz="2800" dirty="0" smtClean="0"/>
+              <a:t>2</a:t>
+            </a:r>
+            <a:r>
+              <a:rPr kumimoji="1" lang="zh-CN" altLang="en-US" sz="2800" dirty="0" smtClean="0"/>
+              <a:t>）路径</a:t>
+            </a:r>
+            <a:r>
+              <a:rPr kumimoji="1" lang="zh-CN" altLang="en-US" sz="2800" dirty="0"/>
+              <a:t>动画    </a:t>
+            </a:r>
+            <a:r>
+              <a:rPr kumimoji="1" lang="en-US" altLang="zh-CN" sz="2800" dirty="0"/>
               <a:t>&lt; </a:t>
             </a:r>
             <a:r>
-              <a:rPr kumimoji="1" lang="en-US" altLang="zh-CN" sz="2000" b="1" dirty="0" err="1" smtClean="0"/>
-              <a:t>animateTransform</a:t>
-            </a:r>
-            <a:r>
-              <a:rPr kumimoji="1" lang="zh-CN" altLang="en-US" sz="2000" b="1" dirty="0" smtClean="0"/>
+              <a:rPr lang="en-US" altLang="zh-CN" sz="2800" dirty="0" err="1"/>
+              <a:t>animateMotion</a:t>
+            </a:r>
+            <a:r>
+              <a:rPr lang="en-US" altLang="zh-CN" sz="2800" dirty="0"/>
               <a:t> </a:t>
             </a:r>
             <a:r>
-              <a:rPr kumimoji="1" lang="en-US" altLang="zh-CN" sz="2000" b="1" dirty="0" smtClean="0"/>
+              <a:rPr kumimoji="1" lang="en-US" altLang="zh-CN" sz="2800" dirty="0" smtClean="0"/>
               <a:t>&gt;</a:t>
             </a:r>
-            <a:endParaRPr kumimoji="1" lang="zh-CN" altLang="en-US" sz="2000" b="1" dirty="0"/>
+            <a:endParaRPr kumimoji="1" lang="zh-CN" altLang="en-US" sz="2800" dirty="0"/>
           </a:p>
         </p:txBody>
       </p:sp>
@@ -10260,7 +10323,7 @@
         </p:blipFill>
         <p:spPr bwMode="auto">
           <a:xfrm>
-            <a:off x="3698697" y="1924953"/>
+            <a:off x="2934420" y="1829418"/>
             <a:ext cx="5715000" cy="3590925"/>
           </a:xfrm>
           <a:prstGeom prst="rect">
@@ -10320,54 +10383,13 @@
       </p:grpSpPr>
       <p:sp>
         <p:nvSpPr>
-          <p:cNvPr id="3" name="文本框 2"/>
-          <p:cNvSpPr txBox="1"/>
-          <p:nvPr/>
-        </p:nvSpPr>
-        <p:spPr>
-          <a:xfrm>
-            <a:off x="486769" y="376588"/>
-            <a:ext cx="9988062" cy="646331"/>
-          </a:xfrm>
-          <a:prstGeom prst="rect">
-            <a:avLst/>
-          </a:prstGeom>
-          <a:noFill/>
-        </p:spPr>
-        <p:txBody>
-          <a:bodyPr wrap="square" rtlCol="0">
-            <a:spAutoFit/>
-          </a:bodyPr>
-          <a:lstStyle/>
-          <a:p>
-            <a:r>
-              <a:rPr kumimoji="1" lang="en-US" altLang="zh-CN" dirty="0"/>
-              <a:t>2</a:t>
-            </a:r>
-            <a:r>
-              <a:rPr kumimoji="1" lang="en-US" altLang="zh-CN" dirty="0" smtClean="0"/>
-              <a:t>.</a:t>
-            </a:r>
-            <a:r>
-              <a:rPr kumimoji="1" lang="zh-CN" altLang="en-US" dirty="0" smtClean="0"/>
-              <a:t> 路径动画</a:t>
-            </a:r>
-            <a:endParaRPr kumimoji="1" lang="en-US" altLang="zh-CN" dirty="0" smtClean="0"/>
-          </a:p>
-          <a:p>
-            <a:endParaRPr kumimoji="1" lang="zh-CN" altLang="en-US" dirty="0"/>
-          </a:p>
-        </p:txBody>
-      </p:sp>
-      <p:sp>
-        <p:nvSpPr>
           <p:cNvPr id="6" name="文本框 5"/>
           <p:cNvSpPr txBox="1"/>
           <p:nvPr/>
         </p:nvSpPr>
         <p:spPr>
           <a:xfrm>
-            <a:off x="893852" y="934948"/>
+            <a:off x="811964" y="702932"/>
             <a:ext cx="10664575" cy="2585323"/>
           </a:xfrm>
           <a:prstGeom prst="rect">
@@ -10844,7 +10866,7 @@
         <p:spPr>
           <a:xfrm>
             <a:off x="435399" y="427957"/>
-            <a:ext cx="9988062" cy="923330"/>
+            <a:ext cx="9988062" cy="1077218"/>
           </a:xfrm>
           <a:prstGeom prst="rect">
             <a:avLst/>
@@ -10858,31 +10880,39 @@
           <a:lstStyle/>
           <a:p>
             <a:r>
-              <a:rPr kumimoji="1" lang="en-US" altLang="zh-CN" dirty="0" smtClean="0"/>
-              <a:t>3.</a:t>
-            </a:r>
-            <a:r>
-              <a:rPr kumimoji="1" lang="zh-CN" altLang="en-US" dirty="0" smtClean="0"/>
-              <a:t> 描边动画  </a:t>
-            </a:r>
-            <a:r>
-              <a:rPr kumimoji="1" lang="en-US" altLang="zh-CN" dirty="0" smtClean="0"/>
+              <a:rPr kumimoji="1" lang="zh-CN" altLang="en-US" sz="2800" dirty="0" smtClean="0"/>
+              <a:t>（</a:t>
+            </a:r>
+            <a:r>
+              <a:rPr kumimoji="1" lang="en-US" altLang="zh-CN" sz="2800" dirty="0" smtClean="0"/>
+              <a:t>3</a:t>
+            </a:r>
+            <a:r>
+              <a:rPr kumimoji="1" lang="zh-CN" altLang="en-US" sz="2800" dirty="0" smtClean="0"/>
+              <a:t>） </a:t>
+            </a:r>
+            <a:r>
+              <a:rPr kumimoji="1" lang="zh-CN" altLang="en-US" sz="2800" dirty="0" smtClean="0"/>
+              <a:t>描边动画  </a:t>
+            </a:r>
+            <a:r>
+              <a:rPr kumimoji="1" lang="en-US" altLang="zh-CN" sz="2800" dirty="0" smtClean="0"/>
               <a:t>&lt;</a:t>
             </a:r>
             <a:r>
-              <a:rPr lang="en-US" altLang="zh-CN" b="1" dirty="0"/>
+              <a:rPr lang="en-US" altLang="zh-CN" sz="2800" dirty="0"/>
               <a:t> </a:t>
             </a:r>
             <a:r>
-              <a:rPr lang="en-US" altLang="zh-CN" b="1" dirty="0" smtClean="0"/>
+              <a:rPr lang="en-US" altLang="zh-CN" sz="2800" dirty="0" smtClean="0"/>
               <a:t>stroke</a:t>
             </a:r>
             <a:r>
-              <a:rPr lang="zh-CN" altLang="en-US" b="1" dirty="0" smtClean="0"/>
+              <a:rPr lang="zh-CN" altLang="en-US" sz="2800" dirty="0" smtClean="0"/>
               <a:t> </a:t>
             </a:r>
             <a:r>
-              <a:rPr kumimoji="1" lang="en-US" altLang="zh-CN" dirty="0" smtClean="0"/>
+              <a:rPr kumimoji="1" lang="en-US" altLang="zh-CN" sz="2800" dirty="0" smtClean="0"/>
               <a:t>&gt;</a:t>
             </a:r>
           </a:p>
@@ -11341,65 +11371,6 @@
           <a:chExt cx="0" cy="0"/>
         </a:xfrm>
       </p:grpSpPr>
-      <p:sp>
-        <p:nvSpPr>
-          <p:cNvPr id="3" name="文本框 2"/>
-          <p:cNvSpPr txBox="1"/>
-          <p:nvPr/>
-        </p:nvSpPr>
-        <p:spPr>
-          <a:xfrm>
-            <a:off x="435399" y="427957"/>
-            <a:ext cx="9988062" cy="923330"/>
-          </a:xfrm>
-          <a:prstGeom prst="rect">
-            <a:avLst/>
-          </a:prstGeom>
-          <a:noFill/>
-        </p:spPr>
-        <p:txBody>
-          <a:bodyPr wrap="square" rtlCol="0">
-            <a:spAutoFit/>
-          </a:bodyPr>
-          <a:lstStyle/>
-          <a:p>
-            <a:r>
-              <a:rPr kumimoji="1" lang="en-US" altLang="zh-CN" dirty="0" smtClean="0"/>
-              <a:t>3.</a:t>
-            </a:r>
-            <a:r>
-              <a:rPr kumimoji="1" lang="zh-CN" altLang="en-US" dirty="0" smtClean="0"/>
-              <a:t> 描边动画  </a:t>
-            </a:r>
-            <a:r>
-              <a:rPr kumimoji="1" lang="en-US" altLang="zh-CN" dirty="0" smtClean="0"/>
-              <a:t>&lt;</a:t>
-            </a:r>
-            <a:r>
-              <a:rPr lang="en-US" altLang="zh-CN" b="1" dirty="0"/>
-              <a:t> </a:t>
-            </a:r>
-            <a:r>
-              <a:rPr lang="en-US" altLang="zh-CN" b="1" dirty="0" smtClean="0"/>
-              <a:t>stroke</a:t>
-            </a:r>
-            <a:r>
-              <a:rPr lang="zh-CN" altLang="en-US" b="1" dirty="0" smtClean="0"/>
-              <a:t> </a:t>
-            </a:r>
-            <a:r>
-              <a:rPr kumimoji="1" lang="en-US" altLang="zh-CN" dirty="0" smtClean="0"/>
-              <a:t>&gt;</a:t>
-            </a:r>
-          </a:p>
-          <a:p>
-            <a:endParaRPr kumimoji="1" lang="en-US" altLang="zh-CN" dirty="0" smtClean="0"/>
-          </a:p>
-          <a:p>
-            <a:endParaRPr kumimoji="1" lang="zh-CN" altLang="en-US" dirty="0"/>
-          </a:p>
-        </p:txBody>
-      </p:sp>
     </p:spTree>
     <p:extLst>
       <p:ext uri="{BB962C8B-B14F-4D97-AF65-F5344CB8AC3E}">
@@ -11442,14 +11413,14 @@
       </p:grpSpPr>
       <p:sp>
         <p:nvSpPr>
-          <p:cNvPr id="2" name="文本框 1"/>
+          <p:cNvPr id="3" name="文本框 2"/>
           <p:cNvSpPr txBox="1"/>
           <p:nvPr/>
         </p:nvSpPr>
         <p:spPr>
           <a:xfrm>
-            <a:off x="644374" y="443238"/>
-            <a:ext cx="10926303" cy="584775"/>
+            <a:off x="435399" y="427957"/>
+            <a:ext cx="9988062" cy="1077218"/>
           </a:xfrm>
           <a:prstGeom prst="rect">
             <a:avLst/>
@@ -11463,51 +11434,39 @@
           <a:lstStyle/>
           <a:p>
             <a:r>
-              <a:rPr kumimoji="1" lang="en-US" altLang="zh-CN" sz="3200" dirty="0" smtClean="0"/>
-              <a:t>2.</a:t>
-            </a:r>
-            <a:r>
-              <a:rPr kumimoji="1" lang="zh-CN" altLang="en-US" sz="3200" dirty="0" smtClean="0"/>
-              <a:t> 怎样制作一个</a:t>
-            </a:r>
-            <a:r>
-              <a:rPr kumimoji="1" lang="en-US" altLang="zh-CN" sz="3200" dirty="0" smtClean="0"/>
-              <a:t>SVG</a:t>
-            </a:r>
-            <a:endParaRPr kumimoji="1" lang="zh-CN" altLang="en-US" sz="3200" dirty="0"/>
-          </a:p>
-        </p:txBody>
-      </p:sp>
-      <p:sp>
-        <p:nvSpPr>
-          <p:cNvPr id="3" name="文本框 2"/>
-          <p:cNvSpPr txBox="1"/>
-          <p:nvPr/>
-        </p:nvSpPr>
-        <p:spPr>
-          <a:xfrm>
-            <a:off x="1113494" y="1301261"/>
-            <a:ext cx="9988062" cy="646331"/>
-          </a:xfrm>
-          <a:prstGeom prst="rect">
-            <a:avLst/>
-          </a:prstGeom>
-          <a:noFill/>
-        </p:spPr>
-        <p:txBody>
-          <a:bodyPr wrap="square" rtlCol="0">
-            <a:spAutoFit/>
-          </a:bodyPr>
-          <a:lstStyle/>
-          <a:p>
-            <a:r>
-              <a:rPr kumimoji="1" lang="en-US" altLang="zh-CN" dirty="0" smtClean="0"/>
-              <a:t>3.</a:t>
-            </a:r>
-            <a:r>
-              <a:rPr kumimoji="1" lang="zh-CN" altLang="en-US" dirty="0" smtClean="0"/>
-              <a:t> 描边动画</a:t>
-            </a:r>
+              <a:rPr kumimoji="1" lang="zh-CN" altLang="en-US" sz="2800" dirty="0" smtClean="0"/>
+              <a:t>（</a:t>
+            </a:r>
+            <a:r>
+              <a:rPr kumimoji="1" lang="en-US" altLang="zh-CN" sz="2800" dirty="0" smtClean="0"/>
+              <a:t>4</a:t>
+            </a:r>
+            <a:r>
+              <a:rPr kumimoji="1" lang="zh-CN" altLang="en-US" sz="2800" dirty="0" smtClean="0"/>
+              <a:t>）变形动画  </a:t>
+            </a:r>
+            <a:r>
+              <a:rPr kumimoji="1" lang="en-US" altLang="zh-CN" sz="2800" dirty="0" smtClean="0"/>
+              <a:t>&lt;</a:t>
+            </a:r>
+            <a:r>
+              <a:rPr lang="en-US" altLang="zh-CN" sz="2800" b="1" dirty="0"/>
+              <a:t> </a:t>
+            </a:r>
+            <a:r>
+              <a:rPr lang="en-US" altLang="zh-CN" sz="2800" b="1" dirty="0" smtClean="0"/>
+              <a:t>stroke</a:t>
+            </a:r>
+            <a:r>
+              <a:rPr lang="zh-CN" altLang="en-US" sz="2800" b="1" dirty="0" smtClean="0"/>
+              <a:t> </a:t>
+            </a:r>
+            <a:r>
+              <a:rPr kumimoji="1" lang="en-US" altLang="zh-CN" sz="2800" dirty="0" smtClean="0"/>
+              <a:t>&gt;</a:t>
+            </a:r>
+          </a:p>
+          <a:p>
             <a:endParaRPr kumimoji="1" lang="en-US" altLang="zh-CN" dirty="0" smtClean="0"/>
           </a:p>
           <a:p>
@@ -11518,7 +11477,7 @@
     </p:spTree>
     <p:extLst>
       <p:ext uri="{BB962C8B-B14F-4D97-AF65-F5344CB8AC3E}">
-        <p14:creationId xmlns:p14="http://schemas.microsoft.com/office/powerpoint/2010/main" val="1960066458"/>
+        <p14:creationId xmlns:p14="http://schemas.microsoft.com/office/powerpoint/2010/main" val="1764284690"/>
       </p:ext>
     </p:extLst>
   </p:cSld>
@@ -11563,7 +11522,7 @@
         </p:nvSpPr>
         <p:spPr>
           <a:xfrm>
-            <a:off x="644374" y="443238"/>
+            <a:off x="507896" y="395573"/>
             <a:ext cx="10926303" cy="584775"/>
           </a:xfrm>
           <a:prstGeom prst="rect">
@@ -11578,22 +11537,22 @@
           <a:lstStyle/>
           <a:p>
             <a:r>
-              <a:rPr kumimoji="1" lang="en-US" altLang="zh-CN" sz="3200" dirty="0" smtClean="0"/>
+              <a:rPr kumimoji="1" lang="en-US" altLang="zh-CN" sz="3200" b="1" dirty="0" smtClean="0"/>
               <a:t>1.</a:t>
             </a:r>
             <a:r>
-              <a:rPr kumimoji="1" lang="zh-CN" altLang="en-US" sz="3200" dirty="0" smtClean="0"/>
+              <a:rPr kumimoji="1" lang="zh-CN" altLang="en-US" sz="3200" b="1" dirty="0" smtClean="0"/>
               <a:t> </a:t>
             </a:r>
             <a:r>
-              <a:rPr kumimoji="1" lang="en-US" altLang="zh-CN" sz="3200" dirty="0" smtClean="0"/>
+              <a:rPr kumimoji="1" lang="en-US" altLang="zh-CN" sz="3200" b="1" dirty="0" smtClean="0"/>
               <a:t>SVG</a:t>
             </a:r>
             <a:r>
-              <a:rPr kumimoji="1" lang="zh-CN" altLang="en-US" sz="3200" dirty="0" smtClean="0"/>
+              <a:rPr kumimoji="1" lang="zh-CN" altLang="en-US" sz="3200" b="1" dirty="0" smtClean="0"/>
               <a:t> 介绍</a:t>
             </a:r>
-            <a:endParaRPr kumimoji="1" lang="zh-CN" altLang="en-US" sz="3200" dirty="0"/>
+            <a:endParaRPr kumimoji="1" lang="zh-CN" altLang="en-US" sz="3200" b="1" dirty="0"/>
           </a:p>
         </p:txBody>
       </p:sp>
@@ -11931,8 +11890,8 @@
         </p:nvSpPr>
         <p:spPr>
           <a:xfrm>
-            <a:off x="644374" y="443238"/>
-            <a:ext cx="10926303" cy="584775"/>
+            <a:off x="527538" y="445478"/>
+            <a:ext cx="5263661" cy="584775"/>
           </a:xfrm>
           <a:prstGeom prst="rect">
             <a:avLst/>
@@ -11946,31 +11905,31 @@
           <a:lstStyle/>
           <a:p>
             <a:r>
-              <a:rPr kumimoji="1" lang="en-US" altLang="zh-CN" sz="3200" dirty="0" smtClean="0"/>
-              <a:t>2.</a:t>
-            </a:r>
-            <a:r>
-              <a:rPr kumimoji="1" lang="zh-CN" altLang="en-US" sz="3200" dirty="0" smtClean="0"/>
-              <a:t> 怎样制作一个</a:t>
-            </a:r>
-            <a:r>
-              <a:rPr kumimoji="1" lang="en-US" altLang="zh-CN" sz="3200" dirty="0" smtClean="0"/>
-              <a:t>SVG</a:t>
-            </a:r>
-            <a:endParaRPr kumimoji="1" lang="zh-CN" altLang="en-US" sz="3200" dirty="0"/>
-          </a:p>
-        </p:txBody>
-      </p:sp>
-      <p:sp>
-        <p:nvSpPr>
-          <p:cNvPr id="3" name="文本框 2"/>
+              <a:rPr kumimoji="1" lang="en-US" altLang="zh-CN" sz="3200" b="1" dirty="0" smtClean="0"/>
+              <a:t>6. </a:t>
+            </a:r>
+            <a:r>
+              <a:rPr kumimoji="1" lang="zh-CN" altLang="en-US" sz="3200" b="1" dirty="0" smtClean="0"/>
+              <a:t>常用</a:t>
+            </a:r>
+            <a:r>
+              <a:rPr kumimoji="1" lang="zh-CN" altLang="en-US" sz="3200" b="1" dirty="0" smtClean="0"/>
+              <a:t>开源库介绍</a:t>
+            </a:r>
+            <a:endParaRPr kumimoji="1" lang="zh-CN" altLang="en-US" sz="3200" b="1" dirty="0"/>
+          </a:p>
+        </p:txBody>
+      </p:sp>
+      <p:sp>
+        <p:nvSpPr>
+          <p:cNvPr id="4" name="文本框 3"/>
           <p:cNvSpPr txBox="1"/>
           <p:nvPr/>
         </p:nvSpPr>
         <p:spPr>
           <a:xfrm>
-            <a:off x="965308" y="4602822"/>
-            <a:ext cx="10336265" cy="923330"/>
+            <a:off x="918250" y="1117542"/>
+            <a:ext cx="10726615" cy="923330"/>
           </a:xfrm>
           <a:prstGeom prst="rect">
             <a:avLst/>
@@ -11984,99 +11943,71 @@
           <a:lstStyle/>
           <a:p>
             <a:r>
+              <a:rPr kumimoji="1" lang="en-US" altLang="zh-CN" dirty="0" err="1" smtClean="0"/>
+              <a:t>Snap.svg</a:t>
+            </a:r>
+            <a:r>
               <a:rPr kumimoji="1" lang="zh-CN" altLang="en-US" dirty="0" smtClean="0"/>
-              <a:t>在线编辑器 ： </a:t>
-            </a:r>
-            <a:r>
-              <a:rPr lang="en-US" altLang="zh-CN" dirty="0">
+              <a:t>                （支持生成</a:t>
+            </a:r>
+            <a:r>
+              <a:rPr kumimoji="1" lang="en-US" altLang="zh-CN" dirty="0" err="1" smtClean="0"/>
+              <a:t>svg</a:t>
+            </a:r>
+            <a:r>
+              <a:rPr kumimoji="1" lang="zh-CN" altLang="en-US" dirty="0" smtClean="0"/>
+              <a:t>元素和控制动画）</a:t>
+            </a:r>
+            <a:endParaRPr kumimoji="1" lang="en-US" altLang="zh-CN" dirty="0" smtClean="0"/>
+          </a:p>
+          <a:p>
+            <a:endParaRPr kumimoji="1" lang="en-US" altLang="zh-CN" dirty="0" smtClean="0"/>
+          </a:p>
+          <a:p>
+            <a:r>
+              <a:rPr kumimoji="1" lang="en-US" altLang="zh-CN" dirty="0" smtClean="0">
                 <a:hlinkClick r:id="rId2"/>
               </a:rPr>
-              <a:t>https://</a:t>
-            </a:r>
-            <a:r>
-              <a:rPr lang="en-US" altLang="zh-CN" dirty="0" smtClean="0">
-                <a:hlinkClick r:id="rId2"/>
-              </a:rPr>
-              <a:t>vectr.com/lessons/getting_started?modal=lesson_intro</a:t>
-            </a:r>
-            <a:r>
-              <a:rPr lang="zh-CN" altLang="en-US" dirty="0" smtClean="0"/>
-              <a:t> 支持图层，描边</a:t>
-            </a:r>
-            <a:r>
-              <a:rPr kumimoji="1" lang="en-US" altLang="zh-CN" dirty="0" smtClean="0"/>
-              <a:t/>
-            </a:r>
-            <a:br>
-              <a:rPr kumimoji="1" lang="en-US" altLang="zh-CN" dirty="0" smtClean="0"/>
-            </a:br>
-            <a:r>
-              <a:rPr kumimoji="1" lang="zh-CN" altLang="en-US" dirty="0" smtClean="0"/>
-              <a:t>                        </a:t>
-            </a:r>
-            <a:r>
-              <a:rPr lang="en-US" altLang="zh-CN" dirty="0" smtClean="0">
-                <a:hlinkClick r:id="rId3"/>
-              </a:rPr>
-              <a:t>https</a:t>
-            </a:r>
-            <a:r>
-              <a:rPr lang="en-US" altLang="zh-CN" dirty="0">
-                <a:hlinkClick r:id="rId3"/>
-              </a:rPr>
-              <a:t>://www.zhangxinxu.com/sp/svg/#</a:t>
-            </a:r>
-            <a:r>
-              <a:rPr lang="en-US" altLang="zh-CN" dirty="0" smtClean="0">
-                <a:hlinkClick r:id="rId3"/>
-              </a:rPr>
-              <a:t>copy</a:t>
-            </a:r>
-            <a:r>
-              <a:rPr lang="en-US" altLang="zh-CN" dirty="0" smtClean="0"/>
-              <a:t/>
-            </a:r>
-            <a:br>
-              <a:rPr lang="en-US" altLang="zh-CN" dirty="0" smtClean="0"/>
-            </a:br>
-            <a:r>
-              <a:rPr lang="en-US" altLang="zh-CN" dirty="0" smtClean="0"/>
-              <a:t>	</a:t>
-            </a:r>
-            <a:r>
-              <a:rPr lang="zh-CN" altLang="en-US" dirty="0" smtClean="0"/>
-              <a:t>         </a:t>
-            </a:r>
-            <a:r>
-              <a:rPr lang="en-US" altLang="zh-CN" dirty="0">
-                <a:hlinkClick r:id="rId4"/>
-              </a:rPr>
-              <a:t>https://c.runoob.com/more/svgeditor</a:t>
-            </a:r>
-            <a:r>
-              <a:rPr lang="en-US" altLang="zh-CN" dirty="0" smtClean="0">
-                <a:hlinkClick r:id="rId4"/>
-              </a:rPr>
-              <a:t>/</a:t>
-            </a:r>
-            <a:r>
-              <a:rPr lang="zh-CN" altLang="en-US" dirty="0" smtClean="0"/>
-              <a:t>  </a:t>
+              <a:t>https://github.com/adobe-webplatform/Snap.svg</a:t>
             </a:r>
             <a:endParaRPr kumimoji="1" lang="zh-CN" altLang="en-US" dirty="0"/>
           </a:p>
         </p:txBody>
       </p:sp>
-      <p:sp>
-        <p:nvSpPr>
-          <p:cNvPr id="4" name="文本框 3"/>
+      <p:pic>
+        <p:nvPicPr>
+          <p:cNvPr id="5" name="图片 4"/>
+          <p:cNvPicPr>
+            <a:picLocks noChangeAspect="1"/>
+          </p:cNvPicPr>
+          <p:nvPr/>
+        </p:nvPicPr>
+        <p:blipFill>
+          <a:blip r:embed="rId3"/>
+          <a:stretch>
+            <a:fillRect/>
+          </a:stretch>
+        </p:blipFill>
+        <p:spPr>
+          <a:xfrm>
+            <a:off x="984739" y="2391948"/>
+            <a:ext cx="6963508" cy="2244494"/>
+          </a:xfrm>
+          <a:prstGeom prst="rect">
+            <a:avLst/>
+          </a:prstGeom>
+        </p:spPr>
+      </p:pic>
+      <p:sp>
+        <p:nvSpPr>
+          <p:cNvPr id="3" name="文本框 2"/>
           <p:cNvSpPr txBox="1"/>
           <p:nvPr/>
         </p:nvSpPr>
         <p:spPr>
           <a:xfrm>
-            <a:off x="1273996" y="3277456"/>
-            <a:ext cx="10027577" cy="863029"/>
+            <a:off x="1154232" y="5075281"/>
+            <a:ext cx="9996755" cy="369332"/>
           </a:xfrm>
           <a:prstGeom prst="rect">
             <a:avLst/>
@@ -12089,14 +12020,20 @@
           </a:bodyPr>
           <a:lstStyle/>
           <a:p>
-            <a:endParaRPr kumimoji="1" lang="zh-CN" altLang="en-US"/>
+            <a:r>
+              <a:rPr lang="en-US" altLang="zh-CN" dirty="0">
+                <a:hlinkClick r:id="rId4"/>
+              </a:rPr>
+              <a:t>https://codepen.io/ryanzola/pen/WPxaeq</a:t>
+            </a:r>
+            <a:endParaRPr kumimoji="1" lang="zh-CN" altLang="en-US" dirty="0"/>
           </a:p>
         </p:txBody>
       </p:sp>
     </p:spTree>
     <p:extLst>
       <p:ext uri="{BB962C8B-B14F-4D97-AF65-F5344CB8AC3E}">
-        <p14:creationId xmlns:p14="http://schemas.microsoft.com/office/powerpoint/2010/main" val="1071444560"/>
+        <p14:creationId xmlns:p14="http://schemas.microsoft.com/office/powerpoint/2010/main" val="1576825534"/>
       </p:ext>
     </p:extLst>
   </p:cSld>
@@ -12135,223 +12072,13 @@
       </p:grpSpPr>
       <p:sp>
         <p:nvSpPr>
-          <p:cNvPr id="2" name="文本框 1"/>
-          <p:cNvSpPr txBox="1"/>
-          <p:nvPr/>
-        </p:nvSpPr>
-        <p:spPr>
-          <a:xfrm>
-            <a:off x="527538" y="445478"/>
-            <a:ext cx="5263661" cy="461665"/>
-          </a:xfrm>
-          <a:prstGeom prst="rect">
-            <a:avLst/>
-          </a:prstGeom>
-          <a:noFill/>
-        </p:spPr>
-        <p:txBody>
-          <a:bodyPr wrap="square" rtlCol="0">
-            <a:spAutoFit/>
-          </a:bodyPr>
-          <a:lstStyle/>
-          <a:p>
-            <a:r>
-              <a:rPr kumimoji="1" lang="zh-CN" altLang="en-US" sz="2400" dirty="0" smtClean="0"/>
-              <a:t>常用开源库介绍</a:t>
-            </a:r>
-            <a:endParaRPr kumimoji="1" lang="zh-CN" altLang="en-US" sz="2400" dirty="0"/>
-          </a:p>
-        </p:txBody>
-      </p:sp>
-      <p:sp>
-        <p:nvSpPr>
           <p:cNvPr id="4" name="文本框 3"/>
           <p:cNvSpPr txBox="1"/>
           <p:nvPr/>
         </p:nvSpPr>
         <p:spPr>
           <a:xfrm>
-            <a:off x="890954" y="1090246"/>
-            <a:ext cx="10726615" cy="923330"/>
-          </a:xfrm>
-          <a:prstGeom prst="rect">
-            <a:avLst/>
-          </a:prstGeom>
-          <a:noFill/>
-        </p:spPr>
-        <p:txBody>
-          <a:bodyPr wrap="square" rtlCol="0">
-            <a:spAutoFit/>
-          </a:bodyPr>
-          <a:lstStyle/>
-          <a:p>
-            <a:r>
-              <a:rPr kumimoji="1" lang="en-US" altLang="zh-CN" dirty="0" err="1" smtClean="0"/>
-              <a:t>Snap.svg</a:t>
-            </a:r>
-            <a:r>
-              <a:rPr kumimoji="1" lang="zh-CN" altLang="en-US" dirty="0" smtClean="0"/>
-              <a:t>                （支持生成</a:t>
-            </a:r>
-            <a:r>
-              <a:rPr kumimoji="1" lang="en-US" altLang="zh-CN" dirty="0" err="1" smtClean="0"/>
-              <a:t>svg</a:t>
-            </a:r>
-            <a:r>
-              <a:rPr kumimoji="1" lang="zh-CN" altLang="en-US" dirty="0" smtClean="0"/>
-              <a:t>元素和控制动画）</a:t>
-            </a:r>
-            <a:endParaRPr kumimoji="1" lang="en-US" altLang="zh-CN" dirty="0" smtClean="0"/>
-          </a:p>
-          <a:p>
-            <a:endParaRPr kumimoji="1" lang="en-US" altLang="zh-CN" dirty="0" smtClean="0"/>
-          </a:p>
-          <a:p>
-            <a:r>
-              <a:rPr kumimoji="1" lang="en-US" altLang="zh-CN" dirty="0" smtClean="0">
-                <a:hlinkClick r:id="rId2"/>
-              </a:rPr>
-              <a:t>https://github.com/adobe-webplatform/Snap.svg</a:t>
-            </a:r>
-            <a:endParaRPr kumimoji="1" lang="zh-CN" altLang="en-US" dirty="0"/>
-          </a:p>
-        </p:txBody>
-      </p:sp>
-      <p:pic>
-        <p:nvPicPr>
-          <p:cNvPr id="5" name="图片 4"/>
-          <p:cNvPicPr>
-            <a:picLocks noChangeAspect="1"/>
-          </p:cNvPicPr>
-          <p:nvPr/>
-        </p:nvPicPr>
-        <p:blipFill>
-          <a:blip r:embed="rId3"/>
-          <a:stretch>
-            <a:fillRect/>
-          </a:stretch>
-        </p:blipFill>
-        <p:spPr>
-          <a:xfrm>
-            <a:off x="984739" y="2337356"/>
-            <a:ext cx="6963508" cy="2244494"/>
-          </a:xfrm>
-          <a:prstGeom prst="rect">
-            <a:avLst/>
-          </a:prstGeom>
-        </p:spPr>
-      </p:pic>
-      <p:sp>
-        <p:nvSpPr>
-          <p:cNvPr id="3" name="文本框 2"/>
-          <p:cNvSpPr txBox="1"/>
-          <p:nvPr/>
-        </p:nvSpPr>
-        <p:spPr>
-          <a:xfrm>
-            <a:off x="1181528" y="5034337"/>
-            <a:ext cx="9996755" cy="369332"/>
-          </a:xfrm>
-          <a:prstGeom prst="rect">
-            <a:avLst/>
-          </a:prstGeom>
-          <a:noFill/>
-        </p:spPr>
-        <p:txBody>
-          <a:bodyPr wrap="square" rtlCol="0">
-            <a:spAutoFit/>
-          </a:bodyPr>
-          <a:lstStyle/>
-          <a:p>
-            <a:r>
-              <a:rPr lang="en-US" altLang="zh-CN" dirty="0">
-                <a:hlinkClick r:id="rId4"/>
-              </a:rPr>
-              <a:t>https://codepen.io/ryanzola/pen/WPxaeq</a:t>
-            </a:r>
-            <a:endParaRPr kumimoji="1" lang="zh-CN" altLang="en-US" dirty="0"/>
-          </a:p>
-        </p:txBody>
-      </p:sp>
-    </p:spTree>
-    <p:extLst>
-      <p:ext uri="{BB962C8B-B14F-4D97-AF65-F5344CB8AC3E}">
-        <p14:creationId xmlns:p14="http://schemas.microsoft.com/office/powerpoint/2010/main" val="1576825534"/>
-      </p:ext>
-    </p:extLst>
-  </p:cSld>
-  <p:clrMapOvr>
-    <a:masterClrMapping/>
-  </p:clrMapOvr>
-  <p:transition spd="med">
-    <p:pull/>
-  </p:transition>
-  <p:timing>
-    <p:tnLst>
-      <p:par>
-        <p:cTn id="1" dur="indefinite" restart="never" nodeType="tmRoot"/>
-      </p:par>
-    </p:tnLst>
-  </p:timing>
-</p:sld>
-</file>
-
-<file path=ppt/slides/slide22.xml><?xml version="1.0" encoding="utf-8"?>
-<p:sld xmlns:a="http://schemas.openxmlformats.org/drawingml/2006/main" xmlns:r="http://schemas.openxmlformats.org/officeDocument/2006/relationships" xmlns:p="http://schemas.openxmlformats.org/presentationml/2006/main">
-  <p:cSld>
-    <p:spTree>
-      <p:nvGrpSpPr>
-        <p:cNvPr id="1" name=""/>
-        <p:cNvGrpSpPr/>
-        <p:nvPr/>
-      </p:nvGrpSpPr>
-      <p:grpSpPr>
-        <a:xfrm>
-          <a:off x="0" y="0"/>
-          <a:ext cx="0" cy="0"/>
-          <a:chOff x="0" y="0"/>
-          <a:chExt cx="0" cy="0"/>
-        </a:xfrm>
-      </p:grpSpPr>
-      <p:sp>
-        <p:nvSpPr>
-          <p:cNvPr id="2" name="文本框 1"/>
-          <p:cNvSpPr txBox="1"/>
-          <p:nvPr/>
-        </p:nvSpPr>
-        <p:spPr>
-          <a:xfrm>
-            <a:off x="527538" y="445478"/>
-            <a:ext cx="5263661" cy="461665"/>
-          </a:xfrm>
-          <a:prstGeom prst="rect">
-            <a:avLst/>
-          </a:prstGeom>
-          <a:noFill/>
-        </p:spPr>
-        <p:txBody>
-          <a:bodyPr wrap="square" rtlCol="0">
-            <a:spAutoFit/>
-          </a:bodyPr>
-          <a:lstStyle/>
-          <a:p>
-            <a:r>
-              <a:rPr kumimoji="1" lang="zh-CN" altLang="en-US" sz="2400" dirty="0" smtClean="0"/>
-              <a:t>常用开源库介绍</a:t>
-            </a:r>
-            <a:endParaRPr kumimoji="1" lang="zh-CN" altLang="en-US" sz="2400" dirty="0"/>
-          </a:p>
-        </p:txBody>
-      </p:sp>
-      <p:sp>
-        <p:nvSpPr>
-          <p:cNvPr id="4" name="文本框 3"/>
-          <p:cNvSpPr txBox="1"/>
-          <p:nvPr/>
-        </p:nvSpPr>
-        <p:spPr>
-          <a:xfrm>
-            <a:off x="890954" y="1090246"/>
+            <a:off x="890954" y="994710"/>
             <a:ext cx="10726615" cy="923330"/>
           </a:xfrm>
           <a:prstGeom prst="rect">
@@ -12540,7 +12267,7 @@
 </p:sld>
 </file>
 
-<file path=ppt/slides/slide23.xml><?xml version="1.0" encoding="utf-8"?>
+<file path=ppt/slides/slide22.xml><?xml version="1.0" encoding="utf-8"?>
 <p:sld xmlns:a="http://schemas.openxmlformats.org/drawingml/2006/main" xmlns:r="http://schemas.openxmlformats.org/officeDocument/2006/relationships" xmlns:p="http://schemas.openxmlformats.org/presentationml/2006/main">
   <p:cSld>
     <p:spTree>
@@ -13256,7 +12983,11 @@
           <a:lstStyle/>
           <a:p>
             <a:r>
-              <a:rPr lang="zh-CN" altLang="en-US" sz="3200" b="1" dirty="0"/>
+              <a:rPr lang="en-US" altLang="zh-CN" sz="3200" b="1" dirty="0" smtClean="0"/>
+              <a:t>2. </a:t>
+            </a:r>
+            <a:r>
+              <a:rPr lang="zh-CN" altLang="en-US" sz="3200" b="1" dirty="0" smtClean="0"/>
               <a:t>基本</a:t>
             </a:r>
             <a:r>
@@ -14653,14 +14384,26 @@
           <a:lstStyle/>
           <a:p>
             <a:r>
-              <a:rPr lang="en-US" altLang="ja-JP" sz="3200" dirty="0" smtClean="0"/>
-              <a:t>SVG </a:t>
-            </a:r>
-            <a:r>
-              <a:rPr lang="ja-JP" altLang="en-US" sz="3200" dirty="0" smtClean="0"/>
-              <a:t>形状</a:t>
-            </a:r>
-            <a:endParaRPr lang="ja-JP" altLang="en-US" sz="3200" dirty="0"/>
+              <a:rPr kumimoji="1" lang="en-US" altLang="zh-CN" sz="3200" b="1" dirty="0"/>
+              <a:t>3</a:t>
+            </a:r>
+            <a:r>
+              <a:rPr kumimoji="1" lang="en-US" altLang="zh-CN" sz="3200" b="1" dirty="0" smtClean="0"/>
+              <a:t>.</a:t>
+            </a:r>
+            <a:r>
+              <a:rPr kumimoji="1" lang="zh-CN" altLang="en-US" sz="3200" b="1" dirty="0" smtClean="0"/>
+              <a:t> </a:t>
+            </a:r>
+            <a:r>
+              <a:rPr kumimoji="1" lang="zh-CN" altLang="en-US" sz="3200" b="1" dirty="0" smtClean="0"/>
+              <a:t>怎样制作一个</a:t>
+            </a:r>
+            <a:r>
+              <a:rPr kumimoji="1" lang="en-US" altLang="zh-CN" sz="3200" b="1" dirty="0" smtClean="0"/>
+              <a:t>SVG</a:t>
+            </a:r>
+            <a:endParaRPr kumimoji="1" lang="zh-CN" altLang="en-US" sz="3200" b="1" dirty="0"/>
           </a:p>
         </p:txBody>
       </p:sp>
@@ -14672,8 +14415,8 @@
         </p:nvSpPr>
         <p:spPr>
           <a:xfrm>
-            <a:off x="852755" y="1212352"/>
-            <a:ext cx="10654301" cy="646331"/>
+            <a:off x="965308" y="4602822"/>
+            <a:ext cx="10336265" cy="923330"/>
           </a:xfrm>
           <a:prstGeom prst="rect">
             <a:avLst/>
@@ -14687,66 +14430,99 @@
           <a:lstStyle/>
           <a:p>
             <a:r>
+              <a:rPr kumimoji="1" lang="zh-CN" altLang="en-US" dirty="0" smtClean="0"/>
+              <a:t>在线编辑器 ： </a:t>
+            </a:r>
+            <a:r>
+              <a:rPr lang="en-US" altLang="zh-CN" dirty="0">
+                <a:hlinkClick r:id="rId2"/>
+              </a:rPr>
+              <a:t>https://</a:t>
+            </a:r>
+            <a:r>
+              <a:rPr lang="en-US" altLang="zh-CN" dirty="0" smtClean="0">
+                <a:hlinkClick r:id="rId2"/>
+              </a:rPr>
+              <a:t>vectr.com/lessons/getting_started?modal=lesson_intro</a:t>
+            </a:r>
+            <a:r>
+              <a:rPr lang="zh-CN" altLang="en-US" dirty="0" smtClean="0"/>
+              <a:t> 支持图层，描边</a:t>
+            </a:r>
+            <a:r>
               <a:rPr kumimoji="1" lang="en-US" altLang="zh-CN" dirty="0" smtClean="0"/>
-              <a:t>1.</a:t>
-            </a:r>
+              <a:t/>
+            </a:r>
+            <a:br>
+              <a:rPr kumimoji="1" lang="en-US" altLang="zh-CN" dirty="0" smtClean="0"/>
+            </a:br>
             <a:r>
               <a:rPr kumimoji="1" lang="zh-CN" altLang="en-US" dirty="0" smtClean="0"/>
-              <a:t>矩形 </a:t>
-            </a:r>
-            <a:r>
-              <a:rPr lang="mr-IN" altLang="zh-CN" dirty="0"/>
-              <a:t> &lt;</a:t>
-            </a:r>
-            <a:r>
-              <a:rPr lang="mr-IN" altLang="zh-CN" dirty="0" err="1"/>
-              <a:t>rect</a:t>
-            </a:r>
-            <a:r>
-              <a:rPr lang="mr-IN" altLang="zh-CN" dirty="0"/>
-              <a:t>&gt;</a:t>
-            </a:r>
-            <a:endParaRPr kumimoji="1" lang="en-US" altLang="zh-CN" dirty="0" smtClean="0"/>
-          </a:p>
-          <a:p>
+              <a:t>                        </a:t>
+            </a:r>
+            <a:r>
+              <a:rPr lang="en-US" altLang="zh-CN" dirty="0" smtClean="0">
+                <a:hlinkClick r:id="rId3"/>
+              </a:rPr>
+              <a:t>https</a:t>
+            </a:r>
+            <a:r>
+              <a:rPr lang="en-US" altLang="zh-CN" dirty="0">
+                <a:hlinkClick r:id="rId3"/>
+              </a:rPr>
+              <a:t>://www.zhangxinxu.com/sp/svg/#</a:t>
+            </a:r>
+            <a:r>
+              <a:rPr lang="en-US" altLang="zh-CN" dirty="0" smtClean="0">
+                <a:hlinkClick r:id="rId3"/>
+              </a:rPr>
+              <a:t>copy</a:t>
+            </a:r>
+            <a:r>
+              <a:rPr lang="en-US" altLang="zh-CN" dirty="0" smtClean="0"/>
+              <a:t/>
+            </a:r>
+            <a:br>
+              <a:rPr lang="en-US" altLang="zh-CN" dirty="0" smtClean="0"/>
+            </a:br>
+            <a:r>
+              <a:rPr lang="en-US" altLang="zh-CN" dirty="0" smtClean="0"/>
+              <a:t>	</a:t>
+            </a:r>
+            <a:r>
+              <a:rPr lang="zh-CN" altLang="en-US" dirty="0" smtClean="0"/>
+              <a:t>         </a:t>
+            </a:r>
+            <a:r>
+              <a:rPr lang="en-US" altLang="zh-CN" dirty="0">
+                <a:hlinkClick r:id="rId4"/>
+              </a:rPr>
+              <a:t>https://c.runoob.com/more/svgeditor</a:t>
+            </a:r>
+            <a:r>
+              <a:rPr lang="en-US" altLang="zh-CN" dirty="0" smtClean="0">
+                <a:hlinkClick r:id="rId4"/>
+              </a:rPr>
+              <a:t>/</a:t>
+            </a:r>
+            <a:r>
+              <a:rPr lang="zh-CN" altLang="en-US" dirty="0" smtClean="0"/>
+              <a:t>  </a:t>
+            </a:r>
             <a:endParaRPr kumimoji="1" lang="zh-CN" altLang="en-US" dirty="0"/>
           </a:p>
         </p:txBody>
       </p:sp>
-      <p:pic>
-        <p:nvPicPr>
-          <p:cNvPr id="4" name="图片 3"/>
-          <p:cNvPicPr>
-            <a:picLocks noChangeAspect="1"/>
-          </p:cNvPicPr>
+      <p:sp>
+        <p:nvSpPr>
+          <p:cNvPr id="4" name="文本框 3"/>
+          <p:cNvSpPr txBox="1"/>
           <p:nvPr/>
-        </p:nvPicPr>
-        <p:blipFill>
-          <a:blip r:embed="rId2"/>
-          <a:stretch>
-            <a:fillRect/>
-          </a:stretch>
-        </p:blipFill>
+        </p:nvSpPr>
         <p:spPr>
           <a:xfrm>
-            <a:off x="1390935" y="1655672"/>
-            <a:ext cx="6718300" cy="774700"/>
-          </a:xfrm>
-          <a:prstGeom prst="rect">
-            <a:avLst/>
-          </a:prstGeom>
-        </p:spPr>
-      </p:pic>
-      <p:sp>
-        <p:nvSpPr>
-          <p:cNvPr id="5" name="文本框 4"/>
-          <p:cNvSpPr txBox="1"/>
-          <p:nvPr/>
-        </p:nvSpPr>
-        <p:spPr>
-          <a:xfrm>
-            <a:off x="852755" y="3205537"/>
-            <a:ext cx="9030984" cy="369332"/>
+            <a:off x="1273996" y="3277456"/>
+            <a:ext cx="10027577" cy="863029"/>
           </a:xfrm>
           <a:prstGeom prst="rect">
             <a:avLst/>
@@ -14759,42 +14535,90 @@
           </a:bodyPr>
           <a:lstStyle/>
           <a:p>
-            <a:r>
-              <a:rPr kumimoji="1" lang="en-US" altLang="zh-CN" dirty="0" smtClean="0"/>
-              <a:t>2.</a:t>
-            </a:r>
-            <a:endParaRPr kumimoji="1" lang="zh-CN" altLang="en-US" dirty="0"/>
-          </a:p>
-        </p:txBody>
-      </p:sp>
-      <p:pic>
-        <p:nvPicPr>
-          <p:cNvPr id="6" name="图片 5"/>
-          <p:cNvPicPr>
-            <a:picLocks noChangeAspect="1"/>
-          </p:cNvPicPr>
+            <a:endParaRPr kumimoji="1" lang="zh-CN" altLang="en-US"/>
+          </a:p>
+        </p:txBody>
+      </p:sp>
+      <p:sp>
+        <p:nvSpPr>
+          <p:cNvPr id="5" name="文本框 4"/>
+          <p:cNvSpPr txBox="1"/>
           <p:nvPr/>
-        </p:nvPicPr>
-        <p:blipFill>
-          <a:blip r:embed="rId3"/>
-          <a:stretch>
-            <a:fillRect/>
-          </a:stretch>
-        </p:blipFill>
+        </p:nvSpPr>
         <p:spPr>
           <a:xfrm>
-            <a:off x="8461647" y="1655672"/>
-            <a:ext cx="3045410" cy="1747687"/>
+            <a:off x="965309" y="2784144"/>
+            <a:ext cx="10490608" cy="646331"/>
           </a:xfrm>
           <a:prstGeom prst="rect">
             <a:avLst/>
           </a:prstGeom>
+          <a:noFill/>
         </p:spPr>
-      </p:pic>
+        <p:txBody>
+          <a:bodyPr wrap="square" rtlCol="0">
+            <a:spAutoFit/>
+          </a:bodyPr>
+          <a:lstStyle/>
+          <a:p>
+            <a:r>
+              <a:rPr lang="zh-CN" altLang="en-US" dirty="0" smtClean="0"/>
+              <a:t>本地画图工具 ：</a:t>
+            </a:r>
+            <a:r>
+              <a:rPr lang="en-US" altLang="zh-CN" dirty="0" smtClean="0"/>
+              <a:t>AI </a:t>
+            </a:r>
+            <a:r>
+              <a:rPr lang="zh-CN" altLang="en-US" dirty="0" smtClean="0"/>
+              <a:t>， </a:t>
+            </a:r>
+            <a:r>
+              <a:rPr lang="en-US" altLang="zh-CN" dirty="0" smtClean="0"/>
+              <a:t>sketch</a:t>
+            </a:r>
+          </a:p>
+          <a:p>
+            <a:r>
+              <a:rPr lang="en-US" altLang="zh-CN" dirty="0"/>
+              <a:t> </a:t>
+            </a:r>
+            <a:r>
+              <a:rPr lang="en-US" altLang="zh-CN" dirty="0" smtClean="0"/>
+              <a:t>                         </a:t>
+            </a:r>
+            <a:r>
+              <a:rPr lang="zh-CN" altLang="en-US" dirty="0" smtClean="0"/>
+              <a:t>跟</a:t>
+            </a:r>
+            <a:r>
+              <a:rPr lang="en-US" altLang="zh-CN" dirty="0" smtClean="0"/>
+              <a:t>UI</a:t>
+            </a:r>
+            <a:r>
+              <a:rPr lang="zh-CN" altLang="en-US" dirty="0"/>
+              <a:t>约</a:t>
+            </a:r>
+            <a:r>
+              <a:rPr lang="zh-CN" altLang="en-US" dirty="0" smtClean="0"/>
+              <a:t>定好图层后，直接导出</a:t>
+            </a:r>
+            <a:r>
+              <a:rPr lang="en-US" altLang="zh-CN" dirty="0" smtClean="0"/>
+              <a:t>SVG</a:t>
+            </a:r>
+            <a:r>
+              <a:rPr lang="zh-CN" altLang="en-US" dirty="0" smtClean="0"/>
+              <a:t>即可。</a:t>
+            </a:r>
+            <a:endParaRPr lang="zh-CN" altLang="en-US" dirty="0"/>
+          </a:p>
+        </p:txBody>
+      </p:sp>
     </p:spTree>
     <p:extLst>
       <p:ext uri="{BB962C8B-B14F-4D97-AF65-F5344CB8AC3E}">
-        <p14:creationId xmlns:p14="http://schemas.microsoft.com/office/powerpoint/2010/main" val="487471450"/>
+        <p14:creationId xmlns:p14="http://schemas.microsoft.com/office/powerpoint/2010/main" val="1071444560"/>
       </p:ext>
     </p:extLst>
   </p:cSld>

--- a/SVG动画 [自动保存] [自动保存].pptx
+++ b/SVG动画 [自动保存] [自动保存].pptx
@@ -15,19 +15,20 @@
     <p:sldId id="267" r:id="rId9"/>
     <p:sldId id="274" r:id="rId10"/>
     <p:sldId id="277" r:id="rId11"/>
-    <p:sldId id="270" r:id="rId12"/>
-    <p:sldId id="271" r:id="rId13"/>
-    <p:sldId id="266" r:id="rId14"/>
-    <p:sldId id="280" r:id="rId15"/>
-    <p:sldId id="281" r:id="rId16"/>
-    <p:sldId id="275" r:id="rId17"/>
-    <p:sldId id="282" r:id="rId18"/>
-    <p:sldId id="283" r:id="rId19"/>
-    <p:sldId id="284" r:id="rId20"/>
-    <p:sldId id="285" r:id="rId21"/>
-    <p:sldId id="272" r:id="rId22"/>
-    <p:sldId id="278" r:id="rId23"/>
-    <p:sldId id="279" r:id="rId24"/>
+    <p:sldId id="286" r:id="rId12"/>
+    <p:sldId id="287" r:id="rId13"/>
+    <p:sldId id="270" r:id="rId14"/>
+    <p:sldId id="271" r:id="rId15"/>
+    <p:sldId id="266" r:id="rId16"/>
+    <p:sldId id="280" r:id="rId17"/>
+    <p:sldId id="281" r:id="rId18"/>
+    <p:sldId id="275" r:id="rId19"/>
+    <p:sldId id="282" r:id="rId20"/>
+    <p:sldId id="283" r:id="rId21"/>
+    <p:sldId id="285" r:id="rId22"/>
+    <p:sldId id="272" r:id="rId23"/>
+    <p:sldId id="278" r:id="rId24"/>
+    <p:sldId id="279" r:id="rId25"/>
   </p:sldIdLst>
   <p:sldSz cx="12192000" cy="6858000"/>
   <p:notesSz cx="6858000" cy="9144000"/>
@@ -265,7 +266,7 @@
           <a:p>
             <a:fld id="{40618212-1520-5B48-A83C-9263F0F2F87E}" type="datetimeFigureOut">
               <a:rPr kumimoji="1" lang="zh-CN" altLang="en-US" smtClean="0"/>
-              <a:t>2019/8/20</a:t>
+              <a:t>2019/8/21</a:t>
             </a:fld>
             <a:endParaRPr kumimoji="1" lang="zh-CN" altLang="en-US"/>
           </a:p>
@@ -445,7 +446,7 @@
           <a:p>
             <a:fld id="{40618212-1520-5B48-A83C-9263F0F2F87E}" type="datetimeFigureOut">
               <a:rPr kumimoji="1" lang="zh-CN" altLang="en-US" smtClean="0"/>
-              <a:t>2019/8/20</a:t>
+              <a:t>2019/8/21</a:t>
             </a:fld>
             <a:endParaRPr kumimoji="1" lang="zh-CN" altLang="en-US"/>
           </a:p>
@@ -635,7 +636,7 @@
           <a:p>
             <a:fld id="{40618212-1520-5B48-A83C-9263F0F2F87E}" type="datetimeFigureOut">
               <a:rPr kumimoji="1" lang="zh-CN" altLang="en-US" smtClean="0"/>
-              <a:t>2019/8/20</a:t>
+              <a:t>2019/8/21</a:t>
             </a:fld>
             <a:endParaRPr kumimoji="1" lang="zh-CN" altLang="en-US"/>
           </a:p>
@@ -728,7 +729,7 @@
           <p:cNvPr id="17" name="任意多边形: 形状 16">
             <a:extLst>
               <a:ext uri="{FF2B5EF4-FFF2-40B4-BE49-F238E27FC236}">
-                <a16:creationId xmlns:a16="http://schemas.microsoft.com/office/drawing/2014/main" xmlns="" id="{6752DADE-F8A9-48AE-B0CB-681361D167C1}"/>
+                <a16:creationId xmlns="" xmlns:a16="http://schemas.microsoft.com/office/drawing/2014/main" id="{6752DADE-F8A9-48AE-B0CB-681361D167C1}"/>
               </a:ext>
             </a:extLst>
           </p:cNvPr>
@@ -1549,7 +1550,7 @@
           <a:p>
             <a:fld id="{40618212-1520-5B48-A83C-9263F0F2F87E}" type="datetimeFigureOut">
               <a:rPr kumimoji="1" lang="zh-CN" altLang="en-US" smtClean="0"/>
-              <a:t>2019/8/20</a:t>
+              <a:t>2019/8/21</a:t>
             </a:fld>
             <a:endParaRPr kumimoji="1" lang="zh-CN" altLang="en-US"/>
           </a:p>
@@ -1761,7 +1762,7 @@
           <a:p>
             <a:fld id="{40618212-1520-5B48-A83C-9263F0F2F87E}" type="datetimeFigureOut">
               <a:rPr kumimoji="1" lang="zh-CN" altLang="en-US" smtClean="0"/>
-              <a:t>2019/8/20</a:t>
+              <a:t>2019/8/21</a:t>
             </a:fld>
             <a:endParaRPr kumimoji="1" lang="zh-CN" altLang="en-US"/>
           </a:p>
@@ -2342,7 +2343,7 @@
           <a:p>
             <a:fld id="{40618212-1520-5B48-A83C-9263F0F2F87E}" type="datetimeFigureOut">
               <a:rPr kumimoji="1" lang="zh-CN" altLang="en-US" smtClean="0"/>
-              <a:t>2019/8/20</a:t>
+              <a:t>2019/8/21</a:t>
             </a:fld>
             <a:endParaRPr kumimoji="1" lang="zh-CN" altLang="en-US"/>
           </a:p>
@@ -2654,7 +2655,7 @@
           <a:p>
             <a:fld id="{40618212-1520-5B48-A83C-9263F0F2F87E}" type="datetimeFigureOut">
               <a:rPr kumimoji="1" lang="zh-CN" altLang="en-US" smtClean="0"/>
-              <a:t>2019/8/20</a:t>
+              <a:t>2019/8/21</a:t>
             </a:fld>
             <a:endParaRPr kumimoji="1" lang="zh-CN" altLang="en-US"/>
           </a:p>
@@ -3101,7 +3102,7 @@
           <a:p>
             <a:fld id="{40618212-1520-5B48-A83C-9263F0F2F87E}" type="datetimeFigureOut">
               <a:rPr kumimoji="1" lang="zh-CN" altLang="en-US" smtClean="0"/>
-              <a:t>2019/8/20</a:t>
+              <a:t>2019/8/21</a:t>
             </a:fld>
             <a:endParaRPr kumimoji="1" lang="zh-CN" altLang="en-US"/>
           </a:p>
@@ -3229,7 +3230,7 @@
           <a:p>
             <a:fld id="{40618212-1520-5B48-A83C-9263F0F2F87E}" type="datetimeFigureOut">
               <a:rPr kumimoji="1" lang="zh-CN" altLang="en-US" smtClean="0"/>
-              <a:t>2019/8/20</a:t>
+              <a:t>2019/8/21</a:t>
             </a:fld>
             <a:endParaRPr kumimoji="1" lang="zh-CN" altLang="en-US"/>
           </a:p>
@@ -3334,7 +3335,7 @@
           <a:p>
             <a:fld id="{40618212-1520-5B48-A83C-9263F0F2F87E}" type="datetimeFigureOut">
               <a:rPr kumimoji="1" lang="zh-CN" altLang="en-US" smtClean="0"/>
-              <a:t>2019/8/20</a:t>
+              <a:t>2019/8/21</a:t>
             </a:fld>
             <a:endParaRPr kumimoji="1" lang="zh-CN" altLang="en-US"/>
           </a:p>
@@ -3514,7 +3515,7 @@
           <a:p>
             <a:fld id="{40618212-1520-5B48-A83C-9263F0F2F87E}" type="datetimeFigureOut">
               <a:rPr kumimoji="1" lang="zh-CN" altLang="en-US" smtClean="0"/>
-              <a:t>2019/8/20</a:t>
+              <a:t>2019/8/21</a:t>
             </a:fld>
             <a:endParaRPr kumimoji="1" lang="zh-CN" altLang="en-US"/>
           </a:p>
@@ -3906,7 +3907,7 @@
           <a:p>
             <a:fld id="{40618212-1520-5B48-A83C-9263F0F2F87E}" type="datetimeFigureOut">
               <a:rPr kumimoji="1" lang="zh-CN" altLang="en-US" smtClean="0"/>
-              <a:t>2019/8/20</a:t>
+              <a:t>2019/8/21</a:t>
             </a:fld>
             <a:endParaRPr kumimoji="1" lang="zh-CN" altLang="en-US"/>
           </a:p>
@@ -4310,7 +4311,7 @@
           <a:p>
             <a:fld id="{40618212-1520-5B48-A83C-9263F0F2F87E}" type="datetimeFigureOut">
               <a:rPr kumimoji="1" lang="zh-CN" altLang="en-US" smtClean="0"/>
-              <a:t>2019/8/20</a:t>
+              <a:t>2019/8/21</a:t>
             </a:fld>
             <a:endParaRPr kumimoji="1" lang="zh-CN" altLang="en-US"/>
           </a:p>
@@ -4565,7 +4566,7 @@
           <a:p>
             <a:fld id="{40618212-1520-5B48-A83C-9263F0F2F87E}" type="datetimeFigureOut">
               <a:rPr kumimoji="1" lang="zh-CN" altLang="en-US" smtClean="0"/>
-              <a:t>2019/8/20</a:t>
+              <a:t>2019/8/21</a:t>
             </a:fld>
             <a:endParaRPr kumimoji="1" lang="zh-CN" altLang="en-US"/>
           </a:p>
@@ -4755,7 +4756,7 @@
           <a:p>
             <a:fld id="{40618212-1520-5B48-A83C-9263F0F2F87E}" type="datetimeFigureOut">
               <a:rPr kumimoji="1" lang="zh-CN" altLang="en-US" smtClean="0"/>
-              <a:t>2019/8/20</a:t>
+              <a:t>2019/8/21</a:t>
             </a:fld>
             <a:endParaRPr kumimoji="1" lang="zh-CN" altLang="en-US"/>
           </a:p>
@@ -5011,7 +5012,7 @@
           <a:p>
             <a:fld id="{40618212-1520-5B48-A83C-9263F0F2F87E}" type="datetimeFigureOut">
               <a:rPr kumimoji="1" lang="zh-CN" altLang="en-US" smtClean="0"/>
-              <a:t>2019/8/20</a:t>
+              <a:t>2019/8/21</a:t>
             </a:fld>
             <a:endParaRPr kumimoji="1" lang="zh-CN" altLang="en-US"/>
           </a:p>
@@ -5253,7 +5254,7 @@
           <a:p>
             <a:fld id="{40618212-1520-5B48-A83C-9263F0F2F87E}" type="datetimeFigureOut">
               <a:rPr kumimoji="1" lang="zh-CN" altLang="en-US" smtClean="0"/>
-              <a:t>2019/8/20</a:t>
+              <a:t>2019/8/21</a:t>
             </a:fld>
             <a:endParaRPr kumimoji="1" lang="zh-CN" altLang="en-US"/>
           </a:p>
@@ -5630,7 +5631,7 @@
           <a:p>
             <a:fld id="{40618212-1520-5B48-A83C-9263F0F2F87E}" type="datetimeFigureOut">
               <a:rPr kumimoji="1" lang="zh-CN" altLang="en-US" smtClean="0"/>
-              <a:t>2019/8/20</a:t>
+              <a:t>2019/8/21</a:t>
             </a:fld>
             <a:endParaRPr kumimoji="1" lang="zh-CN" altLang="en-US"/>
           </a:p>
@@ -5758,7 +5759,7 @@
           <a:p>
             <a:fld id="{40618212-1520-5B48-A83C-9263F0F2F87E}" type="datetimeFigureOut">
               <a:rPr kumimoji="1" lang="zh-CN" altLang="en-US" smtClean="0"/>
-              <a:t>2019/8/20</a:t>
+              <a:t>2019/8/21</a:t>
             </a:fld>
             <a:endParaRPr kumimoji="1" lang="zh-CN" altLang="en-US"/>
           </a:p>
@@ -5863,7 +5864,7 @@
           <a:p>
             <a:fld id="{40618212-1520-5B48-A83C-9263F0F2F87E}" type="datetimeFigureOut">
               <a:rPr kumimoji="1" lang="zh-CN" altLang="en-US" smtClean="0"/>
-              <a:t>2019/8/20</a:t>
+              <a:t>2019/8/21</a:t>
             </a:fld>
             <a:endParaRPr kumimoji="1" lang="zh-CN" altLang="en-US"/>
           </a:p>
@@ -6150,7 +6151,7 @@
           <a:p>
             <a:fld id="{40618212-1520-5B48-A83C-9263F0F2F87E}" type="datetimeFigureOut">
               <a:rPr kumimoji="1" lang="zh-CN" altLang="en-US" smtClean="0"/>
-              <a:t>2019/8/20</a:t>
+              <a:t>2019/8/21</a:t>
             </a:fld>
             <a:endParaRPr kumimoji="1" lang="zh-CN" altLang="en-US"/>
           </a:p>
@@ -6413,7 +6414,7 @@
           <a:p>
             <a:fld id="{40618212-1520-5B48-A83C-9263F0F2F87E}" type="datetimeFigureOut">
               <a:rPr kumimoji="1" lang="zh-CN" altLang="en-US" smtClean="0"/>
-              <a:t>2019/8/20</a:t>
+              <a:t>2019/8/21</a:t>
             </a:fld>
             <a:endParaRPr kumimoji="1" lang="zh-CN" altLang="en-US"/>
           </a:p>
@@ -6641,7 +6642,7 @@
           <a:p>
             <a:fld id="{40618212-1520-5B48-A83C-9263F0F2F87E}" type="datetimeFigureOut">
               <a:rPr kumimoji="1" lang="zh-CN" altLang="en-US" smtClean="0"/>
-              <a:t>2019/8/20</a:t>
+              <a:t>2019/8/21</a:t>
             </a:fld>
             <a:endParaRPr kumimoji="1" lang="zh-CN" altLang="en-US"/>
           </a:p>
@@ -7227,7 +7228,7 @@
           <a:p>
             <a:fld id="{40618212-1520-5B48-A83C-9263F0F2F87E}" type="datetimeFigureOut">
               <a:rPr kumimoji="1" lang="zh-CN" altLang="en-US" smtClean="0"/>
-              <a:t>2019/8/20</a:t>
+              <a:t>2019/8/21</a:t>
             </a:fld>
             <a:endParaRPr kumimoji="1" lang="zh-CN" altLang="en-US"/>
           </a:p>
@@ -7835,7 +7836,7 @@
           <p:cNvPr id="62" name="直接连接符 61">
             <a:extLst>
               <a:ext uri="{FF2B5EF4-FFF2-40B4-BE49-F238E27FC236}">
-                <a16:creationId xmlns:a16="http://schemas.microsoft.com/office/drawing/2014/main" xmlns="" id="{F2B89207-842B-4543-8439-B5BA11649F09}"/>
+                <a16:creationId xmlns="" xmlns:a16="http://schemas.microsoft.com/office/drawing/2014/main" id="{F2B89207-842B-4543-8439-B5BA11649F09}"/>
               </a:ext>
             </a:extLst>
           </p:cNvPr>
@@ -7872,7 +7873,7 @@
           <p:cNvPr id="17" name="组合 16">
             <a:extLst>
               <a:ext uri="{FF2B5EF4-FFF2-40B4-BE49-F238E27FC236}">
-                <a16:creationId xmlns:a16="http://schemas.microsoft.com/office/drawing/2014/main" xmlns="" id="{4F9FC58F-9C75-4A99-AE72-3433E3C90246}"/>
+                <a16:creationId xmlns="" xmlns:a16="http://schemas.microsoft.com/office/drawing/2014/main" id="{4F9FC58F-9C75-4A99-AE72-3433E3C90246}"/>
               </a:ext>
             </a:extLst>
           </p:cNvPr>
@@ -7892,7 +7893,7 @@
             <p:cNvPr id="18" name="文本框 17">
               <a:extLst>
                 <a:ext uri="{FF2B5EF4-FFF2-40B4-BE49-F238E27FC236}">
-                  <a16:creationId xmlns:a16="http://schemas.microsoft.com/office/drawing/2014/main" xmlns="" id="{CBB88046-DA0C-4D62-ABE0-DF4F219BC41E}"/>
+                  <a16:creationId xmlns="" xmlns:a16="http://schemas.microsoft.com/office/drawing/2014/main" id="{CBB88046-DA0C-4D62-ABE0-DF4F219BC41E}"/>
                 </a:ext>
               </a:extLst>
             </p:cNvPr>
@@ -7945,7 +7946,7 @@
             <p:cNvPr id="19" name="文本框 18">
               <a:extLst>
                 <a:ext uri="{FF2B5EF4-FFF2-40B4-BE49-F238E27FC236}">
-                  <a16:creationId xmlns:a16="http://schemas.microsoft.com/office/drawing/2014/main" xmlns="" id="{26D4D4DA-FA36-4DDE-8DFE-C3548A560484}"/>
+                  <a16:creationId xmlns="" xmlns:a16="http://schemas.microsoft.com/office/drawing/2014/main" id="{26D4D4DA-FA36-4DDE-8DFE-C3548A560484}"/>
                 </a:ext>
               </a:extLst>
             </p:cNvPr>
@@ -7998,7 +7999,7 @@
             <p:cNvPr id="20" name="文本框 19">
               <a:extLst>
                 <a:ext uri="{FF2B5EF4-FFF2-40B4-BE49-F238E27FC236}">
-                  <a16:creationId xmlns:a16="http://schemas.microsoft.com/office/drawing/2014/main" xmlns="" id="{FF425B85-D13B-4D06-9EBD-A57DA15BAE62}"/>
+                  <a16:creationId xmlns="" xmlns:a16="http://schemas.microsoft.com/office/drawing/2014/main" id="{FF425B85-D13B-4D06-9EBD-A57DA15BAE62}"/>
                 </a:ext>
               </a:extLst>
             </p:cNvPr>
@@ -8051,7 +8052,7 @@
             <p:cNvPr id="21" name="文本框 20">
               <a:extLst>
                 <a:ext uri="{FF2B5EF4-FFF2-40B4-BE49-F238E27FC236}">
-                  <a16:creationId xmlns:a16="http://schemas.microsoft.com/office/drawing/2014/main" xmlns="" id="{98E90643-75C2-4D2E-844E-02C863EB4658}"/>
+                  <a16:creationId xmlns="" xmlns:a16="http://schemas.microsoft.com/office/drawing/2014/main" id="{98E90643-75C2-4D2E-844E-02C863EB4658}"/>
                 </a:ext>
               </a:extLst>
             </p:cNvPr>
@@ -8163,31 +8164,35 @@
           <a:lstStyle/>
           <a:p>
             <a:r>
-              <a:rPr lang="en-US" altLang="ja-JP" sz="3200" b="1" dirty="0" smtClean="0"/>
-              <a:t>4</a:t>
-            </a:r>
-            <a:r>
-              <a:rPr lang="en-US" altLang="ja-JP" sz="3200" b="1" dirty="0" smtClean="0"/>
-              <a:t>.SVG </a:t>
-            </a:r>
-            <a:r>
-              <a:rPr lang="ja-JP" altLang="en-US" sz="3200" b="1" dirty="0" smtClean="0"/>
-              <a:t>形状</a:t>
-            </a:r>
-            <a:endParaRPr lang="ja-JP" altLang="en-US" sz="3200" b="1" dirty="0"/>
-          </a:p>
-        </p:txBody>
-      </p:sp>
-      <p:sp>
-        <p:nvSpPr>
-          <p:cNvPr id="3" name="文本框 2"/>
+              <a:rPr kumimoji="1" lang="en-US" altLang="zh-CN" sz="3200" b="1" dirty="0"/>
+              <a:t>3</a:t>
+            </a:r>
+            <a:r>
+              <a:rPr kumimoji="1" lang="en-US" altLang="zh-CN" sz="3200" b="1" dirty="0" smtClean="0"/>
+              <a:t>.</a:t>
+            </a:r>
+            <a:r>
+              <a:rPr kumimoji="1" lang="zh-CN" altLang="en-US" sz="3200" b="1" dirty="0" smtClean="0"/>
+              <a:t> 怎样制作一个</a:t>
+            </a:r>
+            <a:r>
+              <a:rPr kumimoji="1" lang="en-US" altLang="zh-CN" sz="3200" b="1" dirty="0" smtClean="0"/>
+              <a:t>SVG</a:t>
+            </a:r>
+            <a:endParaRPr kumimoji="1" lang="zh-CN" altLang="en-US" sz="3200" b="1" dirty="0"/>
+          </a:p>
+        </p:txBody>
+      </p:sp>
+      <p:sp>
+        <p:nvSpPr>
+          <p:cNvPr id="4" name="文本框 3"/>
           <p:cNvSpPr txBox="1"/>
           <p:nvPr/>
         </p:nvSpPr>
         <p:spPr>
           <a:xfrm>
-            <a:off x="852755" y="1212352"/>
-            <a:ext cx="10654301" cy="646331"/>
+            <a:off x="1273996" y="3277456"/>
+            <a:ext cx="10027577" cy="863029"/>
           </a:xfrm>
           <a:prstGeom prst="rect">
             <a:avLst/>
@@ -8200,36 +8205,13 @@
           </a:bodyPr>
           <a:lstStyle/>
           <a:p>
-            <a:r>
-              <a:rPr kumimoji="1" lang="en-US" altLang="zh-CN" dirty="0" smtClean="0"/>
-              <a:t>1.</a:t>
-            </a:r>
-            <a:r>
-              <a:rPr kumimoji="1" lang="zh-CN" altLang="en-US" dirty="0" smtClean="0"/>
-              <a:t>矩形 </a:t>
-            </a:r>
-            <a:r>
-              <a:rPr lang="mr-IN" altLang="zh-CN" dirty="0"/>
-              <a:t> &lt;</a:t>
-            </a:r>
-            <a:r>
-              <a:rPr lang="mr-IN" altLang="zh-CN" dirty="0" err="1"/>
-              <a:t>rect</a:t>
-            </a:r>
-            <a:r>
-              <a:rPr lang="mr-IN" altLang="zh-CN" dirty="0"/>
-              <a:t>&gt;</a:t>
-            </a:r>
-            <a:endParaRPr kumimoji="1" lang="en-US" altLang="zh-CN" dirty="0" smtClean="0"/>
-          </a:p>
-          <a:p>
-            <a:endParaRPr kumimoji="1" lang="zh-CN" altLang="en-US" dirty="0"/>
+            <a:endParaRPr kumimoji="1" lang="zh-CN" altLang="en-US"/>
           </a:p>
         </p:txBody>
       </p:sp>
       <p:pic>
         <p:nvPicPr>
-          <p:cNvPr id="4" name="图片 3"/>
+          <p:cNvPr id="6" name="图片 5"/>
           <p:cNvPicPr>
             <a:picLocks noChangeAspect="1"/>
           </p:cNvPicPr>
@@ -8243,62 +8225,8 @@
         </p:blipFill>
         <p:spPr>
           <a:xfrm>
-            <a:off x="1390935" y="1655672"/>
-            <a:ext cx="6718300" cy="774700"/>
-          </a:xfrm>
-          <a:prstGeom prst="rect">
-            <a:avLst/>
-          </a:prstGeom>
-        </p:spPr>
-      </p:pic>
-      <p:sp>
-        <p:nvSpPr>
-          <p:cNvPr id="5" name="文本框 4"/>
-          <p:cNvSpPr txBox="1"/>
-          <p:nvPr/>
-        </p:nvSpPr>
-        <p:spPr>
-          <a:xfrm>
-            <a:off x="852755" y="3205537"/>
-            <a:ext cx="9030984" cy="369332"/>
-          </a:xfrm>
-          <a:prstGeom prst="rect">
-            <a:avLst/>
-          </a:prstGeom>
-          <a:noFill/>
-        </p:spPr>
-        <p:txBody>
-          <a:bodyPr wrap="square" rtlCol="0">
-            <a:spAutoFit/>
-          </a:bodyPr>
-          <a:lstStyle/>
-          <a:p>
-            <a:r>
-              <a:rPr kumimoji="1" lang="en-US" altLang="zh-CN" dirty="0" smtClean="0"/>
-              <a:t>2.</a:t>
-            </a:r>
-            <a:endParaRPr kumimoji="1" lang="zh-CN" altLang="en-US" dirty="0"/>
-          </a:p>
-        </p:txBody>
-      </p:sp>
-      <p:pic>
-        <p:nvPicPr>
-          <p:cNvPr id="6" name="图片 5"/>
-          <p:cNvPicPr>
-            <a:picLocks noChangeAspect="1"/>
-          </p:cNvPicPr>
-          <p:nvPr/>
-        </p:nvPicPr>
-        <p:blipFill>
-          <a:blip r:embed="rId3"/>
-          <a:stretch>
-            <a:fillRect/>
-          </a:stretch>
-        </p:blipFill>
-        <p:spPr>
-          <a:xfrm>
-            <a:off x="8461647" y="1655672"/>
-            <a:ext cx="3045410" cy="1747687"/>
+            <a:off x="486291" y="339644"/>
+            <a:ext cx="11185152" cy="6153623"/>
           </a:xfrm>
           <a:prstGeom prst="rect">
             <a:avLst/>
@@ -8308,7 +8236,7 @@
     </p:spTree>
     <p:extLst>
       <p:ext uri="{BB962C8B-B14F-4D97-AF65-F5344CB8AC3E}">
-        <p14:creationId xmlns:p14="http://schemas.microsoft.com/office/powerpoint/2010/main" val="487471450"/>
+        <p14:creationId xmlns:p14="http://schemas.microsoft.com/office/powerpoint/2010/main" val="1268009743"/>
       </p:ext>
     </p:extLst>
   </p:cSld>
@@ -8345,6 +8273,76 @@
           <a:chExt cx="0" cy="0"/>
         </a:xfrm>
       </p:grpSpPr>
+      <p:pic>
+        <p:nvPicPr>
+          <p:cNvPr id="7" name="图片 6"/>
+          <p:cNvPicPr>
+            <a:picLocks noChangeAspect="1"/>
+          </p:cNvPicPr>
+          <p:nvPr/>
+        </p:nvPicPr>
+        <p:blipFill>
+          <a:blip r:embed="rId2">
+            <a:extLst>
+              <a:ext uri="{28A0092B-C50C-407E-A947-70E740481C1C}">
+                <a14:useLocalDpi xmlns:a14="http://schemas.microsoft.com/office/drawing/2010/main" val="0"/>
+              </a:ext>
+            </a:extLst>
+          </a:blip>
+          <a:stretch>
+            <a:fillRect/>
+          </a:stretch>
+        </p:blipFill>
+        <p:spPr>
+          <a:xfrm>
+            <a:off x="230596" y="305941"/>
+            <a:ext cx="11677151" cy="6197600"/>
+          </a:xfrm>
+          <a:prstGeom prst="rect">
+            <a:avLst/>
+          </a:prstGeom>
+        </p:spPr>
+      </p:pic>
+    </p:spTree>
+    <p:extLst>
+      <p:ext uri="{BB962C8B-B14F-4D97-AF65-F5344CB8AC3E}">
+        <p14:creationId xmlns:p14="http://schemas.microsoft.com/office/powerpoint/2010/main" val="2115043722"/>
+      </p:ext>
+    </p:extLst>
+  </p:cSld>
+  <p:clrMapOvr>
+    <a:masterClrMapping/>
+  </p:clrMapOvr>
+  <p:transition spd="med">
+    <p:pull/>
+  </p:transition>
+  <p:timing>
+    <p:tnLst>
+      <p:par>
+        <p:cTn id="1" dur="indefinite" restart="never" nodeType="tmRoot"/>
+      </p:par>
+    </p:tnLst>
+  </p:timing>
+</p:sld>
+</file>
+
+<file path=ppt/slides/slide12.xml><?xml version="1.0" encoding="utf-8"?>
+<p:sld xmlns:a="http://schemas.openxmlformats.org/drawingml/2006/main" xmlns:r="http://schemas.openxmlformats.org/officeDocument/2006/relationships" xmlns:p="http://schemas.openxmlformats.org/presentationml/2006/main">
+  <p:cSld>
+    <p:spTree>
+      <p:nvGrpSpPr>
+        <p:cNvPr id="1" name=""/>
+        <p:cNvGrpSpPr/>
+        <p:nvPr/>
+      </p:nvGrpSpPr>
+      <p:grpSpPr>
+        <a:xfrm>
+          <a:off x="0" y="0"/>
+          <a:ext cx="0" cy="0"/>
+          <a:chOff x="0" y="0"/>
+          <a:chExt cx="0" cy="0"/>
+        </a:xfrm>
+      </p:grpSpPr>
       <p:sp>
         <p:nvSpPr>
           <p:cNvPr id="2" name="文本框 1"/>
@@ -8368,14 +8366,844 @@
           <a:lstStyle/>
           <a:p>
             <a:r>
-              <a:rPr lang="en-US" altLang="ja-JP" sz="3200" dirty="0" smtClean="0"/>
-              <a:t>SVG </a:t>
-            </a:r>
-            <a:r>
-              <a:rPr lang="ja-JP" altLang="en-US" sz="3200" dirty="0" smtClean="0"/>
+              <a:rPr lang="en-US" altLang="ja-JP" sz="3200" b="1" dirty="0" smtClean="0"/>
+              <a:t>4.SVG </a:t>
+            </a:r>
+            <a:r>
+              <a:rPr lang="ja-JP" altLang="en-US" sz="3200" b="1" dirty="0" smtClean="0"/>
               <a:t>形状</a:t>
             </a:r>
-            <a:endParaRPr lang="ja-JP" altLang="en-US" sz="3200" dirty="0"/>
+            <a:endParaRPr lang="ja-JP" altLang="en-US" sz="3200" b="1" dirty="0"/>
+          </a:p>
+        </p:txBody>
+      </p:sp>
+      <p:sp>
+        <p:nvSpPr>
+          <p:cNvPr id="3" name="文本框 2"/>
+          <p:cNvSpPr txBox="1"/>
+          <p:nvPr/>
+        </p:nvSpPr>
+        <p:spPr>
+          <a:xfrm>
+            <a:off x="852755" y="1212352"/>
+            <a:ext cx="10654301" cy="646331"/>
+          </a:xfrm>
+          <a:prstGeom prst="rect">
+            <a:avLst/>
+          </a:prstGeom>
+          <a:noFill/>
+        </p:spPr>
+        <p:txBody>
+          <a:bodyPr wrap="square" rtlCol="0">
+            <a:spAutoFit/>
+          </a:bodyPr>
+          <a:lstStyle/>
+          <a:p>
+            <a:r>
+              <a:rPr kumimoji="1" lang="en-US" altLang="zh-CN" dirty="0" smtClean="0"/>
+              <a:t>1.</a:t>
+            </a:r>
+            <a:r>
+              <a:rPr kumimoji="1" lang="zh-CN" altLang="en-US" dirty="0" smtClean="0"/>
+              <a:t>矩形 </a:t>
+            </a:r>
+            <a:r>
+              <a:rPr lang="mr-IN" altLang="zh-CN" dirty="0"/>
+              <a:t> &lt;</a:t>
+            </a:r>
+            <a:r>
+              <a:rPr lang="mr-IN" altLang="zh-CN" dirty="0" err="1"/>
+              <a:t>rect</a:t>
+            </a:r>
+            <a:r>
+              <a:rPr lang="mr-IN" altLang="zh-CN" dirty="0"/>
+              <a:t>&gt;</a:t>
+            </a:r>
+            <a:endParaRPr kumimoji="1" lang="en-US" altLang="zh-CN" dirty="0" smtClean="0"/>
+          </a:p>
+          <a:p>
+            <a:endParaRPr kumimoji="1" lang="zh-CN" altLang="en-US" dirty="0"/>
+          </a:p>
+        </p:txBody>
+      </p:sp>
+      <p:pic>
+        <p:nvPicPr>
+          <p:cNvPr id="4" name="图片 3"/>
+          <p:cNvPicPr>
+            <a:picLocks noChangeAspect="1"/>
+          </p:cNvPicPr>
+          <p:nvPr/>
+        </p:nvPicPr>
+        <p:blipFill>
+          <a:blip r:embed="rId2"/>
+          <a:stretch>
+            <a:fillRect/>
+          </a:stretch>
+        </p:blipFill>
+        <p:spPr>
+          <a:xfrm>
+            <a:off x="1390935" y="1655672"/>
+            <a:ext cx="6718300" cy="774700"/>
+          </a:xfrm>
+          <a:prstGeom prst="rect">
+            <a:avLst/>
+          </a:prstGeom>
+        </p:spPr>
+      </p:pic>
+      <p:sp>
+        <p:nvSpPr>
+          <p:cNvPr id="5" name="文本框 4"/>
+          <p:cNvSpPr txBox="1"/>
+          <p:nvPr/>
+        </p:nvSpPr>
+        <p:spPr>
+          <a:xfrm>
+            <a:off x="852755" y="3218693"/>
+            <a:ext cx="9030984" cy="646331"/>
+          </a:xfrm>
+          <a:prstGeom prst="rect">
+            <a:avLst/>
+          </a:prstGeom>
+          <a:noFill/>
+        </p:spPr>
+        <p:txBody>
+          <a:bodyPr wrap="square" rtlCol="0">
+            <a:spAutoFit/>
+          </a:bodyPr>
+          <a:lstStyle/>
+          <a:p>
+            <a:r>
+              <a:rPr kumimoji="1" lang="en-US" altLang="zh-CN" dirty="0" smtClean="0"/>
+              <a:t>2.</a:t>
+            </a:r>
+            <a:r>
+              <a:rPr kumimoji="1" lang="zh-CN" altLang="en-US" dirty="0" smtClean="0"/>
+              <a:t>圆形 </a:t>
+            </a:r>
+            <a:r>
+              <a:rPr lang="en-US" altLang="zh-CN" dirty="0"/>
+              <a:t>&lt;circle&gt;</a:t>
+            </a:r>
+          </a:p>
+          <a:p>
+            <a:r>
+              <a:rPr kumimoji="1" lang="en-US" altLang="zh-CN" dirty="0" smtClean="0"/>
+              <a:t>	</a:t>
+            </a:r>
+            <a:endParaRPr kumimoji="1" lang="zh-CN" altLang="en-US" dirty="0"/>
+          </a:p>
+        </p:txBody>
+      </p:sp>
+      <p:pic>
+        <p:nvPicPr>
+          <p:cNvPr id="6" name="图片 5"/>
+          <p:cNvPicPr>
+            <a:picLocks noChangeAspect="1"/>
+          </p:cNvPicPr>
+          <p:nvPr/>
+        </p:nvPicPr>
+        <p:blipFill>
+          <a:blip r:embed="rId3"/>
+          <a:stretch>
+            <a:fillRect/>
+          </a:stretch>
+        </p:blipFill>
+        <p:spPr>
+          <a:xfrm>
+            <a:off x="8461647" y="1655672"/>
+            <a:ext cx="3045410" cy="1747687"/>
+          </a:xfrm>
+          <a:prstGeom prst="rect">
+            <a:avLst/>
+          </a:prstGeom>
+        </p:spPr>
+      </p:pic>
+      <p:pic>
+        <p:nvPicPr>
+          <p:cNvPr id="7" name="图片 6"/>
+          <p:cNvPicPr>
+            <a:picLocks noChangeAspect="1"/>
+          </p:cNvPicPr>
+          <p:nvPr/>
+        </p:nvPicPr>
+        <p:blipFill>
+          <a:blip r:embed="rId4"/>
+          <a:stretch>
+            <a:fillRect/>
+          </a:stretch>
+        </p:blipFill>
+        <p:spPr>
+          <a:xfrm>
+            <a:off x="1390935" y="3790382"/>
+            <a:ext cx="6375400" cy="1016000"/>
+          </a:xfrm>
+          <a:prstGeom prst="rect">
+            <a:avLst/>
+          </a:prstGeom>
+        </p:spPr>
+      </p:pic>
+      <p:pic>
+        <p:nvPicPr>
+          <p:cNvPr id="8" name="图片 7"/>
+          <p:cNvPicPr>
+            <a:picLocks noChangeAspect="1"/>
+          </p:cNvPicPr>
+          <p:nvPr/>
+        </p:nvPicPr>
+        <p:blipFill>
+          <a:blip r:embed="rId5"/>
+          <a:stretch>
+            <a:fillRect/>
+          </a:stretch>
+        </p:blipFill>
+        <p:spPr>
+          <a:xfrm>
+            <a:off x="8474182" y="3552132"/>
+            <a:ext cx="3022600" cy="1917700"/>
+          </a:xfrm>
+          <a:prstGeom prst="rect">
+            <a:avLst/>
+          </a:prstGeom>
+        </p:spPr>
+      </p:pic>
+    </p:spTree>
+    <p:extLst>
+      <p:ext uri="{BB962C8B-B14F-4D97-AF65-F5344CB8AC3E}">
+        <p14:creationId xmlns:p14="http://schemas.microsoft.com/office/powerpoint/2010/main" val="487471450"/>
+      </p:ext>
+    </p:extLst>
+  </p:cSld>
+  <p:clrMapOvr>
+    <a:masterClrMapping/>
+  </p:clrMapOvr>
+  <p:transition spd="med">
+    <p:pull/>
+  </p:transition>
+  <p:timing>
+    <p:tnLst>
+      <p:par>
+        <p:cTn id="1" dur="indefinite" restart="never" nodeType="tmRoot"/>
+      </p:par>
+    </p:tnLst>
+  </p:timing>
+</p:sld>
+</file>
+
+<file path=ppt/slides/slide13.xml><?xml version="1.0" encoding="utf-8"?>
+<p:sld xmlns:a="http://schemas.openxmlformats.org/drawingml/2006/main" xmlns:r="http://schemas.openxmlformats.org/officeDocument/2006/relationships" xmlns:p="http://schemas.openxmlformats.org/presentationml/2006/main">
+  <p:cSld>
+    <p:spTree>
+      <p:nvGrpSpPr>
+        <p:cNvPr id="1" name=""/>
+        <p:cNvGrpSpPr/>
+        <p:nvPr/>
+      </p:nvGrpSpPr>
+      <p:grpSpPr>
+        <a:xfrm>
+          <a:off x="0" y="0"/>
+          <a:ext cx="0" cy="0"/>
+          <a:chOff x="0" y="0"/>
+          <a:chExt cx="0" cy="0"/>
+        </a:xfrm>
+      </p:grpSpPr>
+      <p:sp>
+        <p:nvSpPr>
+          <p:cNvPr id="2" name="文本框 1"/>
+          <p:cNvSpPr txBox="1"/>
+          <p:nvPr/>
+        </p:nvSpPr>
+        <p:spPr>
+          <a:xfrm>
+            <a:off x="438891" y="371319"/>
+            <a:ext cx="10926303" cy="400110"/>
+          </a:xfrm>
+          <a:prstGeom prst="rect">
+            <a:avLst/>
+          </a:prstGeom>
+          <a:noFill/>
+        </p:spPr>
+        <p:txBody>
+          <a:bodyPr wrap="square" rtlCol="0">
+            <a:spAutoFit/>
+          </a:bodyPr>
+          <a:lstStyle/>
+          <a:p>
+            <a:r>
+              <a:rPr lang="en-US" altLang="zh-CN" sz="2000" dirty="0" smtClean="0"/>
+              <a:t>4.path</a:t>
+            </a:r>
+            <a:endParaRPr lang="ja-JP" altLang="en-US" sz="2000" dirty="0"/>
+          </a:p>
+        </p:txBody>
+      </p:sp>
+      <p:sp>
+        <p:nvSpPr>
+          <p:cNvPr id="3" name="文本框 2"/>
+          <p:cNvSpPr txBox="1"/>
+          <p:nvPr/>
+        </p:nvSpPr>
+        <p:spPr>
+          <a:xfrm>
+            <a:off x="811658" y="5455578"/>
+            <a:ext cx="9421403" cy="646331"/>
+          </a:xfrm>
+          <a:prstGeom prst="rect">
+            <a:avLst/>
+          </a:prstGeom>
+          <a:noFill/>
+        </p:spPr>
+        <p:txBody>
+          <a:bodyPr wrap="square" rtlCol="0">
+            <a:spAutoFit/>
+          </a:bodyPr>
+          <a:lstStyle/>
+          <a:p>
+            <a:r>
+              <a:rPr kumimoji="1" lang="zh-CN" altLang="en-US" dirty="0" smtClean="0"/>
+              <a:t>其他： 椭圆 </a:t>
+            </a:r>
+            <a:r>
+              <a:rPr kumimoji="1" lang="en-US" altLang="zh-CN" dirty="0"/>
+              <a:t>&lt;ellipse</a:t>
+            </a:r>
+            <a:r>
+              <a:rPr kumimoji="1" lang="en-US" altLang="zh-CN" dirty="0" smtClean="0"/>
+              <a:t>&gt;</a:t>
+            </a:r>
+            <a:r>
+              <a:rPr kumimoji="1" lang="zh-CN" altLang="en-US" dirty="0" smtClean="0"/>
+              <a:t> 直线 </a:t>
+            </a:r>
+            <a:r>
+              <a:rPr lang="en-US" altLang="zh-CN" dirty="0" smtClean="0"/>
+              <a:t>&lt;line&gt;</a:t>
+            </a:r>
+            <a:r>
+              <a:rPr lang="zh-CN" altLang="en-US" dirty="0" smtClean="0"/>
+              <a:t> 多边形 </a:t>
+            </a:r>
+            <a:r>
+              <a:rPr lang="en-US" altLang="zh-CN" dirty="0" smtClean="0"/>
+              <a:t>&lt;polygon</a:t>
+            </a:r>
+            <a:r>
+              <a:rPr kumimoji="1" lang="en-US" altLang="zh-CN" dirty="0" smtClean="0"/>
+              <a:t>&gt;</a:t>
+            </a:r>
+            <a:r>
+              <a:rPr kumimoji="1" lang="zh-CN" altLang="en-US" dirty="0" smtClean="0"/>
+              <a:t> 文本</a:t>
+            </a:r>
+            <a:r>
+              <a:rPr lang="en-US" altLang="zh-CN" dirty="0"/>
+              <a:t>&lt;text</a:t>
+            </a:r>
+            <a:r>
+              <a:rPr lang="en-US" altLang="zh-CN" dirty="0" smtClean="0"/>
+              <a:t>&gt;</a:t>
+            </a:r>
+            <a:r>
+              <a:rPr lang="zh-CN" altLang="en-US" dirty="0" smtClean="0"/>
+              <a:t> 等</a:t>
+            </a:r>
+            <a:r>
+              <a:rPr kumimoji="1" lang="zh-CN" altLang="en-US" dirty="0" smtClean="0"/>
+              <a:t> </a:t>
+            </a:r>
+            <a:endParaRPr kumimoji="1" lang="en-US" altLang="zh-CN" dirty="0"/>
+          </a:p>
+          <a:p>
+            <a:endParaRPr kumimoji="1" lang="zh-CN" altLang="en-US" dirty="0"/>
+          </a:p>
+        </p:txBody>
+      </p:sp>
+      <p:sp>
+        <p:nvSpPr>
+          <p:cNvPr id="4" name="文本框 3"/>
+          <p:cNvSpPr txBox="1"/>
+          <p:nvPr/>
+        </p:nvSpPr>
+        <p:spPr>
+          <a:xfrm>
+            <a:off x="811658" y="945222"/>
+            <a:ext cx="10941978" cy="3970318"/>
+          </a:xfrm>
+          <a:prstGeom prst="rect">
+            <a:avLst/>
+          </a:prstGeom>
+          <a:noFill/>
+        </p:spPr>
+        <p:txBody>
+          <a:bodyPr wrap="square" rtlCol="0">
+            <a:spAutoFit/>
+          </a:bodyPr>
+          <a:lstStyle/>
+          <a:p>
+            <a:r>
+              <a:rPr kumimoji="1" lang="en-US" altLang="zh-CN" dirty="0" smtClean="0"/>
+              <a:t>1.</a:t>
+            </a:r>
+            <a:r>
+              <a:rPr lang="mr-IN" altLang="zh-CN" b="1" dirty="0" smtClean="0"/>
+              <a:t> M/</a:t>
+            </a:r>
+            <a:r>
+              <a:rPr lang="mr-IN" altLang="zh-CN" b="1" dirty="0" err="1" smtClean="0"/>
+              <a:t>m</a:t>
+            </a:r>
+            <a:r>
+              <a:rPr lang="zh-CN" altLang="en-US" b="1" dirty="0" smtClean="0"/>
+              <a:t> </a:t>
+            </a:r>
+            <a:r>
+              <a:rPr lang="zh-CN" altLang="en-US" dirty="0" smtClean="0"/>
+              <a:t>（</a:t>
+            </a:r>
+            <a:r>
+              <a:rPr lang="en-US" altLang="zh-CN" dirty="0" err="1"/>
+              <a:t>moveto</a:t>
+            </a:r>
+            <a:r>
+              <a:rPr lang="zh-CN" altLang="en-US" dirty="0" smtClean="0"/>
+              <a:t>）定义</a:t>
+            </a:r>
+            <a:r>
+              <a:rPr lang="zh-CN" altLang="en-US" dirty="0"/>
+              <a:t>起始</a:t>
+            </a:r>
+            <a:r>
+              <a:rPr lang="zh-CN" altLang="en-US" dirty="0" smtClean="0"/>
+              <a:t>点</a:t>
+            </a:r>
+            <a:r>
+              <a:rPr lang="en-US" altLang="zh-CN" dirty="0" smtClean="0"/>
+              <a:t/>
+            </a:r>
+            <a:br>
+              <a:rPr lang="en-US" altLang="zh-CN" dirty="0" smtClean="0"/>
+            </a:br>
+            <a:r>
+              <a:rPr lang="en-US" altLang="zh-CN" dirty="0" smtClean="0"/>
+              <a:t>2.</a:t>
+            </a:r>
+            <a:r>
+              <a:rPr lang="zh-CN" altLang="en-US" dirty="0" smtClean="0"/>
+              <a:t> </a:t>
+            </a:r>
+            <a:r>
+              <a:rPr lang="mr-IN" altLang="zh-CN" b="1" dirty="0" smtClean="0"/>
+              <a:t>L/</a:t>
+            </a:r>
+            <a:r>
+              <a:rPr lang="mr-IN" altLang="zh-CN" b="1" dirty="0" err="1" smtClean="0"/>
+              <a:t>l</a:t>
+            </a:r>
+            <a:r>
+              <a:rPr lang="zh-CN" altLang="en-US" b="1" dirty="0" smtClean="0"/>
+              <a:t> </a:t>
+            </a:r>
+            <a:r>
+              <a:rPr lang="zh-CN" altLang="en-US" dirty="0" smtClean="0"/>
+              <a:t>（</a:t>
+            </a:r>
+            <a:r>
+              <a:rPr lang="en-US" altLang="zh-CN" dirty="0" err="1" smtClean="0"/>
+              <a:t>lineto</a:t>
+            </a:r>
+            <a:r>
+              <a:rPr lang="zh-CN" altLang="en-US" dirty="0" smtClean="0"/>
+              <a:t>）用于画线段</a:t>
+            </a:r>
+            <a:endParaRPr lang="en-US" altLang="zh-CN" dirty="0" smtClean="0"/>
+          </a:p>
+          <a:p>
+            <a:r>
+              <a:rPr lang="en-US" altLang="zh-CN" dirty="0" smtClean="0"/>
+              <a:t>3.</a:t>
+            </a:r>
+            <a:r>
+              <a:rPr lang="zh-CN" altLang="en-US" dirty="0" smtClean="0"/>
+              <a:t> </a:t>
+            </a:r>
+            <a:r>
+              <a:rPr lang="mr-IN" altLang="zh-CN" b="1" dirty="0" err="1" smtClean="0"/>
+              <a:t>H</a:t>
+            </a:r>
+            <a:r>
+              <a:rPr lang="mr-IN" altLang="zh-CN" b="1" dirty="0" smtClean="0"/>
+              <a:t>/</a:t>
+            </a:r>
+            <a:r>
+              <a:rPr lang="mr-IN" altLang="zh-CN" b="1" dirty="0" err="1" smtClean="0"/>
+              <a:t>h</a:t>
+            </a:r>
+            <a:r>
+              <a:rPr lang="zh-CN" altLang="en-US" dirty="0" smtClean="0"/>
+              <a:t> （</a:t>
+            </a:r>
+            <a:r>
+              <a:rPr lang="en-US" altLang="zh-CN" dirty="0"/>
+              <a:t>horizontal </a:t>
+            </a:r>
+            <a:r>
+              <a:rPr lang="en-US" altLang="zh-CN" dirty="0" err="1"/>
+              <a:t>lineto</a:t>
+            </a:r>
+            <a:r>
+              <a:rPr lang="zh-CN" altLang="en-US" dirty="0" smtClean="0"/>
+              <a:t>）画水平线</a:t>
+            </a:r>
+            <a:endParaRPr lang="en-US" altLang="zh-CN" dirty="0" smtClean="0"/>
+          </a:p>
+          <a:p>
+            <a:r>
+              <a:rPr lang="en-US" altLang="zh-CN" dirty="0" smtClean="0"/>
+              <a:t>4.</a:t>
+            </a:r>
+            <a:r>
+              <a:rPr lang="zh-CN" altLang="en-US" dirty="0" smtClean="0"/>
+              <a:t> </a:t>
+            </a:r>
+            <a:r>
+              <a:rPr lang="mr-IN" altLang="zh-CN" b="1" dirty="0" smtClean="0"/>
+              <a:t>V/</a:t>
+            </a:r>
+            <a:r>
+              <a:rPr lang="mr-IN" altLang="zh-CN" b="1" dirty="0" err="1" smtClean="0"/>
+              <a:t>v</a:t>
+            </a:r>
+            <a:r>
+              <a:rPr lang="zh-CN" altLang="en-US" b="1" dirty="0" smtClean="0"/>
+              <a:t>（</a:t>
+            </a:r>
+            <a:r>
+              <a:rPr lang="en-US" altLang="zh-CN" dirty="0"/>
+              <a:t>vertical </a:t>
+            </a:r>
+            <a:r>
+              <a:rPr lang="en-US" altLang="zh-CN" dirty="0" err="1"/>
+              <a:t>lineto</a:t>
+            </a:r>
+            <a:r>
+              <a:rPr lang="zh-CN" altLang="en-US" b="1" dirty="0" smtClean="0"/>
+              <a:t>）</a:t>
+            </a:r>
+            <a:endParaRPr lang="en-US" altLang="zh-CN" b="1" dirty="0" smtClean="0"/>
+          </a:p>
+          <a:p>
+            <a:endParaRPr lang="en-US" altLang="zh-CN" b="1" dirty="0" smtClean="0"/>
+          </a:p>
+          <a:p>
+            <a:pPr latinLnBrk="1"/>
+            <a:r>
+              <a:rPr lang="en-US" altLang="zh-CN" dirty="0" smtClean="0"/>
+              <a:t>5.</a:t>
+            </a:r>
+            <a:r>
+              <a:rPr lang="zh-CN" altLang="en-US" dirty="0" smtClean="0"/>
+              <a:t> </a:t>
+            </a:r>
+            <a:r>
+              <a:rPr lang="mr-IN" altLang="zh-CN" b="1" dirty="0" smtClean="0"/>
+              <a:t>C/</a:t>
+            </a:r>
+            <a:r>
+              <a:rPr lang="mr-IN" altLang="zh-CN" b="1" dirty="0" err="1" smtClean="0"/>
+              <a:t>c</a:t>
+            </a:r>
+            <a:r>
+              <a:rPr lang="zh-CN" altLang="en-US" b="1" dirty="0" smtClean="0"/>
+              <a:t> （</a:t>
+            </a:r>
+            <a:r>
+              <a:rPr lang="en-US" altLang="zh-CN" dirty="0" err="1" smtClean="0"/>
+              <a:t>curveto</a:t>
+            </a:r>
+            <a:r>
+              <a:rPr lang="zh-CN" altLang="en-US" dirty="0" smtClean="0"/>
+              <a:t>） 用于画贝塞尔曲线</a:t>
+            </a:r>
+            <a:endParaRPr lang="en-US" altLang="zh-CN" dirty="0" smtClean="0"/>
+          </a:p>
+          <a:p>
+            <a:r>
+              <a:rPr lang="en-US" altLang="zh-CN" dirty="0" smtClean="0"/>
+              <a:t>6.</a:t>
+            </a:r>
+            <a:r>
+              <a:rPr lang="zh-CN" altLang="en-US" dirty="0" smtClean="0"/>
+              <a:t> </a:t>
+            </a:r>
+            <a:r>
+              <a:rPr lang="mr-IN" altLang="zh-CN" b="1" dirty="0" err="1" smtClean="0"/>
+              <a:t>S</a:t>
+            </a:r>
+            <a:r>
+              <a:rPr lang="mr-IN" altLang="zh-CN" b="1" dirty="0" smtClean="0"/>
+              <a:t>/</a:t>
+            </a:r>
+            <a:r>
+              <a:rPr lang="mr-IN" altLang="zh-CN" b="1" dirty="0" err="1" smtClean="0"/>
+              <a:t>s</a:t>
+            </a:r>
+            <a:r>
+              <a:rPr lang="zh-CN" altLang="en-US" b="1" dirty="0" smtClean="0"/>
+              <a:t> （</a:t>
+            </a:r>
+            <a:r>
+              <a:rPr lang="en-US" altLang="zh-CN" dirty="0"/>
+              <a:t>smooth </a:t>
+            </a:r>
+            <a:r>
+              <a:rPr lang="en-US" altLang="zh-CN" dirty="0" err="1" smtClean="0"/>
+              <a:t>curveto</a:t>
+            </a:r>
+            <a:r>
+              <a:rPr lang="zh-CN" altLang="en-US" dirty="0" smtClean="0"/>
+              <a:t>）</a:t>
+            </a:r>
+            <a:r>
+              <a:rPr lang="zh-CN" altLang="en-US" dirty="0"/>
+              <a:t>反射贝塞</a:t>
+            </a:r>
+            <a:r>
+              <a:rPr lang="zh-CN" altLang="en-US" dirty="0" smtClean="0"/>
+              <a:t>尔曲线</a:t>
+            </a:r>
+            <a:endParaRPr lang="en-US" altLang="zh-CN" dirty="0"/>
+          </a:p>
+          <a:p>
+            <a:r>
+              <a:rPr lang="en-US" altLang="zh-CN" dirty="0" smtClean="0"/>
+              <a:t>7.</a:t>
+            </a:r>
+            <a:r>
+              <a:rPr lang="zh-CN" altLang="en-US" dirty="0" smtClean="0"/>
+              <a:t> </a:t>
+            </a:r>
+            <a:r>
+              <a:rPr lang="mr-IN" altLang="zh-CN" b="1" dirty="0" err="1" smtClean="0"/>
+              <a:t>Q</a:t>
+            </a:r>
+            <a:r>
+              <a:rPr lang="mr-IN" altLang="zh-CN" b="1" dirty="0" smtClean="0"/>
+              <a:t>/</a:t>
+            </a:r>
+            <a:r>
+              <a:rPr lang="mr-IN" altLang="zh-CN" b="1" dirty="0" err="1" smtClean="0"/>
+              <a:t>q</a:t>
+            </a:r>
+            <a:r>
+              <a:rPr lang="zh-CN" altLang="en-US" b="1" dirty="0" smtClean="0"/>
+              <a:t> （</a:t>
+            </a:r>
+            <a:r>
+              <a:rPr lang="it-IT" altLang="zh-CN" dirty="0" err="1"/>
+              <a:t>quadratic</a:t>
+            </a:r>
+            <a:r>
+              <a:rPr lang="it-IT" altLang="zh-CN" dirty="0"/>
+              <a:t> </a:t>
+            </a:r>
+            <a:r>
+              <a:rPr lang="it-IT" altLang="zh-CN" dirty="0" err="1"/>
+              <a:t>Bézier</a:t>
+            </a:r>
+            <a:r>
+              <a:rPr lang="it-IT" altLang="zh-CN" dirty="0"/>
+              <a:t> </a:t>
+            </a:r>
+            <a:r>
+              <a:rPr lang="it-IT" altLang="zh-CN" dirty="0" smtClean="0"/>
+              <a:t>curve</a:t>
+            </a:r>
+            <a:r>
+              <a:rPr lang="zh-CN" altLang="en-US" dirty="0" smtClean="0"/>
+              <a:t>）</a:t>
+            </a:r>
+            <a:r>
+              <a:rPr lang="zh-CN" altLang="en-US" dirty="0"/>
+              <a:t>二</a:t>
+            </a:r>
+            <a:r>
+              <a:rPr lang="zh-CN" altLang="en-US" dirty="0" smtClean="0"/>
+              <a:t>次</a:t>
+            </a:r>
+            <a:r>
+              <a:rPr lang="zh-CN" altLang="en-US" dirty="0"/>
+              <a:t>贝塞尔曲线</a:t>
+            </a:r>
+            <a:endParaRPr lang="en-US" altLang="zh-CN" dirty="0"/>
+          </a:p>
+          <a:p>
+            <a:r>
+              <a:rPr lang="en-US" altLang="zh-CN" dirty="0" smtClean="0"/>
+              <a:t>8.</a:t>
+            </a:r>
+            <a:r>
+              <a:rPr lang="zh-CN" altLang="en-US" dirty="0" smtClean="0"/>
+              <a:t> </a:t>
+            </a:r>
+            <a:r>
+              <a:rPr lang="mr-IN" altLang="zh-CN" b="1" dirty="0" err="1" smtClean="0"/>
+              <a:t>T</a:t>
+            </a:r>
+            <a:r>
+              <a:rPr lang="mr-IN" altLang="zh-CN" b="1" dirty="0" smtClean="0"/>
+              <a:t>/</a:t>
+            </a:r>
+            <a:r>
+              <a:rPr lang="mr-IN" altLang="zh-CN" b="1" dirty="0" err="1" smtClean="0"/>
+              <a:t>t</a:t>
+            </a:r>
+            <a:r>
+              <a:rPr lang="zh-CN" altLang="en-US" b="1" dirty="0" smtClean="0"/>
+              <a:t> （</a:t>
+            </a:r>
+            <a:r>
+              <a:rPr lang="it-IT" altLang="zh-CN" dirty="0" err="1"/>
+              <a:t>smooth</a:t>
+            </a:r>
+            <a:r>
+              <a:rPr lang="it-IT" altLang="zh-CN" dirty="0"/>
+              <a:t> </a:t>
+            </a:r>
+            <a:r>
+              <a:rPr lang="it-IT" altLang="zh-CN" dirty="0" err="1"/>
+              <a:t>quadratic</a:t>
+            </a:r>
+            <a:r>
+              <a:rPr lang="it-IT" altLang="zh-CN" dirty="0"/>
+              <a:t> </a:t>
+            </a:r>
+            <a:r>
+              <a:rPr lang="it-IT" altLang="zh-CN" dirty="0" err="1"/>
+              <a:t>Bézier</a:t>
+            </a:r>
+            <a:r>
+              <a:rPr lang="it-IT" altLang="zh-CN" dirty="0"/>
+              <a:t> </a:t>
+            </a:r>
+            <a:r>
+              <a:rPr lang="it-IT" altLang="zh-CN" dirty="0" err="1" smtClean="0"/>
+              <a:t>curveto</a:t>
+            </a:r>
+            <a:r>
+              <a:rPr lang="zh-CN" altLang="en-US" dirty="0" smtClean="0"/>
+              <a:t>）平滑贝塞尔曲线</a:t>
+            </a:r>
+            <a:endParaRPr lang="mr-IN" altLang="zh-CN" b="1" dirty="0"/>
+          </a:p>
+          <a:p>
+            <a:endParaRPr lang="en-US" altLang="zh-CN" dirty="0"/>
+          </a:p>
+          <a:p>
+            <a:r>
+              <a:rPr lang="en-US" altLang="zh-CN" dirty="0" smtClean="0"/>
+              <a:t>9.</a:t>
+            </a:r>
+            <a:r>
+              <a:rPr lang="mr-IN" altLang="zh-CN" b="1" dirty="0"/>
+              <a:t> </a:t>
+            </a:r>
+            <a:r>
+              <a:rPr lang="mr-IN" altLang="zh-CN" b="1" dirty="0" err="1" smtClean="0"/>
+              <a:t>A</a:t>
+            </a:r>
+            <a:r>
+              <a:rPr lang="mr-IN" altLang="zh-CN" b="1" dirty="0" smtClean="0"/>
+              <a:t>/</a:t>
+            </a:r>
+            <a:r>
+              <a:rPr lang="mr-IN" altLang="zh-CN" b="1" dirty="0" err="1" smtClean="0"/>
+              <a:t>a</a:t>
+            </a:r>
+            <a:r>
+              <a:rPr lang="zh-CN" altLang="en-US" b="1" dirty="0" smtClean="0"/>
+              <a:t> （</a:t>
+            </a:r>
+            <a:r>
+              <a:rPr lang="en-US" altLang="zh-CN" dirty="0"/>
+              <a:t>elliptical </a:t>
+            </a:r>
+            <a:r>
+              <a:rPr lang="en-US" altLang="zh-CN" dirty="0" smtClean="0"/>
+              <a:t>Arc</a:t>
+            </a:r>
+            <a:r>
+              <a:rPr lang="zh-CN" altLang="en-US" dirty="0" smtClean="0"/>
+              <a:t>）弧线</a:t>
+            </a:r>
+            <a:endParaRPr lang="en-US" altLang="zh-CN" dirty="0"/>
+          </a:p>
+          <a:p>
+            <a:endParaRPr lang="en-US" altLang="zh-CN" b="1" dirty="0" smtClean="0"/>
+          </a:p>
+          <a:p>
+            <a:r>
+              <a:rPr lang="en-US" altLang="zh-CN" dirty="0" smtClean="0"/>
+              <a:t>10.</a:t>
+            </a:r>
+            <a:r>
+              <a:rPr lang="zh-CN" altLang="en-US" dirty="0" smtClean="0"/>
+              <a:t> </a:t>
+            </a:r>
+            <a:r>
+              <a:rPr lang="mr-IN" altLang="zh-CN" b="1" dirty="0" err="1" smtClean="0"/>
+              <a:t>Z</a:t>
+            </a:r>
+            <a:r>
+              <a:rPr lang="mr-IN" altLang="zh-CN" b="1" dirty="0" smtClean="0"/>
+              <a:t>/</a:t>
+            </a:r>
+            <a:r>
+              <a:rPr lang="mr-IN" altLang="zh-CN" b="1" dirty="0" err="1" smtClean="0"/>
+              <a:t>z</a:t>
+            </a:r>
+            <a:r>
+              <a:rPr lang="zh-CN" altLang="en-US" dirty="0" smtClean="0"/>
+              <a:t> （</a:t>
+            </a:r>
+            <a:r>
+              <a:rPr lang="en-US" altLang="zh-CN" dirty="0" err="1" smtClean="0"/>
+              <a:t>closepath</a:t>
+            </a:r>
+            <a:r>
+              <a:rPr lang="zh-CN" altLang="en-US" dirty="0" smtClean="0"/>
+              <a:t>）</a:t>
+            </a:r>
+            <a:r>
+              <a:rPr lang="zh-CN" altLang="en-US" dirty="0"/>
+              <a:t>表示 </a:t>
+            </a:r>
+            <a:r>
+              <a:rPr lang="en-US" altLang="zh-CN" dirty="0"/>
+              <a:t>path </a:t>
+            </a:r>
+            <a:r>
+              <a:rPr lang="zh-CN" altLang="en-US" dirty="0"/>
+              <a:t>的</a:t>
+            </a:r>
+            <a:r>
+              <a:rPr lang="zh-CN" altLang="en-US" dirty="0" smtClean="0"/>
+              <a:t>结束，</a:t>
+            </a:r>
+            <a:r>
+              <a:rPr lang="zh-CN" altLang="en-US" dirty="0"/>
+              <a:t>并且将最后一点</a:t>
+            </a:r>
+            <a:r>
+              <a:rPr lang="zh-CN" altLang="en-US" dirty="0" smtClean="0"/>
+              <a:t>和起始点连接</a:t>
+            </a:r>
+            <a:r>
+              <a:rPr lang="zh-CN" altLang="en-US" dirty="0"/>
+              <a:t>起来</a:t>
+            </a:r>
+            <a:endParaRPr lang="mr-IN" altLang="zh-CN" dirty="0"/>
+          </a:p>
+          <a:p>
+            <a:endParaRPr lang="mr-IN" altLang="zh-CN" b="1" dirty="0"/>
           </a:p>
         </p:txBody>
       </p:sp>
@@ -8402,7 +9230,7 @@
 </p:sld>
 </file>
 
-<file path=ppt/slides/slide12.xml><?xml version="1.0" encoding="utf-8"?>
+<file path=ppt/slides/slide14.xml><?xml version="1.0" encoding="utf-8"?>
 <p:sld xmlns:a="http://schemas.openxmlformats.org/drawingml/2006/main" xmlns:r="http://schemas.openxmlformats.org/officeDocument/2006/relationships" xmlns:p="http://schemas.openxmlformats.org/presentationml/2006/main">
   <p:cSld>
     <p:spTree>
@@ -8550,7 +9378,7 @@
 </p:sld>
 </file>
 
-<file path=ppt/slides/slide13.xml><?xml version="1.0" encoding="utf-8"?>
+<file path=ppt/slides/slide15.xml><?xml version="1.0" encoding="utf-8"?>
 <p:sld xmlns:a="http://schemas.openxmlformats.org/drawingml/2006/main" xmlns:r="http://schemas.openxmlformats.org/officeDocument/2006/relationships" xmlns:p="http://schemas.openxmlformats.org/presentationml/2006/main">
   <p:cSld>
     <p:spTree>
@@ -8599,11 +9427,7 @@
             </a:r>
             <a:r>
               <a:rPr kumimoji="1" lang="zh-CN" altLang="en-US" sz="2800" dirty="0" smtClean="0"/>
-              <a:t>）普通</a:t>
-            </a:r>
-            <a:r>
-              <a:rPr kumimoji="1" lang="zh-CN" altLang="en-US" sz="2800" dirty="0" smtClean="0"/>
-              <a:t>动画       </a:t>
+              <a:t>）普通动画       </a:t>
             </a:r>
             <a:r>
               <a:rPr lang="en-US" altLang="zh-CN" sz="2800" dirty="0" err="1"/>
@@ -8622,7 +9446,7 @@
         <p:spPr>
           <a:xfrm>
             <a:off x="1179347" y="1436865"/>
-            <a:ext cx="9659815" cy="3970318"/>
+            <a:ext cx="9659815" cy="4801314"/>
           </a:xfrm>
           <a:prstGeom prst="rect">
             <a:avLst/>
@@ -8794,8 +9618,19 @@
             </a:r>
             <a:r>
               <a:rPr lang="zh-CN" altLang="en-US" dirty="0" smtClean="0"/>
-              <a:t>：动画的结束值</a:t>
-            </a:r>
+              <a:t>：动画的结束</a:t>
+            </a:r>
+            <a:r>
+              <a:rPr lang="zh-CN" altLang="en-US" dirty="0" smtClean="0"/>
+              <a:t>值</a:t>
+            </a:r>
+            <a:r>
+              <a:rPr lang="en-US" altLang="zh-CN" dirty="0" smtClean="0"/>
+              <a:t/>
+            </a:r>
+            <a:br>
+              <a:rPr lang="en-US" altLang="zh-CN" dirty="0" smtClean="0"/>
+            </a:br>
             <a:r>
               <a:rPr lang="en-US" altLang="zh-CN" dirty="0" smtClean="0"/>
               <a:t/>
@@ -8932,7 +9767,15 @@
                   <a:srgbClr val="FF0000"/>
                 </a:solidFill>
               </a:rPr>
-              <a:t>的优先级会更高。 ）</a:t>
+              <a:t>的优先级会更高。 </a:t>
+            </a:r>
+            <a:r>
+              <a:rPr lang="zh-CN" altLang="en-US" dirty="0" smtClean="0">
+                <a:solidFill>
+                  <a:srgbClr val="FF0000"/>
+                </a:solidFill>
+              </a:rPr>
+              <a:t>）</a:t>
             </a:r>
             <a:r>
               <a:rPr lang="en-US" altLang="zh-CN" dirty="0" smtClean="0">
@@ -8950,6 +9793,21 @@
               </a:rPr>
             </a:br>
             <a:r>
+              <a:rPr lang="en-US" altLang="zh-CN" dirty="0" smtClean="0">
+                <a:solidFill>
+                  <a:srgbClr val="FF0000"/>
+                </a:solidFill>
+              </a:rPr>
+              <a:t/>
+            </a:r>
+            <a:br>
+              <a:rPr lang="en-US" altLang="zh-CN" dirty="0" smtClean="0">
+                <a:solidFill>
+                  <a:srgbClr val="FF0000"/>
+                </a:solidFill>
+              </a:rPr>
+            </a:br>
+            <a:r>
               <a:rPr lang="en-US" altLang="zh-CN" dirty="0" smtClean="0"/>
               <a:t>values</a:t>
             </a:r>
@@ -9084,6 +9942,18 @@
               </a:rPr>
               <a:t>&gt;</a:t>
             </a:r>
+            <a:br>
+              <a:rPr lang="en-US" altLang="zh-CN" dirty="0" smtClean="0">
+                <a:solidFill>
+                  <a:srgbClr val="FF0000"/>
+                </a:solidFill>
+              </a:rPr>
+            </a:br>
+            <a:endParaRPr lang="en-US" altLang="zh-CN" dirty="0" smtClean="0">
+              <a:solidFill>
+                <a:srgbClr val="FF0000"/>
+              </a:solidFill>
+            </a:endParaRPr>
           </a:p>
           <a:p>
             <a:pPr marL="342900" indent="-342900">
@@ -9179,7 +10049,7 @@
 </p:sld>
 </file>
 
-<file path=ppt/slides/slide14.xml><?xml version="1.0" encoding="utf-8"?>
+<file path=ppt/slides/slide16.xml><?xml version="1.0" encoding="utf-8"?>
 <p:sld xmlns:a="http://schemas.openxmlformats.org/drawingml/2006/main" xmlns:r="http://schemas.openxmlformats.org/officeDocument/2006/relationships" xmlns:p="http://schemas.openxmlformats.org/presentationml/2006/main">
   <p:cSld>
     <p:spTree>
@@ -9205,7 +10075,7 @@
         <p:spPr>
           <a:xfrm>
             <a:off x="579041" y="583783"/>
-            <a:ext cx="10366625" cy="646331"/>
+            <a:ext cx="10366625" cy="923330"/>
           </a:xfrm>
           <a:prstGeom prst="rect">
             <a:avLst/>
@@ -9277,11 +10147,18 @@
             </a:r>
             <a:r>
               <a:rPr lang="en-US" altLang="zh-CN" dirty="0"/>
-              <a:t>-sync-value | "indefinite</a:t>
+              <a:t>-sync-value | </a:t>
             </a:r>
             <a:r>
               <a:rPr lang="en-US" altLang="zh-CN" dirty="0" smtClean="0"/>
-              <a:t>”&gt;</a:t>
+              <a:t>“indefinite”&gt;</a:t>
+            </a:r>
+            <a:br>
+              <a:rPr lang="en-US" altLang="zh-CN" dirty="0" smtClean="0"/>
+            </a:br>
+            <a:r>
+              <a:rPr lang="zh-CN" altLang="en-US" dirty="0" smtClean="0"/>
+              <a:t>代表以什么样的方式开始动画，以上是描述属性的方式</a:t>
             </a:r>
             <a:endParaRPr kumimoji="1" lang="en-US" altLang="zh-CN" dirty="0">
               <a:solidFill>
@@ -10010,8 +10887,32 @@
               <a:t>discrete</a:t>
             </a:r>
             <a:r>
+              <a:rPr lang="zh-CN" altLang="en-US" dirty="0" smtClean="0"/>
+              <a:t> </a:t>
+            </a:r>
+            <a:r>
               <a:rPr lang="de-DE" altLang="zh-CN" dirty="0"/>
-              <a:t> | linear | </a:t>
+              <a:t> | </a:t>
+            </a:r>
+            <a:r>
+              <a:rPr lang="de-DE" altLang="zh-CN" dirty="0" smtClean="0"/>
+              <a:t>linear</a:t>
+            </a:r>
+            <a:r>
+              <a:rPr lang="en-US" altLang="zh-CN" dirty="0" smtClean="0"/>
+              <a:t>(</a:t>
+            </a:r>
+            <a:r>
+              <a:rPr lang="zh-CN" altLang="en-US" dirty="0" smtClean="0"/>
+              <a:t>默认</a:t>
+            </a:r>
+            <a:r>
+              <a:rPr lang="en-US" altLang="zh-CN" dirty="0" smtClean="0"/>
+              <a:t>)</a:t>
+            </a:r>
+            <a:r>
+              <a:rPr lang="de-DE" altLang="zh-CN" dirty="0"/>
+              <a:t> | </a:t>
             </a:r>
             <a:r>
               <a:rPr lang="de-DE" altLang="zh-CN" dirty="0" err="1"/>
@@ -10225,7 +11126,7 @@
 </p:sld>
 </file>
 
-<file path=ppt/slides/slide15.xml><?xml version="1.0" encoding="utf-8"?>
+<file path=ppt/slides/slide17.xml><?xml version="1.0" encoding="utf-8"?>
 <p:sld xmlns:a="http://schemas.openxmlformats.org/drawingml/2006/main" xmlns:r="http://schemas.openxmlformats.org/officeDocument/2006/relationships" xmlns:p="http://schemas.openxmlformats.org/presentationml/2006/main">
   <p:cSld>
     <p:spTree>
@@ -10364,7 +11265,7 @@
 </p:sld>
 </file>
 
-<file path=ppt/slides/slide16.xml><?xml version="1.0" encoding="utf-8"?>
+<file path=ppt/slides/slide18.xml><?xml version="1.0" encoding="utf-8"?>
 <p:sld xmlns:a="http://schemas.openxmlformats.org/drawingml/2006/main" xmlns:r="http://schemas.openxmlformats.org/officeDocument/2006/relationships" xmlns:p="http://schemas.openxmlformats.org/presentationml/2006/main">
   <p:cSld>
     <p:spTree>
@@ -10840,560 +11741,6 @@
 </p:sld>
 </file>
 
-<file path=ppt/slides/slide17.xml><?xml version="1.0" encoding="utf-8"?>
-<p:sld xmlns:a="http://schemas.openxmlformats.org/drawingml/2006/main" xmlns:r="http://schemas.openxmlformats.org/officeDocument/2006/relationships" xmlns:p="http://schemas.openxmlformats.org/presentationml/2006/main">
-  <p:cSld>
-    <p:spTree>
-      <p:nvGrpSpPr>
-        <p:cNvPr id="1" name=""/>
-        <p:cNvGrpSpPr/>
-        <p:nvPr/>
-      </p:nvGrpSpPr>
-      <p:grpSpPr>
-        <a:xfrm>
-          <a:off x="0" y="0"/>
-          <a:ext cx="0" cy="0"/>
-          <a:chOff x="0" y="0"/>
-          <a:chExt cx="0" cy="0"/>
-        </a:xfrm>
-      </p:grpSpPr>
-      <p:sp>
-        <p:nvSpPr>
-          <p:cNvPr id="3" name="文本框 2"/>
-          <p:cNvSpPr txBox="1"/>
-          <p:nvPr/>
-        </p:nvSpPr>
-        <p:spPr>
-          <a:xfrm>
-            <a:off x="435399" y="427957"/>
-            <a:ext cx="9988062" cy="1077218"/>
-          </a:xfrm>
-          <a:prstGeom prst="rect">
-            <a:avLst/>
-          </a:prstGeom>
-          <a:noFill/>
-        </p:spPr>
-        <p:txBody>
-          <a:bodyPr wrap="square" rtlCol="0">
-            <a:spAutoFit/>
-          </a:bodyPr>
-          <a:lstStyle/>
-          <a:p>
-            <a:r>
-              <a:rPr kumimoji="1" lang="zh-CN" altLang="en-US" sz="2800" dirty="0" smtClean="0"/>
-              <a:t>（</a:t>
-            </a:r>
-            <a:r>
-              <a:rPr kumimoji="1" lang="en-US" altLang="zh-CN" sz="2800" dirty="0" smtClean="0"/>
-              <a:t>3</a:t>
-            </a:r>
-            <a:r>
-              <a:rPr kumimoji="1" lang="zh-CN" altLang="en-US" sz="2800" dirty="0" smtClean="0"/>
-              <a:t>） </a:t>
-            </a:r>
-            <a:r>
-              <a:rPr kumimoji="1" lang="zh-CN" altLang="en-US" sz="2800" dirty="0" smtClean="0"/>
-              <a:t>描边动画  </a:t>
-            </a:r>
-            <a:r>
-              <a:rPr kumimoji="1" lang="en-US" altLang="zh-CN" sz="2800" dirty="0" smtClean="0"/>
-              <a:t>&lt;</a:t>
-            </a:r>
-            <a:r>
-              <a:rPr lang="en-US" altLang="zh-CN" sz="2800" dirty="0"/>
-              <a:t> </a:t>
-            </a:r>
-            <a:r>
-              <a:rPr lang="en-US" altLang="zh-CN" sz="2800" dirty="0" smtClean="0"/>
-              <a:t>stroke</a:t>
-            </a:r>
-            <a:r>
-              <a:rPr lang="zh-CN" altLang="en-US" sz="2800" dirty="0" smtClean="0"/>
-              <a:t> </a:t>
-            </a:r>
-            <a:r>
-              <a:rPr kumimoji="1" lang="en-US" altLang="zh-CN" sz="2800" dirty="0" smtClean="0"/>
-              <a:t>&gt;</a:t>
-            </a:r>
-          </a:p>
-          <a:p>
-            <a:endParaRPr kumimoji="1" lang="en-US" altLang="zh-CN" dirty="0" smtClean="0"/>
-          </a:p>
-          <a:p>
-            <a:endParaRPr kumimoji="1" lang="zh-CN" altLang="en-US" dirty="0"/>
-          </a:p>
-        </p:txBody>
-      </p:sp>
-      <p:sp>
-        <p:nvSpPr>
-          <p:cNvPr id="4" name="文本框 3"/>
-          <p:cNvSpPr txBox="1"/>
-          <p:nvPr/>
-        </p:nvSpPr>
-        <p:spPr>
-          <a:xfrm>
-            <a:off x="1027416" y="1119883"/>
-            <a:ext cx="10037851" cy="3970318"/>
-          </a:xfrm>
-          <a:prstGeom prst="rect">
-            <a:avLst/>
-          </a:prstGeom>
-          <a:noFill/>
-        </p:spPr>
-        <p:txBody>
-          <a:bodyPr wrap="square" rtlCol="0">
-            <a:spAutoFit/>
-          </a:bodyPr>
-          <a:lstStyle/>
-          <a:p>
-            <a:r>
-              <a:rPr kumimoji="1" lang="en-US" altLang="zh-CN" dirty="0" smtClean="0"/>
-              <a:t>1.</a:t>
-            </a:r>
-            <a:r>
-              <a:rPr kumimoji="1" lang="zh-CN" altLang="en-US" dirty="0" smtClean="0"/>
-              <a:t> </a:t>
-            </a:r>
-            <a:r>
-              <a:rPr lang="en-US" altLang="zh-CN" dirty="0" smtClean="0"/>
-              <a:t>stroke</a:t>
-            </a:r>
-            <a:r>
-              <a:rPr lang="zh-CN" altLang="en-US" dirty="0" smtClean="0"/>
-              <a:t> ：颜色</a:t>
-            </a:r>
-            <a:endParaRPr kumimoji="1" lang="en-US" altLang="zh-CN" dirty="0" smtClean="0"/>
-          </a:p>
-          <a:p>
-            <a:r>
-              <a:rPr kumimoji="1" lang="en-US" altLang="zh-CN" dirty="0" smtClean="0"/>
-              <a:t>2.</a:t>
-            </a:r>
-            <a:r>
-              <a:rPr kumimoji="1" lang="zh-CN" altLang="en-US" dirty="0" smtClean="0"/>
-              <a:t> </a:t>
-            </a:r>
-            <a:r>
-              <a:rPr lang="en-US" altLang="zh-CN" dirty="0" smtClean="0"/>
-              <a:t>stroke-width</a:t>
-            </a:r>
-            <a:r>
-              <a:rPr lang="zh-CN" altLang="en-US" dirty="0" smtClean="0"/>
-              <a:t> </a:t>
-            </a:r>
-            <a:r>
-              <a:rPr lang="en-US" altLang="zh-CN" dirty="0" smtClean="0"/>
-              <a:t>:</a:t>
-            </a:r>
-            <a:r>
-              <a:rPr lang="zh-CN" altLang="en-US" dirty="0" smtClean="0"/>
-              <a:t> 线条宽度</a:t>
-            </a:r>
-            <a:endParaRPr kumimoji="1" lang="en-US" altLang="zh-CN" dirty="0"/>
-          </a:p>
-          <a:p>
-            <a:r>
-              <a:rPr kumimoji="1" lang="en-US" altLang="zh-CN" dirty="0" smtClean="0"/>
-              <a:t>3.</a:t>
-            </a:r>
-            <a:r>
-              <a:rPr lang="en-US" altLang="zh-CN" dirty="0" smtClean="0"/>
-              <a:t> stroke-</a:t>
-            </a:r>
-            <a:r>
-              <a:rPr lang="en-US" altLang="zh-CN" dirty="0" err="1" smtClean="0"/>
-              <a:t>linecap</a:t>
-            </a:r>
-            <a:r>
-              <a:rPr lang="zh-CN" altLang="en-US" dirty="0" smtClean="0"/>
-              <a:t>：线端点样式  （</a:t>
-            </a:r>
-            <a:r>
-              <a:rPr lang="en-US" altLang="zh-CN" dirty="0"/>
-              <a:t>butt</a:t>
-            </a:r>
-            <a:r>
-              <a:rPr lang="zh-CN" altLang="en-US" dirty="0"/>
-              <a:t>、</a:t>
-            </a:r>
-            <a:r>
-              <a:rPr lang="en-US" altLang="zh-CN" dirty="0"/>
-              <a:t>round</a:t>
-            </a:r>
-            <a:r>
-              <a:rPr lang="zh-CN" altLang="en-US" dirty="0"/>
-              <a:t>、</a:t>
-            </a:r>
-            <a:r>
-              <a:rPr lang="en-US" altLang="zh-CN" dirty="0" smtClean="0"/>
-              <a:t>square</a:t>
-            </a:r>
-            <a:r>
-              <a:rPr lang="zh-CN" altLang="en-US" dirty="0" smtClean="0"/>
-              <a:t>）</a:t>
-            </a:r>
-            <a:endParaRPr lang="en-US" altLang="zh-CN" dirty="0" smtClean="0"/>
-          </a:p>
-          <a:p>
-            <a:r>
-              <a:rPr lang="en-US" altLang="zh-CN" dirty="0" smtClean="0"/>
-              <a:t>4.</a:t>
-            </a:r>
-            <a:r>
-              <a:rPr lang="zh-CN" altLang="en-US" dirty="0" smtClean="0"/>
-              <a:t> </a:t>
-            </a:r>
-            <a:r>
-              <a:rPr lang="en-US" altLang="zh-CN" dirty="0" smtClean="0"/>
-              <a:t>stroke-</a:t>
-            </a:r>
-            <a:r>
-              <a:rPr lang="en-US" altLang="zh-CN" dirty="0" err="1" smtClean="0"/>
-              <a:t>linejoin</a:t>
-            </a:r>
-            <a:r>
-              <a:rPr lang="zh-CN" altLang="en-US" dirty="0" smtClean="0"/>
-              <a:t>：线顶点样式  （</a:t>
-            </a:r>
-            <a:r>
-              <a:rPr lang="nl-NL" altLang="zh-CN" dirty="0" err="1"/>
-              <a:t>arcs</a:t>
-            </a:r>
-            <a:r>
-              <a:rPr lang="zh-CN" altLang="nl-NL" dirty="0"/>
-              <a:t>、</a:t>
-            </a:r>
-            <a:r>
-              <a:rPr lang="nl-NL" altLang="zh-CN" dirty="0"/>
-              <a:t>bevel</a:t>
-            </a:r>
-            <a:r>
-              <a:rPr lang="zh-CN" altLang="nl-NL" dirty="0"/>
-              <a:t>、</a:t>
-            </a:r>
-            <a:r>
-              <a:rPr lang="nl-NL" altLang="zh-CN" dirty="0" err="1"/>
-              <a:t>miter</a:t>
-            </a:r>
-            <a:r>
-              <a:rPr lang="zh-CN" altLang="nl-NL" dirty="0"/>
-              <a:t>、</a:t>
-            </a:r>
-            <a:r>
-              <a:rPr lang="nl-NL" altLang="zh-CN" dirty="0" err="1" smtClean="0"/>
-              <a:t>round</a:t>
-            </a:r>
-            <a:r>
-              <a:rPr lang="en-US" altLang="zh-CN" dirty="0" smtClean="0"/>
-              <a:t>)</a:t>
-            </a:r>
-          </a:p>
-          <a:p>
-            <a:endParaRPr lang="en-US" altLang="zh-CN" dirty="0" smtClean="0"/>
-          </a:p>
-          <a:p>
-            <a:r>
-              <a:rPr lang="en-US" altLang="zh-CN" dirty="0" smtClean="0"/>
-              <a:t>5.</a:t>
-            </a:r>
-            <a:r>
-              <a:rPr lang="zh-CN" altLang="en-US" dirty="0" smtClean="0"/>
-              <a:t> </a:t>
-            </a:r>
-            <a:r>
-              <a:rPr lang="en-US" altLang="zh-CN" dirty="0"/>
-              <a:t>stroke-</a:t>
-            </a:r>
-            <a:r>
-              <a:rPr lang="en-US" altLang="zh-CN" dirty="0" err="1"/>
-              <a:t>dasharray</a:t>
-            </a:r>
-            <a:r>
-              <a:rPr lang="zh-CN" altLang="en-US" dirty="0" smtClean="0"/>
-              <a:t>： </a:t>
-            </a:r>
-            <a:r>
-              <a:rPr lang="en-US" altLang="zh-CN" dirty="0" smtClean="0"/>
-              <a:t>[number,</a:t>
-            </a:r>
-            <a:r>
-              <a:rPr lang="zh-CN" altLang="en-US" dirty="0" smtClean="0"/>
-              <a:t> </a:t>
-            </a:r>
-            <a:r>
-              <a:rPr lang="en-US" altLang="zh-CN" dirty="0" smtClean="0"/>
-              <a:t>number,</a:t>
-            </a:r>
-            <a:r>
-              <a:rPr lang="zh-CN" altLang="en-US" dirty="0" smtClean="0"/>
-              <a:t> </a:t>
-            </a:r>
-            <a:r>
-              <a:rPr lang="mr-IN" altLang="zh-CN" dirty="0" smtClean="0"/>
-              <a:t>…</a:t>
-            </a:r>
-            <a:r>
-              <a:rPr lang="en-US" altLang="zh-CN" dirty="0" smtClean="0"/>
-              <a:t>]</a:t>
-            </a:r>
-            <a:r>
-              <a:rPr lang="zh-CN" altLang="en-US" dirty="0" smtClean="0"/>
-              <a:t> </a:t>
-            </a:r>
-            <a:r>
-              <a:rPr lang="en-US" altLang="zh-CN" dirty="0" smtClean="0"/>
-              <a:t>,</a:t>
-            </a:r>
-            <a:r>
-              <a:rPr lang="zh-CN" altLang="en-US" dirty="0" smtClean="0"/>
-              <a:t> 值为逗号或空格分隔的数，</a:t>
-            </a:r>
-            <a:endParaRPr lang="en-US" altLang="zh-CN" dirty="0"/>
-          </a:p>
-          <a:p>
-            <a:r>
-              <a:rPr kumimoji="1" lang="en-US" altLang="zh-CN" dirty="0" smtClean="0"/>
-              <a:t>		</a:t>
-            </a:r>
-            <a:r>
-              <a:rPr kumimoji="1" lang="zh-CN" altLang="en-US" dirty="0" smtClean="0"/>
-              <a:t>          第一个值代表</a:t>
-            </a:r>
-            <a:r>
-              <a:rPr lang="en-US" altLang="zh-CN" dirty="0"/>
-              <a:t>dash</a:t>
-            </a:r>
-            <a:r>
-              <a:rPr kumimoji="1" lang="zh-CN" altLang="en-US" dirty="0" smtClean="0"/>
-              <a:t>宽度</a:t>
-            </a:r>
-            <a:r>
-              <a:rPr kumimoji="1" lang="en-US" altLang="zh-CN" dirty="0" smtClean="0"/>
-              <a:t>,</a:t>
-            </a:r>
-            <a:r>
-              <a:rPr kumimoji="1" lang="zh-CN" altLang="en-US" dirty="0" smtClean="0"/>
-              <a:t> 第二个值代表</a:t>
-            </a:r>
-            <a:r>
-              <a:rPr lang="en-US" altLang="zh-CN" dirty="0"/>
-              <a:t>dash</a:t>
-            </a:r>
-            <a:r>
-              <a:rPr kumimoji="1" lang="zh-CN" altLang="en-US" dirty="0" smtClean="0"/>
-              <a:t>间隔宽度</a:t>
-            </a:r>
-            <a:endParaRPr kumimoji="1" lang="en-US" altLang="zh-CN" dirty="0" smtClean="0"/>
-          </a:p>
-          <a:p>
-            <a:endParaRPr kumimoji="1" lang="en-US" altLang="zh-CN" dirty="0"/>
-          </a:p>
-          <a:p>
-            <a:endParaRPr kumimoji="1" lang="en-US" altLang="zh-CN" dirty="0" smtClean="0"/>
-          </a:p>
-          <a:p>
-            <a:endParaRPr kumimoji="1" lang="en-US" altLang="zh-CN" dirty="0"/>
-          </a:p>
-          <a:p>
-            <a:endParaRPr kumimoji="1" lang="en-US" altLang="zh-CN" dirty="0" smtClean="0"/>
-          </a:p>
-          <a:p>
-            <a:r>
-              <a:rPr lang="en-US" altLang="zh-CN" dirty="0" smtClean="0"/>
-              <a:t>6.</a:t>
-            </a:r>
-            <a:r>
-              <a:rPr lang="zh-CN" altLang="en-US" dirty="0" smtClean="0"/>
-              <a:t> </a:t>
-            </a:r>
-            <a:r>
-              <a:rPr lang="en-US" altLang="zh-CN" dirty="0"/>
-              <a:t>stroke-</a:t>
-            </a:r>
-            <a:r>
-              <a:rPr lang="en-US" altLang="zh-CN" dirty="0" err="1"/>
-              <a:t>dashoffset</a:t>
-            </a:r>
-            <a:r>
-              <a:rPr lang="zh-CN" altLang="en-US" dirty="0"/>
-              <a:t>： </a:t>
-            </a:r>
-            <a:r>
-              <a:rPr lang="en-US" altLang="zh-CN" dirty="0" smtClean="0"/>
-              <a:t>number||</a:t>
-            </a:r>
-            <a:r>
-              <a:rPr lang="zh-CN" altLang="en-US" dirty="0" smtClean="0"/>
-              <a:t> </a:t>
-            </a:r>
-            <a:r>
-              <a:rPr lang="en-US" altLang="zh-CN" dirty="0" smtClean="0"/>
-              <a:t>percentage</a:t>
-            </a:r>
-          </a:p>
-          <a:p>
-            <a:r>
-              <a:rPr lang="en-US" altLang="zh-CN" dirty="0"/>
-              <a:t>		</a:t>
-            </a:r>
-            <a:r>
-              <a:rPr lang="zh-CN" altLang="en-US" dirty="0"/>
-              <a:t> </a:t>
-            </a:r>
-            <a:r>
-              <a:rPr lang="zh-CN" altLang="en-US" dirty="0" smtClean="0"/>
-              <a:t>        用</a:t>
-            </a:r>
-            <a:r>
-              <a:rPr lang="zh-CN" altLang="en-US" dirty="0"/>
-              <a:t>来设置 </a:t>
-            </a:r>
-            <a:r>
-              <a:rPr lang="en-US" altLang="zh-CN" dirty="0" err="1"/>
-              <a:t>dasharray</a:t>
-            </a:r>
-            <a:r>
-              <a:rPr lang="en-US" altLang="zh-CN" dirty="0"/>
-              <a:t> </a:t>
-            </a:r>
-            <a:r>
-              <a:rPr lang="zh-CN" altLang="en-US" dirty="0"/>
-              <a:t>定义其实 </a:t>
-            </a:r>
-            <a:r>
-              <a:rPr lang="en-US" altLang="zh-CN" dirty="0"/>
-              <a:t>dash </a:t>
-            </a:r>
-            <a:r>
-              <a:rPr lang="zh-CN" altLang="en-US" dirty="0"/>
-              <a:t>线条开始的</a:t>
-            </a:r>
-            <a:r>
-              <a:rPr lang="zh-CN" altLang="en-US" dirty="0" smtClean="0"/>
-              <a:t>位置</a:t>
-            </a:r>
-            <a:endParaRPr lang="en-US" altLang="zh-CN" dirty="0" smtClean="0"/>
-          </a:p>
-          <a:p>
-            <a:r>
-              <a:rPr kumimoji="1" lang="en-US" altLang="zh-CN" dirty="0"/>
-              <a:t>	</a:t>
-            </a:r>
-            <a:r>
-              <a:rPr kumimoji="1" lang="en-US" altLang="zh-CN" dirty="0" smtClean="0"/>
-              <a:t>	</a:t>
-            </a:r>
-            <a:r>
-              <a:rPr kumimoji="1" lang="zh-CN" altLang="en-US" dirty="0" smtClean="0"/>
-              <a:t>         </a:t>
-            </a:r>
-            <a:r>
-              <a:rPr lang="zh-CN" altLang="en-US" dirty="0" smtClean="0"/>
-              <a:t>结合 </a:t>
-            </a:r>
-            <a:r>
-              <a:rPr lang="en-US" altLang="zh-CN" dirty="0" err="1"/>
-              <a:t>dasharray</a:t>
-            </a:r>
-            <a:r>
-              <a:rPr lang="en-US" altLang="zh-CN" dirty="0"/>
-              <a:t> </a:t>
-            </a:r>
-            <a:r>
-              <a:rPr lang="zh-CN" altLang="en-US" dirty="0"/>
-              <a:t>可以实现线条的运动</a:t>
-            </a:r>
-            <a:endParaRPr kumimoji="1" lang="zh-CN" altLang="en-US" dirty="0"/>
-          </a:p>
-        </p:txBody>
-      </p:sp>
-      <p:pic>
-        <p:nvPicPr>
-          <p:cNvPr id="5" name="图片 4"/>
-          <p:cNvPicPr>
-            <a:picLocks noChangeAspect="1"/>
-          </p:cNvPicPr>
-          <p:nvPr/>
-        </p:nvPicPr>
-        <p:blipFill>
-          <a:blip r:embed="rId2"/>
-          <a:stretch>
-            <a:fillRect/>
-          </a:stretch>
-        </p:blipFill>
-        <p:spPr>
-          <a:xfrm>
-            <a:off x="3256907" y="3197509"/>
-            <a:ext cx="4458985" cy="750175"/>
-          </a:xfrm>
-          <a:prstGeom prst="rect">
-            <a:avLst/>
-          </a:prstGeom>
-        </p:spPr>
-      </p:pic>
-    </p:spTree>
-    <p:extLst>
-      <p:ext uri="{BB962C8B-B14F-4D97-AF65-F5344CB8AC3E}">
-        <p14:creationId xmlns:p14="http://schemas.microsoft.com/office/powerpoint/2010/main" val="1957255632"/>
-      </p:ext>
-    </p:extLst>
-  </p:cSld>
-  <p:clrMapOvr>
-    <a:masterClrMapping/>
-  </p:clrMapOvr>
-  <p:transition spd="med">
-    <p:pull/>
-  </p:transition>
-  <p:timing>
-    <p:tnLst>
-      <p:par>
-        <p:cTn id="1" dur="indefinite" restart="never" nodeType="tmRoot"/>
-      </p:par>
-    </p:tnLst>
-  </p:timing>
-</p:sld>
-</file>
-
-<file path=ppt/slides/slide18.xml><?xml version="1.0" encoding="utf-8"?>
-<p:sld xmlns:a="http://schemas.openxmlformats.org/drawingml/2006/main" xmlns:r="http://schemas.openxmlformats.org/officeDocument/2006/relationships" xmlns:p="http://schemas.openxmlformats.org/presentationml/2006/main">
-  <p:cSld>
-    <p:spTree>
-      <p:nvGrpSpPr>
-        <p:cNvPr id="1" name=""/>
-        <p:cNvGrpSpPr/>
-        <p:nvPr/>
-      </p:nvGrpSpPr>
-      <p:grpSpPr>
-        <a:xfrm>
-          <a:off x="0" y="0"/>
-          <a:ext cx="0" cy="0"/>
-          <a:chOff x="0" y="0"/>
-          <a:chExt cx="0" cy="0"/>
-        </a:xfrm>
-      </p:grpSpPr>
-    </p:spTree>
-    <p:extLst>
-      <p:ext uri="{BB962C8B-B14F-4D97-AF65-F5344CB8AC3E}">
-        <p14:creationId xmlns:p14="http://schemas.microsoft.com/office/powerpoint/2010/main" val="531417789"/>
-      </p:ext>
-    </p:extLst>
-  </p:cSld>
-  <p:clrMapOvr>
-    <a:masterClrMapping/>
-  </p:clrMapOvr>
-  <p:transition spd="med">
-    <p:pull/>
-  </p:transition>
-  <p:timing>
-    <p:tnLst>
-      <p:par>
-        <p:cTn id="1" dur="indefinite" restart="never" nodeType="tmRoot"/>
-      </p:par>
-    </p:tnLst>
-  </p:timing>
-</p:sld>
-</file>
-
 <file path=ppt/slides/slide19.xml><?xml version="1.0" encoding="utf-8"?>
 <p:sld xmlns:a="http://schemas.openxmlformats.org/drawingml/2006/main" xmlns:r="http://schemas.openxmlformats.org/officeDocument/2006/relationships" xmlns:p="http://schemas.openxmlformats.org/presentationml/2006/main">
   <p:cSld>
@@ -11439,26 +11786,26 @@
             </a:r>
             <a:r>
               <a:rPr kumimoji="1" lang="en-US" altLang="zh-CN" sz="2800" dirty="0" smtClean="0"/>
-              <a:t>4</a:t>
+              <a:t>3</a:t>
             </a:r>
             <a:r>
               <a:rPr kumimoji="1" lang="zh-CN" altLang="en-US" sz="2800" dirty="0" smtClean="0"/>
-              <a:t>）变形动画  </a:t>
+              <a:t>） 描边动画  </a:t>
             </a:r>
             <a:r>
               <a:rPr kumimoji="1" lang="en-US" altLang="zh-CN" sz="2800" dirty="0" smtClean="0"/>
               <a:t>&lt;</a:t>
             </a:r>
             <a:r>
-              <a:rPr lang="en-US" altLang="zh-CN" sz="2800" b="1" dirty="0"/>
+              <a:rPr lang="en-US" altLang="zh-CN" sz="2800" dirty="0"/>
               <a:t> </a:t>
             </a:r>
             <a:r>
-              <a:rPr lang="en-US" altLang="zh-CN" sz="2800" b="1" dirty="0" smtClean="0"/>
+              <a:rPr lang="en-US" altLang="zh-CN" sz="2800" dirty="0" smtClean="0"/>
               <a:t>stroke</a:t>
             </a:r>
             <a:r>
-              <a:rPr lang="zh-CN" altLang="en-US" sz="2800" b="1" dirty="0" smtClean="0"/>
+              <a:rPr lang="zh-CN" altLang="en-US" sz="2800" dirty="0" smtClean="0"/>
               <a:t> </a:t>
             </a:r>
             <a:r>
@@ -11474,10 +11821,522 @@
           </a:p>
         </p:txBody>
       </p:sp>
+      <p:sp>
+        <p:nvSpPr>
+          <p:cNvPr id="4" name="文本框 3"/>
+          <p:cNvSpPr txBox="1"/>
+          <p:nvPr/>
+        </p:nvSpPr>
+        <p:spPr>
+          <a:xfrm>
+            <a:off x="1027416" y="1143329"/>
+            <a:ext cx="10037851" cy="4801314"/>
+          </a:xfrm>
+          <a:prstGeom prst="rect">
+            <a:avLst/>
+          </a:prstGeom>
+          <a:noFill/>
+        </p:spPr>
+        <p:txBody>
+          <a:bodyPr wrap="square" rtlCol="0">
+            <a:spAutoFit/>
+          </a:bodyPr>
+          <a:lstStyle/>
+          <a:p>
+            <a:r>
+              <a:rPr kumimoji="1" lang="zh-CN" altLang="en-US" dirty="0" smtClean="0">
+                <a:solidFill>
+                  <a:srgbClr val="0070C0"/>
+                </a:solidFill>
+              </a:rPr>
+              <a:t>样式相关</a:t>
+            </a:r>
+            <a:endParaRPr kumimoji="1" lang="en-US" altLang="zh-CN" dirty="0" smtClean="0">
+              <a:solidFill>
+                <a:srgbClr val="0070C0"/>
+              </a:solidFill>
+            </a:endParaRPr>
+          </a:p>
+          <a:p>
+            <a:r>
+              <a:rPr kumimoji="1" lang="en-US" altLang="zh-CN" dirty="0" smtClean="0"/>
+              <a:t>1</a:t>
+            </a:r>
+            <a:r>
+              <a:rPr kumimoji="1" lang="en-US" altLang="zh-CN" dirty="0" smtClean="0"/>
+              <a:t>.</a:t>
+            </a:r>
+            <a:r>
+              <a:rPr kumimoji="1" lang="zh-CN" altLang="en-US" dirty="0" smtClean="0"/>
+              <a:t> </a:t>
+            </a:r>
+            <a:r>
+              <a:rPr lang="en-US" altLang="zh-CN" dirty="0" smtClean="0"/>
+              <a:t>stroke</a:t>
+            </a:r>
+            <a:r>
+              <a:rPr lang="zh-CN" altLang="en-US" dirty="0" smtClean="0"/>
+              <a:t> ：颜色</a:t>
+            </a:r>
+            <a:endParaRPr kumimoji="1" lang="en-US" altLang="zh-CN" dirty="0" smtClean="0"/>
+          </a:p>
+          <a:p>
+            <a:r>
+              <a:rPr kumimoji="1" lang="en-US" altLang="zh-CN" dirty="0" smtClean="0"/>
+              <a:t>2.</a:t>
+            </a:r>
+            <a:r>
+              <a:rPr kumimoji="1" lang="zh-CN" altLang="en-US" dirty="0" smtClean="0"/>
+              <a:t> </a:t>
+            </a:r>
+            <a:r>
+              <a:rPr lang="en-US" altLang="zh-CN" dirty="0" smtClean="0"/>
+              <a:t>stroke-width</a:t>
+            </a:r>
+            <a:r>
+              <a:rPr lang="zh-CN" altLang="en-US" dirty="0" smtClean="0"/>
+              <a:t> </a:t>
+            </a:r>
+            <a:r>
+              <a:rPr lang="en-US" altLang="zh-CN" dirty="0" smtClean="0"/>
+              <a:t>:</a:t>
+            </a:r>
+            <a:r>
+              <a:rPr lang="zh-CN" altLang="en-US" dirty="0" smtClean="0"/>
+              <a:t> 线条宽度</a:t>
+            </a:r>
+            <a:endParaRPr kumimoji="1" lang="en-US" altLang="zh-CN" dirty="0"/>
+          </a:p>
+          <a:p>
+            <a:r>
+              <a:rPr kumimoji="1" lang="en-US" altLang="zh-CN" dirty="0" smtClean="0"/>
+              <a:t>3.</a:t>
+            </a:r>
+            <a:r>
+              <a:rPr lang="en-US" altLang="zh-CN" dirty="0" smtClean="0"/>
+              <a:t> stroke-</a:t>
+            </a:r>
+            <a:r>
+              <a:rPr lang="en-US" altLang="zh-CN" dirty="0" err="1" smtClean="0"/>
+              <a:t>linecap</a:t>
+            </a:r>
+            <a:r>
+              <a:rPr lang="zh-CN" altLang="en-US" dirty="0" smtClean="0"/>
+              <a:t>：线端点样式  （</a:t>
+            </a:r>
+            <a:r>
+              <a:rPr lang="en-US" altLang="zh-CN" dirty="0"/>
+              <a:t>butt</a:t>
+            </a:r>
+            <a:r>
+              <a:rPr lang="zh-CN" altLang="en-US" dirty="0"/>
+              <a:t>、</a:t>
+            </a:r>
+            <a:r>
+              <a:rPr lang="en-US" altLang="zh-CN" dirty="0"/>
+              <a:t>round</a:t>
+            </a:r>
+            <a:r>
+              <a:rPr lang="zh-CN" altLang="en-US" dirty="0"/>
+              <a:t>、</a:t>
+            </a:r>
+            <a:r>
+              <a:rPr lang="en-US" altLang="zh-CN" dirty="0" smtClean="0"/>
+              <a:t>square</a:t>
+            </a:r>
+            <a:r>
+              <a:rPr lang="zh-CN" altLang="en-US" dirty="0" smtClean="0"/>
+              <a:t>）</a:t>
+            </a:r>
+            <a:endParaRPr lang="en-US" altLang="zh-CN" dirty="0" smtClean="0"/>
+          </a:p>
+          <a:p>
+            <a:r>
+              <a:rPr lang="en-US" altLang="zh-CN" dirty="0" smtClean="0"/>
+              <a:t>4.</a:t>
+            </a:r>
+            <a:r>
+              <a:rPr lang="zh-CN" altLang="en-US" dirty="0" smtClean="0"/>
+              <a:t> </a:t>
+            </a:r>
+            <a:r>
+              <a:rPr lang="en-US" altLang="zh-CN" dirty="0" smtClean="0"/>
+              <a:t>stroke-</a:t>
+            </a:r>
+            <a:r>
+              <a:rPr lang="en-US" altLang="zh-CN" dirty="0" err="1" smtClean="0"/>
+              <a:t>linejoin</a:t>
+            </a:r>
+            <a:r>
+              <a:rPr lang="zh-CN" altLang="en-US" dirty="0" smtClean="0"/>
+              <a:t>：线顶点样式  （</a:t>
+            </a:r>
+            <a:r>
+              <a:rPr lang="nl-NL" altLang="zh-CN" dirty="0" err="1"/>
+              <a:t>arcs</a:t>
+            </a:r>
+            <a:r>
+              <a:rPr lang="zh-CN" altLang="nl-NL" dirty="0"/>
+              <a:t>、</a:t>
+            </a:r>
+            <a:r>
+              <a:rPr lang="nl-NL" altLang="zh-CN" dirty="0"/>
+              <a:t>bevel</a:t>
+            </a:r>
+            <a:r>
+              <a:rPr lang="zh-CN" altLang="nl-NL" dirty="0"/>
+              <a:t>、</a:t>
+            </a:r>
+            <a:r>
+              <a:rPr lang="nl-NL" altLang="zh-CN" dirty="0" err="1"/>
+              <a:t>miter</a:t>
+            </a:r>
+            <a:r>
+              <a:rPr lang="zh-CN" altLang="nl-NL" dirty="0"/>
+              <a:t>、</a:t>
+            </a:r>
+            <a:r>
+              <a:rPr lang="nl-NL" altLang="zh-CN" dirty="0" err="1" smtClean="0"/>
+              <a:t>round</a:t>
+            </a:r>
+            <a:r>
+              <a:rPr lang="en-US" altLang="zh-CN" dirty="0" smtClean="0"/>
+              <a:t>)</a:t>
+            </a:r>
+          </a:p>
+          <a:p>
+            <a:endParaRPr lang="en-US" altLang="zh-CN" dirty="0" smtClean="0"/>
+          </a:p>
+          <a:p>
+            <a:r>
+              <a:rPr lang="zh-CN" altLang="en-US" dirty="0" smtClean="0">
+                <a:solidFill>
+                  <a:srgbClr val="0070C0"/>
+                </a:solidFill>
+              </a:rPr>
+              <a:t>动画相关</a:t>
+            </a:r>
+            <a:endParaRPr lang="en-US" altLang="zh-CN" dirty="0" smtClean="0">
+              <a:solidFill>
+                <a:srgbClr val="0070C0"/>
+              </a:solidFill>
+            </a:endParaRPr>
+          </a:p>
+          <a:p>
+            <a:endParaRPr lang="en-US" altLang="zh-CN" dirty="0" smtClean="0"/>
+          </a:p>
+          <a:p>
+            <a:r>
+              <a:rPr lang="en-US" altLang="zh-CN" dirty="0" smtClean="0"/>
+              <a:t>5.</a:t>
+            </a:r>
+            <a:r>
+              <a:rPr lang="zh-CN" altLang="en-US" dirty="0" smtClean="0"/>
+              <a:t> </a:t>
+            </a:r>
+            <a:r>
+              <a:rPr lang="en-US" altLang="zh-CN" dirty="0"/>
+              <a:t>stroke-</a:t>
+            </a:r>
+            <a:r>
+              <a:rPr lang="en-US" altLang="zh-CN" dirty="0" err="1"/>
+              <a:t>dasharray</a:t>
+            </a:r>
+            <a:r>
+              <a:rPr lang="zh-CN" altLang="en-US" dirty="0" smtClean="0"/>
+              <a:t>： </a:t>
+            </a:r>
+            <a:r>
+              <a:rPr lang="en-US" altLang="zh-CN" dirty="0" smtClean="0"/>
+              <a:t>[number,</a:t>
+            </a:r>
+            <a:r>
+              <a:rPr lang="zh-CN" altLang="en-US" dirty="0" smtClean="0"/>
+              <a:t> </a:t>
+            </a:r>
+            <a:r>
+              <a:rPr lang="en-US" altLang="zh-CN" dirty="0" smtClean="0"/>
+              <a:t>number,</a:t>
+            </a:r>
+            <a:r>
+              <a:rPr lang="zh-CN" altLang="en-US" dirty="0" smtClean="0"/>
+              <a:t> </a:t>
+            </a:r>
+            <a:r>
+              <a:rPr lang="mr-IN" altLang="zh-CN" dirty="0" smtClean="0"/>
+              <a:t>…</a:t>
+            </a:r>
+            <a:r>
+              <a:rPr lang="en-US" altLang="zh-CN" dirty="0" smtClean="0"/>
+              <a:t>]</a:t>
+            </a:r>
+            <a:r>
+              <a:rPr lang="zh-CN" altLang="en-US" dirty="0" smtClean="0"/>
+              <a:t> </a:t>
+            </a:r>
+            <a:r>
+              <a:rPr lang="en-US" altLang="zh-CN" dirty="0" smtClean="0"/>
+              <a:t>,</a:t>
+            </a:r>
+            <a:r>
+              <a:rPr lang="zh-CN" altLang="en-US" dirty="0" smtClean="0"/>
+              <a:t> 值为逗号或空格分隔的数，</a:t>
+            </a:r>
+            <a:endParaRPr lang="en-US" altLang="zh-CN" dirty="0"/>
+          </a:p>
+          <a:p>
+            <a:r>
+              <a:rPr kumimoji="1" lang="en-US" altLang="zh-CN" dirty="0" smtClean="0"/>
+              <a:t>		</a:t>
+            </a:r>
+            <a:r>
+              <a:rPr kumimoji="1" lang="zh-CN" altLang="en-US" dirty="0" smtClean="0"/>
+              <a:t>          </a:t>
+            </a:r>
+            <a:r>
+              <a:rPr kumimoji="1" lang="zh-CN" altLang="en-US" dirty="0" smtClean="0">
+                <a:solidFill>
+                  <a:srgbClr val="0070C0"/>
+                </a:solidFill>
+              </a:rPr>
+              <a:t>第一个值代表</a:t>
+            </a:r>
+            <a:r>
+              <a:rPr lang="en-US" altLang="zh-CN" dirty="0" smtClean="0">
+                <a:solidFill>
+                  <a:srgbClr val="0070C0"/>
+                </a:solidFill>
+              </a:rPr>
+              <a:t>dash</a:t>
+            </a:r>
+            <a:r>
+              <a:rPr kumimoji="1" lang="zh-CN" altLang="en-US" dirty="0" smtClean="0">
+                <a:solidFill>
+                  <a:srgbClr val="0070C0"/>
+                </a:solidFill>
+              </a:rPr>
+              <a:t>长</a:t>
+            </a:r>
+            <a:r>
+              <a:rPr kumimoji="1" lang="zh-CN" altLang="en-US" dirty="0" smtClean="0">
+                <a:solidFill>
+                  <a:srgbClr val="0070C0"/>
+                </a:solidFill>
+              </a:rPr>
+              <a:t>度</a:t>
+            </a:r>
+            <a:r>
+              <a:rPr kumimoji="1" lang="en-US" altLang="zh-CN" dirty="0" smtClean="0">
+                <a:solidFill>
+                  <a:srgbClr val="0070C0"/>
+                </a:solidFill>
+              </a:rPr>
+              <a:t>,</a:t>
+            </a:r>
+            <a:r>
+              <a:rPr kumimoji="1" lang="zh-CN" altLang="en-US" dirty="0" smtClean="0">
+                <a:solidFill>
+                  <a:srgbClr val="0070C0"/>
+                </a:solidFill>
+              </a:rPr>
+              <a:t> 第二个值代表</a:t>
+            </a:r>
+            <a:r>
+              <a:rPr lang="en-US" altLang="zh-CN" dirty="0">
+                <a:solidFill>
+                  <a:srgbClr val="0070C0"/>
+                </a:solidFill>
+              </a:rPr>
+              <a:t>dash</a:t>
+            </a:r>
+            <a:r>
+              <a:rPr kumimoji="1" lang="zh-CN" altLang="en-US" smtClean="0">
+                <a:solidFill>
+                  <a:srgbClr val="0070C0"/>
+                </a:solidFill>
+              </a:rPr>
+              <a:t>间隔长度</a:t>
+            </a:r>
+            <a:endParaRPr kumimoji="1" lang="en-US" altLang="zh-CN" dirty="0" smtClean="0">
+              <a:solidFill>
+                <a:srgbClr val="0070C0"/>
+              </a:solidFill>
+            </a:endParaRPr>
+          </a:p>
+          <a:p>
+            <a:endParaRPr kumimoji="1" lang="en-US" altLang="zh-CN" dirty="0"/>
+          </a:p>
+          <a:p>
+            <a:endParaRPr kumimoji="1" lang="en-US" altLang="zh-CN" dirty="0" smtClean="0"/>
+          </a:p>
+          <a:p>
+            <a:endParaRPr kumimoji="1" lang="en-US" altLang="zh-CN" dirty="0"/>
+          </a:p>
+          <a:p>
+            <a:endParaRPr kumimoji="1" lang="en-US" altLang="zh-CN" dirty="0" smtClean="0"/>
+          </a:p>
+          <a:p>
+            <a:r>
+              <a:rPr lang="en-US" altLang="zh-CN" dirty="0" smtClean="0"/>
+              <a:t>6.</a:t>
+            </a:r>
+            <a:r>
+              <a:rPr lang="zh-CN" altLang="en-US" dirty="0" smtClean="0"/>
+              <a:t> </a:t>
+            </a:r>
+            <a:r>
+              <a:rPr lang="en-US" altLang="zh-CN" dirty="0"/>
+              <a:t>stroke-</a:t>
+            </a:r>
+            <a:r>
+              <a:rPr lang="en-US" altLang="zh-CN" dirty="0" err="1"/>
+              <a:t>dashoffset</a:t>
+            </a:r>
+            <a:r>
+              <a:rPr lang="zh-CN" altLang="en-US" dirty="0"/>
+              <a:t>： </a:t>
+            </a:r>
+            <a:r>
+              <a:rPr lang="en-US" altLang="zh-CN" dirty="0" smtClean="0"/>
+              <a:t>number||</a:t>
+            </a:r>
+            <a:r>
+              <a:rPr lang="zh-CN" altLang="en-US" dirty="0" smtClean="0"/>
+              <a:t> </a:t>
+            </a:r>
+            <a:r>
+              <a:rPr lang="en-US" altLang="zh-CN" dirty="0" smtClean="0"/>
+              <a:t>percentage</a:t>
+            </a:r>
+          </a:p>
+          <a:p>
+            <a:r>
+              <a:rPr lang="en-US" altLang="zh-CN" dirty="0"/>
+              <a:t>		</a:t>
+            </a:r>
+            <a:r>
+              <a:rPr lang="zh-CN" altLang="en-US" dirty="0"/>
+              <a:t> </a:t>
+            </a:r>
+            <a:r>
+              <a:rPr lang="zh-CN" altLang="en-US" dirty="0" smtClean="0"/>
+              <a:t>        用</a:t>
+            </a:r>
+            <a:r>
+              <a:rPr lang="zh-CN" altLang="en-US" dirty="0"/>
+              <a:t>来设置 </a:t>
+            </a:r>
+            <a:r>
+              <a:rPr lang="en-US" altLang="zh-CN" dirty="0" err="1"/>
+              <a:t>dasharray</a:t>
+            </a:r>
+            <a:r>
+              <a:rPr lang="en-US" altLang="zh-CN" dirty="0"/>
+              <a:t> </a:t>
+            </a:r>
+            <a:r>
+              <a:rPr lang="zh-CN" altLang="en-US" dirty="0"/>
+              <a:t>定义其实 </a:t>
+            </a:r>
+            <a:r>
+              <a:rPr lang="en-US" altLang="zh-CN" dirty="0"/>
+              <a:t>dash </a:t>
+            </a:r>
+            <a:r>
+              <a:rPr lang="zh-CN" altLang="en-US" dirty="0"/>
+              <a:t>线条开始的</a:t>
+            </a:r>
+            <a:r>
+              <a:rPr lang="zh-CN" altLang="en-US" dirty="0" smtClean="0"/>
+              <a:t>位置</a:t>
+            </a:r>
+            <a:endParaRPr lang="en-US" altLang="zh-CN" dirty="0" smtClean="0"/>
+          </a:p>
+          <a:p>
+            <a:r>
+              <a:rPr kumimoji="1" lang="en-US" altLang="zh-CN" dirty="0"/>
+              <a:t>	</a:t>
+            </a:r>
+            <a:r>
+              <a:rPr kumimoji="1" lang="en-US" altLang="zh-CN" dirty="0" smtClean="0"/>
+              <a:t>	</a:t>
+            </a:r>
+            <a:r>
+              <a:rPr kumimoji="1" lang="zh-CN" altLang="en-US" dirty="0" smtClean="0">
+                <a:solidFill>
+                  <a:srgbClr val="0070C0"/>
+                </a:solidFill>
+              </a:rPr>
+              <a:t>         </a:t>
+            </a:r>
+            <a:r>
+              <a:rPr lang="zh-CN" altLang="en-US" dirty="0" smtClean="0">
+                <a:solidFill>
+                  <a:srgbClr val="0070C0"/>
+                </a:solidFill>
+              </a:rPr>
+              <a:t>结合 </a:t>
+            </a:r>
+            <a:r>
+              <a:rPr lang="en-US" altLang="zh-CN" dirty="0" err="1">
+                <a:solidFill>
+                  <a:srgbClr val="0070C0"/>
+                </a:solidFill>
+              </a:rPr>
+              <a:t>dasharray</a:t>
+            </a:r>
+            <a:r>
+              <a:rPr lang="en-US" altLang="zh-CN" dirty="0">
+                <a:solidFill>
+                  <a:srgbClr val="0070C0"/>
+                </a:solidFill>
+              </a:rPr>
+              <a:t> </a:t>
+            </a:r>
+            <a:r>
+              <a:rPr lang="zh-CN" altLang="en-US" dirty="0">
+                <a:solidFill>
+                  <a:srgbClr val="0070C0"/>
+                </a:solidFill>
+              </a:rPr>
+              <a:t>可以实现线条的运动</a:t>
+            </a:r>
+            <a:endParaRPr kumimoji="1" lang="zh-CN" altLang="en-US" dirty="0">
+              <a:solidFill>
+                <a:srgbClr val="0070C0"/>
+              </a:solidFill>
+            </a:endParaRPr>
+          </a:p>
+        </p:txBody>
+      </p:sp>
+      <p:pic>
+        <p:nvPicPr>
+          <p:cNvPr id="5" name="图片 4"/>
+          <p:cNvPicPr>
+            <a:picLocks noChangeAspect="1"/>
+          </p:cNvPicPr>
+          <p:nvPr/>
+        </p:nvPicPr>
+        <p:blipFill>
+          <a:blip r:embed="rId2"/>
+          <a:stretch>
+            <a:fillRect/>
+          </a:stretch>
+        </p:blipFill>
+        <p:spPr>
+          <a:xfrm>
+            <a:off x="3995461" y="4088463"/>
+            <a:ext cx="4458985" cy="750175"/>
+          </a:xfrm>
+          <a:prstGeom prst="rect">
+            <a:avLst/>
+          </a:prstGeom>
+        </p:spPr>
+      </p:pic>
     </p:spTree>
     <p:extLst>
       <p:ext uri="{BB962C8B-B14F-4D97-AF65-F5344CB8AC3E}">
-        <p14:creationId xmlns:p14="http://schemas.microsoft.com/office/powerpoint/2010/main" val="1764284690"/>
+        <p14:creationId xmlns:p14="http://schemas.microsoft.com/office/powerpoint/2010/main" val="1957255632"/>
       </p:ext>
     </p:extLst>
   </p:cSld>
@@ -11564,7 +12423,7 @@
         </p:nvSpPr>
         <p:spPr>
           <a:xfrm>
-            <a:off x="644374" y="1348154"/>
+            <a:off x="644373" y="1512541"/>
             <a:ext cx="10926303" cy="646331"/>
           </a:xfrm>
           <a:prstGeom prst="rect">
@@ -11658,7 +12517,7 @@
         </p:nvSpPr>
         <p:spPr>
           <a:xfrm>
-            <a:off x="879230" y="2145323"/>
+            <a:off x="1125217" y="2998078"/>
             <a:ext cx="9964616" cy="2308324"/>
           </a:xfrm>
           <a:prstGeom prst="rect">
@@ -11884,6 +12743,320 @@
       </p:grpSpPr>
       <p:sp>
         <p:nvSpPr>
+          <p:cNvPr id="3" name="文本框 2"/>
+          <p:cNvSpPr txBox="1"/>
+          <p:nvPr/>
+        </p:nvSpPr>
+        <p:spPr>
+          <a:xfrm>
+            <a:off x="435399" y="427957"/>
+            <a:ext cx="9988062" cy="1077218"/>
+          </a:xfrm>
+          <a:prstGeom prst="rect">
+            <a:avLst/>
+          </a:prstGeom>
+          <a:noFill/>
+        </p:spPr>
+        <p:txBody>
+          <a:bodyPr wrap="square" rtlCol="0">
+            <a:spAutoFit/>
+          </a:bodyPr>
+          <a:lstStyle/>
+          <a:p>
+            <a:r>
+              <a:rPr kumimoji="1" lang="zh-CN" altLang="en-US" sz="2800" dirty="0" smtClean="0"/>
+              <a:t>（</a:t>
+            </a:r>
+            <a:r>
+              <a:rPr kumimoji="1" lang="en-US" altLang="zh-CN" sz="2800" dirty="0" smtClean="0"/>
+              <a:t>4</a:t>
+            </a:r>
+            <a:r>
+              <a:rPr kumimoji="1" lang="zh-CN" altLang="en-US" sz="2800" dirty="0" smtClean="0"/>
+              <a:t>）变形动画  </a:t>
+            </a:r>
+            <a:r>
+              <a:rPr kumimoji="1" lang="en-US" altLang="zh-CN" sz="2800" dirty="0" smtClean="0"/>
+              <a:t>&lt;</a:t>
+            </a:r>
+            <a:r>
+              <a:rPr lang="en-US" altLang="zh-CN" sz="2800" b="1" dirty="0"/>
+              <a:t> </a:t>
+            </a:r>
+            <a:r>
+              <a:rPr lang="en-US" altLang="zh-CN" sz="2800" b="1" dirty="0" smtClean="0"/>
+              <a:t>stroke</a:t>
+            </a:r>
+            <a:r>
+              <a:rPr lang="zh-CN" altLang="en-US" sz="2800" b="1" dirty="0" smtClean="0"/>
+              <a:t> </a:t>
+            </a:r>
+            <a:r>
+              <a:rPr kumimoji="1" lang="en-US" altLang="zh-CN" sz="2800" dirty="0" smtClean="0"/>
+              <a:t>&gt;</a:t>
+            </a:r>
+          </a:p>
+          <a:p>
+            <a:endParaRPr kumimoji="1" lang="en-US" altLang="zh-CN" dirty="0" smtClean="0"/>
+          </a:p>
+          <a:p>
+            <a:endParaRPr kumimoji="1" lang="zh-CN" altLang="en-US" dirty="0"/>
+          </a:p>
+        </p:txBody>
+      </p:sp>
+      <p:sp>
+        <p:nvSpPr>
+          <p:cNvPr id="2" name="矩形 1"/>
+          <p:cNvSpPr/>
+          <p:nvPr/>
+        </p:nvSpPr>
+        <p:spPr>
+          <a:xfrm>
+            <a:off x="435399" y="3183900"/>
+            <a:ext cx="11400429" cy="2862322"/>
+          </a:xfrm>
+          <a:prstGeom prst="rect">
+            <a:avLst/>
+          </a:prstGeom>
+        </p:spPr>
+        <p:txBody>
+          <a:bodyPr wrap="square">
+            <a:spAutoFit/>
+          </a:bodyPr>
+          <a:lstStyle/>
+          <a:p>
+            <a:r>
+              <a:rPr lang="en-US" altLang="zh-CN" dirty="0" err="1"/>
+              <a:t>calcMode</a:t>
+            </a:r>
+            <a:r>
+              <a:rPr lang="zh-CN" altLang="en-US" dirty="0"/>
+              <a:t> ：每一个动画片段的动画表现 </a:t>
+            </a:r>
+            <a:r>
+              <a:rPr lang="en-US" altLang="zh-CN" dirty="0"/>
+              <a:t>,</a:t>
+            </a:r>
+            <a:r>
+              <a:rPr lang="zh-CN" altLang="en-US" dirty="0"/>
+              <a:t> </a:t>
+            </a:r>
+            <a:r>
+              <a:rPr lang="de-DE" altLang="zh-CN" dirty="0" err="1"/>
+              <a:t>discrete</a:t>
+            </a:r>
+            <a:r>
+              <a:rPr lang="de-DE" altLang="zh-CN" dirty="0"/>
+              <a:t> | linear | </a:t>
+            </a:r>
+            <a:r>
+              <a:rPr lang="de-DE" altLang="zh-CN" dirty="0" err="1"/>
+              <a:t>paced</a:t>
+            </a:r>
+            <a:r>
+              <a:rPr lang="de-DE" altLang="zh-CN" dirty="0"/>
+              <a:t> | </a:t>
+            </a:r>
+            <a:r>
+              <a:rPr lang="de-DE" altLang="zh-CN" dirty="0" err="1"/>
+              <a:t>spline</a:t>
+            </a:r>
+            <a:r>
+              <a:rPr lang="zh-CN" altLang="en-US" dirty="0"/>
+              <a:t>  （贝塞尔曲线</a:t>
+            </a:r>
+            <a:r>
+              <a:rPr lang="zh-CN" altLang="en-US" dirty="0" smtClean="0"/>
+              <a:t>）</a:t>
+            </a:r>
+            <a:endParaRPr lang="en-US" altLang="zh-CN" dirty="0" smtClean="0"/>
+          </a:p>
+          <a:p>
+            <a:endParaRPr lang="en-US" altLang="zh-CN" dirty="0" smtClean="0"/>
+          </a:p>
+          <a:p>
+            <a:endParaRPr lang="en-US" altLang="zh-CN" dirty="0"/>
+          </a:p>
+          <a:p>
+            <a:r>
+              <a:rPr lang="en-US" altLang="zh-CN" dirty="0" err="1" smtClean="0"/>
+              <a:t>keyTimes</a:t>
+            </a:r>
+            <a:r>
+              <a:rPr lang="en-US" altLang="zh-CN" dirty="0"/>
+              <a:t>,</a:t>
+            </a:r>
+            <a:r>
+              <a:rPr lang="zh-CN" altLang="en-US" dirty="0"/>
+              <a:t>：动画各个阶段指定动画持续时间</a:t>
+            </a:r>
+            <a:r>
+              <a:rPr lang="en-US" altLang="zh-CN" dirty="0"/>
+              <a:t>,</a:t>
+            </a:r>
+            <a:r>
+              <a:rPr lang="zh-CN" altLang="en-US" dirty="0"/>
+              <a:t> 和</a:t>
+            </a:r>
+            <a:r>
+              <a:rPr lang="en-US" altLang="zh-CN" dirty="0"/>
+              <a:t>&lt;list&gt;</a:t>
+            </a:r>
+            <a:r>
+              <a:rPr lang="zh-CN" altLang="en-US" dirty="0"/>
+              <a:t>类似，都是分号分隔一组值  </a:t>
+            </a:r>
+            <a:r>
+              <a:rPr lang="en-US" altLang="zh-CN" dirty="0"/>
+              <a:t>&lt;</a:t>
+            </a:r>
+            <a:r>
+              <a:rPr lang="zh-CN" altLang="en-US" dirty="0"/>
+              <a:t> </a:t>
+            </a:r>
+            <a:r>
+              <a:rPr lang="mr-IN" altLang="zh-CN" dirty="0" err="1"/>
+              <a:t>keyTimes</a:t>
+            </a:r>
+            <a:r>
+              <a:rPr lang="mr-IN" altLang="zh-CN" dirty="0"/>
+              <a:t>=“0; .8; 1”</a:t>
+            </a:r>
+            <a:r>
+              <a:rPr lang="zh-CN" altLang="en-US" dirty="0"/>
+              <a:t> </a:t>
+            </a:r>
+            <a:r>
+              <a:rPr lang="en-US" altLang="zh-CN" dirty="0" smtClean="0"/>
+              <a:t>&gt;</a:t>
+            </a:r>
+          </a:p>
+          <a:p>
+            <a:r>
+              <a:rPr lang="zh-CN" altLang="en-US" dirty="0" smtClean="0"/>
+              <a:t> </a:t>
+            </a:r>
+            <a:endParaRPr lang="en-US" altLang="zh-CN" dirty="0" smtClean="0"/>
+          </a:p>
+          <a:p>
+            <a:endParaRPr lang="en-US" altLang="zh-CN" dirty="0"/>
+          </a:p>
+          <a:p>
+            <a:r>
+              <a:rPr lang="en-US" altLang="zh-CN" dirty="0" err="1" smtClean="0"/>
+              <a:t>keySplines</a:t>
+            </a:r>
+            <a:r>
+              <a:rPr lang="en-US" altLang="zh-CN" dirty="0"/>
+              <a:t>:</a:t>
+            </a:r>
+            <a:r>
+              <a:rPr lang="zh-CN" altLang="en-US" dirty="0"/>
+              <a:t> 贝塞尔曲线控制点 </a:t>
+            </a:r>
+            <a:endParaRPr lang="en-US" altLang="zh-CN" dirty="0" smtClean="0"/>
+          </a:p>
+          <a:p>
+            <a:endParaRPr kumimoji="1" lang="en-US" altLang="zh-CN" dirty="0" smtClean="0"/>
+          </a:p>
+          <a:p>
+            <a:endParaRPr kumimoji="1" lang="en-US" altLang="zh-CN" dirty="0"/>
+          </a:p>
+          <a:p>
+            <a:r>
+              <a:rPr lang="en-US" altLang="zh-CN" dirty="0" smtClean="0"/>
+              <a:t>values:</a:t>
+            </a:r>
+            <a:r>
+              <a:rPr lang="zh-CN" altLang="en-US" dirty="0" smtClean="0"/>
+              <a:t> 结合</a:t>
+            </a:r>
+            <a:r>
+              <a:rPr lang="en-US" altLang="zh-CN" dirty="0" err="1" smtClean="0"/>
+              <a:t>attributeName</a:t>
+            </a:r>
+            <a:r>
+              <a:rPr lang="zh-CN" altLang="en-US" dirty="0" smtClean="0"/>
+              <a:t>属性，来设置属性具体的值，每一组值用 </a:t>
+            </a:r>
+            <a:r>
+              <a:rPr lang="en-US" altLang="zh-CN" dirty="0" smtClean="0"/>
+              <a:t>;</a:t>
+            </a:r>
+            <a:r>
+              <a:rPr lang="zh-CN" altLang="en-US" dirty="0" smtClean="0"/>
+              <a:t> 分隔</a:t>
+            </a:r>
+            <a:endParaRPr kumimoji="1" lang="zh-CN" altLang="en-US" dirty="0"/>
+          </a:p>
+        </p:txBody>
+      </p:sp>
+      <p:pic>
+        <p:nvPicPr>
+          <p:cNvPr id="4" name="图片 3"/>
+          <p:cNvPicPr>
+            <a:picLocks noChangeAspect="1"/>
+          </p:cNvPicPr>
+          <p:nvPr/>
+        </p:nvPicPr>
+        <p:blipFill>
+          <a:blip r:embed="rId2"/>
+          <a:stretch>
+            <a:fillRect/>
+          </a:stretch>
+        </p:blipFill>
+        <p:spPr>
+          <a:xfrm>
+            <a:off x="4839128" y="961575"/>
+            <a:ext cx="1909322" cy="2222325"/>
+          </a:xfrm>
+          <a:prstGeom prst="rect">
+            <a:avLst/>
+          </a:prstGeom>
+        </p:spPr>
+      </p:pic>
+    </p:spTree>
+    <p:extLst>
+      <p:ext uri="{BB962C8B-B14F-4D97-AF65-F5344CB8AC3E}">
+        <p14:creationId xmlns:p14="http://schemas.microsoft.com/office/powerpoint/2010/main" val="1764284690"/>
+      </p:ext>
+    </p:extLst>
+  </p:cSld>
+  <p:clrMapOvr>
+    <a:masterClrMapping/>
+  </p:clrMapOvr>
+  <p:transition spd="med">
+    <p:pull/>
+  </p:transition>
+  <p:timing>
+    <p:tnLst>
+      <p:par>
+        <p:cTn id="1" dur="indefinite" restart="never" nodeType="tmRoot"/>
+      </p:par>
+    </p:tnLst>
+  </p:timing>
+</p:sld>
+</file>
+
+<file path=ppt/slides/slide21.xml><?xml version="1.0" encoding="utf-8"?>
+<p:sld xmlns:a="http://schemas.openxmlformats.org/drawingml/2006/main" xmlns:r="http://schemas.openxmlformats.org/officeDocument/2006/relationships" xmlns:p="http://schemas.openxmlformats.org/presentationml/2006/main">
+  <p:cSld>
+    <p:spTree>
+      <p:nvGrpSpPr>
+        <p:cNvPr id="1" name=""/>
+        <p:cNvGrpSpPr/>
+        <p:nvPr/>
+      </p:nvGrpSpPr>
+      <p:grpSpPr>
+        <a:xfrm>
+          <a:off x="0" y="0"/>
+          <a:ext cx="0" cy="0"/>
+          <a:chOff x="0" y="0"/>
+          <a:chExt cx="0" cy="0"/>
+        </a:xfrm>
+      </p:grpSpPr>
+      <p:sp>
+        <p:nvSpPr>
           <p:cNvPr id="2" name="文本框 1"/>
           <p:cNvSpPr txBox="1"/>
           <p:nvPr/>
@@ -11910,11 +13083,7 @@
             </a:r>
             <a:r>
               <a:rPr kumimoji="1" lang="zh-CN" altLang="en-US" sz="3200" b="1" dirty="0" smtClean="0"/>
-              <a:t>常用</a:t>
-            </a:r>
-            <a:r>
-              <a:rPr kumimoji="1" lang="zh-CN" altLang="en-US" sz="3200" b="1" dirty="0" smtClean="0"/>
-              <a:t>开源库介绍</a:t>
+              <a:t>常用开源库介绍</a:t>
             </a:r>
             <a:endParaRPr kumimoji="1" lang="zh-CN" altLang="en-US" sz="3200" b="1" dirty="0"/>
           </a:p>
@@ -12053,7 +13222,7 @@
 </p:sld>
 </file>
 
-<file path=ppt/slides/slide21.xml><?xml version="1.0" encoding="utf-8"?>
+<file path=ppt/slides/slide22.xml><?xml version="1.0" encoding="utf-8"?>
 <p:sld xmlns:a="http://schemas.openxmlformats.org/drawingml/2006/main" xmlns:r="http://schemas.openxmlformats.org/officeDocument/2006/relationships" xmlns:p="http://schemas.openxmlformats.org/presentationml/2006/main">
   <p:cSld>
     <p:spTree>
@@ -12267,7 +13436,7 @@
 </p:sld>
 </file>
 
-<file path=ppt/slides/slide22.xml><?xml version="1.0" encoding="utf-8"?>
+<file path=ppt/slides/slide23.xml><?xml version="1.0" encoding="utf-8"?>
 <p:sld xmlns:a="http://schemas.openxmlformats.org/drawingml/2006/main" xmlns:r="http://schemas.openxmlformats.org/officeDocument/2006/relationships" xmlns:p="http://schemas.openxmlformats.org/presentationml/2006/main">
   <p:cSld>
     <p:spTree>
@@ -12286,14 +13455,14 @@
       </p:grpSpPr>
       <p:sp>
         <p:nvSpPr>
-          <p:cNvPr id="2" name="文本框 1"/>
+          <p:cNvPr id="4" name="文本框 3"/>
           <p:cNvSpPr txBox="1"/>
           <p:nvPr/>
         </p:nvSpPr>
         <p:spPr>
           <a:xfrm>
-            <a:off x="527538" y="445478"/>
-            <a:ext cx="5263661" cy="461665"/>
+            <a:off x="816597" y="874489"/>
+            <a:ext cx="10726615" cy="1015663"/>
           </a:xfrm>
           <a:prstGeom prst="rect">
             <a:avLst/>
@@ -12307,91 +13476,63 @@
           <a:lstStyle/>
           <a:p>
             <a:r>
-              <a:rPr kumimoji="1" lang="zh-CN" altLang="en-US" sz="2400" dirty="0" smtClean="0"/>
-              <a:t>常用开源库介绍</a:t>
-            </a:r>
-            <a:endParaRPr kumimoji="1" lang="zh-CN" altLang="en-US" sz="2400" dirty="0"/>
-          </a:p>
-        </p:txBody>
-      </p:sp>
-      <p:sp>
-        <p:nvSpPr>
-          <p:cNvPr id="4" name="文本框 3"/>
-          <p:cNvSpPr txBox="1"/>
-          <p:nvPr/>
-        </p:nvSpPr>
-        <p:spPr>
-          <a:xfrm>
-            <a:off x="890954" y="1090246"/>
-            <a:ext cx="10726615" cy="923330"/>
-          </a:xfrm>
-          <a:prstGeom prst="rect">
-            <a:avLst/>
-          </a:prstGeom>
-          <a:noFill/>
-        </p:spPr>
-        <p:txBody>
-          <a:bodyPr wrap="square" rtlCol="0">
-            <a:spAutoFit/>
-          </a:bodyPr>
-          <a:lstStyle/>
+              <a:rPr lang="en-US" altLang="zh-CN" sz="2400" b="1" dirty="0" err="1" smtClean="0"/>
+              <a:t>Vivus</a:t>
+            </a:r>
+            <a:r>
+              <a:rPr lang="zh-CN" altLang="en-US" b="1" dirty="0" smtClean="0"/>
+              <a:t>     </a:t>
+            </a:r>
+            <a:r>
+              <a:rPr kumimoji="1" lang="zh-CN" altLang="en-US" dirty="0" smtClean="0"/>
+              <a:t>（</a:t>
+            </a:r>
+            <a:r>
+              <a:rPr lang="zh-CN" altLang="en-US" dirty="0"/>
+              <a:t>轻量级</a:t>
+            </a:r>
+            <a:r>
+              <a:rPr lang="en-US" altLang="zh-CN" dirty="0" smtClean="0"/>
+              <a:t>JavaScript</a:t>
+            </a:r>
+            <a:r>
+              <a:rPr lang="zh-CN" altLang="en-US" dirty="0" smtClean="0"/>
+              <a:t>库，控制描边动画各种效果</a:t>
+            </a:r>
+            <a:r>
+              <a:rPr kumimoji="1" lang="zh-CN" altLang="en-US" dirty="0" smtClean="0"/>
+              <a:t>）</a:t>
+            </a:r>
+            <a:endParaRPr kumimoji="1" lang="en-US" altLang="zh-CN" dirty="0" smtClean="0"/>
+          </a:p>
+          <a:p>
+            <a:endParaRPr kumimoji="1" lang="en-US" altLang="zh-CN" dirty="0" smtClean="0"/>
+          </a:p>
           <a:p>
             <a:r>
               <a:rPr kumimoji="1" lang="en-US" altLang="zh-CN" dirty="0" err="1" smtClean="0"/>
-              <a:t>Snap.svg</a:t>
+              <a:t>github</a:t>
             </a:r>
             <a:r>
               <a:rPr kumimoji="1" lang="zh-CN" altLang="en-US" dirty="0" smtClean="0"/>
-              <a:t>                （支持生成</a:t>
-            </a:r>
-            <a:r>
-              <a:rPr kumimoji="1" lang="en-US" altLang="zh-CN" dirty="0" err="1" smtClean="0"/>
-              <a:t>svg</a:t>
-            </a:r>
-            <a:r>
-              <a:rPr kumimoji="1" lang="zh-CN" altLang="en-US" dirty="0" smtClean="0"/>
-              <a:t>元素和控制动画）</a:t>
-            </a:r>
-            <a:endParaRPr kumimoji="1" lang="en-US" altLang="zh-CN" dirty="0" smtClean="0"/>
-          </a:p>
-          <a:p>
-            <a:endParaRPr kumimoji="1" lang="en-US" altLang="zh-CN" dirty="0" smtClean="0"/>
-          </a:p>
-          <a:p>
-            <a:r>
-              <a:rPr kumimoji="1" lang="en-US" altLang="zh-CN" dirty="0" smtClean="0">
+              <a:t>： </a:t>
+            </a:r>
+            <a:r>
+              <a:rPr lang="en-US" altLang="zh-CN" dirty="0" smtClean="0">
                 <a:hlinkClick r:id="rId2"/>
               </a:rPr>
-              <a:t>https://github.com/adobe-webplatform/Snap.svg</a:t>
+              <a:t>https</a:t>
+            </a:r>
+            <a:r>
+              <a:rPr lang="en-US" altLang="zh-CN" dirty="0">
+                <a:hlinkClick r:id="rId2"/>
+              </a:rPr>
+              <a:t>://github.com/maxwellito/vivus#vivusjs</a:t>
             </a:r>
             <a:endParaRPr kumimoji="1" lang="zh-CN" altLang="en-US" dirty="0"/>
           </a:p>
         </p:txBody>
       </p:sp>
-      <p:pic>
-        <p:nvPicPr>
-          <p:cNvPr id="5" name="图片 4"/>
-          <p:cNvPicPr>
-            <a:picLocks noChangeAspect="1"/>
-          </p:cNvPicPr>
-          <p:nvPr/>
-        </p:nvPicPr>
-        <p:blipFill>
-          <a:blip r:embed="rId3"/>
-          <a:stretch>
-            <a:fillRect/>
-          </a:stretch>
-        </p:blipFill>
-        <p:spPr>
-          <a:xfrm>
-            <a:off x="984739" y="2337356"/>
-            <a:ext cx="6963508" cy="2244494"/>
-          </a:xfrm>
-          <a:prstGeom prst="rect">
-            <a:avLst/>
-          </a:prstGeom>
-        </p:spPr>
-      </p:pic>
       <p:sp>
         <p:nvSpPr>
           <p:cNvPr id="3" name="文本框 2"/>
@@ -12400,7 +13541,7 @@
         </p:nvSpPr>
         <p:spPr>
           <a:xfrm>
-            <a:off x="1181528" y="5034337"/>
+            <a:off x="1181528" y="5054885"/>
             <a:ext cx="9996755" cy="369332"/>
           </a:xfrm>
           <a:prstGeom prst="rect">
@@ -12415,15 +13556,49 @@
           <a:lstStyle/>
           <a:p>
             <a:r>
+              <a:rPr kumimoji="1" lang="zh-CN" altLang="en-US" dirty="0" smtClean="0"/>
+              <a:t>官网：</a:t>
+            </a:r>
+            <a:r>
+              <a:rPr lang="en-US" altLang="zh-CN" dirty="0" smtClean="0">
+                <a:hlinkClick r:id="rId3"/>
+              </a:rPr>
+              <a:t>http</a:t>
+            </a:r>
+            <a:r>
               <a:rPr lang="en-US" altLang="zh-CN" dirty="0">
-                <a:hlinkClick r:id="rId4"/>
+                <a:hlinkClick r:id="rId3"/>
               </a:rPr>
-              <a:t>https://codepen.io/ryanzola/pen/WPxaeq</a:t>
+              <a:t>://maxwellito.github.io/vivus/</a:t>
             </a:r>
             <a:endParaRPr kumimoji="1" lang="zh-CN" altLang="en-US" dirty="0"/>
           </a:p>
         </p:txBody>
       </p:sp>
+      <p:pic>
+        <p:nvPicPr>
+          <p:cNvPr id="6" name="图片 5"/>
+          <p:cNvPicPr>
+            <a:picLocks noChangeAspect="1"/>
+          </p:cNvPicPr>
+          <p:nvPr/>
+        </p:nvPicPr>
+        <p:blipFill>
+          <a:blip r:embed="rId4"/>
+          <a:stretch>
+            <a:fillRect/>
+          </a:stretch>
+        </p:blipFill>
+        <p:spPr>
+          <a:xfrm>
+            <a:off x="2110198" y="2147013"/>
+            <a:ext cx="3766620" cy="2739360"/>
+          </a:xfrm>
+          <a:prstGeom prst="rect">
+            <a:avLst/>
+          </a:prstGeom>
+        </p:spPr>
+      </p:pic>
     </p:spTree>
     <p:extLst>
       <p:ext uri="{BB962C8B-B14F-4D97-AF65-F5344CB8AC3E}">
@@ -12988,11 +14163,7 @@
             </a:r>
             <a:r>
               <a:rPr lang="zh-CN" altLang="en-US" sz="3200" b="1" dirty="0" smtClean="0"/>
-              <a:t>基本</a:t>
-            </a:r>
-            <a:r>
-              <a:rPr lang="zh-CN" altLang="en-US" sz="3200" b="1" dirty="0" smtClean="0"/>
-              <a:t>概念</a:t>
+              <a:t>基本概念</a:t>
             </a:r>
             <a:endParaRPr lang="zh-CN" altLang="en-US" sz="3200" b="1" dirty="0"/>
           </a:p>
@@ -13619,9 +14790,14 @@
               <a:t>meetOrSlice</a:t>
             </a:r>
             <a:r>
-              <a:rPr lang="en-US" altLang="zh-CN" sz="1600" b="1" dirty="0"/>
+              <a:rPr lang="en-US" altLang="zh-CN" sz="1600" b="1" dirty="0" smtClean="0"/>
               <a:t>&gt;]</a:t>
             </a:r>
+            <a:r>
+              <a:rPr lang="zh-CN" altLang="en-US" sz="1600" b="1" dirty="0" smtClean="0"/>
+              <a:t>    （保持长宽比）</a:t>
+            </a:r>
+            <a:endParaRPr lang="en-US" altLang="zh-CN" sz="1600" b="1" dirty="0"/>
           </a:p>
         </p:txBody>
       </p:sp>
@@ -13670,10 +14846,6 @@
             <a:r>
               <a:rPr lang="en-US" altLang="zh-CN" b="1" dirty="0" err="1" smtClean="0"/>
               <a:t>meetOrSlice</a:t>
-            </a:r>
-            <a:r>
-              <a:rPr lang="zh-CN" altLang="en-US" b="1" dirty="0" smtClean="0"/>
-              <a:t>（）</a:t>
             </a:r>
             <a:endParaRPr lang="en-US" altLang="zh-CN" b="1" dirty="0" smtClean="0"/>
           </a:p>
@@ -13981,7 +15153,7 @@
         <p:spPr>
           <a:xfrm>
             <a:off x="801384" y="595901"/>
-            <a:ext cx="10715946" cy="5724644"/>
+            <a:ext cx="10715946" cy="6001643"/>
           </a:xfrm>
           <a:prstGeom prst="rect">
             <a:avLst/>
@@ -14008,7 +15180,7 @@
             </a:r>
             <a:r>
               <a:rPr lang="zh-CN" altLang="en-US" b="1" dirty="0" smtClean="0"/>
-              <a:t>  </a:t>
+              <a:t>            </a:t>
             </a:r>
             <a:endParaRPr lang="en-US" altLang="zh-CN" b="1" dirty="0" smtClean="0"/>
           </a:p>
@@ -14121,6 +15293,18 @@
             <a:r>
               <a:rPr lang="zh-CN" altLang="en-US" dirty="0" smtClean="0"/>
               <a:t>那个</a:t>
+            </a:r>
+            <a:r>
+              <a:rPr lang="en-US" altLang="zh-CN" dirty="0" smtClean="0"/>
+              <a:t>,</a:t>
+            </a:r>
+            <a:r>
+              <a:rPr lang="zh-CN" altLang="en-US" dirty="0" smtClean="0"/>
+              <a:t>有点像</a:t>
+            </a:r>
+            <a:r>
+              <a:rPr lang="en-US" altLang="zh-CN" b="1" dirty="0" err="1" smtClean="0"/>
+              <a:t>background-size:contain</a:t>
             </a:r>
             <a:endParaRPr lang="en-US" altLang="zh-CN" dirty="0" smtClean="0"/>
           </a:p>
@@ -14313,7 +15497,7 @@
         </p:blipFill>
         <p:spPr>
           <a:xfrm>
-            <a:off x="1371599" y="3376030"/>
+            <a:off x="1371599" y="3478770"/>
             <a:ext cx="9575515" cy="594284"/>
           </a:xfrm>
           <a:prstGeom prst="rect">
@@ -14393,11 +15577,7 @@
             </a:r>
             <a:r>
               <a:rPr kumimoji="1" lang="zh-CN" altLang="en-US" sz="3200" b="1" dirty="0" smtClean="0"/>
-              <a:t> </a:t>
-            </a:r>
-            <a:r>
-              <a:rPr kumimoji="1" lang="zh-CN" altLang="en-US" sz="3200" b="1" dirty="0" smtClean="0"/>
-              <a:t>怎样制作一个</a:t>
+              <a:t> 怎样制作一个</a:t>
             </a:r>
             <a:r>
               <a:rPr kumimoji="1" lang="en-US" altLang="zh-CN" sz="3200" b="1" dirty="0" smtClean="0"/>
@@ -14612,6 +15792,60 @@
               <a:t>即可。</a:t>
             </a:r>
             <a:endParaRPr lang="zh-CN" altLang="en-US" dirty="0"/>
+          </a:p>
+        </p:txBody>
+      </p:sp>
+      <p:pic>
+        <p:nvPicPr>
+          <p:cNvPr id="7" name="图片 6"/>
+          <p:cNvPicPr>
+            <a:picLocks noChangeAspect="1"/>
+          </p:cNvPicPr>
+          <p:nvPr/>
+        </p:nvPicPr>
+        <p:blipFill>
+          <a:blip r:embed="rId5"/>
+          <a:stretch>
+            <a:fillRect/>
+          </a:stretch>
+        </p:blipFill>
+        <p:spPr>
+          <a:xfrm>
+            <a:off x="2553166" y="1611797"/>
+            <a:ext cx="6718300" cy="774700"/>
+          </a:xfrm>
+          <a:prstGeom prst="rect">
+            <a:avLst/>
+          </a:prstGeom>
+        </p:spPr>
+      </p:pic>
+      <p:sp>
+        <p:nvSpPr>
+          <p:cNvPr id="8" name="文本框 7"/>
+          <p:cNvSpPr txBox="1"/>
+          <p:nvPr/>
+        </p:nvSpPr>
+        <p:spPr>
+          <a:xfrm>
+            <a:off x="965308" y="1222625"/>
+            <a:ext cx="8867061" cy="369332"/>
+          </a:xfrm>
+          <a:prstGeom prst="rect">
+            <a:avLst/>
+          </a:prstGeom>
+          <a:noFill/>
+        </p:spPr>
+        <p:txBody>
+          <a:bodyPr wrap="square" rtlCol="0">
+            <a:spAutoFit/>
+          </a:bodyPr>
+          <a:lstStyle/>
+          <a:p>
+            <a:r>
+              <a:rPr kumimoji="1" lang="zh-CN" altLang="en-US" dirty="0" smtClean="0"/>
+              <a:t>代码编辑</a:t>
+            </a:r>
+            <a:endParaRPr kumimoji="1" lang="zh-CN" altLang="en-US" dirty="0"/>
           </a:p>
         </p:txBody>
       </p:sp>

--- a/SVG动画 [自动保存] [自动保存].pptx
+++ b/SVG动画 [自动保存] [自动保存].pptx
@@ -12150,7 +12150,7 @@
               <a:t>dash</a:t>
             </a:r>
             <a:r>
-              <a:rPr kumimoji="1" lang="zh-CN" altLang="en-US" smtClean="0">
+              <a:rPr kumimoji="1" lang="zh-CN" altLang="en-US" dirty="0" smtClean="0">
                 <a:solidFill>
                   <a:srgbClr val="0070C0"/>
                 </a:solidFill>
@@ -13804,7 +13804,7 @@
         <p:spPr>
           <a:xfrm>
             <a:off x="624055" y="2625969"/>
-            <a:ext cx="10970068" cy="3139321"/>
+            <a:ext cx="10970068" cy="3693319"/>
           </a:xfrm>
           <a:prstGeom prst="rect">
             <a:avLst/>
@@ -13903,11 +13903,15 @@
             </a:r>
             <a:r>
               <a:rPr lang="zh-CN" altLang="en-US" dirty="0" smtClean="0"/>
-              <a:t> 第二</a:t>
+              <a:t> </a:t>
+            </a:r>
+            <a:r>
+              <a:rPr lang="zh-CN" altLang="en-US" dirty="0" smtClean="0"/>
+              <a:t>第二行</a:t>
             </a:r>
             <a:r>
               <a:rPr lang="zh-CN" altLang="en-US" dirty="0"/>
-              <a:t>和第三行引用了这个外部的 </a:t>
+              <a:t>引用了这个外部的 </a:t>
             </a:r>
             <a:r>
               <a:rPr lang="en-US" altLang="zh-CN" dirty="0"/>
@@ -14846,6 +14850,26 @@
             <a:r>
               <a:rPr lang="en-US" altLang="zh-CN" b="1" dirty="0" err="1" smtClean="0"/>
               <a:t>meetOrSlice</a:t>
+            </a:r>
+            <a:r>
+              <a:rPr lang="zh-CN" altLang="en-US" b="1" dirty="0" smtClean="0"/>
+              <a:t> （</a:t>
+            </a:r>
+            <a:r>
+              <a:rPr lang="zh-CN" altLang="en-US" dirty="0"/>
+              <a:t>内</a:t>
+            </a:r>
+            <a:r>
+              <a:rPr lang="zh-CN" altLang="en-US" dirty="0" smtClean="0"/>
+              <a:t>嵌 </a:t>
+            </a:r>
+            <a:r>
+              <a:rPr lang="en-US" altLang="zh-CN" dirty="0" smtClean="0"/>
+              <a:t>or</a:t>
+            </a:r>
+            <a:r>
+              <a:rPr lang="zh-CN" altLang="en-US" dirty="0" smtClean="0"/>
+              <a:t> 裁剪）</a:t>
             </a:r>
             <a:endParaRPr lang="en-US" altLang="zh-CN" b="1" dirty="0" smtClean="0"/>
           </a:p>
